--- a/powerpoints/ITU Academy Slides AM4-09.pptx
+++ b/powerpoints/ITU Academy Slides AM4-09.pptx
@@ -35,6 +35,7 @@
     <p:sldId id="280" r:id="rId32"/>
     <p:sldId id="281" r:id="rId33"/>
     <p:sldId id="282" r:id="rId34"/>
+    <p:sldId id="283" r:id="rId35"/>
   </p:sldIdLst>
   <p:sldSz cx="9144000" cy="6858000"/>
   <p:notesSz cx="6858000" cy="9144000"/>
@@ -579,7 +580,7 @@
       </p:grpSpPr>
       <p:sp>
         <p:nvSpPr>
-          <p:cNvPr id="217" name="Shape 217"/>
+          <p:cNvPr id="218" name="Shape 218"/>
           <p:cNvSpPr/>
           <p:nvPr>
             <p:ph type="sldImg"/>
@@ -600,7 +601,7 @@
       </p:sp>
       <p:sp>
         <p:nvSpPr>
-          <p:cNvPr id="218" name="Shape 218"/>
+          <p:cNvPr id="219" name="Shape 219"/>
           <p:cNvSpPr/>
           <p:nvPr>
             <p:ph type="body" sz="quarter" idx="1"/>
@@ -6846,7 +6847,7 @@
         <p:spPr>
           <a:xfrm>
             <a:off x="2139950" y="1358629"/>
-            <a:ext cx="4864101" cy="3200401"/>
+            <a:ext cx="4864100" cy="3200401"/>
           </a:xfrm>
           <a:prstGeom prst="rect">
             <a:avLst/>
@@ -6884,7 +6885,7 @@
       </p:grpSpPr>
       <p:sp>
         <p:nvSpPr>
-          <p:cNvPr id="173" name="Discussion"/>
+          <p:cNvPr id="173" name="A better result"/>
           <p:cNvSpPr txBox="1"/>
           <p:nvPr>
             <p:ph type="title"/>
@@ -6901,20 +6902,24 @@
           <a:p>
             <a:pPr/>
             <a:r>
-              <a:t>Discussion</a:t>
+              <a:t>A better result</a:t>
             </a:r>
           </a:p>
         </p:txBody>
       </p:sp>
       <p:sp>
         <p:nvSpPr>
-          <p:cNvPr id="174" name="This example is considered a tough challenge, why?…"/>
+          <p:cNvPr id="174" name="We try a 16-fold cross validation: divide the dataset into 16 sets of 10 samples each; train with 15 of them and test with the left-out one…"/>
           <p:cNvSpPr txBox="1"/>
           <p:nvPr>
             <p:ph type="body" idx="1"/>
           </p:nvPr>
         </p:nvSpPr>
         <p:spPr>
+          <a:xfrm>
+            <a:off x="457200" y="1843391"/>
+            <a:ext cx="8229600" cy="4525964"/>
+          </a:xfrm>
           <a:prstGeom prst="rect">
             <a:avLst/>
           </a:prstGeom>
@@ -6923,37 +6928,136 @@
           <a:bodyPr/>
           <a:lstStyle/>
           <a:p>
-            <a:pPr/>
-            <a:r>
-              <a:t>This example is considered a tough challenge, why?</a:t>
-            </a:r>
-          </a:p>
-          <a:p>
-            <a:pPr/>
-            <a:r>
-              <a:t>Look more closely at the data. Is it consistent? Does it have enough information for learning?</a:t>
-            </a:r>
-          </a:p>
-          <a:p>
-            <a:pPr/>
-            <a:r>
-              <a:t>How would you step forward with working out a better regression method?</a:t>
-            </a:r>
-          </a:p>
-          <a:p>
-            <a:pPr lvl="2" marL="1257300" indent="-342900"/>
-            <a:r>
-              <a:t>More hidden layers?</a:t>
-            </a:r>
-          </a:p>
-          <a:p>
-            <a:pPr lvl="2" marL="1257300" indent="-342900"/>
-            <a:r>
-              <a:t>Different optimization?</a:t>
+            <a:pPr marL="298322" indent="-298322" defTabSz="795527">
+              <a:spcBef>
+                <a:spcPts val="600"/>
+              </a:spcBef>
+              <a:defRPr sz="2784"/>
+            </a:pPr>
+          </a:p>
+          <a:p>
+            <a:pPr marL="298322" indent="-298322" defTabSz="795527">
+              <a:spcBef>
+                <a:spcPts val="600"/>
+              </a:spcBef>
+              <a:defRPr sz="2784"/>
+            </a:pPr>
+          </a:p>
+          <a:p>
+            <a:pPr marL="298322" indent="-298322" defTabSz="795527">
+              <a:spcBef>
+                <a:spcPts val="600"/>
+              </a:spcBef>
+              <a:defRPr sz="2784"/>
+            </a:pPr>
+          </a:p>
+          <a:p>
+            <a:pPr marL="298322" indent="-298322" defTabSz="795527">
+              <a:spcBef>
+                <a:spcPts val="600"/>
+              </a:spcBef>
+              <a:defRPr sz="2784"/>
+            </a:pPr>
+          </a:p>
+          <a:p>
+            <a:pPr marL="298322" indent="-298322" defTabSz="795527">
+              <a:spcBef>
+                <a:spcPts val="600"/>
+              </a:spcBef>
+              <a:defRPr sz="2784"/>
+            </a:pPr>
+          </a:p>
+          <a:p>
+            <a:pPr marL="298322" indent="-298322" defTabSz="795527">
+              <a:spcBef>
+                <a:spcPts val="600"/>
+              </a:spcBef>
+              <a:defRPr sz="2784"/>
+            </a:pPr>
+            <a:r>
+              <a:t>We try a 16-fold cross validation: divide the dataset into 16 sets of 10 samples each; train with 15 of them and test with the left-out one</a:t>
+            </a:r>
+          </a:p>
+          <a:p>
+            <a:pPr marL="298322" indent="-298322" defTabSz="795527">
+              <a:spcBef>
+                <a:spcPts val="600"/>
+              </a:spcBef>
+              <a:defRPr sz="2784"/>
+            </a:pPr>
+            <a:r>
+              <a:t>The improvement shows that we need more samples!</a:t>
             </a:r>
           </a:p>
         </p:txBody>
       </p:sp>
+      <p:sp>
+        <p:nvSpPr>
+          <p:cNvPr id="175" name="Rectangle"/>
+          <p:cNvSpPr/>
+          <p:nvPr/>
+        </p:nvSpPr>
+        <p:spPr>
+          <a:xfrm>
+            <a:off x="2571011" y="1336465"/>
+            <a:ext cx="4234847" cy="3081905"/>
+          </a:xfrm>
+          <a:prstGeom prst="rect">
+            <a:avLst/>
+          </a:prstGeom>
+          <a:solidFill>
+            <a:srgbClr val="FFFFFF"/>
+          </a:solidFill>
+          <a:ln w="25400">
+            <a:solidFill>
+              <a:schemeClr val="accent1"/>
+            </a:solidFill>
+          </a:ln>
+          <a:effectLst>
+            <a:outerShdw sx="100000" sy="100000" kx="0" ky="0" algn="b" rotWithShape="0" blurRad="38100" dist="23000" dir="5400000">
+              <a:srgbClr val="000000">
+                <a:alpha val="35000"/>
+              </a:srgbClr>
+            </a:outerShdw>
+          </a:effectLst>
+        </p:spPr>
+        <p:txBody>
+          <a:bodyPr lIns="45719" rIns="45719" anchor="ctr"/>
+          <a:lstStyle/>
+          <a:p>
+            <a:pPr/>
+          </a:p>
+        </p:txBody>
+      </p:sp>
+      <p:pic>
+        <p:nvPicPr>
+          <p:cNvPr id="176" name="servo.pdf" descr="servo.pdf"/>
+          <p:cNvPicPr>
+            <a:picLocks noChangeAspect="1"/>
+          </p:cNvPicPr>
+          <p:nvPr/>
+        </p:nvPicPr>
+        <p:blipFill>
+          <a:blip r:embed="rId2">
+            <a:extLst/>
+          </a:blip>
+          <a:stretch>
+            <a:fillRect/>
+          </a:stretch>
+        </p:blipFill>
+        <p:spPr>
+          <a:xfrm>
+            <a:off x="2114914" y="1238869"/>
+            <a:ext cx="4914172" cy="3439921"/>
+          </a:xfrm>
+          <a:prstGeom prst="rect">
+            <a:avLst/>
+          </a:prstGeom>
+          <a:ln w="12700">
+            <a:miter lim="400000"/>
+          </a:ln>
+        </p:spPr>
+      </p:pic>
     </p:spTree>
   </p:cSld>
   <p:clrMapOvr>
@@ -6982,7 +7086,7 @@
       </p:grpSpPr>
       <p:sp>
         <p:nvSpPr>
-          <p:cNvPr id="176" name="Example: forest covers in different environments"/>
+          <p:cNvPr id="178" name="Discussion"/>
           <p:cNvSpPr txBox="1"/>
           <p:nvPr>
             <p:ph type="title"/>
@@ -6999,46 +7103,17 @@
           <a:p>
             <a:pPr/>
             <a:r>
-              <a:t>Example: forest covers in different environments</a:t>
+              <a:t>Discussion</a:t>
             </a:r>
           </a:p>
         </p:txBody>
       </p:sp>
-      <p:pic>
-        <p:nvPicPr>
-          <p:cNvPr id="177" name="Picture Placeholder 2" descr="Picture Placeholder 2"/>
-          <p:cNvPicPr>
-            <a:picLocks noChangeAspect="1"/>
-          </p:cNvPicPr>
-          <p:nvPr>
-            <p:ph type="pic" idx="13"/>
-          </p:nvPr>
-        </p:nvPicPr>
-        <p:blipFill>
-          <a:blip r:embed="rId2">
-            <a:extLst/>
-          </a:blip>
-          <a:srcRect l="0" t="0" r="0" b="0"/>
-          <a:stretch>
-            <a:fillRect/>
-          </a:stretch>
-        </p:blipFill>
-        <p:spPr>
-          <a:xfrm>
-            <a:off x="1908823" y="1692512"/>
-            <a:ext cx="5326243" cy="3116127"/>
-          </a:xfrm>
-          <a:prstGeom prst="rect">
-            <a:avLst/>
-          </a:prstGeom>
-        </p:spPr>
-      </p:pic>
       <p:sp>
         <p:nvSpPr>
-          <p:cNvPr id="178" name="How does the forest depend on: altitude, climate, soil type etc.?…"/>
+          <p:cNvPr id="179" name="This example is considered a tough challenge, why?…"/>
           <p:cNvSpPr txBox="1"/>
           <p:nvPr>
-            <p:ph type="body" sz="quarter" idx="1"/>
+            <p:ph type="body" idx="1"/>
           </p:nvPr>
         </p:nvSpPr>
         <p:spPr>
@@ -7052,93 +7127,31 @@
           <a:p>
             <a:pPr/>
             <a:r>
-              <a:t>How does the forest depend on: altitude, climate, soil type etc.?</a:t>
-            </a:r>
-          </a:p>
-          <a:p>
-            <a:pPr/>
-            <a:r>
-              <a:t>Can we predict the forest that will develop in a given area, from measuring the various environmental conditions?</a:t>
-            </a:r>
-          </a:p>
-        </p:txBody>
-      </p:sp>
-      <p:sp>
-        <p:nvSpPr>
-          <p:cNvPr id="179" name="https://archive.ics.uci.edu/ml/datasets/covertype"/>
-          <p:cNvSpPr txBox="1"/>
-          <p:nvPr/>
-        </p:nvSpPr>
-        <p:spPr>
-          <a:xfrm>
-            <a:off x="905961" y="6240779"/>
-            <a:ext cx="3434840" cy="281941"/>
-          </a:xfrm>
-          <a:prstGeom prst="rect">
-            <a:avLst/>
-          </a:prstGeom>
-          <a:ln w="12700">
-            <a:miter lim="400000"/>
-          </a:ln>
-          <a:extLst>
-            <a:ext uri="{C572A759-6A51-4108-AA02-DFA0A04FC94B}">
-              <ma14:wrappingTextBoxFlag xmlns:ma14="http://schemas.microsoft.com/office/mac/drawingml/2011/main" val="1"/>
-            </a:ext>
-          </a:extLst>
-        </p:spPr>
-        <p:txBody>
-          <a:bodyPr wrap="none" lIns="45719" rIns="45719">
-            <a:spAutoFit/>
-          </a:bodyPr>
-          <a:lstStyle>
-            <a:lvl1pPr>
-              <a:defRPr sz="1300"/>
-            </a:lvl1pPr>
-          </a:lstStyle>
-          <a:p>
-            <a:pPr/>
-            <a:r>
-              <a:t>https://archive.ics.uci.edu/ml/datasets/covertype</a:t>
-            </a:r>
-          </a:p>
-        </p:txBody>
-      </p:sp>
-      <p:sp>
-        <p:nvSpPr>
-          <p:cNvPr id="180" name="An example of classification"/>
-          <p:cNvSpPr txBox="1"/>
-          <p:nvPr/>
-        </p:nvSpPr>
-        <p:spPr>
-          <a:xfrm>
-            <a:off x="457200" y="274638"/>
-            <a:ext cx="8229600" cy="1143001"/>
-          </a:xfrm>
-          <a:prstGeom prst="rect">
-            <a:avLst/>
-          </a:prstGeom>
-          <a:ln w="12700">
-            <a:miter lim="400000"/>
-          </a:ln>
-          <a:extLst>
-            <a:ext uri="{C572A759-6A51-4108-AA02-DFA0A04FC94B}">
-              <ma14:wrappingTextBoxFlag xmlns:ma14="http://schemas.microsoft.com/office/mac/drawingml/2011/main" val="1"/>
-            </a:ext>
-          </a:extLst>
-        </p:spPr>
-        <p:txBody>
-          <a:bodyPr lIns="45719" rIns="45719" anchor="ctr">
-            <a:normAutofit fontScale="100000" lnSpcReduction="0"/>
-          </a:bodyPr>
-          <a:lstStyle>
-            <a:lvl1pPr algn="ctr">
-              <a:defRPr sz="4400"/>
-            </a:lvl1pPr>
-          </a:lstStyle>
-          <a:p>
-            <a:pPr/>
-            <a:r>
-              <a:t>An example of classification</a:t>
+              <a:t>This example is considered a tough challenge, why?</a:t>
+            </a:r>
+          </a:p>
+          <a:p>
+            <a:pPr/>
+            <a:r>
+              <a:t>Look more closely at the data. Is it consistent? Does it have enough information for learning?</a:t>
+            </a:r>
+          </a:p>
+          <a:p>
+            <a:pPr/>
+            <a:r>
+              <a:t>How would you step forward with working out a better regression method?</a:t>
+            </a:r>
+          </a:p>
+          <a:p>
+            <a:pPr lvl="2" marL="1257300" indent="-342900"/>
+            <a:r>
+              <a:t>More hidden layers?</a:t>
+            </a:r>
+          </a:p>
+          <a:p>
+            <a:pPr lvl="2" marL="1257300" indent="-342900"/>
+            <a:r>
+              <a:t>Different optimization?</a:t>
             </a:r>
           </a:p>
         </p:txBody>
@@ -7171,7 +7184,7 @@
       </p:grpSpPr>
       <p:sp>
         <p:nvSpPr>
-          <p:cNvPr id="182" name="Imports for Spark Machine Learning"/>
+          <p:cNvPr id="181" name="Example: forest covers in different environments"/>
           <p:cNvSpPr txBox="1"/>
           <p:nvPr>
             <p:ph type="title"/>
@@ -7188,21 +7201,80 @@
           <a:p>
             <a:pPr/>
             <a:r>
-              <a:t>Imports for Spark Machine Learning</a:t>
+              <a:t>Example: forest covers in different environments</a:t>
+            </a:r>
+          </a:p>
+        </p:txBody>
+      </p:sp>
+      <p:pic>
+        <p:nvPicPr>
+          <p:cNvPr id="182" name="Picture Placeholder 2" descr="Picture Placeholder 2"/>
+          <p:cNvPicPr>
+            <a:picLocks noChangeAspect="1"/>
+          </p:cNvPicPr>
+          <p:nvPr>
+            <p:ph type="pic" idx="13"/>
+          </p:nvPr>
+        </p:nvPicPr>
+        <p:blipFill>
+          <a:blip r:embed="rId2">
+            <a:extLst/>
+          </a:blip>
+          <a:srcRect l="0" t="0" r="0" b="0"/>
+          <a:stretch>
+            <a:fillRect/>
+          </a:stretch>
+        </p:blipFill>
+        <p:spPr>
+          <a:xfrm>
+            <a:off x="1908823" y="1692512"/>
+            <a:ext cx="5326243" cy="3116127"/>
+          </a:xfrm>
+          <a:prstGeom prst="rect">
+            <a:avLst/>
+          </a:prstGeom>
+        </p:spPr>
+      </p:pic>
+      <p:sp>
+        <p:nvSpPr>
+          <p:cNvPr id="183" name="How does the forest depend on: altitude, climate, soil type etc.?…"/>
+          <p:cNvSpPr txBox="1"/>
+          <p:nvPr>
+            <p:ph type="body" sz="quarter" idx="1"/>
+          </p:nvPr>
+        </p:nvSpPr>
+        <p:spPr>
+          <a:prstGeom prst="rect">
+            <a:avLst/>
+          </a:prstGeom>
+        </p:spPr>
+        <p:txBody>
+          <a:bodyPr/>
+          <a:lstStyle/>
+          <a:p>
+            <a:pPr/>
+            <a:r>
+              <a:t>How does the forest depend on: altitude, climate, soil type etc.?</a:t>
+            </a:r>
+          </a:p>
+          <a:p>
+            <a:pPr/>
+            <a:r>
+              <a:t>Can we predict the forest that will develop in a given area, from measuring the various environmental conditions?</a:t>
             </a:r>
           </a:p>
         </p:txBody>
       </p:sp>
       <p:sp>
         <p:nvSpPr>
-          <p:cNvPr id="183" name="import org.apache.spark.ml.{PipelineModel, Pipeline}…"/>
+          <p:cNvPr id="184" name="https://archive.ics.uci.edu/ml/datasets/covertype"/>
           <p:cNvSpPr txBox="1"/>
           <p:nvPr/>
         </p:nvSpPr>
         <p:spPr>
           <a:xfrm>
-            <a:off x="1020162" y="2291079"/>
-            <a:ext cx="7103676" cy="3444241"/>
+            <a:off x="905961" y="6240779"/>
+            <a:ext cx="3434840" cy="281941"/>
           </a:xfrm>
           <a:prstGeom prst="rect">
             <a:avLst/>
@@ -7220,71 +7292,55 @@
           <a:bodyPr wrap="none" lIns="45719" rIns="45719">
             <a:spAutoFit/>
           </a:bodyPr>
-          <a:lstStyle/>
-          <a:p>
-            <a:pPr/>
-            <a:r>
-              <a:t>import org.apache.spark.ml.{PipelineModel, Pipeline}</a:t>
-            </a:r>
-          </a:p>
-          <a:p>
-            <a:pPr/>
-            <a:r>
-              <a:t>import org.apache.spark.ml.classification.{DecisionTreeClassifier,</a:t>
-            </a:r>
-          </a:p>
-          <a:p>
-            <a:pPr/>
-            <a:r>
-              <a:t>  RandomForestClassifier, RandomForestClassificationModel}</a:t>
-            </a:r>
-          </a:p>
-          <a:p>
-            <a:pPr/>
-            <a:r>
-              <a:t>import org.apache.spark.ml.evaluation.MulticlassClassificationEvaluator</a:t>
-            </a:r>
-          </a:p>
-          <a:p>
-            <a:pPr/>
-            <a:r>
-              <a:t>import org.apache.spark.ml.feature.{VectorAssembler, VectorIndexer}</a:t>
-            </a:r>
-          </a:p>
-          <a:p>
-            <a:pPr/>
-            <a:r>
-              <a:t>import org.apache.spark.ml.linalg.Vector</a:t>
-            </a:r>
-          </a:p>
-          <a:p>
-            <a:pPr/>
-            <a:r>
-              <a:t>import org.apache.spark.ml.tuning.{ParamGridBuilder, TrainValidationSplit}</a:t>
-            </a:r>
-          </a:p>
-          <a:p>
-            <a:pPr/>
-            <a:r>
-              <a:t>import org.apache.spark.mllib.evaluation.MulticlassMetrics</a:t>
-            </a:r>
-          </a:p>
-          <a:p>
-            <a:pPr/>
-            <a:r>
-              <a:t>import org.apache.spark.sql.{DataFrame, SparkSession}</a:t>
-            </a:r>
-          </a:p>
-          <a:p>
-            <a:pPr/>
-            <a:r>
-              <a:t>import org.apache.spark.sql.functions._</a:t>
-            </a:r>
-          </a:p>
-          <a:p>
-            <a:pPr/>
-            <a:r>
-              <a:t>import scala.util.Random</a:t>
+          <a:lstStyle>
+            <a:lvl1pPr>
+              <a:defRPr sz="1300"/>
+            </a:lvl1pPr>
+          </a:lstStyle>
+          <a:p>
+            <a:pPr/>
+            <a:r>
+              <a:t>https://archive.ics.uci.edu/ml/datasets/covertype</a:t>
+            </a:r>
+          </a:p>
+        </p:txBody>
+      </p:sp>
+      <p:sp>
+        <p:nvSpPr>
+          <p:cNvPr id="185" name="An example of classification"/>
+          <p:cNvSpPr txBox="1"/>
+          <p:nvPr/>
+        </p:nvSpPr>
+        <p:spPr>
+          <a:xfrm>
+            <a:off x="457200" y="274638"/>
+            <a:ext cx="8229600" cy="1143001"/>
+          </a:xfrm>
+          <a:prstGeom prst="rect">
+            <a:avLst/>
+          </a:prstGeom>
+          <a:ln w="12700">
+            <a:miter lim="400000"/>
+          </a:ln>
+          <a:extLst>
+            <a:ext uri="{C572A759-6A51-4108-AA02-DFA0A04FC94B}">
+              <ma14:wrappingTextBoxFlag xmlns:ma14="http://schemas.microsoft.com/office/mac/drawingml/2011/main" val="1"/>
+            </a:ext>
+          </a:extLst>
+        </p:spPr>
+        <p:txBody>
+          <a:bodyPr lIns="45719" rIns="45719" anchor="ctr">
+            <a:normAutofit fontScale="100000" lnSpcReduction="0"/>
+          </a:bodyPr>
+          <a:lstStyle>
+            <a:lvl1pPr algn="ctr">
+              <a:defRPr sz="4400"/>
+            </a:lvl1pPr>
+          </a:lstStyle>
+          <a:p>
+            <a:pPr/>
+            <a:r>
+              <a:t>An example of classification</a:t>
             </a:r>
           </a:p>
         </p:txBody>
@@ -7317,7 +7373,7 @@
       </p:grpSpPr>
       <p:sp>
         <p:nvSpPr>
-          <p:cNvPr id="185" name="Open CSV, give name to columns"/>
+          <p:cNvPr id="187" name="Imports for Spark Machine Learning"/>
           <p:cNvSpPr txBox="1"/>
           <p:nvPr>
             <p:ph type="title"/>
@@ -7334,21 +7390,21 @@
           <a:p>
             <a:pPr/>
             <a:r>
-              <a:t>Open CSV, give name to columns</a:t>
+              <a:t>Imports for Spark Machine Learning</a:t>
             </a:r>
           </a:p>
         </p:txBody>
       </p:sp>
       <p:sp>
         <p:nvSpPr>
-          <p:cNvPr id="186" name="import spark.implicits._…"/>
+          <p:cNvPr id="188" name="import org.apache.spark.ml.{PipelineModel, Pipeline}…"/>
           <p:cNvSpPr txBox="1"/>
           <p:nvPr/>
         </p:nvSpPr>
         <p:spPr>
           <a:xfrm>
-            <a:off x="821340" y="1440179"/>
-            <a:ext cx="7501320" cy="5069841"/>
+            <a:off x="1020162" y="2291079"/>
+            <a:ext cx="7103676" cy="3444241"/>
           </a:xfrm>
           <a:prstGeom prst="rect">
             <a:avLst/>
@@ -7363,209 +7419,74 @@
           </a:extLst>
         </p:spPr>
         <p:txBody>
-          <a:bodyPr lIns="45719" rIns="45719">
+          <a:bodyPr wrap="none" lIns="45719" rIns="45719">
             <a:spAutoFit/>
           </a:bodyPr>
           <a:lstStyle/>
           <a:p>
-            <a:pPr>
-              <a:defRPr sz="1200"/>
-            </a:pPr>
-            <a:r>
-              <a:t>    import spark.implicits._</a:t>
-            </a:r>
-          </a:p>
-          <a:p>
-            <a:pPr>
-              <a:defRPr sz="1200"/>
-            </a:pPr>
-          </a:p>
-          <a:p>
-            <a:pPr>
-              <a:defRPr sz="1200"/>
-            </a:pPr>
-            <a:r>
-              <a:t>    val dataWithoutHeader = spark.read.</a:t>
-            </a:r>
-          </a:p>
-          <a:p>
-            <a:pPr>
-              <a:defRPr sz="1200"/>
-            </a:pPr>
-            <a:r>
-              <a:t>      option("inferSchema", true).</a:t>
-            </a:r>
-          </a:p>
-          <a:p>
-            <a:pPr>
-              <a:defRPr sz="1200"/>
-            </a:pPr>
-            <a:r>
-              <a:t>      option("header", false).</a:t>
-            </a:r>
-          </a:p>
-          <a:p>
-            <a:pPr>
-              <a:defRPr sz="1200"/>
-            </a:pPr>
-            <a:r>
-              <a:t>      csv("/Users/markon/ITU/covtype.data")</a:t>
-            </a:r>
-          </a:p>
-          <a:p>
-            <a:pPr>
-              <a:defRPr sz="1200"/>
-            </a:pPr>
-          </a:p>
-          <a:p>
-            <a:pPr>
-              <a:defRPr sz="1200"/>
-            </a:pPr>
-            <a:r>
-              <a:t>    val colNames = Seq(</a:t>
-            </a:r>
-          </a:p>
-          <a:p>
-            <a:pPr>
-              <a:defRPr sz="1200"/>
-            </a:pPr>
-            <a:r>
-              <a:t>        "Elevation", "Aspect", "Slope",</a:t>
-            </a:r>
-          </a:p>
-          <a:p>
-            <a:pPr>
-              <a:defRPr sz="1200"/>
-            </a:pPr>
-            <a:r>
-              <a:t>        "Horizontal_Distance_To_Hydrology", "Vertical_Distance_To_Hydrology",</a:t>
-            </a:r>
-          </a:p>
-          <a:p>
-            <a:pPr>
-              <a:defRPr sz="1200"/>
-            </a:pPr>
-            <a:r>
-              <a:t>        "Horizontal_Distance_To_Roadways",</a:t>
-            </a:r>
-          </a:p>
-          <a:p>
-            <a:pPr>
-              <a:defRPr sz="1200"/>
-            </a:pPr>
-            <a:r>
-              <a:t>        "Hillshade_9am", "Hillshade_Noon", "Hillshade_3pm",</a:t>
-            </a:r>
-          </a:p>
-          <a:p>
-            <a:pPr>
-              <a:defRPr sz="1200"/>
-            </a:pPr>
-            <a:r>
-              <a:t>        "Horizontal_Distance_To_Fire_Points"</a:t>
-            </a:r>
-          </a:p>
-          <a:p>
-            <a:pPr>
-              <a:defRPr sz="1200"/>
-            </a:pPr>
-            <a:r>
-              <a:t>      ) ++ (</a:t>
-            </a:r>
-          </a:p>
-          <a:p>
-            <a:pPr>
-              <a:defRPr sz="1200"/>
-            </a:pPr>
-            <a:r>
-              <a:t>        (0 until 4).map(i =&gt; s"Wilderness_Area_$i")</a:t>
-            </a:r>
-          </a:p>
-          <a:p>
-            <a:pPr>
-              <a:defRPr sz="1200"/>
-            </a:pPr>
-            <a:r>
-              <a:t>      ) ++ (</a:t>
-            </a:r>
-          </a:p>
-          <a:p>
-            <a:pPr>
-              <a:defRPr sz="1200"/>
-            </a:pPr>
-            <a:r>
-              <a:t>        (0 until 40).map(i =&gt; s"Soil_Type_$i")</a:t>
-            </a:r>
-          </a:p>
-          <a:p>
-            <a:pPr>
-              <a:defRPr sz="1200"/>
-            </a:pPr>
-            <a:r>
-              <a:t>      ) ++ Seq("Cover_Type")</a:t>
-            </a:r>
-          </a:p>
-          <a:p>
-            <a:pPr>
-              <a:defRPr sz="1200"/>
-            </a:pPr>
-          </a:p>
-          <a:p>
-            <a:pPr>
-              <a:defRPr sz="1200"/>
-            </a:pPr>
-            <a:r>
-              <a:t>    val data = dataWithoutHeader.toDF(colNames:_*).</a:t>
-            </a:r>
-          </a:p>
-          <a:p>
-            <a:pPr>
-              <a:defRPr sz="1200"/>
-            </a:pPr>
-            <a:r>
-              <a:t>      withColumn("Cover_Type", $"Cover_Type".cast("double"))</a:t>
-            </a:r>
-          </a:p>
-          <a:p>
-            <a:pPr>
-              <a:defRPr sz="1200"/>
-            </a:pPr>
-          </a:p>
-          <a:p>
-            <a:pPr>
-              <a:defRPr sz="1200"/>
-            </a:pPr>
-            <a:r>
-              <a:t>    data.show()</a:t>
-            </a:r>
-          </a:p>
-          <a:p>
-            <a:pPr>
-              <a:defRPr sz="1200"/>
-            </a:pPr>
-            <a:r>
-              <a:t>    data.head</a:t>
-            </a:r>
-          </a:p>
-          <a:p>
-            <a:pPr>
-              <a:defRPr sz="1200"/>
-            </a:pPr>
-          </a:p>
-          <a:p>
-            <a:pPr>
-              <a:defRPr sz="1200"/>
-            </a:pPr>
-            <a:r>
-              <a:t>    // Split into 90% train (+ CV), 10% test</a:t>
-            </a:r>
-          </a:p>
-          <a:p>
-            <a:pPr>
-              <a:defRPr sz="1200"/>
-            </a:pPr>
-            <a:r>
-              <a:t>    val Array(trainData, testData) = data.randomSplit(Array(0.9, 0.1))</a:t>
+            <a:pPr/>
+            <a:r>
+              <a:t>import org.apache.spark.ml.{PipelineModel, Pipeline}</a:t>
+            </a:r>
+          </a:p>
+          <a:p>
+            <a:pPr/>
+            <a:r>
+              <a:t>import org.apache.spark.ml.classification.{DecisionTreeClassifier,</a:t>
+            </a:r>
+          </a:p>
+          <a:p>
+            <a:pPr/>
+            <a:r>
+              <a:t>  RandomForestClassifier, RandomForestClassificationModel}</a:t>
+            </a:r>
+          </a:p>
+          <a:p>
+            <a:pPr/>
+            <a:r>
+              <a:t>import org.apache.spark.ml.evaluation.MulticlassClassificationEvaluator</a:t>
+            </a:r>
+          </a:p>
+          <a:p>
+            <a:pPr/>
+            <a:r>
+              <a:t>import org.apache.spark.ml.feature.{VectorAssembler, VectorIndexer}</a:t>
+            </a:r>
+          </a:p>
+          <a:p>
+            <a:pPr/>
+            <a:r>
+              <a:t>import org.apache.spark.ml.linalg.Vector</a:t>
+            </a:r>
+          </a:p>
+          <a:p>
+            <a:pPr/>
+            <a:r>
+              <a:t>import org.apache.spark.ml.tuning.{ParamGridBuilder, TrainValidationSplit}</a:t>
+            </a:r>
+          </a:p>
+          <a:p>
+            <a:pPr/>
+            <a:r>
+              <a:t>import org.apache.spark.mllib.evaluation.MulticlassMetrics</a:t>
+            </a:r>
+          </a:p>
+          <a:p>
+            <a:pPr/>
+            <a:r>
+              <a:t>import org.apache.spark.sql.{DataFrame, SparkSession}</a:t>
+            </a:r>
+          </a:p>
+          <a:p>
+            <a:pPr/>
+            <a:r>
+              <a:t>import org.apache.spark.sql.functions._</a:t>
+            </a:r>
+          </a:p>
+          <a:p>
+            <a:pPr/>
+            <a:r>
+              <a:t>import scala.util.Random</a:t>
             </a:r>
           </a:p>
         </p:txBody>
@@ -7598,7 +7519,7 @@
       </p:grpSpPr>
       <p:sp>
         <p:nvSpPr>
-          <p:cNvPr id="188" name="Head of the resulting table"/>
+          <p:cNvPr id="190" name="Open CSV, give name to columns"/>
           <p:cNvSpPr txBox="1"/>
           <p:nvPr>
             <p:ph type="title"/>
@@ -7615,21 +7536,21 @@
           <a:p>
             <a:pPr/>
             <a:r>
-              <a:t>Head of the resulting table</a:t>
+              <a:t>Open CSV, give name to columns</a:t>
             </a:r>
           </a:p>
         </p:txBody>
       </p:sp>
       <p:sp>
         <p:nvSpPr>
-          <p:cNvPr id="189" name="+---------+------+-----+--------------------------------+------------------------------+-------------------------------+-------------+--------------+-------------+----------------------------------+-----------------+-----------------+-----------------+-----------------+-----------+-----------+-----------+-----------+-----------+-----------+-----------+-----------+-----------+-----------+------------+------------+------------+------------+------------+------------+------------+------------+------------+------------+------------+------------+------------+------------+------------+------------+------------+------------+------------+------------+------------+------------+------------+------------+------------+------------+------------+------------+------------+------------+----------+…"/>
+          <p:cNvPr id="191" name="import spark.implicits._…"/>
           <p:cNvSpPr txBox="1"/>
           <p:nvPr/>
         </p:nvSpPr>
         <p:spPr>
           <a:xfrm>
-            <a:off x="578445" y="1697891"/>
-            <a:ext cx="43675310" cy="846018"/>
+            <a:off x="821340" y="1440179"/>
+            <a:ext cx="7501320" cy="5069841"/>
           </a:xfrm>
           <a:prstGeom prst="rect">
             <a:avLst/>
@@ -7649,523 +7570,204 @@
           </a:bodyPr>
           <a:lstStyle/>
           <a:p>
-            <a:pPr defTabSz="457200">
-              <a:defRPr sz="700">
-                <a:solidFill>
-                  <a:srgbClr val="212121"/>
-                </a:solidFill>
-                <a:latin typeface="Monaco"/>
-                <a:ea typeface="Monaco"/>
-                <a:cs typeface="Monaco"/>
-                <a:sym typeface="Monaco"/>
-              </a:defRPr>
+            <a:pPr>
+              <a:defRPr sz="1200"/>
             </a:pPr>
             <a:r>
-              <a:t>+---------+------+-----+--------------------------------+------------------------------+-------------------------------+-------------+--------------+-------------+----------------------------------+-----------------+-----------------+-----------------+-----------------+-----------+-----------+-----------+-----------+-----------+-----------+-----------+-----------+-----------+-----------+------------+------------+------------+------------+------------+------------+------------+------------+------------+------------+------------+------------+------------+------------+------------+------------+------------+------------+------------+------------+------------+------------+------------+------------+------------+------------+------------+------------+------------+------------+----------+</a:t>
-            </a:r>
-          </a:p>
-          <a:p>
-            <a:pPr defTabSz="457200">
-              <a:defRPr sz="700">
-                <a:solidFill>
-                  <a:srgbClr val="212121"/>
-                </a:solidFill>
-                <a:latin typeface="Monaco"/>
-                <a:ea typeface="Monaco"/>
-                <a:cs typeface="Monaco"/>
-                <a:sym typeface="Monaco"/>
-              </a:defRPr>
+              <a:t>    import spark.implicits._</a:t>
+            </a:r>
+          </a:p>
+          <a:p>
+            <a:pPr>
+              <a:defRPr sz="1200"/>
             </a:pPr>
-            <a:r>
-              <a:t>|Elevation|Aspect|Slope|Horizontal_Distance_To_Hydrology|Vertical_Distance_To_Hydrology|Horizontal_Distance_To_Roadways|Hillshade_9am|Hillshade_Noon|Hillshade_3pm|Horizontal_Distance_To_Fire_Points|Wilderness_Area_0|Wilderness_Area_1|Wilderness_Area_2|Wilderness_Area_3|Soil_Type_0|Soil_Type_1|Soil_Type_2|Soil_Type_3|Soil_Type_4|Soil_Type_5|Soil_Type_6|Soil_Type_7|Soil_Type_8|Soil_Type_9|Soil_Type_10|Soil_Type_11|Soil_Type_12|Soil_Type_13|Soil_Type_14|Soil_Type_15|Soil_Type_16|Soil_Type_17|Soil_Type_18|Soil_Type_19|Soil_Type_20|Soil_Type_21|Soil_Type_22|Soil_Type_23|Soil_Type_24|Soil_Type_25|Soil_Type_26|Soil_Type_27|Soil_Type_28|Soil_Type_29|Soil_Type_30|Soil_Type_31|Soil_Type_32|Soil_Type_33|Soil_Type_34|Soil_Type_35|Soil_Type_36|Soil_Type_37|Soil_Type_38|Soil_Type_39|Cover_Type|</a:t>
-            </a:r>
-          </a:p>
-          <a:p>
-            <a:pPr defTabSz="457200">
-              <a:defRPr sz="700">
-                <a:solidFill>
-                  <a:srgbClr val="212121"/>
-                </a:solidFill>
-                <a:latin typeface="Monaco"/>
-                <a:ea typeface="Monaco"/>
-                <a:cs typeface="Monaco"/>
-                <a:sym typeface="Monaco"/>
-              </a:defRPr>
+          </a:p>
+          <a:p>
+            <a:pPr>
+              <a:defRPr sz="1200"/>
             </a:pPr>
             <a:r>
-              <a:t>+---------+------+-----+--------------------------------+------------------------------+-------------------------------+-------------+--------------+-------------+----------------------------------+-----------------+-----------------+-----------------+-----------------+-----------+-----------+-----------+-----------+-----------+-----------+-----------+-----------+-----------+-----------+------------+------------+------------+------------+------------+------------+------------+------------+------------+------------+------------+------------+------------+------------+------------+------------+------------+------------+------------+------------+------------+------------+------------+------------+------------+------------+------------+------------+------------+------------+----------+</a:t>
-            </a:r>
-          </a:p>
-          <a:p>
-            <a:pPr defTabSz="457200">
-              <a:defRPr sz="700">
-                <a:solidFill>
-                  <a:srgbClr val="212121"/>
-                </a:solidFill>
-                <a:latin typeface="Monaco"/>
-                <a:ea typeface="Monaco"/>
-                <a:cs typeface="Monaco"/>
-                <a:sym typeface="Monaco"/>
-              </a:defRPr>
+              <a:t>    val dataWithoutHeader = spark.read.</a:t>
+            </a:r>
+          </a:p>
+          <a:p>
+            <a:pPr>
+              <a:defRPr sz="1200"/>
             </a:pPr>
             <a:r>
-              <a:t>|     2596|    51|    3|                             258|                             0|                            510|          221|           232|          148|                              6279|                1|                0|                0|                0|          0|          0|          0|          0|          0|          0|          0|          0|          0|          0|           0|           0|           0|           0|           0|           0|           0|           0|           0|           0|           0|           0|           0|           0|           0|           0|           0|           0|           1|           0|           0|           0|           0|           0|           0|           0|           0|           0|           0|           0|       5.0|</a:t>
-            </a:r>
-          </a:p>
-          <a:p>
-            <a:pPr defTabSz="457200">
-              <a:defRPr sz="700">
-                <a:solidFill>
-                  <a:srgbClr val="212121"/>
-                </a:solidFill>
-                <a:latin typeface="Monaco"/>
-                <a:ea typeface="Monaco"/>
-                <a:cs typeface="Monaco"/>
-                <a:sym typeface="Monaco"/>
-              </a:defRPr>
+              <a:t>      option("inferSchema", true).</a:t>
+            </a:r>
+          </a:p>
+          <a:p>
+            <a:pPr>
+              <a:defRPr sz="1200"/>
             </a:pPr>
             <a:r>
-              <a:t>|     2590|    56|    2|                             212|                            -6|                            390|          220|           235|          151|                              6225|                1|                0|                0|                0|          0|          0|          0|          0|          0|          0|          0|          0|          0|          0|           0|           0|           0|           0|           0|           0|           0|           0|           0|           0|           0|           0|           0|           0|           0|           0|           0|           0|           1|           0|           0|           0|           0|           0|           0|           0|           0|           0|           0|           0|       5.0|</a:t>
-            </a:r>
-          </a:p>
-        </p:txBody>
-      </p:sp>
-      <p:sp>
-        <p:nvSpPr>
-          <p:cNvPr id="190" name="+---------+------+-----+--------------------------------+------------------------------+-------------------------------+-------------+--------------+-------------+----------------------------------+-----------------+-----------------+-----------------+-----------------+-----------+-----------+-----------+-----------+-----------+-----------+-----------+-----------+-----------+-----------+------------+------------+------------+------------+------------+------------+------------+------------+------------+------------+------------+------------+------------+------------+------------+------------+------------+------------+------------+------------+------------+------------+------------+------------+------------+------------+------------+------------+------------+------------+----------+…"/>
-          <p:cNvSpPr txBox="1"/>
-          <p:nvPr/>
-        </p:nvSpPr>
-        <p:spPr>
-          <a:xfrm>
-            <a:off x="-7663855" y="2392362"/>
-            <a:ext cx="43675310" cy="846018"/>
-          </a:xfrm>
-          <a:prstGeom prst="rect">
-            <a:avLst/>
-          </a:prstGeom>
-          <a:ln w="12700">
-            <a:miter lim="400000"/>
-          </a:ln>
-          <a:extLst>
-            <a:ext uri="{C572A759-6A51-4108-AA02-DFA0A04FC94B}">
-              <ma14:wrappingTextBoxFlag xmlns:ma14="http://schemas.microsoft.com/office/mac/drawingml/2011/main" val="1"/>
-            </a:ext>
-          </a:extLst>
-        </p:spPr>
-        <p:txBody>
-          <a:bodyPr lIns="45719" rIns="45719">
-            <a:spAutoFit/>
-          </a:bodyPr>
-          <a:lstStyle/>
-          <a:p>
-            <a:pPr defTabSz="457200">
-              <a:defRPr sz="700">
-                <a:solidFill>
-                  <a:srgbClr val="212121"/>
-                </a:solidFill>
-                <a:latin typeface="Monaco"/>
-                <a:ea typeface="Monaco"/>
-                <a:cs typeface="Monaco"/>
-                <a:sym typeface="Monaco"/>
-              </a:defRPr>
+              <a:t>      option("header", false).</a:t>
+            </a:r>
+          </a:p>
+          <a:p>
+            <a:pPr>
+              <a:defRPr sz="1200"/>
             </a:pPr>
             <a:r>
-              <a:t>+---------+------+-----+--------------------------------+------------------------------+-------------------------------+-------------+--------------+-------------+----------------------------------+-----------------+-----------------+-----------------+-----------------+-----------+-----------+-----------+-----------+-----------+-----------+-----------+-----------+-----------+-----------+------------+------------+------------+------------+------------+------------+------------+------------+------------+------------+------------+------------+------------+------------+------------+------------+------------+------------+------------+------------+------------+------------+------------+------------+------------+------------+------------+------------+------------+------------+----------+</a:t>
-            </a:r>
-          </a:p>
-          <a:p>
-            <a:pPr defTabSz="457200">
-              <a:defRPr sz="700">
-                <a:solidFill>
-                  <a:srgbClr val="212121"/>
-                </a:solidFill>
-                <a:latin typeface="Monaco"/>
-                <a:ea typeface="Monaco"/>
-                <a:cs typeface="Monaco"/>
-                <a:sym typeface="Monaco"/>
-              </a:defRPr>
+              <a:t>      csv("/Users/markon/ITU/covtype.data")</a:t>
+            </a:r>
+          </a:p>
+          <a:p>
+            <a:pPr>
+              <a:defRPr sz="1200"/>
             </a:pPr>
-            <a:r>
-              <a:t>|Elevation|Aspect|Slope|Horizontal_Distance_To_Hydrology|Vertical_Distance_To_Hydrology|Horizontal_Distance_To_Roadways|Hillshade_9am|Hillshade_Noon|Hillshade_3pm|Horizontal_Distance_To_Fire_Points|Wilderness_Area_0|Wilderness_Area_1|Wilderness_Area_2|Wilderness_Area_3|Soil_Type_0|Soil_Type_1|Soil_Type_2|Soil_Type_3|Soil_Type_4|Soil_Type_5|Soil_Type_6|Soil_Type_7|Soil_Type_8|Soil_Type_9|Soil_Type_10|Soil_Type_11|Soil_Type_12|Soil_Type_13|Soil_Type_14|Soil_Type_15|Soil_Type_16|Soil_Type_17|Soil_Type_18|Soil_Type_19|Soil_Type_20|Soil_Type_21|Soil_Type_22|Soil_Type_23|Soil_Type_24|Soil_Type_25|Soil_Type_26|Soil_Type_27|Soil_Type_28|Soil_Type_29|Soil_Type_30|Soil_Type_31|Soil_Type_32|Soil_Type_33|Soil_Type_34|Soil_Type_35|Soil_Type_36|Soil_Type_37|Soil_Type_38|Soil_Type_39|Cover_Type|</a:t>
-            </a:r>
-          </a:p>
-          <a:p>
-            <a:pPr defTabSz="457200">
-              <a:defRPr sz="700">
-                <a:solidFill>
-                  <a:srgbClr val="212121"/>
-                </a:solidFill>
-                <a:latin typeface="Monaco"/>
-                <a:ea typeface="Monaco"/>
-                <a:cs typeface="Monaco"/>
-                <a:sym typeface="Monaco"/>
-              </a:defRPr>
+          </a:p>
+          <a:p>
+            <a:pPr>
+              <a:defRPr sz="1200"/>
             </a:pPr>
             <a:r>
-              <a:t>+---------+------+-----+--------------------------------+------------------------------+-------------------------------+-------------+--------------+-------------+----------------------------------+-----------------+-----------------+-----------------+-----------------+-----------+-----------+-----------+-----------+-----------+-----------+-----------+-----------+-----------+-----------+------------+------------+------------+------------+------------+------------+------------+------------+------------+------------+------------+------------+------------+------------+------------+------------+------------+------------+------------+------------+------------+------------+------------+------------+------------+------------+------------+------------+------------+------------+----------+</a:t>
-            </a:r>
-          </a:p>
-          <a:p>
-            <a:pPr defTabSz="457200">
-              <a:defRPr sz="700">
-                <a:solidFill>
-                  <a:srgbClr val="212121"/>
-                </a:solidFill>
-                <a:latin typeface="Monaco"/>
-                <a:ea typeface="Monaco"/>
-                <a:cs typeface="Monaco"/>
-                <a:sym typeface="Monaco"/>
-              </a:defRPr>
+              <a:t>    val colNames = Seq(</a:t>
+            </a:r>
+          </a:p>
+          <a:p>
+            <a:pPr>
+              <a:defRPr sz="1200"/>
             </a:pPr>
             <a:r>
-              <a:t>|     2596|    51|    3|                             258|                             0|                            510|          221|           232|          148|                              6279|                1|                0|                0|                0|          0|          0|          0|          0|          0|          0|          0|          0|          0|          0|           0|           0|           0|           0|           0|           0|           0|           0|           0|           0|           0|           0|           0|           0|           0|           0|           0|           0|           1|           0|           0|           0|           0|           0|           0|           0|           0|           0|           0|           0|       5.0|</a:t>
-            </a:r>
-          </a:p>
-          <a:p>
-            <a:pPr defTabSz="457200">
-              <a:defRPr sz="700">
-                <a:solidFill>
-                  <a:srgbClr val="212121"/>
-                </a:solidFill>
-                <a:latin typeface="Monaco"/>
-                <a:ea typeface="Monaco"/>
-                <a:cs typeface="Monaco"/>
-                <a:sym typeface="Monaco"/>
-              </a:defRPr>
+              <a:t>        "Elevation", "Aspect", "Slope",</a:t>
+            </a:r>
+          </a:p>
+          <a:p>
+            <a:pPr>
+              <a:defRPr sz="1200"/>
             </a:pPr>
             <a:r>
-              <a:t>|     2590|    56|    2|                             212|                            -6|                            390|          220|           235|          151|                              6225|                1|                0|                0|                0|          0|          0|          0|          0|          0|          0|          0|          0|          0|          0|           0|           0|           0|           0|           0|           0|           0|           0|           0|           0|           0|           0|           0|           0|           0|           0|           0|           0|           1|           0|           0|           0|           0|           0|           0|           0|           0|           0|           0|           0|       5.0|</a:t>
-            </a:r>
-          </a:p>
-        </p:txBody>
-      </p:sp>
-      <p:sp>
-        <p:nvSpPr>
-          <p:cNvPr id="191" name="+---------+------+-----+--------------------------------+------------------------------+-------------------------------+-------------+--------------+-------------+----------------------------------+-----------------+-----------------+-----------------+-----------------+-----------+-----------+-----------+-----------+-----------+-----------+-----------+-----------+-----------+-----------+------------+------------+------------+------------+------------+------------+------------+------------+------------+------------+------------+------------+------------+------------+------------+------------+------------+------------+------------+------------+------------+------------+------------+------------+------------+------------+------------+------------+------------+------------+----------+…"/>
-          <p:cNvSpPr txBox="1"/>
-          <p:nvPr/>
-        </p:nvSpPr>
-        <p:spPr>
-          <a:xfrm>
-            <a:off x="-16909455" y="3107897"/>
-            <a:ext cx="43675310" cy="846018"/>
-          </a:xfrm>
-          <a:prstGeom prst="rect">
-            <a:avLst/>
-          </a:prstGeom>
-          <a:ln w="12700">
-            <a:miter lim="400000"/>
-          </a:ln>
-          <a:extLst>
-            <a:ext uri="{C572A759-6A51-4108-AA02-DFA0A04FC94B}">
-              <ma14:wrappingTextBoxFlag xmlns:ma14="http://schemas.microsoft.com/office/mac/drawingml/2011/main" val="1"/>
-            </a:ext>
-          </a:extLst>
-        </p:spPr>
-        <p:txBody>
-          <a:bodyPr lIns="45719" rIns="45719">
-            <a:spAutoFit/>
-          </a:bodyPr>
-          <a:lstStyle/>
-          <a:p>
-            <a:pPr defTabSz="457200">
-              <a:defRPr sz="700">
-                <a:solidFill>
-                  <a:srgbClr val="212121"/>
-                </a:solidFill>
-                <a:latin typeface="Monaco"/>
-                <a:ea typeface="Monaco"/>
-                <a:cs typeface="Monaco"/>
-                <a:sym typeface="Monaco"/>
-              </a:defRPr>
+              <a:t>        "Horizontal_Distance_To_Hydrology", "Vertical_Distance_To_Hydrology",</a:t>
+            </a:r>
+          </a:p>
+          <a:p>
+            <a:pPr>
+              <a:defRPr sz="1200"/>
             </a:pPr>
             <a:r>
-              <a:t>+---------+------+-----+--------------------------------+------------------------------+-------------------------------+-------------+--------------+-------------+----------------------------------+-----------------+-----------------+-----------------+-----------------+-----------+-----------+-----------+-----------+-----------+-----------+-----------+-----------+-----------+-----------+------------+------------+------------+------------+------------+------------+------------+------------+------------+------------+------------+------------+------------+------------+------------+------------+------------+------------+------------+------------+------------+------------+------------+------------+------------+------------+------------+------------+------------+------------+----------+</a:t>
-            </a:r>
-          </a:p>
-          <a:p>
-            <a:pPr defTabSz="457200">
-              <a:defRPr sz="700">
-                <a:solidFill>
-                  <a:srgbClr val="212121"/>
-                </a:solidFill>
-                <a:latin typeface="Monaco"/>
-                <a:ea typeface="Monaco"/>
-                <a:cs typeface="Monaco"/>
-                <a:sym typeface="Monaco"/>
-              </a:defRPr>
+              <a:t>        "Horizontal_Distance_To_Roadways",</a:t>
+            </a:r>
+          </a:p>
+          <a:p>
+            <a:pPr>
+              <a:defRPr sz="1200"/>
             </a:pPr>
             <a:r>
-              <a:t>|Elevation|Aspect|Slope|Horizontal_Distance_To_Hydrology|Vertical_Distance_To_Hydrology|Horizontal_Distance_To_Roadways|Hillshade_9am|Hillshade_Noon|Hillshade_3pm|Horizontal_Distance_To_Fire_Points|Wilderness_Area_0|Wilderness_Area_1|Wilderness_Area_2|Wilderness_Area_3|Soil_Type_0|Soil_Type_1|Soil_Type_2|Soil_Type_3|Soil_Type_4|Soil_Type_5|Soil_Type_6|Soil_Type_7|Soil_Type_8|Soil_Type_9|Soil_Type_10|Soil_Type_11|Soil_Type_12|Soil_Type_13|Soil_Type_14|Soil_Type_15|Soil_Type_16|Soil_Type_17|Soil_Type_18|Soil_Type_19|Soil_Type_20|Soil_Type_21|Soil_Type_22|Soil_Type_23|Soil_Type_24|Soil_Type_25|Soil_Type_26|Soil_Type_27|Soil_Type_28|Soil_Type_29|Soil_Type_30|Soil_Type_31|Soil_Type_32|Soil_Type_33|Soil_Type_34|Soil_Type_35|Soil_Type_36|Soil_Type_37|Soil_Type_38|Soil_Type_39|Cover_Type|</a:t>
-            </a:r>
-          </a:p>
-          <a:p>
-            <a:pPr defTabSz="457200">
-              <a:defRPr sz="700">
-                <a:solidFill>
-                  <a:srgbClr val="212121"/>
-                </a:solidFill>
-                <a:latin typeface="Monaco"/>
-                <a:ea typeface="Monaco"/>
-                <a:cs typeface="Monaco"/>
-                <a:sym typeface="Monaco"/>
-              </a:defRPr>
+              <a:t>        "Hillshade_9am", "Hillshade_Noon", "Hillshade_3pm",</a:t>
+            </a:r>
+          </a:p>
+          <a:p>
+            <a:pPr>
+              <a:defRPr sz="1200"/>
             </a:pPr>
             <a:r>
-              <a:t>+---------+------+-----+--------------------------------+------------------------------+-------------------------------+-------------+--------------+-------------+----------------------------------+-----------------+-----------------+-----------------+-----------------+-----------+-----------+-----------+-----------+-----------+-----------+-----------+-----------+-----------+-----------+------------+------------+------------+------------+------------+------------+------------+------------+------------+------------+------------+------------+------------+------------+------------+------------+------------+------------+------------+------------+------------+------------+------------+------------+------------+------------+------------+------------+------------+------------+----------+</a:t>
-            </a:r>
-          </a:p>
-          <a:p>
-            <a:pPr defTabSz="457200">
-              <a:defRPr sz="700">
-                <a:solidFill>
-                  <a:srgbClr val="212121"/>
-                </a:solidFill>
-                <a:latin typeface="Monaco"/>
-                <a:ea typeface="Monaco"/>
-                <a:cs typeface="Monaco"/>
-                <a:sym typeface="Monaco"/>
-              </a:defRPr>
+              <a:t>        "Horizontal_Distance_To_Fire_Points"</a:t>
+            </a:r>
+          </a:p>
+          <a:p>
+            <a:pPr>
+              <a:defRPr sz="1200"/>
             </a:pPr>
             <a:r>
-              <a:t>|     2596|    51|    3|                             258|                             0|                            510|          221|           232|          148|                              6279|                1|                0|                0|                0|          0|          0|          0|          0|          0|          0|          0|          0|          0|          0|           0|           0|           0|           0|           0|           0|           0|           0|           0|           0|           0|           0|           0|           0|           0|           0|           0|           0|           1|           0|           0|           0|           0|           0|           0|           0|           0|           0|           0|           0|       5.0|</a:t>
-            </a:r>
-          </a:p>
-          <a:p>
-            <a:pPr defTabSz="457200">
-              <a:defRPr sz="700">
-                <a:solidFill>
-                  <a:srgbClr val="212121"/>
-                </a:solidFill>
-                <a:latin typeface="Monaco"/>
-                <a:ea typeface="Monaco"/>
-                <a:cs typeface="Monaco"/>
-                <a:sym typeface="Monaco"/>
-              </a:defRPr>
+              <a:t>      ) ++ (</a:t>
+            </a:r>
+          </a:p>
+          <a:p>
+            <a:pPr>
+              <a:defRPr sz="1200"/>
             </a:pPr>
             <a:r>
-              <a:t>|     2590|    56|    2|                             212|                            -6|                            390|          220|           235|          151|                              6225|                1|                0|                0|                0|          0|          0|          0|          0|          0|          0|          0|          0|          0|          0|           0|           0|           0|           0|           0|           0|           0|           0|           0|           0|           0|           0|           0|           0|           0|           0|           0|           0|           1|           0|           0|           0|           0|           0|           0|           0|           0|           0|           0|           0|       5.0|</a:t>
-            </a:r>
-          </a:p>
-        </p:txBody>
-      </p:sp>
-      <p:sp>
-        <p:nvSpPr>
-          <p:cNvPr id="192" name="+---------+------+-----+--------------------------------+------------------------------+-------------------------------+-------------+--------------+-------------+----------------------------------+-----------------+-----------------+-----------------+-----------------+-----------+-----------+-----------+-----------+-----------+-----------+-----------+-----------+-----------+-----------+------------+------------+------------+------------+------------+------------+------------+------------+------------+------------+------------+------------+------------+------------+------------+------------+------------+------------+------------+------------+------------+------------+------------+------------+------------+------------+------------+------------+------------+------------+----------+…"/>
-          <p:cNvSpPr txBox="1"/>
-          <p:nvPr/>
-        </p:nvSpPr>
-        <p:spPr>
-          <a:xfrm>
-            <a:off x="-25812155" y="3857503"/>
-            <a:ext cx="43675310" cy="846018"/>
-          </a:xfrm>
-          <a:prstGeom prst="rect">
-            <a:avLst/>
-          </a:prstGeom>
-          <a:ln w="12700">
-            <a:miter lim="400000"/>
-          </a:ln>
-          <a:extLst>
-            <a:ext uri="{C572A759-6A51-4108-AA02-DFA0A04FC94B}">
-              <ma14:wrappingTextBoxFlag xmlns:ma14="http://schemas.microsoft.com/office/mac/drawingml/2011/main" val="1"/>
-            </a:ext>
-          </a:extLst>
-        </p:spPr>
-        <p:txBody>
-          <a:bodyPr lIns="45719" rIns="45719">
-            <a:spAutoFit/>
-          </a:bodyPr>
-          <a:lstStyle/>
-          <a:p>
-            <a:pPr defTabSz="457200">
-              <a:defRPr sz="700">
-                <a:solidFill>
-                  <a:srgbClr val="212121"/>
-                </a:solidFill>
-                <a:latin typeface="Monaco"/>
-                <a:ea typeface="Monaco"/>
-                <a:cs typeface="Monaco"/>
-                <a:sym typeface="Monaco"/>
-              </a:defRPr>
+              <a:t>        (0 until 4).map(i =&gt; s"Wilderness_Area_$i")</a:t>
+            </a:r>
+          </a:p>
+          <a:p>
+            <a:pPr>
+              <a:defRPr sz="1200"/>
             </a:pPr>
             <a:r>
-              <a:t>+---------+------+-----+--------------------------------+------------------------------+-------------------------------+-------------+--------------+-------------+----------------------------------+-----------------+-----------------+-----------------+-----------------+-----------+-----------+-----------+-----------+-----------+-----------+-----------+-----------+-----------+-----------+------------+------------+------------+------------+------------+------------+------------+------------+------------+------------+------------+------------+------------+------------+------------+------------+------------+------------+------------+------------+------------+------------+------------+------------+------------+------------+------------+------------+------------+------------+----------+</a:t>
-            </a:r>
-          </a:p>
-          <a:p>
-            <a:pPr defTabSz="457200">
-              <a:defRPr sz="700">
-                <a:solidFill>
-                  <a:srgbClr val="212121"/>
-                </a:solidFill>
-                <a:latin typeface="Monaco"/>
-                <a:ea typeface="Monaco"/>
-                <a:cs typeface="Monaco"/>
-                <a:sym typeface="Monaco"/>
-              </a:defRPr>
+              <a:t>      ) ++ (</a:t>
+            </a:r>
+          </a:p>
+          <a:p>
+            <a:pPr>
+              <a:defRPr sz="1200"/>
             </a:pPr>
             <a:r>
-              <a:t>|Elevation|Aspect|Slope|Horizontal_Distance_To_Hydrology|Vertical_Distance_To_Hydrology|Horizontal_Distance_To_Roadways|Hillshade_9am|Hillshade_Noon|Hillshade_3pm|Horizontal_Distance_To_Fire_Points|Wilderness_Area_0|Wilderness_Area_1|Wilderness_Area_2|Wilderness_Area_3|Soil_Type_0|Soil_Type_1|Soil_Type_2|Soil_Type_3|Soil_Type_4|Soil_Type_5|Soil_Type_6|Soil_Type_7|Soil_Type_8|Soil_Type_9|Soil_Type_10|Soil_Type_11|Soil_Type_12|Soil_Type_13|Soil_Type_14|Soil_Type_15|Soil_Type_16|Soil_Type_17|Soil_Type_18|Soil_Type_19|Soil_Type_20|Soil_Type_21|Soil_Type_22|Soil_Type_23|Soil_Type_24|Soil_Type_25|Soil_Type_26|Soil_Type_27|Soil_Type_28|Soil_Type_29|Soil_Type_30|Soil_Type_31|Soil_Type_32|Soil_Type_33|Soil_Type_34|Soil_Type_35|Soil_Type_36|Soil_Type_37|Soil_Type_38|Soil_Type_39|Cover_Type|</a:t>
-            </a:r>
-          </a:p>
-          <a:p>
-            <a:pPr defTabSz="457200">
-              <a:defRPr sz="700">
-                <a:solidFill>
-                  <a:srgbClr val="212121"/>
-                </a:solidFill>
-                <a:latin typeface="Monaco"/>
-                <a:ea typeface="Monaco"/>
-                <a:cs typeface="Monaco"/>
-                <a:sym typeface="Monaco"/>
-              </a:defRPr>
+              <a:t>        (0 until 40).map(i =&gt; s"Soil_Type_$i")</a:t>
+            </a:r>
+          </a:p>
+          <a:p>
+            <a:pPr>
+              <a:defRPr sz="1200"/>
             </a:pPr>
             <a:r>
-              <a:t>+---------+------+-----+--------------------------------+------------------------------+-------------------------------+-------------+--------------+-------------+----------------------------------+-----------------+-----------------+-----------------+-----------------+-----------+-----------+-----------+-----------+-----------+-----------+-----------+-----------+-----------+-----------+------------+------------+------------+------------+------------+------------+------------+------------+------------+------------+------------+------------+------------+------------+------------+------------+------------+------------+------------+------------+------------+------------+------------+------------+------------+------------+------------+------------+------------+------------+----------+</a:t>
-            </a:r>
-          </a:p>
-          <a:p>
-            <a:pPr defTabSz="457200">
-              <a:defRPr sz="700">
-                <a:solidFill>
-                  <a:srgbClr val="212121"/>
-                </a:solidFill>
-                <a:latin typeface="Monaco"/>
-                <a:ea typeface="Monaco"/>
-                <a:cs typeface="Monaco"/>
-                <a:sym typeface="Monaco"/>
-              </a:defRPr>
+              <a:t>      ) ++ Seq("Cover_Type")</a:t>
+            </a:r>
+          </a:p>
+          <a:p>
+            <a:pPr>
+              <a:defRPr sz="1200"/>
             </a:pPr>
-            <a:r>
-              <a:t>|     2596|    51|    3|                             258|                             0|                            510|          221|           232|          148|                              6279|                1|                0|                0|                0|          0|          0|          0|          0|          0|          0|          0|          0|          0|          0|           0|           0|           0|           0|           0|           0|           0|           0|           0|           0|           0|           0|           0|           0|           0|           0|           0|           0|           1|           0|           0|           0|           0|           0|           0|           0|           0|           0|           0|           0|       5.0|</a:t>
-            </a:r>
-          </a:p>
-          <a:p>
-            <a:pPr defTabSz="457200">
-              <a:defRPr sz="700">
-                <a:solidFill>
-                  <a:srgbClr val="212121"/>
-                </a:solidFill>
-                <a:latin typeface="Monaco"/>
-                <a:ea typeface="Monaco"/>
-                <a:cs typeface="Monaco"/>
-                <a:sym typeface="Monaco"/>
-              </a:defRPr>
+          </a:p>
+          <a:p>
+            <a:pPr>
+              <a:defRPr sz="1200"/>
             </a:pPr>
             <a:r>
-              <a:t>|     2590|    56|    2|                             212|                            -6|                            390|          220|           235|          151|                              6225|                1|                0|                0|                0|          0|          0|          0|          0|          0|          0|          0|          0|          0|          0|           0|           0|           0|           0|           0|           0|           0|           0|           0|           0|           0|           0|           0|           0|           0|           0|           0|           0|           1|           0|           0|           0|           0|           0|           0|           0|           0|           0|           0|           0|       5.0|</a:t>
-            </a:r>
-          </a:p>
-        </p:txBody>
-      </p:sp>
-      <p:sp>
-        <p:nvSpPr>
-          <p:cNvPr id="193" name="+---------+------+-----+--------------------------------+------------------------------+-------------------------------+-------------+--------------+-------------+----------------------------------+-----------------+-----------------+-----------------+-----------------+-----------+-----------+-----------+-----------+-----------+-----------+-----------+-----------+-----------+-----------+------------+------------+------------+------------+------------+------------+------------+------------+------------+------------+------------+------------+------------+------------+------------+------------+------------+------------+------------+------------+------------+------------+------------+------------+------------+------------+------------+------------+------------+------------+----------+…"/>
-          <p:cNvSpPr txBox="1"/>
-          <p:nvPr/>
-        </p:nvSpPr>
-        <p:spPr>
-          <a:xfrm>
-            <a:off x="-33267055" y="4678974"/>
-            <a:ext cx="43675310" cy="846018"/>
-          </a:xfrm>
-          <a:prstGeom prst="rect">
-            <a:avLst/>
-          </a:prstGeom>
-          <a:ln w="12700">
-            <a:miter lim="400000"/>
-          </a:ln>
-          <a:extLst>
-            <a:ext uri="{C572A759-6A51-4108-AA02-DFA0A04FC94B}">
-              <ma14:wrappingTextBoxFlag xmlns:ma14="http://schemas.microsoft.com/office/mac/drawingml/2011/main" val="1"/>
-            </a:ext>
-          </a:extLst>
-        </p:spPr>
-        <p:txBody>
-          <a:bodyPr lIns="45719" rIns="45719">
-            <a:spAutoFit/>
-          </a:bodyPr>
-          <a:lstStyle/>
-          <a:p>
-            <a:pPr defTabSz="457200">
-              <a:defRPr sz="700">
-                <a:solidFill>
-                  <a:srgbClr val="212121"/>
-                </a:solidFill>
-                <a:latin typeface="Monaco"/>
-                <a:ea typeface="Monaco"/>
-                <a:cs typeface="Monaco"/>
-                <a:sym typeface="Monaco"/>
-              </a:defRPr>
+              <a:t>    val data = dataWithoutHeader.toDF(colNames:_*).</a:t>
+            </a:r>
+          </a:p>
+          <a:p>
+            <a:pPr>
+              <a:defRPr sz="1200"/>
             </a:pPr>
             <a:r>
-              <a:t>+---------+------+-----+--------------------------------+------------------------------+-------------------------------+-------------+--------------+-------------+----------------------------------+-----------------+-----------------+-----------------+-----------------+-----------+-----------+-----------+-----------+-----------+-----------+-----------+-----------+-----------+-----------+------------+------------+------------+------------+------------+------------+------------+------------+------------+------------+------------+------------+------------+------------+------------+------------+------------+------------+------------+------------+------------+------------+------------+------------+------------+------------+------------+------------+------------+------------+----------+</a:t>
-            </a:r>
-          </a:p>
-          <a:p>
-            <a:pPr defTabSz="457200">
-              <a:defRPr sz="700">
-                <a:solidFill>
-                  <a:srgbClr val="212121"/>
-                </a:solidFill>
-                <a:latin typeface="Monaco"/>
-                <a:ea typeface="Monaco"/>
-                <a:cs typeface="Monaco"/>
-                <a:sym typeface="Monaco"/>
-              </a:defRPr>
+              <a:t>      withColumn("Cover_Type", $"Cover_Type".cast("double"))</a:t>
+            </a:r>
+          </a:p>
+          <a:p>
+            <a:pPr>
+              <a:defRPr sz="1200"/>
             </a:pPr>
-            <a:r>
-              <a:t>|Elevation|Aspect|Slope|Horizontal_Distance_To_Hydrology|Vertical_Distance_To_Hydrology|Horizontal_Distance_To_Roadways|Hillshade_9am|Hillshade_Noon|Hillshade_3pm|Horizontal_Distance_To_Fire_Points|Wilderness_Area_0|Wilderness_Area_1|Wilderness_Area_2|Wilderness_Area_3|Soil_Type_0|Soil_Type_1|Soil_Type_2|Soil_Type_3|Soil_Type_4|Soil_Type_5|Soil_Type_6|Soil_Type_7|Soil_Type_8|Soil_Type_9|Soil_Type_10|Soil_Type_11|Soil_Type_12|Soil_Type_13|Soil_Type_14|Soil_Type_15|Soil_Type_16|Soil_Type_17|Soil_Type_18|Soil_Type_19|Soil_Type_20|Soil_Type_21|Soil_Type_22|Soil_Type_23|Soil_Type_24|Soil_Type_25|Soil_Type_26|Soil_Type_27|Soil_Type_28|Soil_Type_29|Soil_Type_30|Soil_Type_31|Soil_Type_32|Soil_Type_33|Soil_Type_34|Soil_Type_35|Soil_Type_36|Soil_Type_37|Soil_Type_38|Soil_Type_39|Cover_Type|</a:t>
-            </a:r>
-          </a:p>
-          <a:p>
-            <a:pPr defTabSz="457200">
-              <a:defRPr sz="700">
-                <a:solidFill>
-                  <a:srgbClr val="212121"/>
-                </a:solidFill>
-                <a:latin typeface="Monaco"/>
-                <a:ea typeface="Monaco"/>
-                <a:cs typeface="Monaco"/>
-                <a:sym typeface="Monaco"/>
-              </a:defRPr>
+          </a:p>
+          <a:p>
+            <a:pPr>
+              <a:defRPr sz="1200"/>
             </a:pPr>
             <a:r>
-              <a:t>+---------+------+-----+--------------------------------+------------------------------+-------------------------------+-------------+--------------+-------------+----------------------------------+-----------------+-----------------+-----------------+-----------------+-----------+-----------+-----------+-----------+-----------+-----------+-----------+-----------+-----------+-----------+------------+------------+------------+------------+------------+------------+------------+------------+------------+------------+------------+------------+------------+------------+------------+------------+------------+------------+------------+------------+------------+------------+------------+------------+------------+------------+------------+------------+------------+------------+----------+</a:t>
-            </a:r>
-          </a:p>
-          <a:p>
-            <a:pPr defTabSz="457200">
-              <a:defRPr sz="700">
-                <a:solidFill>
-                  <a:srgbClr val="212121"/>
-                </a:solidFill>
-                <a:latin typeface="Monaco"/>
-                <a:ea typeface="Monaco"/>
-                <a:cs typeface="Monaco"/>
-                <a:sym typeface="Monaco"/>
-              </a:defRPr>
+              <a:t>    data.show()</a:t>
+            </a:r>
+          </a:p>
+          <a:p>
+            <a:pPr>
+              <a:defRPr sz="1200"/>
             </a:pPr>
             <a:r>
-              <a:t>|     2596|    51|    3|                             258|                             0|                            510|          221|           232|          148|                              6279|                1|                0|                0|                0|          0|          0|          0|          0|          0|          0|          0|          0|          0|          0|           0|           0|           0|           0|           0|           0|           0|           0|           0|           0|           0|           0|           0|           0|           0|           0|           0|           0|           1|           0|           0|           0|           0|           0|           0|           0|           0|           0|           0|           0|       5.0|</a:t>
-            </a:r>
-          </a:p>
-          <a:p>
-            <a:pPr defTabSz="457200">
-              <a:defRPr sz="700">
-                <a:solidFill>
-                  <a:srgbClr val="212121"/>
-                </a:solidFill>
-                <a:latin typeface="Monaco"/>
-                <a:ea typeface="Monaco"/>
-                <a:cs typeface="Monaco"/>
-                <a:sym typeface="Monaco"/>
-              </a:defRPr>
+              <a:t>    data.head</a:t>
+            </a:r>
+          </a:p>
+          <a:p>
+            <a:pPr>
+              <a:defRPr sz="1200"/>
             </a:pPr>
-            <a:r>
-              <a:t>|     2590|    56|    2|                             212|                            -6|                            390|          220|           235|          151|                              6225|                1|                0|                0|                0|          0|          0|          0|          0|          0|          0|          0|          0|          0|          0|           0|           0|           0|           0|           0|           0|           0|           0|           0|           0|           0|           0|           0|           0|           0|           0|           0|           0|           1|           0|           0|           0|           0|           0|           0|           0|           0|           0|           0|           0|       5.0|</a:t>
+          </a:p>
+          <a:p>
+            <a:pPr>
+              <a:defRPr sz="1200"/>
+            </a:pPr>
+            <a:r>
+              <a:t>    // Split into 90% train (+ CV), 10% test</a:t>
+            </a:r>
+          </a:p>
+          <a:p>
+            <a:pPr>
+              <a:defRPr sz="1200"/>
+            </a:pPr>
+            <a:r>
+              <a:t>    val Array(trainData, testData) = data.randomSplit(Array(0.9, 0.1))</a:t>
             </a:r>
           </a:p>
         </p:txBody>
@@ -8272,7 +7874,7 @@
       </p:grpSpPr>
       <p:sp>
         <p:nvSpPr>
-          <p:cNvPr id="195" name="Create a feature vector"/>
+          <p:cNvPr id="193" name="Head of the resulting table"/>
           <p:cNvSpPr txBox="1"/>
           <p:nvPr>
             <p:ph type="title"/>
@@ -8289,21 +7891,31 @@
           <a:p>
             <a:pPr/>
             <a:r>
-              <a:t>Create a feature vector</a:t>
+              <a:t>Head of the resulting table</a:t>
             </a:r>
           </a:p>
         </p:txBody>
       </p:sp>
-      <p:sp>
-        <p:nvSpPr>
-          <p:cNvPr id="196" name="val inputCols = trainData.columns.filter(_ != &quot;Cover_Type&quot;)…"/>
-          <p:cNvSpPr txBox="1"/>
+      <p:pic>
+        <p:nvPicPr>
+          <p:cNvPr id="194" name="Image" descr="Image"/>
+          <p:cNvPicPr>
+            <a:picLocks noChangeAspect="1"/>
+          </p:cNvPicPr>
           <p:nvPr/>
-        </p:nvSpPr>
+        </p:nvPicPr>
+        <p:blipFill>
+          <a:blip r:embed="rId2">
+            <a:extLst/>
+          </a:blip>
+          <a:stretch>
+            <a:fillRect/>
+          </a:stretch>
+        </p:blipFill>
         <p:spPr>
           <a:xfrm>
-            <a:off x="1360904" y="1592580"/>
-            <a:ext cx="5842755" cy="2021841"/>
+            <a:off x="1257300" y="2000250"/>
+            <a:ext cx="6629400" cy="2857500"/>
           </a:xfrm>
           <a:prstGeom prst="rect">
             <a:avLst/>
@@ -8311,230 +7923,8 @@
           <a:ln w="12700">
             <a:miter lim="400000"/>
           </a:ln>
-          <a:extLst>
-            <a:ext uri="{C572A759-6A51-4108-AA02-DFA0A04FC94B}">
-              <ma14:wrappingTextBoxFlag xmlns:ma14="http://schemas.microsoft.com/office/mac/drawingml/2011/main" val="1"/>
-            </a:ext>
-          </a:extLst>
         </p:spPr>
-        <p:txBody>
-          <a:bodyPr wrap="none" lIns="45719" rIns="45719">
-            <a:spAutoFit/>
-          </a:bodyPr>
-          <a:lstStyle/>
-          <a:p>
-            <a:pPr>
-              <a:defRPr sz="1600"/>
-            </a:pPr>
-            <a:r>
-              <a:t>     val inputCols = trainData.columns.filter(_ != "Cover_Type")</a:t>
-            </a:r>
-          </a:p>
-          <a:p>
-            <a:pPr>
-              <a:defRPr sz="1600"/>
-            </a:pPr>
-            <a:r>
-              <a:t>    val assembler = new VectorAssembler().</a:t>
-            </a:r>
-          </a:p>
-          <a:p>
-            <a:pPr>
-              <a:defRPr sz="1600"/>
-            </a:pPr>
-            <a:r>
-              <a:t>      setInputCols(inputCols).</a:t>
-            </a:r>
-          </a:p>
-          <a:p>
-            <a:pPr>
-              <a:defRPr sz="1600"/>
-            </a:pPr>
-            <a:r>
-              <a:t>      setOutputCol("featureVector")</a:t>
-            </a:r>
-          </a:p>
-          <a:p>
-            <a:pPr>
-              <a:defRPr sz="1600"/>
-            </a:pPr>
-          </a:p>
-          <a:p>
-            <a:pPr>
-              <a:defRPr sz="1600"/>
-            </a:pPr>
-            <a:r>
-              <a:t>    val assembledTrainData = assembler.transform(trainData)</a:t>
-            </a:r>
-          </a:p>
-          <a:p>
-            <a:pPr>
-              <a:defRPr sz="1600"/>
-            </a:pPr>
-            <a:r>
-              <a:t>    assembledTrainData.select("featureVector").show(truncate = false)</a:t>
-            </a:r>
-          </a:p>
-        </p:txBody>
-      </p:sp>
-      <p:sp>
-        <p:nvSpPr>
-          <p:cNvPr id="197" name="+-----------------------------------------------------------------------------------------------------+…"/>
-          <p:cNvSpPr txBox="1"/>
-          <p:nvPr/>
-        </p:nvSpPr>
-        <p:spPr>
-          <a:xfrm>
-            <a:off x="721836" y="3789362"/>
-            <a:ext cx="10156984" cy="1503237"/>
-          </a:xfrm>
-          <a:prstGeom prst="rect">
-            <a:avLst/>
-          </a:prstGeom>
-          <a:ln w="12700">
-            <a:miter lim="400000"/>
-          </a:ln>
-          <a:extLst>
-            <a:ext uri="{C572A759-6A51-4108-AA02-DFA0A04FC94B}">
-              <ma14:wrappingTextBoxFlag xmlns:ma14="http://schemas.microsoft.com/office/mac/drawingml/2011/main" val="1"/>
-            </a:ext>
-          </a:extLst>
-        </p:spPr>
-        <p:txBody>
-          <a:bodyPr lIns="45719" rIns="45719">
-            <a:spAutoFit/>
-          </a:bodyPr>
-          <a:lstStyle/>
-          <a:p>
-            <a:pPr defTabSz="457200">
-              <a:defRPr sz="1000">
-                <a:solidFill>
-                  <a:srgbClr val="212121"/>
-                </a:solidFill>
-                <a:latin typeface="Monaco"/>
-                <a:ea typeface="Monaco"/>
-                <a:cs typeface="Monaco"/>
-                <a:sym typeface="Monaco"/>
-              </a:defRPr>
-            </a:pPr>
-            <a:r>
-              <a:t>+-----------------------------------------------------------------------------------------------------+</a:t>
-            </a:r>
-          </a:p>
-          <a:p>
-            <a:pPr defTabSz="457200">
-              <a:defRPr sz="1000">
-                <a:solidFill>
-                  <a:srgbClr val="212121"/>
-                </a:solidFill>
-                <a:latin typeface="Monaco"/>
-                <a:ea typeface="Monaco"/>
-                <a:cs typeface="Monaco"/>
-                <a:sym typeface="Monaco"/>
-              </a:defRPr>
-            </a:pPr>
-            <a:r>
-              <a:t>|featureVector                                                                                        |</a:t>
-            </a:r>
-          </a:p>
-          <a:p>
-            <a:pPr defTabSz="457200">
-              <a:defRPr sz="1000">
-                <a:solidFill>
-                  <a:srgbClr val="212121"/>
-                </a:solidFill>
-                <a:latin typeface="Monaco"/>
-                <a:ea typeface="Monaco"/>
-                <a:cs typeface="Monaco"/>
-                <a:sym typeface="Monaco"/>
-              </a:defRPr>
-            </a:pPr>
-            <a:r>
-              <a:t>+-----------------------------------------------------------------------------------------------------+</a:t>
-            </a:r>
-          </a:p>
-          <a:p>
-            <a:pPr defTabSz="457200">
-              <a:defRPr sz="1000">
-                <a:solidFill>
-                  <a:srgbClr val="212121"/>
-                </a:solidFill>
-                <a:latin typeface="Monaco"/>
-                <a:ea typeface="Monaco"/>
-                <a:cs typeface="Monaco"/>
-                <a:sym typeface="Monaco"/>
-              </a:defRPr>
-            </a:pPr>
-            <a:r>
-              <a:t>|(54,[0,1,2,3,4,5,6,7,8,9,13,15],[1863.0,37.0,17.0,120.0,18.0,90.0,217.0,202.0,115.0,769.0,1.0,1.0])  |</a:t>
-            </a:r>
-          </a:p>
-          <a:p>
-            <a:pPr defTabSz="457200">
-              <a:defRPr sz="1000">
-                <a:solidFill>
-                  <a:srgbClr val="212121"/>
-                </a:solidFill>
-                <a:latin typeface="Monaco"/>
-                <a:ea typeface="Monaco"/>
-                <a:cs typeface="Monaco"/>
-                <a:sym typeface="Monaco"/>
-              </a:defRPr>
-            </a:pPr>
-            <a:r>
-              <a:t>|(54,[0,1,2,5,6,7,8,9,13,18],[1874.0,18.0,14.0,90.0,208.0,209.0,135.0,793.0,1.0,1.0])                 |</a:t>
-            </a:r>
-          </a:p>
-          <a:p>
-            <a:pPr defTabSz="457200">
-              <a:defRPr sz="1000">
-                <a:solidFill>
-                  <a:srgbClr val="212121"/>
-                </a:solidFill>
-                <a:latin typeface="Monaco"/>
-                <a:ea typeface="Monaco"/>
-                <a:cs typeface="Monaco"/>
-                <a:sym typeface="Monaco"/>
-              </a:defRPr>
-            </a:pPr>
-            <a:r>
-              <a:t>|(54,[0,1,2,3,4,5,6,7,8,9,13,18],[1879.0,28.0,19.0,30.0,12.0,95.0,209.0,196.0,117.0,778.0,1.0,1.0])   |</a:t>
-            </a:r>
-          </a:p>
-          <a:p>
-            <a:pPr defTabSz="457200">
-              <a:defRPr sz="1000">
-                <a:solidFill>
-                  <a:srgbClr val="212121"/>
-                </a:solidFill>
-                <a:latin typeface="Monaco"/>
-                <a:ea typeface="Monaco"/>
-                <a:cs typeface="Monaco"/>
-                <a:sym typeface="Monaco"/>
-              </a:defRPr>
-            </a:pPr>
-            <a:r>
-              <a:t>|(54,[0,1,2,3,4,5,6,7,8,9,13,15],[1888.0,33.0,22.0,150.0,46.0,108.0,209.0,185.0,103.0,735.0,1.0,1.0]) |</a:t>
-            </a:r>
-          </a:p>
-          <a:p>
-            <a:pPr defTabSz="457200">
-              <a:defRPr sz="1000">
-                <a:solidFill>
-                  <a:srgbClr val="212121"/>
-                </a:solidFill>
-                <a:latin typeface="Monaco"/>
-                <a:ea typeface="Monaco"/>
-                <a:cs typeface="Monaco"/>
-                <a:sym typeface="Monaco"/>
-              </a:defRPr>
-            </a:pPr>
-            <a:r>
-              <a:t>|(54,[0,1,2,3,4,5,6,7,8,9,13,14],[1889.0,28.0,22.0,150.0,23.0,120.0,205.0,185.0,108.0,759.0,1.0,1.0]) |</a:t>
-            </a:r>
-          </a:p>
-        </p:txBody>
-      </p:sp>
+      </p:pic>
     </p:spTree>
   </p:cSld>
   <p:clrMapOvr>
@@ -8563,7 +7953,7 @@
       </p:grpSpPr>
       <p:sp>
         <p:nvSpPr>
-          <p:cNvPr id="199" name="Create a Classifier and train it"/>
+          <p:cNvPr id="196" name="Create a feature vector"/>
           <p:cNvSpPr txBox="1"/>
           <p:nvPr>
             <p:ph type="title"/>
@@ -8580,21 +7970,21 @@
           <a:p>
             <a:pPr/>
             <a:r>
-              <a:t>Create a Classifier and train it</a:t>
+              <a:t>Create a feature vector</a:t>
             </a:r>
           </a:p>
         </p:txBody>
       </p:sp>
       <p:sp>
         <p:nvSpPr>
-          <p:cNvPr id="200" name="val classifier = new DecisionTreeClassifier().…"/>
+          <p:cNvPr id="197" name="val inputCols = trainData.columns.filter(_ != &quot;Cover_Type&quot;)…"/>
           <p:cNvSpPr txBox="1"/>
           <p:nvPr/>
         </p:nvSpPr>
         <p:spPr>
           <a:xfrm>
-            <a:off x="2305646" y="1275080"/>
-            <a:ext cx="4532708" cy="2885441"/>
+            <a:off x="1360904" y="1592580"/>
+            <a:ext cx="5842755" cy="2021841"/>
           </a:xfrm>
           <a:prstGeom prst="rect">
             <a:avLst/>
@@ -8614,65 +8004,80 @@
           </a:bodyPr>
           <a:lstStyle/>
           <a:p>
-            <a:pPr/>
-            <a:r>
-              <a:t>   val classifier = new DecisionTreeClassifier().</a:t>
-            </a:r>
-          </a:p>
-          <a:p>
-            <a:pPr/>
-            <a:r>
-              <a:t>      setSeed(Random.nextLong()).</a:t>
-            </a:r>
-          </a:p>
-          <a:p>
-            <a:pPr/>
-            <a:r>
-              <a:t>      setLabelCol("Cover_Type").</a:t>
-            </a:r>
-          </a:p>
-          <a:p>
-            <a:pPr/>
-            <a:r>
-              <a:t>      setFeaturesCol("featureVector").</a:t>
-            </a:r>
-          </a:p>
-          <a:p>
-            <a:pPr/>
-            <a:r>
-              <a:t>      setPredictionCol("prediction")</a:t>
-            </a:r>
-          </a:p>
-          <a:p>
-            <a:pPr/>
-          </a:p>
-          <a:p>
-            <a:pPr/>
-            <a:r>
-              <a:t>    val model = classifier.fit(assembledTrainData)</a:t>
-            </a:r>
-          </a:p>
-          <a:p>
-            <a:pPr/>
-            <a:r>
-              <a:t>    println(model.toDebugString)</a:t>
-            </a:r>
-          </a:p>
-          <a:p>
-            <a:pPr/>
+            <a:pPr>
+              <a:defRPr sz="1600"/>
+            </a:pPr>
+            <a:r>
+              <a:t>     val inputCols = trainData.columns.filter(_ != "Cover_Type")</a:t>
+            </a:r>
+          </a:p>
+          <a:p>
+            <a:pPr>
+              <a:defRPr sz="1600"/>
+            </a:pPr>
+            <a:r>
+              <a:t>    val assembler = new VectorAssembler().</a:t>
+            </a:r>
+          </a:p>
+          <a:p>
+            <a:pPr>
+              <a:defRPr sz="1600"/>
+            </a:pPr>
+            <a:r>
+              <a:t>      setInputCols(inputCols).</a:t>
+            </a:r>
+          </a:p>
+          <a:p>
+            <a:pPr>
+              <a:defRPr sz="1600"/>
+            </a:pPr>
+            <a:r>
+              <a:t>      setOutputCol("featureVector")</a:t>
+            </a:r>
+          </a:p>
+          <a:p>
+            <a:pPr>
+              <a:defRPr sz="1600"/>
+            </a:pPr>
+          </a:p>
+          <a:p>
+            <a:pPr>
+              <a:defRPr sz="1600"/>
+            </a:pPr>
+            <a:r>
+              <a:t>    val assembledTrainData = assembler.transform(trainData)</a:t>
+            </a:r>
+          </a:p>
+          <a:p>
+            <a:pPr>
+              <a:defRPr sz="1600"/>
+            </a:pPr>
+            <a:r>
+              <a:t>    assembledTrainData.select("featureVector").show(truncate = false)</a:t>
+            </a:r>
           </a:p>
         </p:txBody>
       </p:sp>
-      <p:sp>
-        <p:nvSpPr>
-          <p:cNvPr id="201" name="classifier: org.apache.spark.ml.classification.DecisionTreeClassifier = dtc_8f2aed40cf03…"/>
-          <p:cNvSpPr txBox="1"/>
+      <p:pic>
+        <p:nvPicPr>
+          <p:cNvPr id="198" name="Image" descr="Image"/>
+          <p:cNvPicPr>
+            <a:picLocks noChangeAspect="1"/>
+          </p:cNvPicPr>
           <p:nvPr/>
-        </p:nvSpPr>
+        </p:nvPicPr>
+        <p:blipFill>
+          <a:blip r:embed="rId2">
+            <a:extLst/>
+          </a:blip>
+          <a:stretch>
+            <a:fillRect/>
+          </a:stretch>
+        </p:blipFill>
         <p:spPr>
           <a:xfrm>
-            <a:off x="856587" y="3656342"/>
-            <a:ext cx="8335081" cy="3103437"/>
+            <a:off x="1460500" y="3789362"/>
+            <a:ext cx="6223000" cy="1168401"/>
           </a:xfrm>
           <a:prstGeom prst="rect">
             <a:avLst/>
@@ -8680,259 +8085,8 @@
           <a:ln w="12700">
             <a:miter lim="400000"/>
           </a:ln>
-          <a:extLst>
-            <a:ext uri="{C572A759-6A51-4108-AA02-DFA0A04FC94B}">
-              <ma14:wrappingTextBoxFlag xmlns:ma14="http://schemas.microsoft.com/office/mac/drawingml/2011/main" val="1"/>
-            </a:ext>
-          </a:extLst>
         </p:spPr>
-        <p:txBody>
-          <a:bodyPr wrap="none" lIns="45719" rIns="45719">
-            <a:spAutoFit/>
-          </a:bodyPr>
-          <a:lstStyle/>
-          <a:p>
-            <a:pPr defTabSz="457200">
-              <a:defRPr sz="1000">
-                <a:solidFill>
-                  <a:srgbClr val="212121"/>
-                </a:solidFill>
-                <a:latin typeface="Monaco"/>
-                <a:ea typeface="Monaco"/>
-                <a:cs typeface="Monaco"/>
-                <a:sym typeface="Monaco"/>
-              </a:defRPr>
-            </a:pPr>
-            <a:r>
-              <a:t>classifier: org.apache.spark.ml.classification.DecisionTreeClassifier = dtc_8f2aed40cf03</a:t>
-            </a:r>
-          </a:p>
-          <a:p>
-            <a:pPr defTabSz="457200">
-              <a:defRPr sz="1000">
-                <a:solidFill>
-                  <a:srgbClr val="212121"/>
-                </a:solidFill>
-                <a:latin typeface="Monaco"/>
-                <a:ea typeface="Monaco"/>
-                <a:cs typeface="Monaco"/>
-                <a:sym typeface="Monaco"/>
-              </a:defRPr>
-            </a:pPr>
-            <a:r>
-              <a:t>model: org.apache.spark.ml.classification.DecisionTreeClassificationModel = DecisionTreeClassificationModel (uid=dtc_8f2aed40cf03) of depth 5 with 63 nodes</a:t>
-            </a:r>
-          </a:p>
-          <a:p>
-            <a:pPr defTabSz="457200">
-              <a:defRPr sz="1000">
-                <a:solidFill>
-                  <a:srgbClr val="212121"/>
-                </a:solidFill>
-                <a:latin typeface="Monaco"/>
-                <a:ea typeface="Monaco"/>
-                <a:cs typeface="Monaco"/>
-                <a:sym typeface="Monaco"/>
-              </a:defRPr>
-            </a:pPr>
-            <a:r>
-              <a:t>DecisionTreeClassificationModel (uid=dtc_8f2aed40cf03) of depth 5 with 63 nodes</a:t>
-            </a:r>
-          </a:p>
-          <a:p>
-            <a:pPr defTabSz="457200">
-              <a:defRPr sz="1000">
-                <a:solidFill>
-                  <a:srgbClr val="212121"/>
-                </a:solidFill>
-                <a:latin typeface="Monaco"/>
-                <a:ea typeface="Monaco"/>
-                <a:cs typeface="Monaco"/>
-                <a:sym typeface="Monaco"/>
-              </a:defRPr>
-            </a:pPr>
-            <a:r>
-              <a:t>  If (feature 0 &lt;= 3050.0)</a:t>
-            </a:r>
-          </a:p>
-          <a:p>
-            <a:pPr defTabSz="457200">
-              <a:defRPr sz="1000">
-                <a:solidFill>
-                  <a:srgbClr val="212121"/>
-                </a:solidFill>
-                <a:latin typeface="Monaco"/>
-                <a:ea typeface="Monaco"/>
-                <a:cs typeface="Monaco"/>
-                <a:sym typeface="Monaco"/>
-              </a:defRPr>
-            </a:pPr>
-            <a:r>
-              <a:t>   If (feature 0 &lt;= 2557.0)</a:t>
-            </a:r>
-          </a:p>
-          <a:p>
-            <a:pPr defTabSz="457200">
-              <a:defRPr sz="1000">
-                <a:solidFill>
-                  <a:srgbClr val="212121"/>
-                </a:solidFill>
-                <a:latin typeface="Monaco"/>
-                <a:ea typeface="Monaco"/>
-                <a:cs typeface="Monaco"/>
-                <a:sym typeface="Monaco"/>
-              </a:defRPr>
-            </a:pPr>
-            <a:r>
-              <a:t>    If (feature 10 &lt;= 0.0)</a:t>
-            </a:r>
-          </a:p>
-          <a:p>
-            <a:pPr defTabSz="457200">
-              <a:defRPr sz="1000">
-                <a:solidFill>
-                  <a:srgbClr val="212121"/>
-                </a:solidFill>
-                <a:latin typeface="Monaco"/>
-                <a:ea typeface="Monaco"/>
-                <a:cs typeface="Monaco"/>
-                <a:sym typeface="Monaco"/>
-              </a:defRPr>
-            </a:pPr>
-            <a:r>
-              <a:t>     If (feature 0 &lt;= 2445.0)</a:t>
-            </a:r>
-          </a:p>
-          <a:p>
-            <a:pPr defTabSz="457200">
-              <a:defRPr sz="1000">
-                <a:solidFill>
-                  <a:srgbClr val="212121"/>
-                </a:solidFill>
-                <a:latin typeface="Monaco"/>
-                <a:ea typeface="Monaco"/>
-                <a:cs typeface="Monaco"/>
-                <a:sym typeface="Monaco"/>
-              </a:defRPr>
-            </a:pPr>
-            <a:r>
-              <a:t>      If (feature 3 &lt;= 0.0)</a:t>
-            </a:r>
-          </a:p>
-          <a:p>
-            <a:pPr defTabSz="457200">
-              <a:defRPr sz="1000">
-                <a:solidFill>
-                  <a:srgbClr val="212121"/>
-                </a:solidFill>
-                <a:latin typeface="Monaco"/>
-                <a:ea typeface="Monaco"/>
-                <a:cs typeface="Monaco"/>
-                <a:sym typeface="Monaco"/>
-              </a:defRPr>
-            </a:pPr>
-            <a:r>
-              <a:t>       Predict: 4.0</a:t>
-            </a:r>
-          </a:p>
-          <a:p>
-            <a:pPr defTabSz="457200">
-              <a:defRPr sz="1000">
-                <a:solidFill>
-                  <a:srgbClr val="212121"/>
-                </a:solidFill>
-                <a:latin typeface="Monaco"/>
-                <a:ea typeface="Monaco"/>
-                <a:cs typeface="Monaco"/>
-                <a:sym typeface="Monaco"/>
-              </a:defRPr>
-            </a:pPr>
-            <a:r>
-              <a:t>      Else (feature 3 &gt; 0.0)</a:t>
-            </a:r>
-          </a:p>
-          <a:p>
-            <a:pPr defTabSz="457200">
-              <a:defRPr sz="1000">
-                <a:solidFill>
-                  <a:srgbClr val="212121"/>
-                </a:solidFill>
-                <a:latin typeface="Monaco"/>
-                <a:ea typeface="Monaco"/>
-                <a:cs typeface="Monaco"/>
-                <a:sym typeface="Monaco"/>
-              </a:defRPr>
-            </a:pPr>
-            <a:r>
-              <a:t>       Predict: 3.0</a:t>
-            </a:r>
-          </a:p>
-          <a:p>
-            <a:pPr defTabSz="457200">
-              <a:defRPr sz="1000">
-                <a:solidFill>
-                  <a:srgbClr val="212121"/>
-                </a:solidFill>
-                <a:latin typeface="Monaco"/>
-                <a:ea typeface="Monaco"/>
-                <a:cs typeface="Monaco"/>
-                <a:sym typeface="Monaco"/>
-              </a:defRPr>
-            </a:pPr>
-            <a:r>
-              <a:t>     Else (feature 0 &gt; 2445.0)</a:t>
-            </a:r>
-          </a:p>
-          <a:p>
-            <a:pPr defTabSz="457200">
-              <a:defRPr sz="1000">
-                <a:solidFill>
-                  <a:srgbClr val="212121"/>
-                </a:solidFill>
-                <a:latin typeface="Monaco"/>
-                <a:ea typeface="Monaco"/>
-                <a:cs typeface="Monaco"/>
-                <a:sym typeface="Monaco"/>
-              </a:defRPr>
-            </a:pPr>
-            <a:r>
-              <a:t>      If (feature 17 &lt;= 0.0)</a:t>
-            </a:r>
-          </a:p>
-          <a:p>
-            <a:pPr defTabSz="457200">
-              <a:defRPr sz="1000">
-                <a:solidFill>
-                  <a:srgbClr val="212121"/>
-                </a:solidFill>
-                <a:latin typeface="Monaco"/>
-                <a:ea typeface="Monaco"/>
-                <a:cs typeface="Monaco"/>
-                <a:sym typeface="Monaco"/>
-              </a:defRPr>
-            </a:pPr>
-            <a:r>
-              <a:t>       Predict: 2.0</a:t>
-            </a:r>
-          </a:p>
-          <a:p>
-            <a:pPr defTabSz="457200">
-              <a:defRPr sz="1000">
-                <a:solidFill>
-                  <a:srgbClr val="212121"/>
-                </a:solidFill>
-                <a:latin typeface="Monaco"/>
-                <a:ea typeface="Monaco"/>
-                <a:cs typeface="Monaco"/>
-                <a:sym typeface="Monaco"/>
-              </a:defRPr>
-            </a:pPr>
-            <a:r>
-              <a:t>      Else (feature 17 &gt; 0.0)</a:t>
-            </a:r>
-          </a:p>
-        </p:txBody>
-      </p:sp>
+      </p:pic>
     </p:spTree>
   </p:cSld>
   <p:clrMapOvr>
@@ -8961,7 +8115,7 @@
       </p:grpSpPr>
       <p:sp>
         <p:nvSpPr>
-          <p:cNvPr id="203" name="What are the contributions?"/>
+          <p:cNvPr id="200" name="Create a Classifier and train it"/>
           <p:cNvSpPr txBox="1"/>
           <p:nvPr>
             <p:ph type="title"/>
@@ -8978,21 +8132,21 @@
           <a:p>
             <a:pPr/>
             <a:r>
-              <a:t>What are the contributions?</a:t>
+              <a:t>Create a Classifier and train it</a:t>
             </a:r>
           </a:p>
         </p:txBody>
       </p:sp>
       <p:sp>
         <p:nvSpPr>
-          <p:cNvPr id="204" name="model.featureImportances.toArray.zip(inputCols).…"/>
+          <p:cNvPr id="201" name="val classifier = new DecisionTreeClassifier().…"/>
           <p:cNvSpPr txBox="1"/>
           <p:nvPr/>
         </p:nvSpPr>
         <p:spPr>
           <a:xfrm>
-            <a:off x="2361177" y="1643379"/>
-            <a:ext cx="4421645" cy="574041"/>
+            <a:off x="2305646" y="1275080"/>
+            <a:ext cx="4532708" cy="2885441"/>
           </a:xfrm>
           <a:prstGeom prst="rect">
             <a:avLst/>
@@ -9012,33 +8166,75 @@
           </a:bodyPr>
           <a:lstStyle/>
           <a:p>
-            <a:pPr>
-              <a:defRPr sz="1600"/>
-            </a:pPr>
-            <a:r>
-              <a:t>    model.featureImportances.toArray.zip(inputCols).</a:t>
-            </a:r>
-          </a:p>
-          <a:p>
-            <a:pPr>
-              <a:defRPr sz="1600"/>
-            </a:pPr>
-            <a:r>
-              <a:t>      sorted.reverse.foreach(println)</a:t>
-            </a:r>
+            <a:pPr/>
+            <a:r>
+              <a:t>   val classifier = new DecisionTreeClassifier().</a:t>
+            </a:r>
+          </a:p>
+          <a:p>
+            <a:pPr/>
+            <a:r>
+              <a:t>      setSeed(Random.nextLong()).</a:t>
+            </a:r>
+          </a:p>
+          <a:p>
+            <a:pPr/>
+            <a:r>
+              <a:t>      setLabelCol("Cover_Type").</a:t>
+            </a:r>
+          </a:p>
+          <a:p>
+            <a:pPr/>
+            <a:r>
+              <a:t>      setFeaturesCol("featureVector").</a:t>
+            </a:r>
+          </a:p>
+          <a:p>
+            <a:pPr/>
+            <a:r>
+              <a:t>      setPredictionCol("prediction")</a:t>
+            </a:r>
+          </a:p>
+          <a:p>
+            <a:pPr/>
+          </a:p>
+          <a:p>
+            <a:pPr/>
+            <a:r>
+              <a:t>    val model = classifier.fit(assembledTrainData)</a:t>
+            </a:r>
+          </a:p>
+          <a:p>
+            <a:pPr/>
+            <a:r>
+              <a:t>    println(model.toDebugString)</a:t>
+            </a:r>
+          </a:p>
+          <a:p>
+            <a:pPr/>
           </a:p>
         </p:txBody>
       </p:sp>
-      <p:sp>
-        <p:nvSpPr>
-          <p:cNvPr id="205" name="(0.7796919815211103,Elevation)…"/>
-          <p:cNvSpPr txBox="1"/>
+      <p:pic>
+        <p:nvPicPr>
+          <p:cNvPr id="202" name="Image" descr="Image"/>
+          <p:cNvPicPr>
+            <a:picLocks noChangeAspect="1"/>
+          </p:cNvPicPr>
           <p:nvPr/>
-        </p:nvSpPr>
+        </p:nvPicPr>
+        <p:blipFill>
+          <a:blip r:embed="rId2">
+            <a:extLst/>
+          </a:blip>
+          <a:stretch>
+            <a:fillRect/>
+          </a:stretch>
+        </p:blipFill>
         <p:spPr>
           <a:xfrm>
-            <a:off x="1822011" y="2297442"/>
-            <a:ext cx="5499979" cy="4142716"/>
+            <a:off x="1374572" y="3765951"/>
+            <a:ext cx="6394856" cy="2506904"/>
           </a:xfrm>
           <a:prstGeom prst="rect">
             <a:avLst/>
@@ -9046,339 +8242,8 @@
           <a:ln w="12700">
             <a:miter lim="400000"/>
           </a:ln>
-          <a:extLst>
-            <a:ext uri="{C572A759-6A51-4108-AA02-DFA0A04FC94B}">
-              <ma14:wrappingTextBoxFlag xmlns:ma14="http://schemas.microsoft.com/office/mac/drawingml/2011/main" val="1"/>
-            </a:ext>
-          </a:extLst>
         </p:spPr>
-        <p:txBody>
-          <a:bodyPr wrap="none" lIns="45719" rIns="45719">
-            <a:spAutoFit/>
-          </a:bodyPr>
-          <a:lstStyle/>
-          <a:p>
-            <a:pPr defTabSz="457200">
-              <a:defRPr sz="1200">
-                <a:solidFill>
-                  <a:srgbClr val="212121"/>
-                </a:solidFill>
-                <a:latin typeface="Monaco"/>
-                <a:ea typeface="Monaco"/>
-                <a:cs typeface="Monaco"/>
-                <a:sym typeface="Monaco"/>
-              </a:defRPr>
-            </a:pPr>
-            <a:r>
-              <a:t>(0.7796919815211103,Elevation)</a:t>
-            </a:r>
-          </a:p>
-          <a:p>
-            <a:pPr defTabSz="457200">
-              <a:defRPr sz="1200">
-                <a:solidFill>
-                  <a:srgbClr val="212121"/>
-                </a:solidFill>
-                <a:latin typeface="Monaco"/>
-                <a:ea typeface="Monaco"/>
-                <a:cs typeface="Monaco"/>
-                <a:sym typeface="Monaco"/>
-              </a:defRPr>
-            </a:pPr>
-            <a:r>
-              <a:t>(0.0398128237749954,Horizontal_Distance_To_Hydrology)</a:t>
-            </a:r>
-          </a:p>
-          <a:p>
-            <a:pPr defTabSz="457200">
-              <a:defRPr sz="1200">
-                <a:solidFill>
-                  <a:srgbClr val="212121"/>
-                </a:solidFill>
-                <a:latin typeface="Monaco"/>
-                <a:ea typeface="Monaco"/>
-                <a:cs typeface="Monaco"/>
-                <a:sym typeface="Monaco"/>
-              </a:defRPr>
-            </a:pPr>
-            <a:r>
-              <a:t>(0.03156107154830829,Hillshade_Noon)</a:t>
-            </a:r>
-          </a:p>
-          <a:p>
-            <a:pPr defTabSz="457200">
-              <a:defRPr sz="1200">
-                <a:solidFill>
-                  <a:srgbClr val="212121"/>
-                </a:solidFill>
-                <a:latin typeface="Monaco"/>
-                <a:ea typeface="Monaco"/>
-                <a:cs typeface="Monaco"/>
-                <a:sym typeface="Monaco"/>
-              </a:defRPr>
-            </a:pPr>
-            <a:r>
-              <a:t>(0.030198698429345045,Soil_Type_3)</a:t>
-            </a:r>
-          </a:p>
-          <a:p>
-            <a:pPr defTabSz="457200">
-              <a:defRPr sz="1200">
-                <a:solidFill>
-                  <a:srgbClr val="212121"/>
-                </a:solidFill>
-                <a:latin typeface="Monaco"/>
-                <a:ea typeface="Monaco"/>
-                <a:cs typeface="Monaco"/>
-                <a:sym typeface="Monaco"/>
-              </a:defRPr>
-            </a:pPr>
-            <a:r>
-              <a:t>(0.0282780732216438,Wilderness_Area_0)</a:t>
-            </a:r>
-          </a:p>
-          <a:p>
-            <a:pPr defTabSz="457200">
-              <a:defRPr sz="1200">
-                <a:solidFill>
-                  <a:srgbClr val="212121"/>
-                </a:solidFill>
-                <a:latin typeface="Monaco"/>
-                <a:ea typeface="Monaco"/>
-                <a:cs typeface="Monaco"/>
-                <a:sym typeface="Monaco"/>
-              </a:defRPr>
-            </a:pPr>
-            <a:r>
-              <a:t>(0.026920786045451794,Soil_Type_31)</a:t>
-            </a:r>
-          </a:p>
-          <a:p>
-            <a:pPr defTabSz="457200">
-              <a:defRPr sz="1200">
-                <a:solidFill>
-                  <a:srgbClr val="212121"/>
-                </a:solidFill>
-                <a:latin typeface="Monaco"/>
-                <a:ea typeface="Monaco"/>
-                <a:cs typeface="Monaco"/>
-                <a:sym typeface="Monaco"/>
-              </a:defRPr>
-            </a:pPr>
-            <a:r>
-              <a:t>(0.023965641197494086,Soil_Type_1)</a:t>
-            </a:r>
-          </a:p>
-          <a:p>
-            <a:pPr defTabSz="457200">
-              <a:defRPr sz="1200">
-                <a:solidFill>
-                  <a:srgbClr val="212121"/>
-                </a:solidFill>
-                <a:latin typeface="Monaco"/>
-                <a:ea typeface="Monaco"/>
-                <a:cs typeface="Monaco"/>
-                <a:sym typeface="Monaco"/>
-              </a:defRPr>
-            </a:pPr>
-            <a:r>
-              <a:t>(0.011002916912030062,Wilderness_Area_2)</a:t>
-            </a:r>
-          </a:p>
-          <a:p>
-            <a:pPr defTabSz="457200">
-              <a:defRPr sz="1200">
-                <a:solidFill>
-                  <a:srgbClr val="212121"/>
-                </a:solidFill>
-                <a:latin typeface="Monaco"/>
-                <a:ea typeface="Monaco"/>
-                <a:cs typeface="Monaco"/>
-                <a:sym typeface="Monaco"/>
-              </a:defRPr>
-            </a:pPr>
-            <a:r>
-              <a:t>(0.009654840511466256,Soil_Type_28)</a:t>
-            </a:r>
-          </a:p>
-          <a:p>
-            <a:pPr defTabSz="457200">
-              <a:defRPr sz="1200">
-                <a:solidFill>
-                  <a:srgbClr val="212121"/>
-                </a:solidFill>
-                <a:latin typeface="Monaco"/>
-                <a:ea typeface="Monaco"/>
-                <a:cs typeface="Monaco"/>
-                <a:sym typeface="Monaco"/>
-              </a:defRPr>
-            </a:pPr>
-            <a:r>
-              <a:t>(0.0058962988381604554,Horizontal_Distance_To_Roadways)</a:t>
-            </a:r>
-          </a:p>
-          <a:p>
-            <a:pPr defTabSz="457200">
-              <a:defRPr sz="1200">
-                <a:solidFill>
-                  <a:srgbClr val="212121"/>
-                </a:solidFill>
-                <a:latin typeface="Monaco"/>
-                <a:ea typeface="Monaco"/>
-                <a:cs typeface="Monaco"/>
-                <a:sym typeface="Monaco"/>
-              </a:defRPr>
-            </a:pPr>
-            <a:r>
-              <a:t>(0.005292807192707336,Soil_Type_22)</a:t>
-            </a:r>
-          </a:p>
-          <a:p>
-            <a:pPr defTabSz="457200">
-              <a:defRPr sz="1200">
-                <a:solidFill>
-                  <a:srgbClr val="212121"/>
-                </a:solidFill>
-                <a:latin typeface="Monaco"/>
-                <a:ea typeface="Monaco"/>
-                <a:cs typeface="Monaco"/>
-                <a:sym typeface="Monaco"/>
-              </a:defRPr>
-            </a:pPr>
-            <a:r>
-              <a:t>(0.0031396067779140015,Wilderness_Area_1)</a:t>
-            </a:r>
-          </a:p>
-          <a:p>
-            <a:pPr defTabSz="457200">
-              <a:defRPr sz="1200">
-                <a:solidFill>
-                  <a:srgbClr val="212121"/>
-                </a:solidFill>
-                <a:latin typeface="Monaco"/>
-                <a:ea typeface="Monaco"/>
-                <a:cs typeface="Monaco"/>
-                <a:sym typeface="Monaco"/>
-              </a:defRPr>
-            </a:pPr>
-            <a:r>
-              <a:t>(0.00255369485868422,Hillshade_9am)</a:t>
-            </a:r>
-          </a:p>
-          <a:p>
-            <a:pPr defTabSz="457200">
-              <a:defRPr sz="1200">
-                <a:solidFill>
-                  <a:srgbClr val="212121"/>
-                </a:solidFill>
-                <a:latin typeface="Monaco"/>
-                <a:ea typeface="Monaco"/>
-                <a:cs typeface="Monaco"/>
-                <a:sym typeface="Monaco"/>
-              </a:defRPr>
-            </a:pPr>
-            <a:r>
-              <a:t>(0.0017475453048820069,Horizontal_Distance_To_Fire_Points)</a:t>
-            </a:r>
-          </a:p>
-          <a:p>
-            <a:pPr defTabSz="457200">
-              <a:defRPr sz="1200">
-                <a:solidFill>
-                  <a:srgbClr val="212121"/>
-                </a:solidFill>
-                <a:latin typeface="Monaco"/>
-                <a:ea typeface="Monaco"/>
-                <a:cs typeface="Monaco"/>
-                <a:sym typeface="Monaco"/>
-              </a:defRPr>
-            </a:pPr>
-            <a:r>
-              <a:t>(2.832138658070966E-4,Soil_Type_8)</a:t>
-            </a:r>
-          </a:p>
-          <a:p>
-            <a:pPr defTabSz="457200">
-              <a:defRPr sz="1200">
-                <a:solidFill>
-                  <a:srgbClr val="212121"/>
-                </a:solidFill>
-                <a:latin typeface="Monaco"/>
-                <a:ea typeface="Monaco"/>
-                <a:cs typeface="Monaco"/>
-                <a:sym typeface="Monaco"/>
-              </a:defRPr>
-            </a:pPr>
-            <a:r>
-              <a:t>(0.0,Wilderness_Area_3)</a:t>
-            </a:r>
-          </a:p>
-          <a:p>
-            <a:pPr defTabSz="457200">
-              <a:defRPr sz="1200">
-                <a:solidFill>
-                  <a:srgbClr val="212121"/>
-                </a:solidFill>
-                <a:latin typeface="Monaco"/>
-                <a:ea typeface="Monaco"/>
-                <a:cs typeface="Monaco"/>
-                <a:sym typeface="Monaco"/>
-              </a:defRPr>
-            </a:pPr>
-            <a:r>
-              <a:t>(0.0,Vertical_Distance_To_Hydrology)</a:t>
-            </a:r>
-          </a:p>
-          <a:p>
-            <a:pPr defTabSz="457200">
-              <a:defRPr sz="1200">
-                <a:solidFill>
-                  <a:srgbClr val="212121"/>
-                </a:solidFill>
-                <a:latin typeface="Monaco"/>
-                <a:ea typeface="Monaco"/>
-                <a:cs typeface="Monaco"/>
-                <a:sym typeface="Monaco"/>
-              </a:defRPr>
-            </a:pPr>
-            <a:r>
-              <a:t>(0.0,Soil_Type_9)</a:t>
-            </a:r>
-          </a:p>
-          <a:p>
-            <a:pPr defTabSz="457200">
-              <a:defRPr sz="1200">
-                <a:solidFill>
-                  <a:srgbClr val="212121"/>
-                </a:solidFill>
-                <a:latin typeface="Monaco"/>
-                <a:ea typeface="Monaco"/>
-                <a:cs typeface="Monaco"/>
-                <a:sym typeface="Monaco"/>
-              </a:defRPr>
-            </a:pPr>
-            <a:r>
-              <a:t>(0.0,Soil_Type_7)</a:t>
-            </a:r>
-          </a:p>
-          <a:p>
-            <a:pPr defTabSz="457200">
-              <a:defRPr sz="1200">
-                <a:solidFill>
-                  <a:srgbClr val="212121"/>
-                </a:solidFill>
-                <a:latin typeface="Monaco"/>
-                <a:ea typeface="Monaco"/>
-                <a:cs typeface="Monaco"/>
-                <a:sym typeface="Monaco"/>
-              </a:defRPr>
-            </a:pPr>
-            <a:r>
-              <a:t>(0.0,Soil_Type_6)</a:t>
-            </a:r>
-          </a:p>
-        </p:txBody>
-      </p:sp>
+      </p:pic>
     </p:spTree>
   </p:cSld>
   <p:clrMapOvr>
@@ -9407,7 +8272,7 @@
       </p:grpSpPr>
       <p:sp>
         <p:nvSpPr>
-          <p:cNvPr id="207" name="Evaluate the classifier on data"/>
+          <p:cNvPr id="204" name="What are the contributions?"/>
           <p:cNvSpPr txBox="1"/>
           <p:nvPr>
             <p:ph type="title"/>
@@ -9424,21 +8289,21 @@
           <a:p>
             <a:pPr/>
             <a:r>
-              <a:t>Evaluate the classifier on data</a:t>
+              <a:t>What are the contributions?</a:t>
             </a:r>
           </a:p>
         </p:txBody>
       </p:sp>
       <p:sp>
         <p:nvSpPr>
-          <p:cNvPr id="208" name="val predictions = model.transform(assembledTrainData)…"/>
+          <p:cNvPr id="205" name="model.featureImportances.toArray.zip(inputCols).…"/>
           <p:cNvSpPr txBox="1"/>
           <p:nvPr/>
         </p:nvSpPr>
         <p:spPr>
           <a:xfrm>
-            <a:off x="1896586" y="1579880"/>
-            <a:ext cx="5350828" cy="1056641"/>
+            <a:off x="2361177" y="1643379"/>
+            <a:ext cx="4421645" cy="574041"/>
           </a:xfrm>
           <a:prstGeom prst="rect">
             <a:avLst/>
@@ -9462,42 +8327,39 @@
               <a:defRPr sz="1600"/>
             </a:pPr>
             <a:r>
-              <a:t>  val predictions = model.transform(assembledTrainData)</a:t>
+              <a:t>    model.featureImportances.toArray.zip(inputCols).</a:t>
             </a:r>
           </a:p>
           <a:p>
             <a:pPr>
               <a:defRPr sz="1600"/>
             </a:pPr>
-          </a:p>
-          <a:p>
-            <a:pPr>
-              <a:defRPr sz="1600"/>
-            </a:pPr>
-            <a:r>
-              <a:t>    predictions.select("Cover_Type", "prediction", "probability").</a:t>
-            </a:r>
-          </a:p>
-          <a:p>
-            <a:pPr>
-              <a:defRPr sz="1600"/>
-            </a:pPr>
-            <a:r>
-              <a:t>      show(truncate = false)</a:t>
+            <a:r>
+              <a:t>      sorted.reverse.foreach(println)</a:t>
             </a:r>
           </a:p>
         </p:txBody>
       </p:sp>
-      <p:sp>
-        <p:nvSpPr>
-          <p:cNvPr id="209" name="predictions: org.apache.spark.sql.DataFrame = [Elevation: int, Aspect: int ... 57 more fields]…"/>
-          <p:cNvSpPr txBox="1"/>
+      <p:pic>
+        <p:nvPicPr>
+          <p:cNvPr id="206" name="Image" descr="Image"/>
+          <p:cNvPicPr>
+            <a:picLocks noChangeAspect="1"/>
+          </p:cNvPicPr>
           <p:nvPr/>
-        </p:nvSpPr>
+        </p:nvPicPr>
+        <p:blipFill>
+          <a:blip r:embed="rId2">
+            <a:extLst/>
+          </a:blip>
+          <a:stretch>
+            <a:fillRect/>
+          </a:stretch>
+        </p:blipFill>
         <p:spPr>
           <a:xfrm>
-            <a:off x="347979" y="2945142"/>
-            <a:ext cx="12245788" cy="2923516"/>
+            <a:off x="2048689" y="2232395"/>
+            <a:ext cx="5625514" cy="4079693"/>
           </a:xfrm>
           <a:prstGeom prst="rect">
             <a:avLst/>
@@ -9505,227 +8367,8 @@
           <a:ln w="12700">
             <a:miter lim="400000"/>
           </a:ln>
-          <a:extLst>
-            <a:ext uri="{C572A759-6A51-4108-AA02-DFA0A04FC94B}">
-              <ma14:wrappingTextBoxFlag xmlns:ma14="http://schemas.microsoft.com/office/mac/drawingml/2011/main" val="1"/>
-            </a:ext>
-          </a:extLst>
         </p:spPr>
-        <p:txBody>
-          <a:bodyPr lIns="45719" rIns="45719">
-            <a:spAutoFit/>
-          </a:bodyPr>
-          <a:lstStyle/>
-          <a:p>
-            <a:pPr defTabSz="457200">
-              <a:defRPr sz="1200">
-                <a:solidFill>
-                  <a:srgbClr val="212121"/>
-                </a:solidFill>
-                <a:latin typeface="Monaco"/>
-                <a:ea typeface="Monaco"/>
-                <a:cs typeface="Monaco"/>
-                <a:sym typeface="Monaco"/>
-              </a:defRPr>
-            </a:pPr>
-            <a:r>
-              <a:t>predictions: org.apache.spark.sql.DataFrame = [Elevation: int, Aspect: int ... 57 more fields]</a:t>
-            </a:r>
-          </a:p>
-          <a:p>
-            <a:pPr defTabSz="457200">
-              <a:defRPr sz="1200">
-                <a:solidFill>
-                  <a:srgbClr val="212121"/>
-                </a:solidFill>
-                <a:latin typeface="Monaco"/>
-                <a:ea typeface="Monaco"/>
-                <a:cs typeface="Monaco"/>
-                <a:sym typeface="Monaco"/>
-              </a:defRPr>
-            </a:pPr>
-            <a:r>
-              <a:t>+----------+----------+------------------------------------------------------------------------------------------------+</a:t>
-            </a:r>
-          </a:p>
-          <a:p>
-            <a:pPr defTabSz="457200">
-              <a:defRPr sz="1200">
-                <a:solidFill>
-                  <a:srgbClr val="212121"/>
-                </a:solidFill>
-                <a:latin typeface="Monaco"/>
-                <a:ea typeface="Monaco"/>
-                <a:cs typeface="Monaco"/>
-                <a:sym typeface="Monaco"/>
-              </a:defRPr>
-            </a:pPr>
-            <a:r>
-              <a:t>|Cover_Type|prediction|probability                                                                                     |</a:t>
-            </a:r>
-          </a:p>
-          <a:p>
-            <a:pPr defTabSz="457200">
-              <a:defRPr sz="1200">
-                <a:solidFill>
-                  <a:srgbClr val="212121"/>
-                </a:solidFill>
-                <a:latin typeface="Monaco"/>
-                <a:ea typeface="Monaco"/>
-                <a:cs typeface="Monaco"/>
-                <a:sym typeface="Monaco"/>
-              </a:defRPr>
-            </a:pPr>
-            <a:r>
-              <a:t>+----------+----------+------------------------------------------------------------------------------------------------+</a:t>
-            </a:r>
-          </a:p>
-          <a:p>
-            <a:pPr defTabSz="457200">
-              <a:defRPr sz="1200">
-                <a:solidFill>
-                  <a:srgbClr val="212121"/>
-                </a:solidFill>
-                <a:latin typeface="Monaco"/>
-                <a:ea typeface="Monaco"/>
-                <a:cs typeface="Monaco"/>
-                <a:sym typeface="Monaco"/>
-              </a:defRPr>
-            </a:pPr>
-            <a:r>
-              <a:t>|6.0       |3.0       |[0.0,0.0,0.0316138592900995,0.636581751464258,0.05130195469621057,0.0,0.2805024345494319,0.0]   |</a:t>
-            </a:r>
-          </a:p>
-          <a:p>
-            <a:pPr defTabSz="457200">
-              <a:defRPr sz="1200">
-                <a:solidFill>
-                  <a:srgbClr val="212121"/>
-                </a:solidFill>
-                <a:latin typeface="Monaco"/>
-                <a:ea typeface="Monaco"/>
-                <a:cs typeface="Monaco"/>
-                <a:sym typeface="Monaco"/>
-              </a:defRPr>
-            </a:pPr>
-            <a:r>
-              <a:t>|6.0       |4.0       |[0.0,0.0,0.04187082405345212,0.2846325167037862,0.44097995545657015,0.0,0.23251670378619155,0.0]|</a:t>
-            </a:r>
-          </a:p>
-          <a:p>
-            <a:pPr defTabSz="457200">
-              <a:defRPr sz="1200">
-                <a:solidFill>
-                  <a:srgbClr val="212121"/>
-                </a:solidFill>
-                <a:latin typeface="Monaco"/>
-                <a:ea typeface="Monaco"/>
-                <a:cs typeface="Monaco"/>
-                <a:sym typeface="Monaco"/>
-              </a:defRPr>
-            </a:pPr>
-            <a:r>
-              <a:t>|6.0       |3.0       |[0.0,0.0,0.0316138592900995,0.636581751464258,0.05130195469621057,0.0,0.2805024345494319,0.0]   |</a:t>
-            </a:r>
-          </a:p>
-          <a:p>
-            <a:pPr defTabSz="457200">
-              <a:defRPr sz="1200">
-                <a:solidFill>
-                  <a:srgbClr val="212121"/>
-                </a:solidFill>
-                <a:latin typeface="Monaco"/>
-                <a:ea typeface="Monaco"/>
-                <a:cs typeface="Monaco"/>
-                <a:sym typeface="Monaco"/>
-              </a:defRPr>
-            </a:pPr>
-            <a:r>
-              <a:t>|6.0       |3.0       |[0.0,0.0,0.0316138592900995,0.636581751464258,0.05130195469621057,0.0,0.2805024345494319,0.0]   |</a:t>
-            </a:r>
-          </a:p>
-          <a:p>
-            <a:pPr defTabSz="457200">
-              <a:defRPr sz="1200">
-                <a:solidFill>
-                  <a:srgbClr val="212121"/>
-                </a:solidFill>
-                <a:latin typeface="Monaco"/>
-                <a:ea typeface="Monaco"/>
-                <a:cs typeface="Monaco"/>
-                <a:sym typeface="Monaco"/>
-              </a:defRPr>
-            </a:pPr>
-            <a:r>
-              <a:t>|6.0       |3.0       |[0.0,0.0,0.0316138592900995,0.636581751464258,0.05130195469621057,0.0,0.2805024345494319,0.0]   |</a:t>
-            </a:r>
-          </a:p>
-          <a:p>
-            <a:pPr defTabSz="457200">
-              <a:defRPr sz="1200">
-                <a:solidFill>
-                  <a:srgbClr val="212121"/>
-                </a:solidFill>
-                <a:latin typeface="Monaco"/>
-                <a:ea typeface="Monaco"/>
-                <a:cs typeface="Monaco"/>
-                <a:sym typeface="Monaco"/>
-              </a:defRPr>
-            </a:pPr>
-            <a:r>
-              <a:t>|6.0       |3.0       |[0.0,0.0,0.0316138592900995,0.636581751464258,0.05130195469621057,0.0,0.2805024345494319,0.0]   |</a:t>
-            </a:r>
-          </a:p>
-          <a:p>
-            <a:pPr defTabSz="457200">
-              <a:defRPr sz="1200">
-                <a:solidFill>
-                  <a:srgbClr val="212121"/>
-                </a:solidFill>
-                <a:latin typeface="Monaco"/>
-                <a:ea typeface="Monaco"/>
-                <a:cs typeface="Monaco"/>
-                <a:sym typeface="Monaco"/>
-              </a:defRPr>
-            </a:pPr>
-            <a:r>
-              <a:t>|6.0       |3.0       |[0.0,0.0,0.0316138592900995,0.636581751464258,0.05130195469621057,0.0,0.2805024345494319,0.0]   |</a:t>
-            </a:r>
-          </a:p>
-          <a:p>
-            <a:pPr defTabSz="457200">
-              <a:defRPr sz="1200">
-                <a:solidFill>
-                  <a:srgbClr val="212121"/>
-                </a:solidFill>
-                <a:latin typeface="Monaco"/>
-                <a:ea typeface="Monaco"/>
-                <a:cs typeface="Monaco"/>
-                <a:sym typeface="Monaco"/>
-              </a:defRPr>
-            </a:pPr>
-            <a:r>
-              <a:t>|6.0       |3.0       |[0.0,0.0,0.0316138592900995,0.636581751464258,0.05130195469621057,0.0,0.2805024345494319,0.0]   |</a:t>
-            </a:r>
-          </a:p>
-          <a:p>
-            <a:pPr defTabSz="457200">
-              <a:defRPr sz="1200">
-                <a:solidFill>
-                  <a:srgbClr val="212121"/>
-                </a:solidFill>
-                <a:latin typeface="Monaco"/>
-                <a:ea typeface="Monaco"/>
-                <a:cs typeface="Monaco"/>
-                <a:sym typeface="Monaco"/>
-              </a:defRPr>
-            </a:pPr>
-            <a:r>
-              <a:t>|6.0       |3.0       |[0.0,0.0,0.0316138592900995,0.636581751464258,0.05130195469621057,0.0,0.2805024345494319,0.0]   |</a:t>
-            </a:r>
-          </a:p>
-        </p:txBody>
-      </p:sp>
+      </p:pic>
     </p:spTree>
   </p:cSld>
   <p:clrMapOvr>
@@ -9754,7 +8397,7 @@
       </p:grpSpPr>
       <p:sp>
         <p:nvSpPr>
-          <p:cNvPr id="211" name="Transfer the classifier to RDD"/>
+          <p:cNvPr id="208" name="Evaluate the classifier on data"/>
           <p:cNvSpPr txBox="1"/>
           <p:nvPr>
             <p:ph type="title"/>
@@ -9771,21 +8414,21 @@
           <a:p>
             <a:pPr/>
             <a:r>
-              <a:t>Transfer the classifier to RDD</a:t>
+              <a:t>Evaluate the classifier on data</a:t>
             </a:r>
           </a:p>
         </p:txBody>
       </p:sp>
       <p:sp>
         <p:nvSpPr>
-          <p:cNvPr id="212" name="val evaluator = new MulticlassClassificationEvaluator().…"/>
+          <p:cNvPr id="209" name="val predictions = model.transform(assembledTrainData)…"/>
           <p:cNvSpPr txBox="1"/>
           <p:nvPr/>
         </p:nvSpPr>
         <p:spPr>
           <a:xfrm>
-            <a:off x="1360904" y="1592580"/>
-            <a:ext cx="6422192" cy="3710941"/>
+            <a:off x="1896586" y="1579880"/>
+            <a:ext cx="5350828" cy="1056641"/>
           </a:xfrm>
           <a:prstGeom prst="rect">
             <a:avLst/>
@@ -9809,109 +8452,61 @@
               <a:defRPr sz="1600"/>
             </a:pPr>
             <a:r>
-              <a:t>    val evaluator = new MulticlassClassificationEvaluator().</a:t>
+              <a:t>  val predictions = model.transform(assembledTrainData)</a:t>
             </a:r>
           </a:p>
           <a:p>
             <a:pPr>
               <a:defRPr sz="1600"/>
             </a:pPr>
-            <a:r>
-              <a:t>      setLabelCol("Cover_Type").</a:t>
-            </a:r>
           </a:p>
           <a:p>
             <a:pPr>
               <a:defRPr sz="1600"/>
             </a:pPr>
             <a:r>
-              <a:t>      setPredictionCol("prediction")</a:t>
+              <a:t>    predictions.select("Cover_Type", "prediction", "probability").</a:t>
             </a:r>
           </a:p>
           <a:p>
             <a:pPr>
               <a:defRPr sz="1600"/>
             </a:pPr>
-          </a:p>
-          <a:p>
-            <a:pPr>
-              <a:defRPr sz="1600"/>
-            </a:pPr>
-            <a:r>
-              <a:t>    val accuracy = evaluator.setMetricName("accuracy").evaluate(predictions)</a:t>
-            </a:r>
-          </a:p>
-          <a:p>
-            <a:pPr>
-              <a:defRPr sz="1600"/>
-            </a:pPr>
-            <a:r>
-              <a:t>    val f1 = evaluator.setMetricName("f1").evaluate(predictions)</a:t>
-            </a:r>
-          </a:p>
-          <a:p>
-            <a:pPr>
-              <a:defRPr sz="1600"/>
-            </a:pPr>
-            <a:r>
-              <a:t>    println(accuracy)</a:t>
-            </a:r>
-          </a:p>
-          <a:p>
-            <a:pPr>
-              <a:defRPr sz="1600"/>
-            </a:pPr>
-            <a:r>
-              <a:t>    println(f1)</a:t>
-            </a:r>
-          </a:p>
-          <a:p>
-            <a:pPr>
-              <a:defRPr sz="1600"/>
-            </a:pPr>
-          </a:p>
-          <a:p>
-            <a:pPr>
-              <a:defRPr sz="1600"/>
-            </a:pPr>
-            <a:r>
-              <a:t>    val predictionRDD = predictions.</a:t>
-            </a:r>
-          </a:p>
-          <a:p>
-            <a:pPr>
-              <a:defRPr sz="1600"/>
-            </a:pPr>
-            <a:r>
-              <a:t>      select("prediction", "Cover_Type").</a:t>
-            </a:r>
-          </a:p>
-          <a:p>
-            <a:pPr>
-              <a:defRPr sz="1600"/>
-            </a:pPr>
-            <a:r>
-              <a:t>      as[(Double,Double)].rdd</a:t>
-            </a:r>
-          </a:p>
-          <a:p>
-            <a:pPr>
-              <a:defRPr sz="1600"/>
-            </a:pPr>
-            <a:r>
-              <a:t>    val multiclassMetrics = new MulticlassMetrics(predictionRDD)</a:t>
-            </a:r>
-          </a:p>
-          <a:p>
-            <a:pPr>
-              <a:defRPr sz="1600"/>
-            </a:pPr>
-            <a:r>
-              <a:t>    println(multiclassMetrics.confusionMatrix)</a:t>
+            <a:r>
+              <a:t>      show(truncate = false)</a:t>
             </a:r>
           </a:p>
         </p:txBody>
       </p:sp>
+      <p:pic>
+        <p:nvPicPr>
+          <p:cNvPr id="210" name="Image" descr="Image"/>
+          <p:cNvPicPr>
+            <a:picLocks noChangeAspect="1"/>
+          </p:cNvPicPr>
+          <p:nvPr/>
+        </p:nvPicPr>
+        <p:blipFill>
+          <a:blip r:embed="rId2">
+            <a:extLst/>
+          </a:blip>
+          <a:stretch>
+            <a:fillRect/>
+          </a:stretch>
+        </p:blipFill>
+        <p:spPr>
+          <a:xfrm>
+            <a:off x="1212850" y="3084748"/>
+            <a:ext cx="6718300" cy="2082801"/>
+          </a:xfrm>
+          <a:prstGeom prst="rect">
+            <a:avLst/>
+          </a:prstGeom>
+          <a:ln w="12700">
+            <a:miter lim="400000"/>
+          </a:ln>
+        </p:spPr>
+      </p:pic>
     </p:spTree>
   </p:cSld>
   <p:clrMapOvr>
@@ -9940,7 +8535,7 @@
       </p:grpSpPr>
       <p:sp>
         <p:nvSpPr>
-          <p:cNvPr id="214" name="Get the confusion matrix from RDD"/>
+          <p:cNvPr id="212" name="Transfer the classifier to RDD"/>
           <p:cNvSpPr txBox="1"/>
           <p:nvPr>
             <p:ph type="title"/>
@@ -9957,21 +8552,21 @@
           <a:p>
             <a:pPr/>
             <a:r>
-              <a:t>Get the confusion matrix from RDD</a:t>
+              <a:t>Transfer the classifier to RDD</a:t>
             </a:r>
           </a:p>
         </p:txBody>
       </p:sp>
       <p:sp>
         <p:nvSpPr>
-          <p:cNvPr id="215" name="val confusionMatrix = predictions.…"/>
+          <p:cNvPr id="213" name="val evaluator = new MulticlassClassificationEvaluator().…"/>
           <p:cNvSpPr txBox="1"/>
           <p:nvPr/>
         </p:nvSpPr>
         <p:spPr>
           <a:xfrm>
             <a:off x="1360904" y="1592580"/>
-            <a:ext cx="3036948" cy="2263141"/>
+            <a:ext cx="6422192" cy="3710941"/>
           </a:xfrm>
           <a:prstGeom prst="rect">
             <a:avLst/>
@@ -9995,7 +8590,7 @@
               <a:defRPr sz="1600"/>
             </a:pPr>
             <a:r>
-              <a:t>  val confusionMatrix = predictions.</a:t>
+              <a:t>    val evaluator = new MulticlassClassificationEvaluator().</a:t>
             </a:r>
           </a:p>
           <a:p>
@@ -10003,7 +8598,7 @@
               <a:defRPr sz="1600"/>
             </a:pPr>
             <a:r>
-              <a:t>      groupBy("Cover_Type").</a:t>
+              <a:t>      setLabelCol("Cover_Type").</a:t>
             </a:r>
           </a:p>
           <a:p>
@@ -10011,23 +8606,20 @@
               <a:defRPr sz="1600"/>
             </a:pPr>
             <a:r>
-              <a:t>      pivot("prediction", (1 to 7)).</a:t>
+              <a:t>      setPredictionCol("prediction")</a:t>
             </a:r>
           </a:p>
           <a:p>
             <a:pPr>
               <a:defRPr sz="1600"/>
             </a:pPr>
-            <a:r>
-              <a:t>      count().</a:t>
-            </a:r>
           </a:p>
           <a:p>
             <a:pPr>
               <a:defRPr sz="1600"/>
             </a:pPr>
             <a:r>
-              <a:t>      na.fill(0.0).</a:t>
+              <a:t>    val accuracy = evaluator.setMetricName("accuracy").evaluate(predictions)</a:t>
             </a:r>
           </a:p>
           <a:p>
@@ -10035,242 +8627,68 @@
               <a:defRPr sz="1600"/>
             </a:pPr>
             <a:r>
-              <a:t>      orderBy("Cover_Type")</a:t>
+              <a:t>    val f1 = evaluator.setMetricName("f1").evaluate(predictions)</a:t>
             </a:r>
           </a:p>
           <a:p>
             <a:pPr>
               <a:defRPr sz="1600"/>
             </a:pPr>
+            <a:r>
+              <a:t>    println(accuracy)</a:t>
+            </a:r>
           </a:p>
           <a:p>
             <a:pPr>
               <a:defRPr sz="1600"/>
             </a:pPr>
             <a:r>
-              <a:t>    confusionMatrix.show()</a:t>
-            </a:r>
-          </a:p>
-        </p:txBody>
-      </p:sp>
-      <p:sp>
-        <p:nvSpPr>
-          <p:cNvPr id="216" name="confusionMatrix: org.apache.spark.sql.Dataset[org.apache.spark.sql.Row] = [Cover_Type: double, 1: bigint ... 6 more fields]…"/>
-          <p:cNvSpPr txBox="1"/>
-          <p:nvPr/>
-        </p:nvSpPr>
-        <p:spPr>
-          <a:xfrm>
-            <a:off x="953040" y="3719842"/>
-            <a:ext cx="9066720" cy="2720316"/>
-          </a:xfrm>
-          <a:prstGeom prst="rect">
-            <a:avLst/>
-          </a:prstGeom>
-          <a:ln w="12700">
-            <a:miter lim="400000"/>
-          </a:ln>
-          <a:extLst>
-            <a:ext uri="{C572A759-6A51-4108-AA02-DFA0A04FC94B}">
-              <ma14:wrappingTextBoxFlag xmlns:ma14="http://schemas.microsoft.com/office/mac/drawingml/2011/main" val="1"/>
-            </a:ext>
-          </a:extLst>
-        </p:spPr>
-        <p:txBody>
-          <a:bodyPr wrap="none" lIns="45719" rIns="45719">
-            <a:spAutoFit/>
-          </a:bodyPr>
-          <a:lstStyle/>
-          <a:p>
-            <a:pPr defTabSz="457200">
-              <a:defRPr sz="1200">
-                <a:solidFill>
-                  <a:srgbClr val="212121"/>
-                </a:solidFill>
-                <a:latin typeface="Monaco"/>
-                <a:ea typeface="Monaco"/>
-                <a:cs typeface="Monaco"/>
-                <a:sym typeface="Monaco"/>
-              </a:defRPr>
+              <a:t>    println(f1)</a:t>
+            </a:r>
+          </a:p>
+          <a:p>
+            <a:pPr>
+              <a:defRPr sz="1600"/>
             </a:pPr>
-            <a:r>
-              <a:t>confusionMatrix: org.apache.spark.sql.Dataset[org.apache.spark.sql.Row] = [Cover_Type: double, 1: bigint ... 6 more fields]</a:t>
-            </a:r>
-          </a:p>
-          <a:p>
-            <a:pPr defTabSz="457200">
-              <a:defRPr sz="1200">
-                <a:solidFill>
-                  <a:srgbClr val="212121"/>
-                </a:solidFill>
-                <a:latin typeface="Monaco"/>
-                <a:ea typeface="Monaco"/>
-                <a:cs typeface="Monaco"/>
-                <a:sym typeface="Monaco"/>
-              </a:defRPr>
+          </a:p>
+          <a:p>
+            <a:pPr>
+              <a:defRPr sz="1600"/>
             </a:pPr>
             <a:r>
-              <a:t>+----------+------+------+-----+---+---+---+-----+</a:t>
-            </a:r>
-          </a:p>
-          <a:p>
-            <a:pPr defTabSz="457200">
-              <a:defRPr sz="1200">
-                <a:solidFill>
-                  <a:srgbClr val="212121"/>
-                </a:solidFill>
-                <a:latin typeface="Monaco"/>
-                <a:ea typeface="Monaco"/>
-                <a:cs typeface="Monaco"/>
-                <a:sym typeface="Monaco"/>
-              </a:defRPr>
+              <a:t>    val predictionRDD = predictions.</a:t>
+            </a:r>
+          </a:p>
+          <a:p>
+            <a:pPr>
+              <a:defRPr sz="1600"/>
             </a:pPr>
             <a:r>
-              <a:t>|Cover_Type|     1|     2|    3|  4|  5|  6|    7|</a:t>
-            </a:r>
-          </a:p>
-          <a:p>
-            <a:pPr defTabSz="457200">
-              <a:defRPr sz="1200">
-                <a:solidFill>
-                  <a:srgbClr val="212121"/>
-                </a:solidFill>
-                <a:latin typeface="Monaco"/>
-                <a:ea typeface="Monaco"/>
-                <a:cs typeface="Monaco"/>
-                <a:sym typeface="Monaco"/>
-              </a:defRPr>
+              <a:t>      select("prediction", "Cover_Type").</a:t>
+            </a:r>
+          </a:p>
+          <a:p>
+            <a:pPr>
+              <a:defRPr sz="1600"/>
             </a:pPr>
             <a:r>
-              <a:t>+----------+------+------+-----+---+---+---+-----+</a:t>
-            </a:r>
-          </a:p>
-          <a:p>
-            <a:pPr defTabSz="457200">
-              <a:defRPr sz="1200">
-                <a:solidFill>
-                  <a:srgbClr val="212121"/>
-                </a:solidFill>
-                <a:latin typeface="Monaco"/>
-                <a:ea typeface="Monaco"/>
-                <a:cs typeface="Monaco"/>
-                <a:sym typeface="Monaco"/>
-              </a:defRPr>
+              <a:t>      as[(Double,Double)].rdd</a:t>
+            </a:r>
+          </a:p>
+          <a:p>
+            <a:pPr>
+              <a:defRPr sz="1600"/>
             </a:pPr>
             <a:r>
-              <a:t>|       1.0|128315| 56428|  161|  0|  0|  0| 5709|</a:t>
-            </a:r>
-          </a:p>
-          <a:p>
-            <a:pPr defTabSz="457200">
-              <a:defRPr sz="1200">
-                <a:solidFill>
-                  <a:srgbClr val="212121"/>
-                </a:solidFill>
-                <a:latin typeface="Monaco"/>
-                <a:ea typeface="Monaco"/>
-                <a:cs typeface="Monaco"/>
-                <a:sym typeface="Monaco"/>
-              </a:defRPr>
+              <a:t>    val multiclassMetrics = new MulticlassMetrics(predictionRDD)</a:t>
+            </a:r>
+          </a:p>
+          <a:p>
+            <a:pPr>
+              <a:defRPr sz="1600"/>
             </a:pPr>
             <a:r>
-              <a:t>|       2.0| 49194|200664| 4268| 94|  0|  0|  849|</a:t>
-            </a:r>
-          </a:p>
-          <a:p>
-            <a:pPr defTabSz="457200">
-              <a:defRPr sz="1200">
-                <a:solidFill>
-                  <a:srgbClr val="212121"/>
-                </a:solidFill>
-                <a:latin typeface="Monaco"/>
-                <a:ea typeface="Monaco"/>
-                <a:cs typeface="Monaco"/>
-                <a:sym typeface="Monaco"/>
-              </a:defRPr>
-            </a:pPr>
-            <a:r>
-              <a:t>|       3.0|     0|  5983|25665|639|  0|  0|    0|</a:t>
-            </a:r>
-          </a:p>
-          <a:p>
-            <a:pPr defTabSz="457200">
-              <a:defRPr sz="1200">
-                <a:solidFill>
-                  <a:srgbClr val="212121"/>
-                </a:solidFill>
-                <a:latin typeface="Monaco"/>
-                <a:ea typeface="Monaco"/>
-                <a:cs typeface="Monaco"/>
-                <a:sym typeface="Monaco"/>
-              </a:defRPr>
-            </a:pPr>
-            <a:r>
-              <a:t>|       4.0|     0|    21| 1454|990|  0|  0|    0|</a:t>
-            </a:r>
-          </a:p>
-          <a:p>
-            <a:pPr defTabSz="457200">
-              <a:defRPr sz="1200">
-                <a:solidFill>
-                  <a:srgbClr val="212121"/>
-                </a:solidFill>
-                <a:latin typeface="Monaco"/>
-                <a:ea typeface="Monaco"/>
-                <a:cs typeface="Monaco"/>
-                <a:sym typeface="Monaco"/>
-              </a:defRPr>
-            </a:pPr>
-            <a:r>
-              <a:t>|       5.0|     2|  7815|  734|  0|  0|  0|    0|</a:t>
-            </a:r>
-          </a:p>
-          <a:p>
-            <a:pPr defTabSz="457200">
-              <a:defRPr sz="1200">
-                <a:solidFill>
-                  <a:srgbClr val="212121"/>
-                </a:solidFill>
-                <a:latin typeface="Monaco"/>
-                <a:ea typeface="Monaco"/>
-                <a:cs typeface="Monaco"/>
-                <a:sym typeface="Monaco"/>
-              </a:defRPr>
-            </a:pPr>
-            <a:r>
-              <a:t>|       6.0|     0|  6362| 8668|522|  0|  0|    0|</a:t>
-            </a:r>
-          </a:p>
-          <a:p>
-            <a:pPr defTabSz="457200">
-              <a:defRPr sz="1200">
-                <a:solidFill>
-                  <a:srgbClr val="212121"/>
-                </a:solidFill>
-                <a:latin typeface="Monaco"/>
-                <a:ea typeface="Monaco"/>
-                <a:cs typeface="Monaco"/>
-                <a:sym typeface="Monaco"/>
-              </a:defRPr>
-            </a:pPr>
-            <a:r>
-              <a:t>|       7.0|  7642|   169|   54|  0|  0|  0|10511|</a:t>
-            </a:r>
-          </a:p>
-          <a:p>
-            <a:pPr defTabSz="457200">
-              <a:defRPr sz="1200">
-                <a:solidFill>
-                  <a:srgbClr val="212121"/>
-                </a:solidFill>
-                <a:latin typeface="Monaco"/>
-                <a:ea typeface="Monaco"/>
-                <a:cs typeface="Monaco"/>
-                <a:sym typeface="Monaco"/>
-              </a:defRPr>
-            </a:pPr>
-            <a:r>
-              <a:t>+----------+------+------+-----+---+---+---+-----+</a:t>
+              <a:t>    println(multiclassMetrics.confusionMatrix)</a:t>
             </a:r>
           </a:p>
         </p:txBody>
@@ -10303,7 +8721,7 @@
       </p:grpSpPr>
       <p:sp>
         <p:nvSpPr>
-          <p:cNvPr id="220" name="Assignment"/>
+          <p:cNvPr id="215" name="Get the confusion matrix from RDD"/>
           <p:cNvSpPr txBox="1"/>
           <p:nvPr>
             <p:ph type="title"/>
@@ -10318,55 +8736,133 @@
           <a:bodyPr/>
           <a:lstStyle/>
           <a:p>
-            <a:pPr lvl="1"/>
-            <a:r>
-              <a:t>Assignment</a:t>
+            <a:pPr/>
+            <a:r>
+              <a:t>Get the confusion matrix from RDD</a:t>
             </a:r>
           </a:p>
         </p:txBody>
       </p:sp>
       <p:sp>
         <p:nvSpPr>
-          <p:cNvPr id="221" name="Select a sensory dataset with clearly dependent channels (e.g. soil moisture vs. air temperature, sunshine, and rainfall)…"/>
+          <p:cNvPr id="216" name="val confusionMatrix = predictions.…"/>
           <p:cNvSpPr txBox="1"/>
-          <p:nvPr>
-            <p:ph type="body" idx="1"/>
-          </p:nvPr>
+          <p:nvPr/>
         </p:nvSpPr>
         <p:spPr>
+          <a:xfrm>
+            <a:off x="1360904" y="1592580"/>
+            <a:ext cx="3036948" cy="2263141"/>
+          </a:xfrm>
           <a:prstGeom prst="rect">
             <a:avLst/>
           </a:prstGeom>
+          <a:ln w="12700">
+            <a:miter lim="400000"/>
+          </a:ln>
+          <a:extLst>
+            <a:ext uri="{C572A759-6A51-4108-AA02-DFA0A04FC94B}">
+              <ma14:wrappingTextBoxFlag xmlns:ma14="http://schemas.microsoft.com/office/mac/drawingml/2011/main" val="1"/>
+            </a:ext>
+          </a:extLst>
         </p:spPr>
         <p:txBody>
-          <a:bodyPr/>
+          <a:bodyPr wrap="none" lIns="45719" rIns="45719">
+            <a:spAutoFit/>
+          </a:bodyPr>
           <a:lstStyle/>
           <a:p>
-            <a:pPr/>
-            <a:r>
-              <a:t>Select a sensory dataset with clearly dependent channels (e.g. soil moisture vs. air temperature, sunshine, and rainfall)</a:t>
-            </a:r>
-          </a:p>
-          <a:p>
-            <a:pPr/>
-            <a:r>
-              <a:t>Divide the data into segments with low variance within segments</a:t>
-            </a:r>
-          </a:p>
-          <a:p>
-            <a:pPr/>
-            <a:r>
-              <a:t>Create a regression analysis with Scala or PySpark</a:t>
-            </a:r>
-          </a:p>
-          <a:p>
-            <a:pPr/>
-            <a:r>
-              <a:t>Discuss the results, consider temporal effects </a:t>
+            <a:pPr>
+              <a:defRPr sz="1600"/>
+            </a:pPr>
+            <a:r>
+              <a:t>  val confusionMatrix = predictions.</a:t>
+            </a:r>
+          </a:p>
+          <a:p>
+            <a:pPr>
+              <a:defRPr sz="1600"/>
+            </a:pPr>
+            <a:r>
+              <a:t>      groupBy("Cover_Type").</a:t>
+            </a:r>
+          </a:p>
+          <a:p>
+            <a:pPr>
+              <a:defRPr sz="1600"/>
+            </a:pPr>
+            <a:r>
+              <a:t>      pivot("prediction", (1 to 7)).</a:t>
+            </a:r>
+          </a:p>
+          <a:p>
+            <a:pPr>
+              <a:defRPr sz="1600"/>
+            </a:pPr>
+            <a:r>
+              <a:t>      count().</a:t>
+            </a:r>
+          </a:p>
+          <a:p>
+            <a:pPr>
+              <a:defRPr sz="1600"/>
+            </a:pPr>
+            <a:r>
+              <a:t>      na.fill(0.0).</a:t>
+            </a:r>
+          </a:p>
+          <a:p>
+            <a:pPr>
+              <a:defRPr sz="1600"/>
+            </a:pPr>
+            <a:r>
+              <a:t>      orderBy("Cover_Type")</a:t>
+            </a:r>
+          </a:p>
+          <a:p>
+            <a:pPr>
+              <a:defRPr sz="1600"/>
+            </a:pPr>
+          </a:p>
+          <a:p>
+            <a:pPr>
+              <a:defRPr sz="1600"/>
+            </a:pPr>
+            <a:r>
+              <a:t>    confusionMatrix.show()</a:t>
             </a:r>
           </a:p>
         </p:txBody>
       </p:sp>
+      <p:pic>
+        <p:nvPicPr>
+          <p:cNvPr id="217" name="Image" descr="Image"/>
+          <p:cNvPicPr>
+            <a:picLocks noChangeAspect="1"/>
+          </p:cNvPicPr>
+          <p:nvPr/>
+        </p:nvPicPr>
+        <p:blipFill>
+          <a:blip r:embed="rId3">
+            <a:extLst/>
+          </a:blip>
+          <a:stretch>
+            <a:fillRect/>
+          </a:stretch>
+        </p:blipFill>
+        <p:spPr>
+          <a:xfrm>
+            <a:off x="2556347" y="4030662"/>
+            <a:ext cx="3771901" cy="2095501"/>
+          </a:xfrm>
+          <a:prstGeom prst="rect">
+            <a:avLst/>
+          </a:prstGeom>
+          <a:ln w="12700">
+            <a:miter lim="400000"/>
+          </a:ln>
+        </p:spPr>
+      </p:pic>
     </p:spTree>
   </p:cSld>
   <p:clrMapOvr>
@@ -10395,7 +8891,7 @@
       </p:grpSpPr>
       <p:sp>
         <p:nvSpPr>
-          <p:cNvPr id="223" name="Summary of the lecture"/>
+          <p:cNvPr id="221" name="Assignment"/>
           <p:cNvSpPr txBox="1"/>
           <p:nvPr>
             <p:ph type="title"/>
@@ -10410,16 +8906,108 @@
           <a:bodyPr/>
           <a:lstStyle/>
           <a:p>
-            <a:pPr/>
-            <a:r>
-              <a:t>Summary of the lecture</a:t>
+            <a:pPr lvl="1"/>
+            <a:r>
+              <a:t>Assignment</a:t>
             </a:r>
           </a:p>
         </p:txBody>
       </p:sp>
       <p:sp>
         <p:nvSpPr>
-          <p:cNvPr id="224" name="We have learned about using the Spark framework with Scala and its Machine Learning library, to analyze the connection between observed causes (environmental data) and effects (forest cover). We have found that by training a classifier and studying the confusion matrix, we can start learning more about the underlying processes. The techniques of the lecture can be extended to many other cases."/>
+          <p:cNvPr id="222" name="Select a sensory dataset with clearly dependent channels (e.g. soil moisture vs. air temperature, sunshine, and rainfall)…"/>
+          <p:cNvSpPr txBox="1"/>
+          <p:nvPr>
+            <p:ph type="body" idx="1"/>
+          </p:nvPr>
+        </p:nvSpPr>
+        <p:spPr>
+          <a:prstGeom prst="rect">
+            <a:avLst/>
+          </a:prstGeom>
+        </p:spPr>
+        <p:txBody>
+          <a:bodyPr/>
+          <a:lstStyle/>
+          <a:p>
+            <a:pPr/>
+            <a:r>
+              <a:t>Select a sensory dataset with clearly dependent channels (e.g. soil moisture vs. air temperature, sunshine, and rainfall)</a:t>
+            </a:r>
+          </a:p>
+          <a:p>
+            <a:pPr/>
+            <a:r>
+              <a:t>Divide the data into segments with low variance within segments</a:t>
+            </a:r>
+          </a:p>
+          <a:p>
+            <a:pPr/>
+            <a:r>
+              <a:t>Create a regression analysis with Scala or PySpark</a:t>
+            </a:r>
+          </a:p>
+          <a:p>
+            <a:pPr/>
+            <a:r>
+              <a:t>Discuss the results, consider temporal effects </a:t>
+            </a:r>
+          </a:p>
+        </p:txBody>
+      </p:sp>
+    </p:spTree>
+  </p:cSld>
+  <p:clrMapOvr>
+    <a:masterClrMapping/>
+  </p:clrMapOvr>
+  <p:transition xmlns:p14="http://schemas.microsoft.com/office/powerpoint/2010/main" spd="med" advClick="1"/>
+</p:sld>
+</file>
+
+<file path=ppt/slides/slide28.xml><?xml version="1.0" encoding="utf-8"?>
+<p:sld xmlns:a="http://schemas.openxmlformats.org/drawingml/2006/main" xmlns:r="http://schemas.openxmlformats.org/officeDocument/2006/relationships" xmlns:p="http://schemas.openxmlformats.org/presentationml/2006/main" showMasterSp="1" showMasterPhAnim="1">
+  <p:cSld>
+    <p:spTree>
+      <p:nvGrpSpPr>
+        <p:cNvPr id="1" name=""/>
+        <p:cNvGrpSpPr/>
+        <p:nvPr/>
+      </p:nvGrpSpPr>
+      <p:grpSpPr>
+        <a:xfrm>
+          <a:off x="0" y="0"/>
+          <a:ext cx="0" cy="0"/>
+          <a:chOff x="0" y="0"/>
+          <a:chExt cx="0" cy="0"/>
+        </a:xfrm>
+      </p:grpSpPr>
+      <p:sp>
+        <p:nvSpPr>
+          <p:cNvPr id="224" name="Summary of the lecture"/>
+          <p:cNvSpPr txBox="1"/>
+          <p:nvPr>
+            <p:ph type="title"/>
+          </p:nvPr>
+        </p:nvSpPr>
+        <p:spPr>
+          <a:prstGeom prst="rect">
+            <a:avLst/>
+          </a:prstGeom>
+        </p:spPr>
+        <p:txBody>
+          <a:bodyPr/>
+          <a:lstStyle/>
+          <a:p>
+            <a:pPr/>
+            <a:r>
+              <a:t>Summary of the lecture</a:t>
+            </a:r>
+          </a:p>
+        </p:txBody>
+      </p:sp>
+      <p:sp>
+        <p:nvSpPr>
+          <p:cNvPr id="225" name="We have learned about using the Spark framework with Scala and its Machine Learning library, to analyze the connection between observed causes (environmental data) and effects (forest cover). We have found that by training a classifier and studying the confusion matrix, we can start learning more about the underlying processes. The techniques of the lecture can be extended to many other cases."/>
           <p:cNvSpPr txBox="1"/>
           <p:nvPr>
             <p:ph type="body" idx="1"/>
@@ -11154,7 +9742,7 @@
         <p:spPr>
           <a:xfrm>
             <a:off x="2070100" y="1391730"/>
-            <a:ext cx="5003801" cy="1993901"/>
+            <a:ext cx="5003800" cy="1993901"/>
           </a:xfrm>
           <a:prstGeom prst="rect">
             <a:avLst/>

--- a/powerpoints/ITU Academy Slides AM4-09.pptx
+++ b/powerpoints/ITU Academy Slides AM4-09.pptx
@@ -36,6 +36,7 @@
     <p:sldId id="281" r:id="rId33"/>
     <p:sldId id="282" r:id="rId34"/>
     <p:sldId id="283" r:id="rId35"/>
+    <p:sldId id="284" r:id="rId36"/>
   </p:sldIdLst>
   <p:sldSz cx="9144000" cy="6858000"/>
   <p:notesSz cx="6858000" cy="9144000"/>
@@ -510,7 +511,7 @@
       </p:grpSpPr>
       <p:sp>
         <p:nvSpPr>
-          <p:cNvPr id="152" name="Shape 152"/>
+          <p:cNvPr id="155" name="Shape 155"/>
           <p:cNvSpPr/>
           <p:nvPr>
             <p:ph type="sldImg"/>
@@ -531,7 +532,7 @@
       </p:sp>
       <p:sp>
         <p:nvSpPr>
-          <p:cNvPr id="153" name="Shape 153"/>
+          <p:cNvPr id="156" name="Shape 156"/>
           <p:cNvSpPr/>
           <p:nvPr>
             <p:ph type="body" sz="quarter" idx="1"/>
@@ -580,7 +581,7 @@
       </p:grpSpPr>
       <p:sp>
         <p:nvSpPr>
-          <p:cNvPr id="218" name="Shape 218"/>
+          <p:cNvPr id="221" name="Shape 221"/>
           <p:cNvSpPr/>
           <p:nvPr>
             <p:ph type="sldImg"/>
@@ -601,7 +602,7 @@
       </p:sp>
       <p:sp>
         <p:nvSpPr>
-          <p:cNvPr id="219" name="Shape 219"/>
+          <p:cNvPr id="222" name="Shape 222"/>
           <p:cNvSpPr/>
           <p:nvPr>
             <p:ph type="body" sz="quarter" idx="1"/>
@@ -3545,7 +3546,7 @@
       </p:grpSpPr>
       <p:sp>
         <p:nvSpPr>
-          <p:cNvPr id="155" name="The data and the task"/>
+          <p:cNvPr id="151" name="An example of regression"/>
           <p:cNvSpPr txBox="1"/>
           <p:nvPr>
             <p:ph type="title"/>
@@ -3562,43 +3563,117 @@
           <a:p>
             <a:pPr/>
             <a:r>
-              <a:t>The data and the task</a:t>
+              <a:t>An example of regression</a:t>
             </a:r>
           </a:p>
         </p:txBody>
       </p:sp>
       <p:sp>
         <p:nvSpPr>
-          <p:cNvPr id="156" name="We have samples from a servo control experiment: input parameters and output results (a timing, continuous value)…"/>
+          <p:cNvPr id="152" name="http://www.dcc.fc.up.pt/~ltorgo/Regression/DataSets.html"/>
           <p:cNvSpPr txBox="1"/>
-          <p:nvPr>
-            <p:ph type="body" idx="1"/>
-          </p:nvPr>
+          <p:nvPr/>
         </p:nvSpPr>
         <p:spPr>
+          <a:xfrm>
+            <a:off x="1295816" y="5643069"/>
+            <a:ext cx="5579602" cy="370841"/>
+          </a:xfrm>
           <a:prstGeom prst="rect">
             <a:avLst/>
           </a:prstGeom>
+          <a:ln w="12700">
+            <a:miter lim="400000"/>
+          </a:ln>
+          <a:extLst>
+            <a:ext uri="{C572A759-6A51-4108-AA02-DFA0A04FC94B}">
+              <ma14:wrappingTextBoxFlag xmlns:ma14="http://schemas.microsoft.com/office/mac/drawingml/2011/main" val="1"/>
+            </a:ext>
+          </a:extLst>
         </p:spPr>
         <p:txBody>
-          <a:bodyPr/>
+          <a:bodyPr wrap="none" lIns="45719" rIns="45719">
+            <a:spAutoFit/>
+          </a:bodyPr>
           <a:lstStyle/>
           <a:p>
             <a:pPr/>
             <a:r>
-              <a:t>We have samples from a servo control experiment: input parameters and output results (a timing, continuous value)</a:t>
-            </a:r>
-          </a:p>
-          <a:p>
-            <a:pPr/>
-            <a:r>
-              <a:t>We will try to train an AI system to predict the output from the inputs</a:t>
-            </a:r>
-          </a:p>
-          <a:p>
-            <a:pPr/>
-            <a:r>
-              <a:t>Caution: there are very few samples, and the output is strongly non-linear - don’t expect good results…</a:t>
+              <a:t>http://www.dcc.fc.up.pt/~ltorgo/Regression/DataSets.html</a:t>
+            </a:r>
+          </a:p>
+        </p:txBody>
+      </p:sp>
+      <p:pic>
+        <p:nvPicPr>
+          <p:cNvPr id="153" name="Image" descr="Image"/>
+          <p:cNvPicPr>
+            <a:picLocks noChangeAspect="1"/>
+          </p:cNvPicPr>
+          <p:nvPr/>
+        </p:nvPicPr>
+        <p:blipFill>
+          <a:blip r:embed="rId3">
+            <a:extLst/>
+          </a:blip>
+          <a:stretch>
+            <a:fillRect/>
+          </a:stretch>
+        </p:blipFill>
+        <p:spPr>
+          <a:xfrm>
+            <a:off x="2070100" y="1391730"/>
+            <a:ext cx="5003800" cy="1993901"/>
+          </a:xfrm>
+          <a:prstGeom prst="rect">
+            <a:avLst/>
+          </a:prstGeom>
+          <a:ln w="12700">
+            <a:miter lim="400000"/>
+          </a:ln>
+        </p:spPr>
+      </p:pic>
+      <p:sp>
+        <p:nvSpPr>
+          <p:cNvPr id="154" name="“This is an interesting collection of data provided by Karl Ulrich. It covers an extremely non-linear phenomenon - predicting the rise time of a servomechanism in terms of two (continuous) gain settings and two (discrete) choices of mechanical linkages.”"/>
+          <p:cNvSpPr txBox="1"/>
+          <p:nvPr/>
+        </p:nvSpPr>
+        <p:spPr>
+          <a:xfrm>
+            <a:off x="736915" y="3868757"/>
+            <a:ext cx="7670170" cy="1615441"/>
+          </a:xfrm>
+          <a:prstGeom prst="rect">
+            <a:avLst/>
+          </a:prstGeom>
+          <a:ln w="12700">
+            <a:miter lim="400000"/>
+          </a:ln>
+          <a:extLst>
+            <a:ext uri="{C572A759-6A51-4108-AA02-DFA0A04FC94B}">
+              <ma14:wrappingTextBoxFlag xmlns:ma14="http://schemas.microsoft.com/office/mac/drawingml/2011/main" val="1"/>
+            </a:ext>
+          </a:extLst>
+        </p:spPr>
+        <p:txBody>
+          <a:bodyPr lIns="45719" rIns="45719">
+            <a:spAutoFit/>
+          </a:bodyPr>
+          <a:lstStyle>
+            <a:lvl1pPr defTabSz="457200">
+              <a:defRPr sz="2000">
+                <a:latin typeface="Times"/>
+                <a:ea typeface="Times"/>
+                <a:cs typeface="Times"/>
+                <a:sym typeface="Times"/>
+              </a:defRPr>
+            </a:lvl1pPr>
+          </a:lstStyle>
+          <a:p>
+            <a:pPr/>
+            <a:r>
+              <a:t>“This is an interesting collection of data provided by Karl Ulrich. It covers an extremely non-linear phenomenon - predicting the rise time of a servomechanism in terms of two (continuous) gain settings and two (discrete) choices of mechanical linkages.”</a:t>
             </a:r>
           </a:p>
         </p:txBody>
@@ -3631,7 +3706,7 @@
       </p:grpSpPr>
       <p:sp>
         <p:nvSpPr>
-          <p:cNvPr id="158" name="Input data"/>
+          <p:cNvPr id="158" name="The data and the task"/>
           <p:cNvSpPr txBox="1"/>
           <p:nvPr>
             <p:ph type="title"/>
@@ -3648,14 +3723,14 @@
           <a:p>
             <a:pPr/>
             <a:r>
-              <a:t>Input data</a:t>
+              <a:t>The data and the task</a:t>
             </a:r>
           </a:p>
         </p:txBody>
       </p:sp>
       <p:sp>
         <p:nvSpPr>
-          <p:cNvPr id="159" name="Original form:       First two columns are categorical"/>
+          <p:cNvPr id="159" name="We have samples from a servo control experiment: input parameters and output results (a timing, continuous value)…"/>
           <p:cNvSpPr txBox="1"/>
           <p:nvPr>
             <p:ph type="body" idx="1"/>
@@ -3672,6 +3747,92 @@
           <a:p>
             <a:pPr/>
             <a:r>
+              <a:t>We have samples from a servo control experiment: input parameters and output results (a timing, continuous value)</a:t>
+            </a:r>
+          </a:p>
+          <a:p>
+            <a:pPr/>
+            <a:r>
+              <a:t>We will try to train an AI system to predict the output from the inputs</a:t>
+            </a:r>
+          </a:p>
+          <a:p>
+            <a:pPr/>
+            <a:r>
+              <a:t>Caution: there are very few samples, and the output is strongly non-linear - don’t expect good results…</a:t>
+            </a:r>
+          </a:p>
+        </p:txBody>
+      </p:sp>
+    </p:spTree>
+  </p:cSld>
+  <p:clrMapOvr>
+    <a:masterClrMapping/>
+  </p:clrMapOvr>
+  <p:transition xmlns:p14="http://schemas.microsoft.com/office/powerpoint/2010/main" spd="med" advClick="1"/>
+</p:sld>
+</file>
+
+<file path=ppt/slides/slide12.xml><?xml version="1.0" encoding="utf-8"?>
+<p:sld xmlns:a="http://schemas.openxmlformats.org/drawingml/2006/main" xmlns:r="http://schemas.openxmlformats.org/officeDocument/2006/relationships" xmlns:p="http://schemas.openxmlformats.org/presentationml/2006/main" showMasterSp="1" showMasterPhAnim="1">
+  <p:cSld>
+    <p:spTree>
+      <p:nvGrpSpPr>
+        <p:cNvPr id="1" name=""/>
+        <p:cNvGrpSpPr/>
+        <p:nvPr/>
+      </p:nvGrpSpPr>
+      <p:grpSpPr>
+        <a:xfrm>
+          <a:off x="0" y="0"/>
+          <a:ext cx="0" cy="0"/>
+          <a:chOff x="0" y="0"/>
+          <a:chExt cx="0" cy="0"/>
+        </a:xfrm>
+      </p:grpSpPr>
+      <p:sp>
+        <p:nvSpPr>
+          <p:cNvPr id="161" name="Input data"/>
+          <p:cNvSpPr txBox="1"/>
+          <p:nvPr>
+            <p:ph type="title"/>
+          </p:nvPr>
+        </p:nvSpPr>
+        <p:spPr>
+          <a:prstGeom prst="rect">
+            <a:avLst/>
+          </a:prstGeom>
+        </p:spPr>
+        <p:txBody>
+          <a:bodyPr/>
+          <a:lstStyle/>
+          <a:p>
+            <a:pPr/>
+            <a:r>
+              <a:t>Input data</a:t>
+            </a:r>
+          </a:p>
+        </p:txBody>
+      </p:sp>
+      <p:sp>
+        <p:nvSpPr>
+          <p:cNvPr id="162" name="Original form:       First two columns are categorical"/>
+          <p:cNvSpPr txBox="1"/>
+          <p:nvPr>
+            <p:ph type="body" idx="1"/>
+          </p:nvPr>
+        </p:nvSpPr>
+        <p:spPr>
+          <a:prstGeom prst="rect">
+            <a:avLst/>
+          </a:prstGeom>
+        </p:spPr>
+        <p:txBody>
+          <a:bodyPr/>
+          <a:lstStyle/>
+          <a:p>
+            <a:pPr/>
+            <a:r>
               <a:t>Original form:</a:t>
             </a:r>
             <a:br/>
@@ -3689,7 +3850,7 @@
       </p:sp>
       <p:graphicFrame>
         <p:nvGraphicFramePr>
-          <p:cNvPr id="160" name="Table"/>
+          <p:cNvPr id="163" name="Table"/>
           <p:cNvGraphicFramePr/>
           <p:nvPr/>
         </p:nvGraphicFramePr>
@@ -4555,7 +4716,7 @@
 </p:sld>
 </file>
 
-<file path=ppt/slides/slide12.xml><?xml version="1.0" encoding="utf-8"?>
+<file path=ppt/slides/slide13.xml><?xml version="1.0" encoding="utf-8"?>
 <p:sld xmlns:a="http://schemas.openxmlformats.org/drawingml/2006/main" xmlns:r="http://schemas.openxmlformats.org/officeDocument/2006/relationships" xmlns:p="http://schemas.openxmlformats.org/presentationml/2006/main" showMasterSp="1" showMasterPhAnim="1">
   <p:cSld>
     <p:spTree>
@@ -4574,7 +4735,7 @@
       </p:grpSpPr>
       <p:sp>
         <p:nvSpPr>
-          <p:cNvPr id="162" name="Data ready for Machine Learning"/>
+          <p:cNvPr id="165" name="Data ready for Machine Learning"/>
           <p:cNvSpPr txBox="1"/>
           <p:nvPr>
             <p:ph type="title"/>
@@ -4598,7 +4759,7 @@
       </p:sp>
       <p:sp>
         <p:nvSpPr>
-          <p:cNvPr id="163" name="Categorical columns converted to one-hot form (others left in original numerical form):"/>
+          <p:cNvPr id="166" name="Categorical columns converted to one-hot form (others left in original numerical form):"/>
           <p:cNvSpPr txBox="1"/>
           <p:nvPr>
             <p:ph type="body" idx="1"/>
@@ -4622,7 +4783,7 @@
       </p:sp>
       <p:graphicFrame>
         <p:nvGraphicFramePr>
-          <p:cNvPr id="164" name="Table 1"/>
+          <p:cNvPr id="167" name="Table 1"/>
           <p:cNvGraphicFramePr/>
           <p:nvPr/>
         </p:nvGraphicFramePr>
@@ -6642,92 +6803,6 @@
 </p:sld>
 </file>
 
-<file path=ppt/slides/slide13.xml><?xml version="1.0" encoding="utf-8"?>
-<p:sld xmlns:a="http://schemas.openxmlformats.org/drawingml/2006/main" xmlns:r="http://schemas.openxmlformats.org/officeDocument/2006/relationships" xmlns:p="http://schemas.openxmlformats.org/presentationml/2006/main" showMasterSp="1" showMasterPhAnim="1">
-  <p:cSld>
-    <p:spTree>
-      <p:nvGrpSpPr>
-        <p:cNvPr id="1" name=""/>
-        <p:cNvGrpSpPr/>
-        <p:nvPr/>
-      </p:nvGrpSpPr>
-      <p:grpSpPr>
-        <a:xfrm>
-          <a:off x="0" y="0"/>
-          <a:ext cx="0" cy="0"/>
-          <a:chOff x="0" y="0"/>
-          <a:chExt cx="0" cy="0"/>
-        </a:xfrm>
-      </p:grpSpPr>
-      <p:sp>
-        <p:nvSpPr>
-          <p:cNvPr id="166" name="Our approach"/>
-          <p:cNvSpPr txBox="1"/>
-          <p:nvPr>
-            <p:ph type="title"/>
-          </p:nvPr>
-        </p:nvSpPr>
-        <p:spPr>
-          <a:prstGeom prst="rect">
-            <a:avLst/>
-          </a:prstGeom>
-        </p:spPr>
-        <p:txBody>
-          <a:bodyPr/>
-          <a:lstStyle/>
-          <a:p>
-            <a:pPr/>
-            <a:r>
-              <a:t>Our approach</a:t>
-            </a:r>
-          </a:p>
-        </p:txBody>
-      </p:sp>
-      <p:sp>
-        <p:nvSpPr>
-          <p:cNvPr id="167" name="Create one-hot representation for the categorical input data…"/>
-          <p:cNvSpPr txBox="1"/>
-          <p:nvPr>
-            <p:ph type="body" idx="1"/>
-          </p:nvPr>
-        </p:nvSpPr>
-        <p:spPr>
-          <a:prstGeom prst="rect">
-            <a:avLst/>
-          </a:prstGeom>
-        </p:spPr>
-        <p:txBody>
-          <a:bodyPr/>
-          <a:lstStyle/>
-          <a:p>
-            <a:pPr/>
-            <a:r>
-              <a:t>Create one-hot representation for the categorical input data</a:t>
-            </a:r>
-          </a:p>
-          <a:p>
-            <a:pPr/>
-            <a:r>
-              <a:t>Create a single hidden layer feed-forward neural network, train it on half the data and use the other half for testing</a:t>
-            </a:r>
-          </a:p>
-          <a:p>
-            <a:pPr/>
-            <a:r>
-              <a:t>After training, predict the test outputs from the test inputs, and plot the predicted values against the actual outputs </a:t>
-            </a:r>
-          </a:p>
-        </p:txBody>
-      </p:sp>
-    </p:spTree>
-  </p:cSld>
-  <p:clrMapOvr>
-    <a:masterClrMapping/>
-  </p:clrMapOvr>
-  <p:transition xmlns:p14="http://schemas.microsoft.com/office/powerpoint/2010/main" spd="med" advClick="1"/>
-</p:sld>
-</file>
-
 <file path=ppt/slides/slide14.xml><?xml version="1.0" encoding="utf-8"?>
 <p:sld xmlns:a="http://schemas.openxmlformats.org/drawingml/2006/main" xmlns:r="http://schemas.openxmlformats.org/officeDocument/2006/relationships" xmlns:p="http://schemas.openxmlformats.org/presentationml/2006/main" showMasterSp="1" showMasterPhAnim="1">
   <p:cSld>
@@ -6747,7 +6822,7 @@
       </p:grpSpPr>
       <p:sp>
         <p:nvSpPr>
-          <p:cNvPr id="169" name="Result"/>
+          <p:cNvPr id="169" name="Our approach"/>
           <p:cNvSpPr txBox="1"/>
           <p:nvPr>
             <p:ph type="title"/>
@@ -6764,14 +6839,14 @@
           <a:p>
             <a:pPr/>
             <a:r>
-              <a:t>Result</a:t>
+              <a:t>Our approach</a:t>
             </a:r>
           </a:p>
         </p:txBody>
       </p:sp>
       <p:sp>
         <p:nvSpPr>
-          <p:cNvPr id="170" name="We were expecting a straight line……"/>
+          <p:cNvPr id="170" name="Create one-hot representation for the categorical input data…"/>
           <p:cNvSpPr txBox="1"/>
           <p:nvPr>
             <p:ph type="body" idx="1"/>
@@ -6786,77 +6861,25 @@
           <a:bodyPr/>
           <a:lstStyle/>
           <a:p>
-            <a:pPr marL="336042" indent="-336042" defTabSz="896111">
-              <a:defRPr sz="3136"/>
-            </a:pPr>
-          </a:p>
-          <a:p>
-            <a:pPr marL="336042" indent="-336042" defTabSz="896111">
-              <a:defRPr sz="3136"/>
-            </a:pPr>
-          </a:p>
-          <a:p>
-            <a:pPr marL="336042" indent="-336042" defTabSz="896111">
-              <a:defRPr sz="3136"/>
-            </a:pPr>
-          </a:p>
-          <a:p>
-            <a:pPr marL="336042" indent="-336042" defTabSz="896111">
-              <a:defRPr sz="3136"/>
-            </a:pPr>
-          </a:p>
-          <a:p>
-            <a:pPr marL="336042" indent="-336042" defTabSz="896111">
-              <a:defRPr sz="3136"/>
-            </a:pPr>
-          </a:p>
-          <a:p>
-            <a:pPr marL="336042" indent="-336042" defTabSz="896111">
-              <a:defRPr sz="3136"/>
-            </a:pPr>
-            <a:r>
-              <a:t>We were expecting a straight line…</a:t>
-            </a:r>
-          </a:p>
-          <a:p>
-            <a:pPr marL="336042" indent="-336042" defTabSz="896111">
-              <a:defRPr sz="3136"/>
-            </a:pPr>
-            <a:r>
-              <a:t>The fit of the predicted and actual values is not good, but neither is it totally wrong</a:t>
+            <a:pPr/>
+            <a:r>
+              <a:t>Create one-hot representation for the categorical input data</a:t>
+            </a:r>
+          </a:p>
+          <a:p>
+            <a:pPr/>
+            <a:r>
+              <a:t>Create a single hidden layer feed-forward neural network, train it on half the data and use the other half for testing</a:t>
+            </a:r>
+          </a:p>
+          <a:p>
+            <a:pPr/>
+            <a:r>
+              <a:t>After training, predict the test outputs from the test inputs, and plot the predicted values against the actual outputs </a:t>
             </a:r>
           </a:p>
         </p:txBody>
       </p:sp>
-      <p:pic>
-        <p:nvPicPr>
-          <p:cNvPr id="171" name="Image" descr="Image"/>
-          <p:cNvPicPr>
-            <a:picLocks noChangeAspect="1"/>
-          </p:cNvPicPr>
-          <p:nvPr/>
-        </p:nvPicPr>
-        <p:blipFill>
-          <a:blip r:embed="rId2">
-            <a:extLst/>
-          </a:blip>
-          <a:stretch>
-            <a:fillRect/>
-          </a:stretch>
-        </p:blipFill>
-        <p:spPr>
-          <a:xfrm>
-            <a:off x="2139950" y="1358629"/>
-            <a:ext cx="4864100" cy="3200401"/>
-          </a:xfrm>
-          <a:prstGeom prst="rect">
-            <a:avLst/>
-          </a:prstGeom>
-          <a:ln w="12700">
-            <a:miter lim="400000"/>
-          </a:ln>
-        </p:spPr>
-      </p:pic>
     </p:spTree>
   </p:cSld>
   <p:clrMapOvr>
@@ -6885,7 +6908,7 @@
       </p:grpSpPr>
       <p:sp>
         <p:nvSpPr>
-          <p:cNvPr id="173" name="A better result"/>
+          <p:cNvPr id="172" name="Result"/>
           <p:cNvSpPr txBox="1"/>
           <p:nvPr>
             <p:ph type="title"/>
@@ -6902,24 +6925,20 @@
           <a:p>
             <a:pPr/>
             <a:r>
-              <a:t>A better result</a:t>
+              <a:t>Result</a:t>
             </a:r>
           </a:p>
         </p:txBody>
       </p:sp>
       <p:sp>
         <p:nvSpPr>
-          <p:cNvPr id="174" name="We try a 16-fold cross validation: divide the dataset into 16 sets of 10 samples each; train with 15 of them and test with the left-out one…"/>
+          <p:cNvPr id="173" name="We were expecting a straight line……"/>
           <p:cNvSpPr txBox="1"/>
           <p:nvPr>
             <p:ph type="body" idx="1"/>
           </p:nvPr>
         </p:nvSpPr>
         <p:spPr>
-          <a:xfrm>
-            <a:off x="457200" y="1843391"/>
-            <a:ext cx="8229600" cy="4525964"/>
-          </a:xfrm>
           <a:prstGeom prst="rect">
             <a:avLst/>
           </a:prstGeom>
@@ -6928,110 +6947,51 @@
           <a:bodyPr/>
           <a:lstStyle/>
           <a:p>
-            <a:pPr marL="298322" indent="-298322" defTabSz="795527">
-              <a:spcBef>
-                <a:spcPts val="600"/>
-              </a:spcBef>
-              <a:defRPr sz="2784"/>
+            <a:pPr marL="336042" indent="-336042" defTabSz="896111">
+              <a:defRPr sz="3136"/>
             </a:pPr>
           </a:p>
           <a:p>
-            <a:pPr marL="298322" indent="-298322" defTabSz="795527">
-              <a:spcBef>
-                <a:spcPts val="600"/>
-              </a:spcBef>
-              <a:defRPr sz="2784"/>
+            <a:pPr marL="336042" indent="-336042" defTabSz="896111">
+              <a:defRPr sz="3136"/>
             </a:pPr>
           </a:p>
           <a:p>
-            <a:pPr marL="298322" indent="-298322" defTabSz="795527">
-              <a:spcBef>
-                <a:spcPts val="600"/>
-              </a:spcBef>
-              <a:defRPr sz="2784"/>
+            <a:pPr marL="336042" indent="-336042" defTabSz="896111">
+              <a:defRPr sz="3136"/>
             </a:pPr>
           </a:p>
           <a:p>
-            <a:pPr marL="298322" indent="-298322" defTabSz="795527">
-              <a:spcBef>
-                <a:spcPts val="600"/>
-              </a:spcBef>
-              <a:defRPr sz="2784"/>
+            <a:pPr marL="336042" indent="-336042" defTabSz="896111">
+              <a:defRPr sz="3136"/>
             </a:pPr>
           </a:p>
           <a:p>
-            <a:pPr marL="298322" indent="-298322" defTabSz="795527">
-              <a:spcBef>
-                <a:spcPts val="600"/>
-              </a:spcBef>
-              <a:defRPr sz="2784"/>
+            <a:pPr marL="336042" indent="-336042" defTabSz="896111">
+              <a:defRPr sz="3136"/>
             </a:pPr>
           </a:p>
           <a:p>
-            <a:pPr marL="298322" indent="-298322" defTabSz="795527">
-              <a:spcBef>
-                <a:spcPts val="600"/>
-              </a:spcBef>
-              <a:defRPr sz="2784"/>
+            <a:pPr marL="336042" indent="-336042" defTabSz="896111">
+              <a:defRPr sz="3136"/>
             </a:pPr>
             <a:r>
-              <a:t>We try a 16-fold cross validation: divide the dataset into 16 sets of 10 samples each; train with 15 of them and test with the left-out one</a:t>
-            </a:r>
-          </a:p>
-          <a:p>
-            <a:pPr marL="298322" indent="-298322" defTabSz="795527">
-              <a:spcBef>
-                <a:spcPts val="600"/>
-              </a:spcBef>
-              <a:defRPr sz="2784"/>
+              <a:t>We were expecting a straight line…</a:t>
+            </a:r>
+          </a:p>
+          <a:p>
+            <a:pPr marL="336042" indent="-336042" defTabSz="896111">
+              <a:defRPr sz="3136"/>
             </a:pPr>
             <a:r>
-              <a:t>The improvement shows that we need more samples!</a:t>
-            </a:r>
-          </a:p>
-        </p:txBody>
-      </p:sp>
-      <p:sp>
-        <p:nvSpPr>
-          <p:cNvPr id="175" name="Rectangle"/>
-          <p:cNvSpPr/>
-          <p:nvPr/>
-        </p:nvSpPr>
-        <p:spPr>
-          <a:xfrm>
-            <a:off x="2571011" y="1336465"/>
-            <a:ext cx="4234847" cy="3081905"/>
-          </a:xfrm>
-          <a:prstGeom prst="rect">
-            <a:avLst/>
-          </a:prstGeom>
-          <a:solidFill>
-            <a:srgbClr val="FFFFFF"/>
-          </a:solidFill>
-          <a:ln w="25400">
-            <a:solidFill>
-              <a:schemeClr val="accent1"/>
-            </a:solidFill>
-          </a:ln>
-          <a:effectLst>
-            <a:outerShdw sx="100000" sy="100000" kx="0" ky="0" algn="b" rotWithShape="0" blurRad="38100" dist="23000" dir="5400000">
-              <a:srgbClr val="000000">
-                <a:alpha val="35000"/>
-              </a:srgbClr>
-            </a:outerShdw>
-          </a:effectLst>
-        </p:spPr>
-        <p:txBody>
-          <a:bodyPr lIns="45719" rIns="45719" anchor="ctr"/>
-          <a:lstStyle/>
-          <a:p>
-            <a:pPr/>
+              <a:t>The fit of the predicted and actual values is not good, but neither is it totally wrong</a:t>
+            </a:r>
           </a:p>
         </p:txBody>
       </p:sp>
       <p:pic>
         <p:nvPicPr>
-          <p:cNvPr id="176" name="servo.pdf" descr="servo.pdf"/>
+          <p:cNvPr id="174" name="Image" descr="Image"/>
           <p:cNvPicPr>
             <a:picLocks noChangeAspect="1"/>
           </p:cNvPicPr>
@@ -7047,8 +7007,8 @@
         </p:blipFill>
         <p:spPr>
           <a:xfrm>
-            <a:off x="2114914" y="1238869"/>
-            <a:ext cx="4914172" cy="3439921"/>
+            <a:off x="2139950" y="1358629"/>
+            <a:ext cx="4864100" cy="3200401"/>
           </a:xfrm>
           <a:prstGeom prst="rect">
             <a:avLst/>
@@ -7086,7 +7046,7 @@
       </p:grpSpPr>
       <p:sp>
         <p:nvSpPr>
-          <p:cNvPr id="178" name="Discussion"/>
+          <p:cNvPr id="176" name="A better result"/>
           <p:cNvSpPr txBox="1"/>
           <p:nvPr>
             <p:ph type="title"/>
@@ -7103,20 +7063,24 @@
           <a:p>
             <a:pPr/>
             <a:r>
-              <a:t>Discussion</a:t>
+              <a:t>A better result</a:t>
             </a:r>
           </a:p>
         </p:txBody>
       </p:sp>
       <p:sp>
         <p:nvSpPr>
-          <p:cNvPr id="179" name="This example is considered a tough challenge, why?…"/>
+          <p:cNvPr id="177" name="We try a 16-fold cross validation: divide the dataset into 16 sets of 10 samples each; train with 15 of them and test with the left-out one…"/>
           <p:cNvSpPr txBox="1"/>
           <p:nvPr>
             <p:ph type="body" idx="1"/>
           </p:nvPr>
         </p:nvSpPr>
         <p:spPr>
+          <a:xfrm>
+            <a:off x="457200" y="1843391"/>
+            <a:ext cx="8229600" cy="4525964"/>
+          </a:xfrm>
           <a:prstGeom prst="rect">
             <a:avLst/>
           </a:prstGeom>
@@ -7125,37 +7089,136 @@
           <a:bodyPr/>
           <a:lstStyle/>
           <a:p>
-            <a:pPr/>
-            <a:r>
-              <a:t>This example is considered a tough challenge, why?</a:t>
-            </a:r>
-          </a:p>
-          <a:p>
-            <a:pPr/>
-            <a:r>
-              <a:t>Look more closely at the data. Is it consistent? Does it have enough information for learning?</a:t>
-            </a:r>
-          </a:p>
-          <a:p>
-            <a:pPr/>
-            <a:r>
-              <a:t>How would you step forward with working out a better regression method?</a:t>
-            </a:r>
-          </a:p>
-          <a:p>
-            <a:pPr lvl="2" marL="1257300" indent="-342900"/>
-            <a:r>
-              <a:t>More hidden layers?</a:t>
-            </a:r>
-          </a:p>
-          <a:p>
-            <a:pPr lvl="2" marL="1257300" indent="-342900"/>
-            <a:r>
-              <a:t>Different optimization?</a:t>
+            <a:pPr marL="298322" indent="-298322" defTabSz="795527">
+              <a:spcBef>
+                <a:spcPts val="600"/>
+              </a:spcBef>
+              <a:defRPr sz="2784"/>
+            </a:pPr>
+          </a:p>
+          <a:p>
+            <a:pPr marL="298322" indent="-298322" defTabSz="795527">
+              <a:spcBef>
+                <a:spcPts val="600"/>
+              </a:spcBef>
+              <a:defRPr sz="2784"/>
+            </a:pPr>
+          </a:p>
+          <a:p>
+            <a:pPr marL="298322" indent="-298322" defTabSz="795527">
+              <a:spcBef>
+                <a:spcPts val="600"/>
+              </a:spcBef>
+              <a:defRPr sz="2784"/>
+            </a:pPr>
+          </a:p>
+          <a:p>
+            <a:pPr marL="298322" indent="-298322" defTabSz="795527">
+              <a:spcBef>
+                <a:spcPts val="600"/>
+              </a:spcBef>
+              <a:defRPr sz="2784"/>
+            </a:pPr>
+          </a:p>
+          <a:p>
+            <a:pPr marL="298322" indent="-298322" defTabSz="795527">
+              <a:spcBef>
+                <a:spcPts val="600"/>
+              </a:spcBef>
+              <a:defRPr sz="2784"/>
+            </a:pPr>
+          </a:p>
+          <a:p>
+            <a:pPr marL="298322" indent="-298322" defTabSz="795527">
+              <a:spcBef>
+                <a:spcPts val="600"/>
+              </a:spcBef>
+              <a:defRPr sz="2784"/>
+            </a:pPr>
+            <a:r>
+              <a:t>We try a 16-fold cross validation: divide the dataset into 16 sets of 10 samples each; train with 15 of them and test with the left-out one</a:t>
+            </a:r>
+          </a:p>
+          <a:p>
+            <a:pPr marL="298322" indent="-298322" defTabSz="795527">
+              <a:spcBef>
+                <a:spcPts val="600"/>
+              </a:spcBef>
+              <a:defRPr sz="2784"/>
+            </a:pPr>
+            <a:r>
+              <a:t>The improvement shows that we need more samples!</a:t>
             </a:r>
           </a:p>
         </p:txBody>
       </p:sp>
+      <p:sp>
+        <p:nvSpPr>
+          <p:cNvPr id="178" name="Rectangle"/>
+          <p:cNvSpPr/>
+          <p:nvPr/>
+        </p:nvSpPr>
+        <p:spPr>
+          <a:xfrm>
+            <a:off x="2571011" y="1336465"/>
+            <a:ext cx="4234847" cy="3081905"/>
+          </a:xfrm>
+          <a:prstGeom prst="rect">
+            <a:avLst/>
+          </a:prstGeom>
+          <a:solidFill>
+            <a:srgbClr val="FFFFFF"/>
+          </a:solidFill>
+          <a:ln w="25400">
+            <a:solidFill>
+              <a:schemeClr val="accent1"/>
+            </a:solidFill>
+          </a:ln>
+          <a:effectLst>
+            <a:outerShdw sx="100000" sy="100000" kx="0" ky="0" algn="b" rotWithShape="0" blurRad="38100" dist="23000" dir="5400000">
+              <a:srgbClr val="000000">
+                <a:alpha val="35000"/>
+              </a:srgbClr>
+            </a:outerShdw>
+          </a:effectLst>
+        </p:spPr>
+        <p:txBody>
+          <a:bodyPr lIns="45719" rIns="45719" anchor="ctr"/>
+          <a:lstStyle/>
+          <a:p>
+            <a:pPr/>
+          </a:p>
+        </p:txBody>
+      </p:sp>
+      <p:pic>
+        <p:nvPicPr>
+          <p:cNvPr id="179" name="servo.pdf" descr="servo.pdf"/>
+          <p:cNvPicPr>
+            <a:picLocks noChangeAspect="1"/>
+          </p:cNvPicPr>
+          <p:nvPr/>
+        </p:nvPicPr>
+        <p:blipFill>
+          <a:blip r:embed="rId2">
+            <a:extLst/>
+          </a:blip>
+          <a:stretch>
+            <a:fillRect/>
+          </a:stretch>
+        </p:blipFill>
+        <p:spPr>
+          <a:xfrm>
+            <a:off x="2114914" y="1238869"/>
+            <a:ext cx="4914172" cy="3439921"/>
+          </a:xfrm>
+          <a:prstGeom prst="rect">
+            <a:avLst/>
+          </a:prstGeom>
+          <a:ln w="12700">
+            <a:miter lim="400000"/>
+          </a:ln>
+        </p:spPr>
+      </p:pic>
     </p:spTree>
   </p:cSld>
   <p:clrMapOvr>
@@ -7184,7 +7247,7 @@
       </p:grpSpPr>
       <p:sp>
         <p:nvSpPr>
-          <p:cNvPr id="181" name="Example: forest covers in different environments"/>
+          <p:cNvPr id="181" name="Discussion"/>
           <p:cNvSpPr txBox="1"/>
           <p:nvPr>
             <p:ph type="title"/>
@@ -7201,46 +7264,17 @@
           <a:p>
             <a:pPr/>
             <a:r>
-              <a:t>Example: forest covers in different environments</a:t>
+              <a:t>Discussion</a:t>
             </a:r>
           </a:p>
         </p:txBody>
       </p:sp>
-      <p:pic>
-        <p:nvPicPr>
-          <p:cNvPr id="182" name="Picture Placeholder 2" descr="Picture Placeholder 2"/>
-          <p:cNvPicPr>
-            <a:picLocks noChangeAspect="1"/>
-          </p:cNvPicPr>
-          <p:nvPr>
-            <p:ph type="pic" idx="13"/>
-          </p:nvPr>
-        </p:nvPicPr>
-        <p:blipFill>
-          <a:blip r:embed="rId2">
-            <a:extLst/>
-          </a:blip>
-          <a:srcRect l="0" t="0" r="0" b="0"/>
-          <a:stretch>
-            <a:fillRect/>
-          </a:stretch>
-        </p:blipFill>
-        <p:spPr>
-          <a:xfrm>
-            <a:off x="1908823" y="1692512"/>
-            <a:ext cx="5326243" cy="3116127"/>
-          </a:xfrm>
-          <a:prstGeom prst="rect">
-            <a:avLst/>
-          </a:prstGeom>
-        </p:spPr>
-      </p:pic>
       <p:sp>
         <p:nvSpPr>
-          <p:cNvPr id="183" name="How does the forest depend on: altitude, climate, soil type etc.?…"/>
+          <p:cNvPr id="182" name="This example is considered a tough challenge, why?…"/>
           <p:cNvSpPr txBox="1"/>
           <p:nvPr>
-            <p:ph type="body" sz="quarter" idx="1"/>
+            <p:ph type="body" idx="1"/>
           </p:nvPr>
         </p:nvSpPr>
         <p:spPr>
@@ -7254,93 +7288,31 @@
           <a:p>
             <a:pPr/>
             <a:r>
-              <a:t>How does the forest depend on: altitude, climate, soil type etc.?</a:t>
-            </a:r>
-          </a:p>
-          <a:p>
-            <a:pPr/>
-            <a:r>
-              <a:t>Can we predict the forest that will develop in a given area, from measuring the various environmental conditions?</a:t>
-            </a:r>
-          </a:p>
-        </p:txBody>
-      </p:sp>
-      <p:sp>
-        <p:nvSpPr>
-          <p:cNvPr id="184" name="https://archive.ics.uci.edu/ml/datasets/covertype"/>
-          <p:cNvSpPr txBox="1"/>
-          <p:nvPr/>
-        </p:nvSpPr>
-        <p:spPr>
-          <a:xfrm>
-            <a:off x="905961" y="6240779"/>
-            <a:ext cx="3434840" cy="281941"/>
-          </a:xfrm>
-          <a:prstGeom prst="rect">
-            <a:avLst/>
-          </a:prstGeom>
-          <a:ln w="12700">
-            <a:miter lim="400000"/>
-          </a:ln>
-          <a:extLst>
-            <a:ext uri="{C572A759-6A51-4108-AA02-DFA0A04FC94B}">
-              <ma14:wrappingTextBoxFlag xmlns:ma14="http://schemas.microsoft.com/office/mac/drawingml/2011/main" val="1"/>
-            </a:ext>
-          </a:extLst>
-        </p:spPr>
-        <p:txBody>
-          <a:bodyPr wrap="none" lIns="45719" rIns="45719">
-            <a:spAutoFit/>
-          </a:bodyPr>
-          <a:lstStyle>
-            <a:lvl1pPr>
-              <a:defRPr sz="1300"/>
-            </a:lvl1pPr>
-          </a:lstStyle>
-          <a:p>
-            <a:pPr/>
-            <a:r>
-              <a:t>https://archive.ics.uci.edu/ml/datasets/covertype</a:t>
-            </a:r>
-          </a:p>
-        </p:txBody>
-      </p:sp>
-      <p:sp>
-        <p:nvSpPr>
-          <p:cNvPr id="185" name="An example of classification"/>
-          <p:cNvSpPr txBox="1"/>
-          <p:nvPr/>
-        </p:nvSpPr>
-        <p:spPr>
-          <a:xfrm>
-            <a:off x="457200" y="274638"/>
-            <a:ext cx="8229600" cy="1143001"/>
-          </a:xfrm>
-          <a:prstGeom prst="rect">
-            <a:avLst/>
-          </a:prstGeom>
-          <a:ln w="12700">
-            <a:miter lim="400000"/>
-          </a:ln>
-          <a:extLst>
-            <a:ext uri="{C572A759-6A51-4108-AA02-DFA0A04FC94B}">
-              <ma14:wrappingTextBoxFlag xmlns:ma14="http://schemas.microsoft.com/office/mac/drawingml/2011/main" val="1"/>
-            </a:ext>
-          </a:extLst>
-        </p:spPr>
-        <p:txBody>
-          <a:bodyPr lIns="45719" rIns="45719" anchor="ctr">
-            <a:normAutofit fontScale="100000" lnSpcReduction="0"/>
-          </a:bodyPr>
-          <a:lstStyle>
-            <a:lvl1pPr algn="ctr">
-              <a:defRPr sz="4400"/>
-            </a:lvl1pPr>
-          </a:lstStyle>
-          <a:p>
-            <a:pPr/>
-            <a:r>
-              <a:t>An example of classification</a:t>
+              <a:t>This example is considered a tough challenge, why?</a:t>
+            </a:r>
+          </a:p>
+          <a:p>
+            <a:pPr/>
+            <a:r>
+              <a:t>Look more closely at the data. Is it consistent? Does it have enough information for learning?</a:t>
+            </a:r>
+          </a:p>
+          <a:p>
+            <a:pPr/>
+            <a:r>
+              <a:t>How would you step forward with working out a better regression method?</a:t>
+            </a:r>
+          </a:p>
+          <a:p>
+            <a:pPr lvl="2" marL="1257300" indent="-342900"/>
+            <a:r>
+              <a:t>More hidden layers?</a:t>
+            </a:r>
+          </a:p>
+          <a:p>
+            <a:pPr lvl="2" marL="1257300" indent="-342900"/>
+            <a:r>
+              <a:t>Different optimization?</a:t>
             </a:r>
           </a:p>
         </p:txBody>
@@ -7373,7 +7345,7 @@
       </p:grpSpPr>
       <p:sp>
         <p:nvSpPr>
-          <p:cNvPr id="187" name="Imports for Spark Machine Learning"/>
+          <p:cNvPr id="184" name="Example: forest covers in different environments"/>
           <p:cNvSpPr txBox="1"/>
           <p:nvPr>
             <p:ph type="title"/>
@@ -7390,21 +7362,80 @@
           <a:p>
             <a:pPr/>
             <a:r>
-              <a:t>Imports for Spark Machine Learning</a:t>
+              <a:t>Example: forest covers in different environments</a:t>
+            </a:r>
+          </a:p>
+        </p:txBody>
+      </p:sp>
+      <p:pic>
+        <p:nvPicPr>
+          <p:cNvPr id="185" name="Picture Placeholder 2" descr="Picture Placeholder 2"/>
+          <p:cNvPicPr>
+            <a:picLocks noChangeAspect="1"/>
+          </p:cNvPicPr>
+          <p:nvPr>
+            <p:ph type="pic" idx="13"/>
+          </p:nvPr>
+        </p:nvPicPr>
+        <p:blipFill>
+          <a:blip r:embed="rId2">
+            <a:extLst/>
+          </a:blip>
+          <a:srcRect l="0" t="0" r="0" b="0"/>
+          <a:stretch>
+            <a:fillRect/>
+          </a:stretch>
+        </p:blipFill>
+        <p:spPr>
+          <a:xfrm>
+            <a:off x="1908823" y="1692512"/>
+            <a:ext cx="5326243" cy="3116127"/>
+          </a:xfrm>
+          <a:prstGeom prst="rect">
+            <a:avLst/>
+          </a:prstGeom>
+        </p:spPr>
+      </p:pic>
+      <p:sp>
+        <p:nvSpPr>
+          <p:cNvPr id="186" name="How does the forest depend on: altitude, climate, soil type etc.?…"/>
+          <p:cNvSpPr txBox="1"/>
+          <p:nvPr>
+            <p:ph type="body" sz="quarter" idx="1"/>
+          </p:nvPr>
+        </p:nvSpPr>
+        <p:spPr>
+          <a:prstGeom prst="rect">
+            <a:avLst/>
+          </a:prstGeom>
+        </p:spPr>
+        <p:txBody>
+          <a:bodyPr/>
+          <a:lstStyle/>
+          <a:p>
+            <a:pPr/>
+            <a:r>
+              <a:t>How does the forest depend on: altitude, climate, soil type etc.?</a:t>
+            </a:r>
+          </a:p>
+          <a:p>
+            <a:pPr/>
+            <a:r>
+              <a:t>Can we predict the forest that will develop in a given area, from measuring the various environmental conditions?</a:t>
             </a:r>
           </a:p>
         </p:txBody>
       </p:sp>
       <p:sp>
         <p:nvSpPr>
-          <p:cNvPr id="188" name="import org.apache.spark.ml.{PipelineModel, Pipeline}…"/>
+          <p:cNvPr id="187" name="https://archive.ics.uci.edu/ml/datasets/covertype"/>
           <p:cNvSpPr txBox="1"/>
           <p:nvPr/>
         </p:nvSpPr>
         <p:spPr>
           <a:xfrm>
-            <a:off x="1020162" y="2291079"/>
-            <a:ext cx="7103676" cy="3444241"/>
+            <a:off x="905961" y="6240779"/>
+            <a:ext cx="3434840" cy="281941"/>
           </a:xfrm>
           <a:prstGeom prst="rect">
             <a:avLst/>
@@ -7422,71 +7453,55 @@
           <a:bodyPr wrap="none" lIns="45719" rIns="45719">
             <a:spAutoFit/>
           </a:bodyPr>
-          <a:lstStyle/>
-          <a:p>
-            <a:pPr/>
-            <a:r>
-              <a:t>import org.apache.spark.ml.{PipelineModel, Pipeline}</a:t>
-            </a:r>
-          </a:p>
-          <a:p>
-            <a:pPr/>
-            <a:r>
-              <a:t>import org.apache.spark.ml.classification.{DecisionTreeClassifier,</a:t>
-            </a:r>
-          </a:p>
-          <a:p>
-            <a:pPr/>
-            <a:r>
-              <a:t>  RandomForestClassifier, RandomForestClassificationModel}</a:t>
-            </a:r>
-          </a:p>
-          <a:p>
-            <a:pPr/>
-            <a:r>
-              <a:t>import org.apache.spark.ml.evaluation.MulticlassClassificationEvaluator</a:t>
-            </a:r>
-          </a:p>
-          <a:p>
-            <a:pPr/>
-            <a:r>
-              <a:t>import org.apache.spark.ml.feature.{VectorAssembler, VectorIndexer}</a:t>
-            </a:r>
-          </a:p>
-          <a:p>
-            <a:pPr/>
-            <a:r>
-              <a:t>import org.apache.spark.ml.linalg.Vector</a:t>
-            </a:r>
-          </a:p>
-          <a:p>
-            <a:pPr/>
-            <a:r>
-              <a:t>import org.apache.spark.ml.tuning.{ParamGridBuilder, TrainValidationSplit}</a:t>
-            </a:r>
-          </a:p>
-          <a:p>
-            <a:pPr/>
-            <a:r>
-              <a:t>import org.apache.spark.mllib.evaluation.MulticlassMetrics</a:t>
-            </a:r>
-          </a:p>
-          <a:p>
-            <a:pPr/>
-            <a:r>
-              <a:t>import org.apache.spark.sql.{DataFrame, SparkSession}</a:t>
-            </a:r>
-          </a:p>
-          <a:p>
-            <a:pPr/>
-            <a:r>
-              <a:t>import org.apache.spark.sql.functions._</a:t>
-            </a:r>
-          </a:p>
-          <a:p>
-            <a:pPr/>
-            <a:r>
-              <a:t>import scala.util.Random</a:t>
+          <a:lstStyle>
+            <a:lvl1pPr>
+              <a:defRPr sz="1300"/>
+            </a:lvl1pPr>
+          </a:lstStyle>
+          <a:p>
+            <a:pPr/>
+            <a:r>
+              <a:t>https://archive.ics.uci.edu/ml/datasets/covertype</a:t>
+            </a:r>
+          </a:p>
+        </p:txBody>
+      </p:sp>
+      <p:sp>
+        <p:nvSpPr>
+          <p:cNvPr id="188" name="An example of classification"/>
+          <p:cNvSpPr txBox="1"/>
+          <p:nvPr/>
+        </p:nvSpPr>
+        <p:spPr>
+          <a:xfrm>
+            <a:off x="457200" y="274638"/>
+            <a:ext cx="8229600" cy="1143001"/>
+          </a:xfrm>
+          <a:prstGeom prst="rect">
+            <a:avLst/>
+          </a:prstGeom>
+          <a:ln w="12700">
+            <a:miter lim="400000"/>
+          </a:ln>
+          <a:extLst>
+            <a:ext uri="{C572A759-6A51-4108-AA02-DFA0A04FC94B}">
+              <ma14:wrappingTextBoxFlag xmlns:ma14="http://schemas.microsoft.com/office/mac/drawingml/2011/main" val="1"/>
+            </a:ext>
+          </a:extLst>
+        </p:spPr>
+        <p:txBody>
+          <a:bodyPr lIns="45719" rIns="45719" anchor="ctr">
+            <a:normAutofit fontScale="100000" lnSpcReduction="0"/>
+          </a:bodyPr>
+          <a:lstStyle>
+            <a:lvl1pPr algn="ctr">
+              <a:defRPr sz="4400"/>
+            </a:lvl1pPr>
+          </a:lstStyle>
+          <a:p>
+            <a:pPr/>
+            <a:r>
+              <a:t>An example of classification</a:t>
             </a:r>
           </a:p>
         </p:txBody>
@@ -7519,7 +7534,7 @@
       </p:grpSpPr>
       <p:sp>
         <p:nvSpPr>
-          <p:cNvPr id="190" name="Open CSV, give name to columns"/>
+          <p:cNvPr id="190" name="Imports for Spark Machine Learning"/>
           <p:cNvSpPr txBox="1"/>
           <p:nvPr>
             <p:ph type="title"/>
@@ -7536,21 +7551,21 @@
           <a:p>
             <a:pPr/>
             <a:r>
-              <a:t>Open CSV, give name to columns</a:t>
+              <a:t>Imports for Spark Machine Learning</a:t>
             </a:r>
           </a:p>
         </p:txBody>
       </p:sp>
       <p:sp>
         <p:nvSpPr>
-          <p:cNvPr id="191" name="import spark.implicits._…"/>
+          <p:cNvPr id="191" name="import org.apache.spark.ml.{PipelineModel, Pipeline}…"/>
           <p:cNvSpPr txBox="1"/>
           <p:nvPr/>
         </p:nvSpPr>
         <p:spPr>
           <a:xfrm>
-            <a:off x="821340" y="1440179"/>
-            <a:ext cx="7501320" cy="5069841"/>
+            <a:off x="1020162" y="2291079"/>
+            <a:ext cx="7103676" cy="3444241"/>
           </a:xfrm>
           <a:prstGeom prst="rect">
             <a:avLst/>
@@ -7565,209 +7580,74 @@
           </a:extLst>
         </p:spPr>
         <p:txBody>
-          <a:bodyPr lIns="45719" rIns="45719">
+          <a:bodyPr wrap="none" lIns="45719" rIns="45719">
             <a:spAutoFit/>
           </a:bodyPr>
           <a:lstStyle/>
           <a:p>
-            <a:pPr>
-              <a:defRPr sz="1200"/>
-            </a:pPr>
-            <a:r>
-              <a:t>    import spark.implicits._</a:t>
-            </a:r>
-          </a:p>
-          <a:p>
-            <a:pPr>
-              <a:defRPr sz="1200"/>
-            </a:pPr>
-          </a:p>
-          <a:p>
-            <a:pPr>
-              <a:defRPr sz="1200"/>
-            </a:pPr>
-            <a:r>
-              <a:t>    val dataWithoutHeader = spark.read.</a:t>
-            </a:r>
-          </a:p>
-          <a:p>
-            <a:pPr>
-              <a:defRPr sz="1200"/>
-            </a:pPr>
-            <a:r>
-              <a:t>      option("inferSchema", true).</a:t>
-            </a:r>
-          </a:p>
-          <a:p>
-            <a:pPr>
-              <a:defRPr sz="1200"/>
-            </a:pPr>
-            <a:r>
-              <a:t>      option("header", false).</a:t>
-            </a:r>
-          </a:p>
-          <a:p>
-            <a:pPr>
-              <a:defRPr sz="1200"/>
-            </a:pPr>
-            <a:r>
-              <a:t>      csv("/Users/markon/ITU/covtype.data")</a:t>
-            </a:r>
-          </a:p>
-          <a:p>
-            <a:pPr>
-              <a:defRPr sz="1200"/>
-            </a:pPr>
-          </a:p>
-          <a:p>
-            <a:pPr>
-              <a:defRPr sz="1200"/>
-            </a:pPr>
-            <a:r>
-              <a:t>    val colNames = Seq(</a:t>
-            </a:r>
-          </a:p>
-          <a:p>
-            <a:pPr>
-              <a:defRPr sz="1200"/>
-            </a:pPr>
-            <a:r>
-              <a:t>        "Elevation", "Aspect", "Slope",</a:t>
-            </a:r>
-          </a:p>
-          <a:p>
-            <a:pPr>
-              <a:defRPr sz="1200"/>
-            </a:pPr>
-            <a:r>
-              <a:t>        "Horizontal_Distance_To_Hydrology", "Vertical_Distance_To_Hydrology",</a:t>
-            </a:r>
-          </a:p>
-          <a:p>
-            <a:pPr>
-              <a:defRPr sz="1200"/>
-            </a:pPr>
-            <a:r>
-              <a:t>        "Horizontal_Distance_To_Roadways",</a:t>
-            </a:r>
-          </a:p>
-          <a:p>
-            <a:pPr>
-              <a:defRPr sz="1200"/>
-            </a:pPr>
-            <a:r>
-              <a:t>        "Hillshade_9am", "Hillshade_Noon", "Hillshade_3pm",</a:t>
-            </a:r>
-          </a:p>
-          <a:p>
-            <a:pPr>
-              <a:defRPr sz="1200"/>
-            </a:pPr>
-            <a:r>
-              <a:t>        "Horizontal_Distance_To_Fire_Points"</a:t>
-            </a:r>
-          </a:p>
-          <a:p>
-            <a:pPr>
-              <a:defRPr sz="1200"/>
-            </a:pPr>
-            <a:r>
-              <a:t>      ) ++ (</a:t>
-            </a:r>
-          </a:p>
-          <a:p>
-            <a:pPr>
-              <a:defRPr sz="1200"/>
-            </a:pPr>
-            <a:r>
-              <a:t>        (0 until 4).map(i =&gt; s"Wilderness_Area_$i")</a:t>
-            </a:r>
-          </a:p>
-          <a:p>
-            <a:pPr>
-              <a:defRPr sz="1200"/>
-            </a:pPr>
-            <a:r>
-              <a:t>      ) ++ (</a:t>
-            </a:r>
-          </a:p>
-          <a:p>
-            <a:pPr>
-              <a:defRPr sz="1200"/>
-            </a:pPr>
-            <a:r>
-              <a:t>        (0 until 40).map(i =&gt; s"Soil_Type_$i")</a:t>
-            </a:r>
-          </a:p>
-          <a:p>
-            <a:pPr>
-              <a:defRPr sz="1200"/>
-            </a:pPr>
-            <a:r>
-              <a:t>      ) ++ Seq("Cover_Type")</a:t>
-            </a:r>
-          </a:p>
-          <a:p>
-            <a:pPr>
-              <a:defRPr sz="1200"/>
-            </a:pPr>
-          </a:p>
-          <a:p>
-            <a:pPr>
-              <a:defRPr sz="1200"/>
-            </a:pPr>
-            <a:r>
-              <a:t>    val data = dataWithoutHeader.toDF(colNames:_*).</a:t>
-            </a:r>
-          </a:p>
-          <a:p>
-            <a:pPr>
-              <a:defRPr sz="1200"/>
-            </a:pPr>
-            <a:r>
-              <a:t>      withColumn("Cover_Type", $"Cover_Type".cast("double"))</a:t>
-            </a:r>
-          </a:p>
-          <a:p>
-            <a:pPr>
-              <a:defRPr sz="1200"/>
-            </a:pPr>
-          </a:p>
-          <a:p>
-            <a:pPr>
-              <a:defRPr sz="1200"/>
-            </a:pPr>
-            <a:r>
-              <a:t>    data.show()</a:t>
-            </a:r>
-          </a:p>
-          <a:p>
-            <a:pPr>
-              <a:defRPr sz="1200"/>
-            </a:pPr>
-            <a:r>
-              <a:t>    data.head</a:t>
-            </a:r>
-          </a:p>
-          <a:p>
-            <a:pPr>
-              <a:defRPr sz="1200"/>
-            </a:pPr>
-          </a:p>
-          <a:p>
-            <a:pPr>
-              <a:defRPr sz="1200"/>
-            </a:pPr>
-            <a:r>
-              <a:t>    // Split into 90% train (+ CV), 10% test</a:t>
-            </a:r>
-          </a:p>
-          <a:p>
-            <a:pPr>
-              <a:defRPr sz="1200"/>
-            </a:pPr>
-            <a:r>
-              <a:t>    val Array(trainData, testData) = data.randomSplit(Array(0.9, 0.1))</a:t>
+            <a:pPr/>
+            <a:r>
+              <a:t>import org.apache.spark.ml.{PipelineModel, Pipeline}</a:t>
+            </a:r>
+          </a:p>
+          <a:p>
+            <a:pPr/>
+            <a:r>
+              <a:t>import org.apache.spark.ml.classification.{DecisionTreeClassifier,</a:t>
+            </a:r>
+          </a:p>
+          <a:p>
+            <a:pPr/>
+            <a:r>
+              <a:t>  RandomForestClassifier, RandomForestClassificationModel}</a:t>
+            </a:r>
+          </a:p>
+          <a:p>
+            <a:pPr/>
+            <a:r>
+              <a:t>import org.apache.spark.ml.evaluation.MulticlassClassificationEvaluator</a:t>
+            </a:r>
+          </a:p>
+          <a:p>
+            <a:pPr/>
+            <a:r>
+              <a:t>import org.apache.spark.ml.feature.{VectorAssembler, VectorIndexer}</a:t>
+            </a:r>
+          </a:p>
+          <a:p>
+            <a:pPr/>
+            <a:r>
+              <a:t>import org.apache.spark.ml.linalg.Vector</a:t>
+            </a:r>
+          </a:p>
+          <a:p>
+            <a:pPr/>
+            <a:r>
+              <a:t>import org.apache.spark.ml.tuning.{ParamGridBuilder, TrainValidationSplit}</a:t>
+            </a:r>
+          </a:p>
+          <a:p>
+            <a:pPr/>
+            <a:r>
+              <a:t>import org.apache.spark.mllib.evaluation.MulticlassMetrics</a:t>
+            </a:r>
+          </a:p>
+          <a:p>
+            <a:pPr/>
+            <a:r>
+              <a:t>import org.apache.spark.sql.{DataFrame, SparkSession}</a:t>
+            </a:r>
+          </a:p>
+          <a:p>
+            <a:pPr/>
+            <a:r>
+              <a:t>import org.apache.spark.sql.functions._</a:t>
+            </a:r>
+          </a:p>
+          <a:p>
+            <a:pPr/>
+            <a:r>
+              <a:t>import scala.util.Random</a:t>
             </a:r>
           </a:p>
         </p:txBody>
@@ -7874,7 +7754,7 @@
       </p:grpSpPr>
       <p:sp>
         <p:nvSpPr>
-          <p:cNvPr id="193" name="Head of the resulting table"/>
+          <p:cNvPr id="193" name="Open CSV, give name to columns"/>
           <p:cNvSpPr txBox="1"/>
           <p:nvPr>
             <p:ph type="title"/>
@@ -7891,31 +7771,21 @@
           <a:p>
             <a:pPr/>
             <a:r>
-              <a:t>Head of the resulting table</a:t>
+              <a:t>Open CSV, give name to columns</a:t>
             </a:r>
           </a:p>
         </p:txBody>
       </p:sp>
-      <p:pic>
-        <p:nvPicPr>
-          <p:cNvPr id="194" name="Image" descr="Image"/>
-          <p:cNvPicPr>
-            <a:picLocks noChangeAspect="1"/>
-          </p:cNvPicPr>
+      <p:sp>
+        <p:nvSpPr>
+          <p:cNvPr id="194" name="import spark.implicits._…"/>
+          <p:cNvSpPr txBox="1"/>
           <p:nvPr/>
-        </p:nvPicPr>
-        <p:blipFill>
-          <a:blip r:embed="rId2">
-            <a:extLst/>
-          </a:blip>
-          <a:stretch>
-            <a:fillRect/>
-          </a:stretch>
-        </p:blipFill>
+        </p:nvSpPr>
         <p:spPr>
           <a:xfrm>
-            <a:off x="1257300" y="2000250"/>
-            <a:ext cx="6629400" cy="2857500"/>
+            <a:off x="821340" y="1440179"/>
+            <a:ext cx="7501320" cy="5069841"/>
           </a:xfrm>
           <a:prstGeom prst="rect">
             <a:avLst/>
@@ -7923,8 +7793,220 @@
           <a:ln w="12700">
             <a:miter lim="400000"/>
           </a:ln>
+          <a:extLst>
+            <a:ext uri="{C572A759-6A51-4108-AA02-DFA0A04FC94B}">
+              <ma14:wrappingTextBoxFlag xmlns:ma14="http://schemas.microsoft.com/office/mac/drawingml/2011/main" val="1"/>
+            </a:ext>
+          </a:extLst>
         </p:spPr>
-      </p:pic>
+        <p:txBody>
+          <a:bodyPr lIns="45719" rIns="45719">
+            <a:spAutoFit/>
+          </a:bodyPr>
+          <a:lstStyle/>
+          <a:p>
+            <a:pPr>
+              <a:defRPr sz="1200"/>
+            </a:pPr>
+            <a:r>
+              <a:t>    import spark.implicits._</a:t>
+            </a:r>
+          </a:p>
+          <a:p>
+            <a:pPr>
+              <a:defRPr sz="1200"/>
+            </a:pPr>
+          </a:p>
+          <a:p>
+            <a:pPr>
+              <a:defRPr sz="1200"/>
+            </a:pPr>
+            <a:r>
+              <a:t>    val dataWithoutHeader = spark.read.</a:t>
+            </a:r>
+          </a:p>
+          <a:p>
+            <a:pPr>
+              <a:defRPr sz="1200"/>
+            </a:pPr>
+            <a:r>
+              <a:t>      option("inferSchema", true).</a:t>
+            </a:r>
+          </a:p>
+          <a:p>
+            <a:pPr>
+              <a:defRPr sz="1200"/>
+            </a:pPr>
+            <a:r>
+              <a:t>      option("header", false).</a:t>
+            </a:r>
+          </a:p>
+          <a:p>
+            <a:pPr>
+              <a:defRPr sz="1200"/>
+            </a:pPr>
+            <a:r>
+              <a:t>      csv("/Users/markon/ITU/covtype.data")</a:t>
+            </a:r>
+          </a:p>
+          <a:p>
+            <a:pPr>
+              <a:defRPr sz="1200"/>
+            </a:pPr>
+          </a:p>
+          <a:p>
+            <a:pPr>
+              <a:defRPr sz="1200"/>
+            </a:pPr>
+            <a:r>
+              <a:t>    val colNames = Seq(</a:t>
+            </a:r>
+          </a:p>
+          <a:p>
+            <a:pPr>
+              <a:defRPr sz="1200"/>
+            </a:pPr>
+            <a:r>
+              <a:t>        "Elevation", "Aspect", "Slope",</a:t>
+            </a:r>
+          </a:p>
+          <a:p>
+            <a:pPr>
+              <a:defRPr sz="1200"/>
+            </a:pPr>
+            <a:r>
+              <a:t>        "Horizontal_Distance_To_Hydrology", "Vertical_Distance_To_Hydrology",</a:t>
+            </a:r>
+          </a:p>
+          <a:p>
+            <a:pPr>
+              <a:defRPr sz="1200"/>
+            </a:pPr>
+            <a:r>
+              <a:t>        "Horizontal_Distance_To_Roadways",</a:t>
+            </a:r>
+          </a:p>
+          <a:p>
+            <a:pPr>
+              <a:defRPr sz="1200"/>
+            </a:pPr>
+            <a:r>
+              <a:t>        "Hillshade_9am", "Hillshade_Noon", "Hillshade_3pm",</a:t>
+            </a:r>
+          </a:p>
+          <a:p>
+            <a:pPr>
+              <a:defRPr sz="1200"/>
+            </a:pPr>
+            <a:r>
+              <a:t>        "Horizontal_Distance_To_Fire_Points"</a:t>
+            </a:r>
+          </a:p>
+          <a:p>
+            <a:pPr>
+              <a:defRPr sz="1200"/>
+            </a:pPr>
+            <a:r>
+              <a:t>      ) ++ (</a:t>
+            </a:r>
+          </a:p>
+          <a:p>
+            <a:pPr>
+              <a:defRPr sz="1200"/>
+            </a:pPr>
+            <a:r>
+              <a:t>        (0 until 4).map(i =&gt; s"Wilderness_Area_$i")</a:t>
+            </a:r>
+          </a:p>
+          <a:p>
+            <a:pPr>
+              <a:defRPr sz="1200"/>
+            </a:pPr>
+            <a:r>
+              <a:t>      ) ++ (</a:t>
+            </a:r>
+          </a:p>
+          <a:p>
+            <a:pPr>
+              <a:defRPr sz="1200"/>
+            </a:pPr>
+            <a:r>
+              <a:t>        (0 until 40).map(i =&gt; s"Soil_Type_$i")</a:t>
+            </a:r>
+          </a:p>
+          <a:p>
+            <a:pPr>
+              <a:defRPr sz="1200"/>
+            </a:pPr>
+            <a:r>
+              <a:t>      ) ++ Seq("Cover_Type")</a:t>
+            </a:r>
+          </a:p>
+          <a:p>
+            <a:pPr>
+              <a:defRPr sz="1200"/>
+            </a:pPr>
+          </a:p>
+          <a:p>
+            <a:pPr>
+              <a:defRPr sz="1200"/>
+            </a:pPr>
+            <a:r>
+              <a:t>    val data = dataWithoutHeader.toDF(colNames:_*).</a:t>
+            </a:r>
+          </a:p>
+          <a:p>
+            <a:pPr>
+              <a:defRPr sz="1200"/>
+            </a:pPr>
+            <a:r>
+              <a:t>      withColumn("Cover_Type", $"Cover_Type".cast("double"))</a:t>
+            </a:r>
+          </a:p>
+          <a:p>
+            <a:pPr>
+              <a:defRPr sz="1200"/>
+            </a:pPr>
+          </a:p>
+          <a:p>
+            <a:pPr>
+              <a:defRPr sz="1200"/>
+            </a:pPr>
+            <a:r>
+              <a:t>    data.show()</a:t>
+            </a:r>
+          </a:p>
+          <a:p>
+            <a:pPr>
+              <a:defRPr sz="1200"/>
+            </a:pPr>
+            <a:r>
+              <a:t>    data.head</a:t>
+            </a:r>
+          </a:p>
+          <a:p>
+            <a:pPr>
+              <a:defRPr sz="1200"/>
+            </a:pPr>
+          </a:p>
+          <a:p>
+            <a:pPr>
+              <a:defRPr sz="1200"/>
+            </a:pPr>
+            <a:r>
+              <a:t>    // Split into 90% train (+ CV), 10% test</a:t>
+            </a:r>
+          </a:p>
+          <a:p>
+            <a:pPr>
+              <a:defRPr sz="1200"/>
+            </a:pPr>
+            <a:r>
+              <a:t>    val Array(trainData, testData) = data.randomSplit(Array(0.9, 0.1))</a:t>
+            </a:r>
+          </a:p>
+        </p:txBody>
+      </p:sp>
     </p:spTree>
   </p:cSld>
   <p:clrMapOvr>
@@ -7953,7 +8035,7 @@
       </p:grpSpPr>
       <p:sp>
         <p:nvSpPr>
-          <p:cNvPr id="196" name="Create a feature vector"/>
+          <p:cNvPr id="196" name="Head of the resulting table"/>
           <p:cNvSpPr txBox="1"/>
           <p:nvPr>
             <p:ph type="title"/>
@@ -7970,97 +8052,14 @@
           <a:p>
             <a:pPr/>
             <a:r>
-              <a:t>Create a feature vector</a:t>
-            </a:r>
-          </a:p>
-        </p:txBody>
-      </p:sp>
-      <p:sp>
-        <p:nvSpPr>
-          <p:cNvPr id="197" name="val inputCols = trainData.columns.filter(_ != &quot;Cover_Type&quot;)…"/>
-          <p:cNvSpPr txBox="1"/>
-          <p:nvPr/>
-        </p:nvSpPr>
-        <p:spPr>
-          <a:xfrm>
-            <a:off x="1360904" y="1592580"/>
-            <a:ext cx="5842755" cy="2021841"/>
-          </a:xfrm>
-          <a:prstGeom prst="rect">
-            <a:avLst/>
-          </a:prstGeom>
-          <a:ln w="12700">
-            <a:miter lim="400000"/>
-          </a:ln>
-          <a:extLst>
-            <a:ext uri="{C572A759-6A51-4108-AA02-DFA0A04FC94B}">
-              <ma14:wrappingTextBoxFlag xmlns:ma14="http://schemas.microsoft.com/office/mac/drawingml/2011/main" val="1"/>
-            </a:ext>
-          </a:extLst>
-        </p:spPr>
-        <p:txBody>
-          <a:bodyPr wrap="none" lIns="45719" rIns="45719">
-            <a:spAutoFit/>
-          </a:bodyPr>
-          <a:lstStyle/>
-          <a:p>
-            <a:pPr>
-              <a:defRPr sz="1600"/>
-            </a:pPr>
-            <a:r>
-              <a:t>     val inputCols = trainData.columns.filter(_ != "Cover_Type")</a:t>
-            </a:r>
-          </a:p>
-          <a:p>
-            <a:pPr>
-              <a:defRPr sz="1600"/>
-            </a:pPr>
-            <a:r>
-              <a:t>    val assembler = new VectorAssembler().</a:t>
-            </a:r>
-          </a:p>
-          <a:p>
-            <a:pPr>
-              <a:defRPr sz="1600"/>
-            </a:pPr>
-            <a:r>
-              <a:t>      setInputCols(inputCols).</a:t>
-            </a:r>
-          </a:p>
-          <a:p>
-            <a:pPr>
-              <a:defRPr sz="1600"/>
-            </a:pPr>
-            <a:r>
-              <a:t>      setOutputCol("featureVector")</a:t>
-            </a:r>
-          </a:p>
-          <a:p>
-            <a:pPr>
-              <a:defRPr sz="1600"/>
-            </a:pPr>
-          </a:p>
-          <a:p>
-            <a:pPr>
-              <a:defRPr sz="1600"/>
-            </a:pPr>
-            <a:r>
-              <a:t>    val assembledTrainData = assembler.transform(trainData)</a:t>
-            </a:r>
-          </a:p>
-          <a:p>
-            <a:pPr>
-              <a:defRPr sz="1600"/>
-            </a:pPr>
-            <a:r>
-              <a:t>    assembledTrainData.select("featureVector").show(truncate = false)</a:t>
+              <a:t>Head of the resulting table</a:t>
             </a:r>
           </a:p>
         </p:txBody>
       </p:sp>
       <p:pic>
         <p:nvPicPr>
-          <p:cNvPr id="198" name="Image" descr="Image"/>
+          <p:cNvPr id="197" name="Image" descr="Image"/>
           <p:cNvPicPr>
             <a:picLocks noChangeAspect="1"/>
           </p:cNvPicPr>
@@ -8076,8 +8075,8 @@
         </p:blipFill>
         <p:spPr>
           <a:xfrm>
-            <a:off x="1460500" y="3789362"/>
-            <a:ext cx="6223000" cy="1168401"/>
+            <a:off x="1257300" y="2000250"/>
+            <a:ext cx="6629400" cy="2857500"/>
           </a:xfrm>
           <a:prstGeom prst="rect">
             <a:avLst/>
@@ -8115,7 +8114,7 @@
       </p:grpSpPr>
       <p:sp>
         <p:nvSpPr>
-          <p:cNvPr id="200" name="Create a Classifier and train it"/>
+          <p:cNvPr id="199" name="Create a feature vector"/>
           <p:cNvSpPr txBox="1"/>
           <p:nvPr>
             <p:ph type="title"/>
@@ -8132,21 +8131,21 @@
           <a:p>
             <a:pPr/>
             <a:r>
-              <a:t>Create a Classifier and train it</a:t>
+              <a:t>Create a feature vector</a:t>
             </a:r>
           </a:p>
         </p:txBody>
       </p:sp>
       <p:sp>
         <p:nvSpPr>
-          <p:cNvPr id="201" name="val classifier = new DecisionTreeClassifier().…"/>
+          <p:cNvPr id="200" name="val inputCols = trainData.columns.filter(_ != &quot;Cover_Type&quot;)…"/>
           <p:cNvSpPr txBox="1"/>
           <p:nvPr/>
         </p:nvSpPr>
         <p:spPr>
           <a:xfrm>
-            <a:off x="2305646" y="1275080"/>
-            <a:ext cx="4532708" cy="2885441"/>
+            <a:off x="1360904" y="1592580"/>
+            <a:ext cx="5842755" cy="2021841"/>
           </a:xfrm>
           <a:prstGeom prst="rect">
             <a:avLst/>
@@ -8166,58 +8165,63 @@
           </a:bodyPr>
           <a:lstStyle/>
           <a:p>
-            <a:pPr/>
-            <a:r>
-              <a:t>   val classifier = new DecisionTreeClassifier().</a:t>
-            </a:r>
-          </a:p>
-          <a:p>
-            <a:pPr/>
-            <a:r>
-              <a:t>      setSeed(Random.nextLong()).</a:t>
-            </a:r>
-          </a:p>
-          <a:p>
-            <a:pPr/>
-            <a:r>
-              <a:t>      setLabelCol("Cover_Type").</a:t>
-            </a:r>
-          </a:p>
-          <a:p>
-            <a:pPr/>
-            <a:r>
-              <a:t>      setFeaturesCol("featureVector").</a:t>
-            </a:r>
-          </a:p>
-          <a:p>
-            <a:pPr/>
-            <a:r>
-              <a:t>      setPredictionCol("prediction")</a:t>
-            </a:r>
-          </a:p>
-          <a:p>
-            <a:pPr/>
-          </a:p>
-          <a:p>
-            <a:pPr/>
-            <a:r>
-              <a:t>    val model = classifier.fit(assembledTrainData)</a:t>
-            </a:r>
-          </a:p>
-          <a:p>
-            <a:pPr/>
-            <a:r>
-              <a:t>    println(model.toDebugString)</a:t>
-            </a:r>
-          </a:p>
-          <a:p>
-            <a:pPr/>
+            <a:pPr>
+              <a:defRPr sz="1600"/>
+            </a:pPr>
+            <a:r>
+              <a:t>     val inputCols = trainData.columns.filter(_ != "Cover_Type")</a:t>
+            </a:r>
+          </a:p>
+          <a:p>
+            <a:pPr>
+              <a:defRPr sz="1600"/>
+            </a:pPr>
+            <a:r>
+              <a:t>    val assembler = new VectorAssembler().</a:t>
+            </a:r>
+          </a:p>
+          <a:p>
+            <a:pPr>
+              <a:defRPr sz="1600"/>
+            </a:pPr>
+            <a:r>
+              <a:t>      setInputCols(inputCols).</a:t>
+            </a:r>
+          </a:p>
+          <a:p>
+            <a:pPr>
+              <a:defRPr sz="1600"/>
+            </a:pPr>
+            <a:r>
+              <a:t>      setOutputCol("featureVector")</a:t>
+            </a:r>
+          </a:p>
+          <a:p>
+            <a:pPr>
+              <a:defRPr sz="1600"/>
+            </a:pPr>
+          </a:p>
+          <a:p>
+            <a:pPr>
+              <a:defRPr sz="1600"/>
+            </a:pPr>
+            <a:r>
+              <a:t>    val assembledTrainData = assembler.transform(trainData)</a:t>
+            </a:r>
+          </a:p>
+          <a:p>
+            <a:pPr>
+              <a:defRPr sz="1600"/>
+            </a:pPr>
+            <a:r>
+              <a:t>    assembledTrainData.select("featureVector").show(truncate = false)</a:t>
+            </a:r>
           </a:p>
         </p:txBody>
       </p:sp>
       <p:pic>
         <p:nvPicPr>
-          <p:cNvPr id="202" name="Image" descr="Image"/>
+          <p:cNvPr id="201" name="Image" descr="Image"/>
           <p:cNvPicPr>
             <a:picLocks noChangeAspect="1"/>
           </p:cNvPicPr>
@@ -8233,8 +8237,8 @@
         </p:blipFill>
         <p:spPr>
           <a:xfrm>
-            <a:off x="1374572" y="3765951"/>
-            <a:ext cx="6394856" cy="2506904"/>
+            <a:off x="1460500" y="3789362"/>
+            <a:ext cx="6223000" cy="1168401"/>
           </a:xfrm>
           <a:prstGeom prst="rect">
             <a:avLst/>
@@ -8272,7 +8276,7 @@
       </p:grpSpPr>
       <p:sp>
         <p:nvSpPr>
-          <p:cNvPr id="204" name="What are the contributions?"/>
+          <p:cNvPr id="203" name="Create a Classifier and train it"/>
           <p:cNvSpPr txBox="1"/>
           <p:nvPr>
             <p:ph type="title"/>
@@ -8289,21 +8293,21 @@
           <a:p>
             <a:pPr/>
             <a:r>
-              <a:t>What are the contributions?</a:t>
+              <a:t>Create a Classifier and train it</a:t>
             </a:r>
           </a:p>
         </p:txBody>
       </p:sp>
       <p:sp>
         <p:nvSpPr>
-          <p:cNvPr id="205" name="model.featureImportances.toArray.zip(inputCols).…"/>
+          <p:cNvPr id="204" name="val classifier = new DecisionTreeClassifier().…"/>
           <p:cNvSpPr txBox="1"/>
           <p:nvPr/>
         </p:nvSpPr>
         <p:spPr>
           <a:xfrm>
-            <a:off x="2361177" y="1643379"/>
-            <a:ext cx="4421645" cy="574041"/>
+            <a:off x="2305646" y="1275080"/>
+            <a:ext cx="4532708" cy="2885441"/>
           </a:xfrm>
           <a:prstGeom prst="rect">
             <a:avLst/>
@@ -8323,26 +8327,58 @@
           </a:bodyPr>
           <a:lstStyle/>
           <a:p>
-            <a:pPr>
-              <a:defRPr sz="1600"/>
-            </a:pPr>
-            <a:r>
-              <a:t>    model.featureImportances.toArray.zip(inputCols).</a:t>
-            </a:r>
-          </a:p>
-          <a:p>
-            <a:pPr>
-              <a:defRPr sz="1600"/>
-            </a:pPr>
-            <a:r>
-              <a:t>      sorted.reverse.foreach(println)</a:t>
-            </a:r>
+            <a:pPr/>
+            <a:r>
+              <a:t>   val classifier = new DecisionTreeClassifier().</a:t>
+            </a:r>
+          </a:p>
+          <a:p>
+            <a:pPr/>
+            <a:r>
+              <a:t>      setSeed(Random.nextLong()).</a:t>
+            </a:r>
+          </a:p>
+          <a:p>
+            <a:pPr/>
+            <a:r>
+              <a:t>      setLabelCol("Cover_Type").</a:t>
+            </a:r>
+          </a:p>
+          <a:p>
+            <a:pPr/>
+            <a:r>
+              <a:t>      setFeaturesCol("featureVector").</a:t>
+            </a:r>
+          </a:p>
+          <a:p>
+            <a:pPr/>
+            <a:r>
+              <a:t>      setPredictionCol("prediction")</a:t>
+            </a:r>
+          </a:p>
+          <a:p>
+            <a:pPr/>
+          </a:p>
+          <a:p>
+            <a:pPr/>
+            <a:r>
+              <a:t>    val model = classifier.fit(assembledTrainData)</a:t>
+            </a:r>
+          </a:p>
+          <a:p>
+            <a:pPr/>
+            <a:r>
+              <a:t>    println(model.toDebugString)</a:t>
+            </a:r>
+          </a:p>
+          <a:p>
+            <a:pPr/>
           </a:p>
         </p:txBody>
       </p:sp>
       <p:pic>
         <p:nvPicPr>
-          <p:cNvPr id="206" name="Image" descr="Image"/>
+          <p:cNvPr id="205" name="Image" descr="Image"/>
           <p:cNvPicPr>
             <a:picLocks noChangeAspect="1"/>
           </p:cNvPicPr>
@@ -8358,8 +8394,8 @@
         </p:blipFill>
         <p:spPr>
           <a:xfrm>
-            <a:off x="2048689" y="2232395"/>
-            <a:ext cx="5625514" cy="4079693"/>
+            <a:off x="1374572" y="3765951"/>
+            <a:ext cx="6394856" cy="2506904"/>
           </a:xfrm>
           <a:prstGeom prst="rect">
             <a:avLst/>
@@ -8397,7 +8433,7 @@
       </p:grpSpPr>
       <p:sp>
         <p:nvSpPr>
-          <p:cNvPr id="208" name="Evaluate the classifier on data"/>
+          <p:cNvPr id="207" name="What are the contributions?"/>
           <p:cNvSpPr txBox="1"/>
           <p:nvPr>
             <p:ph type="title"/>
@@ -8414,21 +8450,21 @@
           <a:p>
             <a:pPr/>
             <a:r>
-              <a:t>Evaluate the classifier on data</a:t>
+              <a:t>What are the contributions?</a:t>
             </a:r>
           </a:p>
         </p:txBody>
       </p:sp>
       <p:sp>
         <p:nvSpPr>
-          <p:cNvPr id="209" name="val predictions = model.transform(assembledTrainData)…"/>
+          <p:cNvPr id="208" name="model.featureImportances.toArray.zip(inputCols).…"/>
           <p:cNvSpPr txBox="1"/>
           <p:nvPr/>
         </p:nvSpPr>
         <p:spPr>
           <a:xfrm>
-            <a:off x="1896586" y="1579880"/>
-            <a:ext cx="5350828" cy="1056641"/>
+            <a:off x="2361177" y="1643379"/>
+            <a:ext cx="4421645" cy="574041"/>
           </a:xfrm>
           <a:prstGeom prst="rect">
             <a:avLst/>
@@ -8452,35 +8488,22 @@
               <a:defRPr sz="1600"/>
             </a:pPr>
             <a:r>
-              <a:t>  val predictions = model.transform(assembledTrainData)</a:t>
+              <a:t>    model.featureImportances.toArray.zip(inputCols).</a:t>
             </a:r>
           </a:p>
           <a:p>
             <a:pPr>
               <a:defRPr sz="1600"/>
             </a:pPr>
-          </a:p>
-          <a:p>
-            <a:pPr>
-              <a:defRPr sz="1600"/>
-            </a:pPr>
-            <a:r>
-              <a:t>    predictions.select("Cover_Type", "prediction", "probability").</a:t>
-            </a:r>
-          </a:p>
-          <a:p>
-            <a:pPr>
-              <a:defRPr sz="1600"/>
-            </a:pPr>
-            <a:r>
-              <a:t>      show(truncate = false)</a:t>
+            <a:r>
+              <a:t>      sorted.reverse.foreach(println)</a:t>
             </a:r>
           </a:p>
         </p:txBody>
       </p:sp>
       <p:pic>
         <p:nvPicPr>
-          <p:cNvPr id="210" name="Image" descr="Image"/>
+          <p:cNvPr id="209" name="Image" descr="Image"/>
           <p:cNvPicPr>
             <a:picLocks noChangeAspect="1"/>
           </p:cNvPicPr>
@@ -8496,8 +8519,8 @@
         </p:blipFill>
         <p:spPr>
           <a:xfrm>
-            <a:off x="1212850" y="3084748"/>
-            <a:ext cx="6718300" cy="2082801"/>
+            <a:off x="2048689" y="2232395"/>
+            <a:ext cx="5625514" cy="4079693"/>
           </a:xfrm>
           <a:prstGeom prst="rect">
             <a:avLst/>
@@ -8535,7 +8558,7 @@
       </p:grpSpPr>
       <p:sp>
         <p:nvSpPr>
-          <p:cNvPr id="212" name="Transfer the classifier to RDD"/>
+          <p:cNvPr id="211" name="Evaluate the classifier on data"/>
           <p:cNvSpPr txBox="1"/>
           <p:nvPr>
             <p:ph type="title"/>
@@ -8552,21 +8575,21 @@
           <a:p>
             <a:pPr/>
             <a:r>
-              <a:t>Transfer the classifier to RDD</a:t>
+              <a:t>Evaluate the classifier on data</a:t>
             </a:r>
           </a:p>
         </p:txBody>
       </p:sp>
       <p:sp>
         <p:nvSpPr>
-          <p:cNvPr id="213" name="val evaluator = new MulticlassClassificationEvaluator().…"/>
+          <p:cNvPr id="212" name="val predictions = model.transform(assembledTrainData)…"/>
           <p:cNvSpPr txBox="1"/>
           <p:nvPr/>
         </p:nvSpPr>
         <p:spPr>
           <a:xfrm>
-            <a:off x="1360904" y="1592580"/>
-            <a:ext cx="6422192" cy="3710941"/>
+            <a:off x="1896586" y="1579880"/>
+            <a:ext cx="5350828" cy="1056641"/>
           </a:xfrm>
           <a:prstGeom prst="rect">
             <a:avLst/>
@@ -8590,109 +8613,61 @@
               <a:defRPr sz="1600"/>
             </a:pPr>
             <a:r>
-              <a:t>    val evaluator = new MulticlassClassificationEvaluator().</a:t>
+              <a:t>  val predictions = model.transform(assembledTrainData)</a:t>
             </a:r>
           </a:p>
           <a:p>
             <a:pPr>
               <a:defRPr sz="1600"/>
             </a:pPr>
-            <a:r>
-              <a:t>      setLabelCol("Cover_Type").</a:t>
-            </a:r>
           </a:p>
           <a:p>
             <a:pPr>
               <a:defRPr sz="1600"/>
             </a:pPr>
             <a:r>
-              <a:t>      setPredictionCol("prediction")</a:t>
+              <a:t>    predictions.select("Cover_Type", "prediction", "probability").</a:t>
             </a:r>
           </a:p>
           <a:p>
             <a:pPr>
               <a:defRPr sz="1600"/>
             </a:pPr>
-          </a:p>
-          <a:p>
-            <a:pPr>
-              <a:defRPr sz="1600"/>
-            </a:pPr>
-            <a:r>
-              <a:t>    val accuracy = evaluator.setMetricName("accuracy").evaluate(predictions)</a:t>
-            </a:r>
-          </a:p>
-          <a:p>
-            <a:pPr>
-              <a:defRPr sz="1600"/>
-            </a:pPr>
-            <a:r>
-              <a:t>    val f1 = evaluator.setMetricName("f1").evaluate(predictions)</a:t>
-            </a:r>
-          </a:p>
-          <a:p>
-            <a:pPr>
-              <a:defRPr sz="1600"/>
-            </a:pPr>
-            <a:r>
-              <a:t>    println(accuracy)</a:t>
-            </a:r>
-          </a:p>
-          <a:p>
-            <a:pPr>
-              <a:defRPr sz="1600"/>
-            </a:pPr>
-            <a:r>
-              <a:t>    println(f1)</a:t>
-            </a:r>
-          </a:p>
-          <a:p>
-            <a:pPr>
-              <a:defRPr sz="1600"/>
-            </a:pPr>
-          </a:p>
-          <a:p>
-            <a:pPr>
-              <a:defRPr sz="1600"/>
-            </a:pPr>
-            <a:r>
-              <a:t>    val predictionRDD = predictions.</a:t>
-            </a:r>
-          </a:p>
-          <a:p>
-            <a:pPr>
-              <a:defRPr sz="1600"/>
-            </a:pPr>
-            <a:r>
-              <a:t>      select("prediction", "Cover_Type").</a:t>
-            </a:r>
-          </a:p>
-          <a:p>
-            <a:pPr>
-              <a:defRPr sz="1600"/>
-            </a:pPr>
-            <a:r>
-              <a:t>      as[(Double,Double)].rdd</a:t>
-            </a:r>
-          </a:p>
-          <a:p>
-            <a:pPr>
-              <a:defRPr sz="1600"/>
-            </a:pPr>
-            <a:r>
-              <a:t>    val multiclassMetrics = new MulticlassMetrics(predictionRDD)</a:t>
-            </a:r>
-          </a:p>
-          <a:p>
-            <a:pPr>
-              <a:defRPr sz="1600"/>
-            </a:pPr>
-            <a:r>
-              <a:t>    println(multiclassMetrics.confusionMatrix)</a:t>
+            <a:r>
+              <a:t>      show(truncate = false)</a:t>
             </a:r>
           </a:p>
         </p:txBody>
       </p:sp>
+      <p:pic>
+        <p:nvPicPr>
+          <p:cNvPr id="213" name="Image" descr="Image"/>
+          <p:cNvPicPr>
+            <a:picLocks noChangeAspect="1"/>
+          </p:cNvPicPr>
+          <p:nvPr/>
+        </p:nvPicPr>
+        <p:blipFill>
+          <a:blip r:embed="rId2">
+            <a:extLst/>
+          </a:blip>
+          <a:stretch>
+            <a:fillRect/>
+          </a:stretch>
+        </p:blipFill>
+        <p:spPr>
+          <a:xfrm>
+            <a:off x="1212850" y="3084748"/>
+            <a:ext cx="6718300" cy="2082801"/>
+          </a:xfrm>
+          <a:prstGeom prst="rect">
+            <a:avLst/>
+          </a:prstGeom>
+          <a:ln w="12700">
+            <a:miter lim="400000"/>
+          </a:ln>
+        </p:spPr>
+      </p:pic>
     </p:spTree>
   </p:cSld>
   <p:clrMapOvr>
@@ -8721,7 +8696,7 @@
       </p:grpSpPr>
       <p:sp>
         <p:nvSpPr>
-          <p:cNvPr id="215" name="Get the confusion matrix from RDD"/>
+          <p:cNvPr id="215" name="Transfer the classifier to RDD"/>
           <p:cNvSpPr txBox="1"/>
           <p:nvPr>
             <p:ph type="title"/>
@@ -8738,14 +8713,200 @@
           <a:p>
             <a:pPr/>
             <a:r>
-              <a:t>Get the confusion matrix from RDD</a:t>
+              <a:t>Transfer the classifier to RDD</a:t>
             </a:r>
           </a:p>
         </p:txBody>
       </p:sp>
       <p:sp>
         <p:nvSpPr>
-          <p:cNvPr id="216" name="val confusionMatrix = predictions.…"/>
+          <p:cNvPr id="216" name="val evaluator = new MulticlassClassificationEvaluator().…"/>
+          <p:cNvSpPr txBox="1"/>
+          <p:nvPr/>
+        </p:nvSpPr>
+        <p:spPr>
+          <a:xfrm>
+            <a:off x="1360904" y="1592580"/>
+            <a:ext cx="6422192" cy="3710941"/>
+          </a:xfrm>
+          <a:prstGeom prst="rect">
+            <a:avLst/>
+          </a:prstGeom>
+          <a:ln w="12700">
+            <a:miter lim="400000"/>
+          </a:ln>
+          <a:extLst>
+            <a:ext uri="{C572A759-6A51-4108-AA02-DFA0A04FC94B}">
+              <ma14:wrappingTextBoxFlag xmlns:ma14="http://schemas.microsoft.com/office/mac/drawingml/2011/main" val="1"/>
+            </a:ext>
+          </a:extLst>
+        </p:spPr>
+        <p:txBody>
+          <a:bodyPr wrap="none" lIns="45719" rIns="45719">
+            <a:spAutoFit/>
+          </a:bodyPr>
+          <a:lstStyle/>
+          <a:p>
+            <a:pPr>
+              <a:defRPr sz="1600"/>
+            </a:pPr>
+            <a:r>
+              <a:t>    val evaluator = new MulticlassClassificationEvaluator().</a:t>
+            </a:r>
+          </a:p>
+          <a:p>
+            <a:pPr>
+              <a:defRPr sz="1600"/>
+            </a:pPr>
+            <a:r>
+              <a:t>      setLabelCol("Cover_Type").</a:t>
+            </a:r>
+          </a:p>
+          <a:p>
+            <a:pPr>
+              <a:defRPr sz="1600"/>
+            </a:pPr>
+            <a:r>
+              <a:t>      setPredictionCol("prediction")</a:t>
+            </a:r>
+          </a:p>
+          <a:p>
+            <a:pPr>
+              <a:defRPr sz="1600"/>
+            </a:pPr>
+          </a:p>
+          <a:p>
+            <a:pPr>
+              <a:defRPr sz="1600"/>
+            </a:pPr>
+            <a:r>
+              <a:t>    val accuracy = evaluator.setMetricName("accuracy").evaluate(predictions)</a:t>
+            </a:r>
+          </a:p>
+          <a:p>
+            <a:pPr>
+              <a:defRPr sz="1600"/>
+            </a:pPr>
+            <a:r>
+              <a:t>    val f1 = evaluator.setMetricName("f1").evaluate(predictions)</a:t>
+            </a:r>
+          </a:p>
+          <a:p>
+            <a:pPr>
+              <a:defRPr sz="1600"/>
+            </a:pPr>
+            <a:r>
+              <a:t>    println(accuracy)</a:t>
+            </a:r>
+          </a:p>
+          <a:p>
+            <a:pPr>
+              <a:defRPr sz="1600"/>
+            </a:pPr>
+            <a:r>
+              <a:t>    println(f1)</a:t>
+            </a:r>
+          </a:p>
+          <a:p>
+            <a:pPr>
+              <a:defRPr sz="1600"/>
+            </a:pPr>
+          </a:p>
+          <a:p>
+            <a:pPr>
+              <a:defRPr sz="1600"/>
+            </a:pPr>
+            <a:r>
+              <a:t>    val predictionRDD = predictions.</a:t>
+            </a:r>
+          </a:p>
+          <a:p>
+            <a:pPr>
+              <a:defRPr sz="1600"/>
+            </a:pPr>
+            <a:r>
+              <a:t>      select("prediction", "Cover_Type").</a:t>
+            </a:r>
+          </a:p>
+          <a:p>
+            <a:pPr>
+              <a:defRPr sz="1600"/>
+            </a:pPr>
+            <a:r>
+              <a:t>      as[(Double,Double)].rdd</a:t>
+            </a:r>
+          </a:p>
+          <a:p>
+            <a:pPr>
+              <a:defRPr sz="1600"/>
+            </a:pPr>
+            <a:r>
+              <a:t>    val multiclassMetrics = new MulticlassMetrics(predictionRDD)</a:t>
+            </a:r>
+          </a:p>
+          <a:p>
+            <a:pPr>
+              <a:defRPr sz="1600"/>
+            </a:pPr>
+            <a:r>
+              <a:t>    println(multiclassMetrics.confusionMatrix)</a:t>
+            </a:r>
+          </a:p>
+        </p:txBody>
+      </p:sp>
+    </p:spTree>
+  </p:cSld>
+  <p:clrMapOvr>
+    <a:masterClrMapping/>
+  </p:clrMapOvr>
+  <p:transition xmlns:p14="http://schemas.microsoft.com/office/powerpoint/2010/main" spd="med" advClick="1"/>
+</p:sld>
+</file>
+
+<file path=ppt/slides/slide27.xml><?xml version="1.0" encoding="utf-8"?>
+<p:sld xmlns:a="http://schemas.openxmlformats.org/drawingml/2006/main" xmlns:r="http://schemas.openxmlformats.org/officeDocument/2006/relationships" xmlns:p="http://schemas.openxmlformats.org/presentationml/2006/main" showMasterSp="1" showMasterPhAnim="1">
+  <p:cSld>
+    <p:spTree>
+      <p:nvGrpSpPr>
+        <p:cNvPr id="1" name=""/>
+        <p:cNvGrpSpPr/>
+        <p:nvPr/>
+      </p:nvGrpSpPr>
+      <p:grpSpPr>
+        <a:xfrm>
+          <a:off x="0" y="0"/>
+          <a:ext cx="0" cy="0"/>
+          <a:chOff x="0" y="0"/>
+          <a:chExt cx="0" cy="0"/>
+        </a:xfrm>
+      </p:grpSpPr>
+      <p:sp>
+        <p:nvSpPr>
+          <p:cNvPr id="218" name="Get the confusion matrix from RDD"/>
+          <p:cNvSpPr txBox="1"/>
+          <p:nvPr>
+            <p:ph type="title"/>
+          </p:nvPr>
+        </p:nvSpPr>
+        <p:spPr>
+          <a:prstGeom prst="rect">
+            <a:avLst/>
+          </a:prstGeom>
+        </p:spPr>
+        <p:txBody>
+          <a:bodyPr/>
+          <a:lstStyle/>
+          <a:p>
+            <a:pPr/>
+            <a:r>
+              <a:t>Get the confusion matrix from RDD</a:t>
+            </a:r>
+          </a:p>
+        </p:txBody>
+      </p:sp>
+      <p:sp>
+        <p:nvSpPr>
+          <p:cNvPr id="219" name="val confusionMatrix = predictions.…"/>
           <p:cNvSpPr txBox="1"/>
           <p:nvPr/>
         </p:nvSpPr>
@@ -8836,7 +8997,7 @@
       </p:sp>
       <p:pic>
         <p:nvPicPr>
-          <p:cNvPr id="217" name="Image" descr="Image"/>
+          <p:cNvPr id="220" name="Image" descr="Image"/>
           <p:cNvPicPr>
             <a:picLocks noChangeAspect="1"/>
           </p:cNvPicPr>
@@ -8872,98 +9033,6 @@
 </p:sld>
 </file>
 
-<file path=ppt/slides/slide27.xml><?xml version="1.0" encoding="utf-8"?>
-<p:sld xmlns:a="http://schemas.openxmlformats.org/drawingml/2006/main" xmlns:r="http://schemas.openxmlformats.org/officeDocument/2006/relationships" xmlns:p="http://schemas.openxmlformats.org/presentationml/2006/main" showMasterSp="1" showMasterPhAnim="1">
-  <p:cSld>
-    <p:spTree>
-      <p:nvGrpSpPr>
-        <p:cNvPr id="1" name=""/>
-        <p:cNvGrpSpPr/>
-        <p:nvPr/>
-      </p:nvGrpSpPr>
-      <p:grpSpPr>
-        <a:xfrm>
-          <a:off x="0" y="0"/>
-          <a:ext cx="0" cy="0"/>
-          <a:chOff x="0" y="0"/>
-          <a:chExt cx="0" cy="0"/>
-        </a:xfrm>
-      </p:grpSpPr>
-      <p:sp>
-        <p:nvSpPr>
-          <p:cNvPr id="221" name="Assignment"/>
-          <p:cNvSpPr txBox="1"/>
-          <p:nvPr>
-            <p:ph type="title"/>
-          </p:nvPr>
-        </p:nvSpPr>
-        <p:spPr>
-          <a:prstGeom prst="rect">
-            <a:avLst/>
-          </a:prstGeom>
-        </p:spPr>
-        <p:txBody>
-          <a:bodyPr/>
-          <a:lstStyle/>
-          <a:p>
-            <a:pPr lvl="1"/>
-            <a:r>
-              <a:t>Assignment</a:t>
-            </a:r>
-          </a:p>
-        </p:txBody>
-      </p:sp>
-      <p:sp>
-        <p:nvSpPr>
-          <p:cNvPr id="222" name="Select a sensory dataset with clearly dependent channels (e.g. soil moisture vs. air temperature, sunshine, and rainfall)…"/>
-          <p:cNvSpPr txBox="1"/>
-          <p:nvPr>
-            <p:ph type="body" idx="1"/>
-          </p:nvPr>
-        </p:nvSpPr>
-        <p:spPr>
-          <a:prstGeom prst="rect">
-            <a:avLst/>
-          </a:prstGeom>
-        </p:spPr>
-        <p:txBody>
-          <a:bodyPr/>
-          <a:lstStyle/>
-          <a:p>
-            <a:pPr/>
-            <a:r>
-              <a:t>Select a sensory dataset with clearly dependent channels (e.g. soil moisture vs. air temperature, sunshine, and rainfall)</a:t>
-            </a:r>
-          </a:p>
-          <a:p>
-            <a:pPr/>
-            <a:r>
-              <a:t>Divide the data into segments with low variance within segments</a:t>
-            </a:r>
-          </a:p>
-          <a:p>
-            <a:pPr/>
-            <a:r>
-              <a:t>Create a regression analysis with Scala or PySpark</a:t>
-            </a:r>
-          </a:p>
-          <a:p>
-            <a:pPr/>
-            <a:r>
-              <a:t>Discuss the results, consider temporal effects </a:t>
-            </a:r>
-          </a:p>
-        </p:txBody>
-      </p:sp>
-    </p:spTree>
-  </p:cSld>
-  <p:clrMapOvr>
-    <a:masterClrMapping/>
-  </p:clrMapOvr>
-  <p:transition xmlns:p14="http://schemas.microsoft.com/office/powerpoint/2010/main" spd="med" advClick="1"/>
-</p:sld>
-</file>
-
 <file path=ppt/slides/slide28.xml><?xml version="1.0" encoding="utf-8"?>
 <p:sld xmlns:a="http://schemas.openxmlformats.org/drawingml/2006/main" xmlns:r="http://schemas.openxmlformats.org/officeDocument/2006/relationships" xmlns:p="http://schemas.openxmlformats.org/presentationml/2006/main" showMasterSp="1" showMasterPhAnim="1">
   <p:cSld>
@@ -8983,7 +9052,7 @@
       </p:grpSpPr>
       <p:sp>
         <p:nvSpPr>
-          <p:cNvPr id="224" name="Summary of the lecture"/>
+          <p:cNvPr id="224" name="Assignment"/>
           <p:cNvSpPr txBox="1"/>
           <p:nvPr>
             <p:ph type="title"/>
@@ -8998,16 +9067,108 @@
           <a:bodyPr/>
           <a:lstStyle/>
           <a:p>
-            <a:pPr/>
-            <a:r>
-              <a:t>Summary of the lecture</a:t>
+            <a:pPr lvl="1"/>
+            <a:r>
+              <a:t>Assignment</a:t>
             </a:r>
           </a:p>
         </p:txBody>
       </p:sp>
       <p:sp>
         <p:nvSpPr>
-          <p:cNvPr id="225" name="We have learned about using the Spark framework with Scala and its Machine Learning library, to analyze the connection between observed causes (environmental data) and effects (forest cover). We have found that by training a classifier and studying the confusion matrix, we can start learning more about the underlying processes. The techniques of the lecture can be extended to many other cases."/>
+          <p:cNvPr id="225" name="Select a sensory dataset with clearly dependent channels (e.g. soil moisture vs. air temperature, sunshine, and rainfall)…"/>
+          <p:cNvSpPr txBox="1"/>
+          <p:nvPr>
+            <p:ph type="body" idx="1"/>
+          </p:nvPr>
+        </p:nvSpPr>
+        <p:spPr>
+          <a:prstGeom prst="rect">
+            <a:avLst/>
+          </a:prstGeom>
+        </p:spPr>
+        <p:txBody>
+          <a:bodyPr/>
+          <a:lstStyle/>
+          <a:p>
+            <a:pPr/>
+            <a:r>
+              <a:t>Select a sensory dataset with clearly dependent channels (e.g. soil moisture vs. air temperature, sunshine, and rainfall)</a:t>
+            </a:r>
+          </a:p>
+          <a:p>
+            <a:pPr/>
+            <a:r>
+              <a:t>Divide the data into segments with low variance within segments</a:t>
+            </a:r>
+          </a:p>
+          <a:p>
+            <a:pPr/>
+            <a:r>
+              <a:t>Create a regression analysis with Scala or PySpark</a:t>
+            </a:r>
+          </a:p>
+          <a:p>
+            <a:pPr/>
+            <a:r>
+              <a:t>Discuss the results, consider temporal effects </a:t>
+            </a:r>
+          </a:p>
+        </p:txBody>
+      </p:sp>
+    </p:spTree>
+  </p:cSld>
+  <p:clrMapOvr>
+    <a:masterClrMapping/>
+  </p:clrMapOvr>
+  <p:transition xmlns:p14="http://schemas.microsoft.com/office/powerpoint/2010/main" spd="med" advClick="1"/>
+</p:sld>
+</file>
+
+<file path=ppt/slides/slide29.xml><?xml version="1.0" encoding="utf-8"?>
+<p:sld xmlns:a="http://schemas.openxmlformats.org/drawingml/2006/main" xmlns:r="http://schemas.openxmlformats.org/officeDocument/2006/relationships" xmlns:p="http://schemas.openxmlformats.org/presentationml/2006/main" showMasterSp="1" showMasterPhAnim="1">
+  <p:cSld>
+    <p:spTree>
+      <p:nvGrpSpPr>
+        <p:cNvPr id="1" name=""/>
+        <p:cNvGrpSpPr/>
+        <p:nvPr/>
+      </p:nvGrpSpPr>
+      <p:grpSpPr>
+        <a:xfrm>
+          <a:off x="0" y="0"/>
+          <a:ext cx="0" cy="0"/>
+          <a:chOff x="0" y="0"/>
+          <a:chExt cx="0" cy="0"/>
+        </a:xfrm>
+      </p:grpSpPr>
+      <p:sp>
+        <p:nvSpPr>
+          <p:cNvPr id="227" name="Summary of the lecture"/>
+          <p:cNvSpPr txBox="1"/>
+          <p:nvPr>
+            <p:ph type="title"/>
+          </p:nvPr>
+        </p:nvSpPr>
+        <p:spPr>
+          <a:prstGeom prst="rect">
+            <a:avLst/>
+          </a:prstGeom>
+        </p:spPr>
+        <p:txBody>
+          <a:bodyPr/>
+          <a:lstStyle/>
+          <a:p>
+            <a:pPr/>
+            <a:r>
+              <a:t>Summary of the lecture</a:t>
+            </a:r>
+          </a:p>
+        </p:txBody>
+      </p:sp>
+      <p:sp>
+        <p:nvSpPr>
+          <p:cNvPr id="228" name="We have learned about using the Spark framework with Scala and its Machine Learning library, to analyze the connection between observed causes (environmental data) and effects (forest cover). We have found that by training a classifier and studying the confusion matrix, we can start learning more about the underlying processes. The techniques of the lecture can be extended to many other cases."/>
           <p:cNvSpPr txBox="1"/>
           <p:nvPr>
             <p:ph type="body" idx="1"/>
@@ -9383,7 +9544,7 @@
       </p:grpSpPr>
       <p:sp>
         <p:nvSpPr>
-          <p:cNvPr id="138" name="The use of prediction"/>
+          <p:cNvPr id="138" name="AI for regression and classification"/>
           <p:cNvSpPr txBox="1"/>
           <p:nvPr>
             <p:ph type="title"/>
@@ -9398,16 +9559,16 @@
           <a:bodyPr/>
           <a:lstStyle/>
           <a:p>
-            <a:pPr/>
-            <a:r>
-              <a:t>The use of prediction</a:t>
+            <a:pPr lvl="1"/>
+            <a:r>
+              <a:t>AI for regression and classification</a:t>
             </a:r>
           </a:p>
         </p:txBody>
       </p:sp>
       <p:sp>
         <p:nvSpPr>
-          <p:cNvPr id="139" name="We have observations of “inputs” and “outputs”…"/>
+          <p:cNvPr id="139" name="Prediction and regression…"/>
           <p:cNvSpPr txBox="1"/>
           <p:nvPr>
             <p:ph type="body" idx="1"/>
@@ -9416,7 +9577,7 @@
         <p:spPr>
           <a:xfrm>
             <a:off x="457200" y="1600200"/>
-            <a:ext cx="8229600" cy="5003353"/>
+            <a:ext cx="8229600" cy="4945532"/>
           </a:xfrm>
           <a:prstGeom prst="rect">
             <a:avLst/>
@@ -9428,25 +9589,37 @@
           <a:p>
             <a:pPr/>
             <a:r>
-              <a:t>We have observations of “inputs” and “outputs”</a:t>
-            </a:r>
-          </a:p>
-          <a:p>
-            <a:pPr/>
-            <a:r>
-              <a:t>We want to find a relationship, giving the mapping from the inputs to outputs</a:t>
-            </a:r>
-          </a:p>
-          <a:p>
-            <a:pPr/>
-            <a:r>
-              <a:t>If successful, that mapping will allow predicting outputs corresponding to new, never-seen-before inputs</a:t>
-            </a:r>
-          </a:p>
-          <a:p>
-            <a:pPr/>
-            <a:r>
-              <a:t>There is not necessarily a temporal component even when we say “prediction”</a:t>
+              <a:t>Prediction and regression</a:t>
+            </a:r>
+          </a:p>
+          <a:p>
+            <a:pPr/>
+            <a:r>
+              <a:t>Regression in statistics</a:t>
+            </a:r>
+          </a:p>
+          <a:p>
+            <a:pPr/>
+            <a:r>
+              <a:t>AI for regression: learning a continuous mapping for value prediction</a:t>
+            </a:r>
+          </a:p>
+          <a:p>
+            <a:pPr/>
+            <a:r>
+              <a:t>The “servo” example</a:t>
+            </a:r>
+          </a:p>
+          <a:p>
+            <a:pPr/>
+            <a:r>
+              <a:t>AI for classification: learning a discrete mapping for classification</a:t>
+            </a:r>
+          </a:p>
+          <a:p>
+            <a:pPr/>
+            <a:r>
+              <a:t>The “forest cover” example</a:t>
             </a:r>
           </a:p>
         </p:txBody>
@@ -9479,7 +9652,7 @@
       </p:grpSpPr>
       <p:sp>
         <p:nvSpPr>
-          <p:cNvPr id="141" name="Regression vs. classification"/>
+          <p:cNvPr id="141" name="The use of prediction"/>
           <p:cNvSpPr txBox="1"/>
           <p:nvPr>
             <p:ph type="title"/>
@@ -9496,14 +9669,14 @@
           <a:p>
             <a:pPr/>
             <a:r>
-              <a:t>Regression vs. classification</a:t>
+              <a:t>The use of prediction</a:t>
             </a:r>
           </a:p>
         </p:txBody>
       </p:sp>
       <p:sp>
         <p:nvSpPr>
-          <p:cNvPr id="142" name="If we have continuous outputs, or at least outputs with a range of values, we talk about regression…"/>
+          <p:cNvPr id="142" name="We have observations of “inputs” and “outputs”…"/>
           <p:cNvSpPr txBox="1"/>
           <p:nvPr>
             <p:ph type="body" idx="1"/>
@@ -9524,19 +9697,25 @@
           <a:p>
             <a:pPr/>
             <a:r>
-              <a:t>If we have continuous outputs, or at least outputs with a range of values, we talk about regression</a:t>
-            </a:r>
-          </a:p>
-          <a:p>
-            <a:pPr/>
-            <a:r>
-              <a:t>If the outputs are discrete, most often 0-1 valued, we talk about classification</a:t>
-            </a:r>
-          </a:p>
-          <a:p>
-            <a:pPr/>
-            <a:r>
-              <a:t>The two problems are closely related, but it is not trivial to convert a regression problem into classification, or vice versa.</a:t>
+              <a:t>We have observations of “inputs” and “outputs”</a:t>
+            </a:r>
+          </a:p>
+          <a:p>
+            <a:pPr/>
+            <a:r>
+              <a:t>We want to find a relationship, giving the mapping from the inputs to outputs</a:t>
+            </a:r>
+          </a:p>
+          <a:p>
+            <a:pPr/>
+            <a:r>
+              <a:t>If successful, that mapping will allow predicting outputs corresponding to new, never-seen-before inputs</a:t>
+            </a:r>
+          </a:p>
+          <a:p>
+            <a:pPr/>
+            <a:r>
+              <a:t>There is not necessarily a temporal component even when we say “prediction”</a:t>
             </a:r>
           </a:p>
         </p:txBody>
@@ -9569,7 +9748,7 @@
       </p:grpSpPr>
       <p:sp>
         <p:nvSpPr>
-          <p:cNvPr id="144" name="Recall: “Linear Regression”"/>
+          <p:cNvPr id="144" name="Regression vs. classification"/>
           <p:cNvSpPr txBox="1"/>
           <p:nvPr>
             <p:ph type="title"/>
@@ -9586,45 +9765,24 @@
           <a:p>
             <a:pPr/>
             <a:r>
-              <a:t>Recall: “Linear Regression”</a:t>
+              <a:t>Regression vs. classification</a:t>
             </a:r>
           </a:p>
         </p:txBody>
       </p:sp>
-      <p:pic>
-        <p:nvPicPr>
-          <p:cNvPr id="145" name="Picture Placeholder 2" descr="Picture Placeholder 2"/>
-          <p:cNvPicPr>
-            <a:picLocks noChangeAspect="1"/>
-          </p:cNvPicPr>
-          <p:nvPr>
-            <p:ph type="pic" idx="13"/>
-          </p:nvPr>
-        </p:nvPicPr>
-        <p:blipFill>
-          <a:blip r:embed="rId2">
-            <a:extLst/>
-          </a:blip>
-          <a:srcRect l="8611" t="0" r="8611" b="0"/>
-          <a:stretch>
-            <a:fillRect/>
-          </a:stretch>
-        </p:blipFill>
-        <p:spPr>
-          <a:prstGeom prst="rect">
-            <a:avLst/>
-          </a:prstGeom>
-        </p:spPr>
-      </p:pic>
       <p:sp>
         <p:nvSpPr>
-          <p:cNvPr id="146" name="Body"/>
+          <p:cNvPr id="145" name="If we have continuous outputs, or at least outputs with a range of values, we talk about regression…"/>
           <p:cNvSpPr txBox="1"/>
           <p:nvPr>
-            <p:ph type="body" sz="quarter" idx="1"/>
+            <p:ph type="body" idx="1"/>
           </p:nvPr>
         </p:nvSpPr>
         <p:spPr>
+          <a:xfrm>
+            <a:off x="457200" y="1600200"/>
+            <a:ext cx="8229600" cy="5003353"/>
+          </a:xfrm>
           <a:prstGeom prst="rect">
             <a:avLst/>
           </a:prstGeom>
@@ -9634,6 +9792,21 @@
           <a:lstStyle/>
           <a:p>
             <a:pPr/>
+            <a:r>
+              <a:t>If we have continuous outputs, or at least outputs with a range of values, we talk about regression</a:t>
+            </a:r>
+          </a:p>
+          <a:p>
+            <a:pPr/>
+            <a:r>
+              <a:t>If the outputs are discrete, most often 0-1 valued, we talk about classification</a:t>
+            </a:r>
+          </a:p>
+          <a:p>
+            <a:pPr/>
+            <a:r>
+              <a:t>The two problems are closely related, but it is not trivial to convert a regression problem into classification, or vice versa.</a:t>
+            </a:r>
           </a:p>
         </p:txBody>
       </p:sp>
@@ -9665,7 +9838,7 @@
       </p:grpSpPr>
       <p:sp>
         <p:nvSpPr>
-          <p:cNvPr id="148" name="An example of regression"/>
+          <p:cNvPr id="147" name="Recall: “Linear Regression”"/>
           <p:cNvSpPr txBox="1"/>
           <p:nvPr>
             <p:ph type="title"/>
@@ -9682,118 +9855,54 @@
           <a:p>
             <a:pPr/>
             <a:r>
-              <a:t>An example of regression</a:t>
-            </a:r>
-          </a:p>
-        </p:txBody>
-      </p:sp>
-      <p:sp>
-        <p:nvSpPr>
-          <p:cNvPr id="149" name="http://www.dcc.fc.up.pt/~ltorgo/Regression/DataSets.html"/>
-          <p:cNvSpPr txBox="1"/>
-          <p:nvPr/>
-        </p:nvSpPr>
-        <p:spPr>
-          <a:xfrm>
-            <a:off x="1295816" y="5643069"/>
-            <a:ext cx="5579602" cy="370841"/>
-          </a:xfrm>
-          <a:prstGeom prst="rect">
-            <a:avLst/>
-          </a:prstGeom>
-          <a:ln w="12700">
-            <a:miter lim="400000"/>
-          </a:ln>
-          <a:extLst>
-            <a:ext uri="{C572A759-6A51-4108-AA02-DFA0A04FC94B}">
-              <ma14:wrappingTextBoxFlag xmlns:ma14="http://schemas.microsoft.com/office/mac/drawingml/2011/main" val="1"/>
-            </a:ext>
-          </a:extLst>
-        </p:spPr>
-        <p:txBody>
-          <a:bodyPr wrap="none" lIns="45719" rIns="45719">
-            <a:spAutoFit/>
-          </a:bodyPr>
-          <a:lstStyle/>
-          <a:p>
-            <a:pPr/>
-            <a:r>
-              <a:t>http://www.dcc.fc.up.pt/~ltorgo/Regression/DataSets.html</a:t>
+              <a:t>Recall: “Linear Regression”</a:t>
             </a:r>
           </a:p>
         </p:txBody>
       </p:sp>
       <p:pic>
         <p:nvPicPr>
-          <p:cNvPr id="150" name="Image" descr="Image"/>
+          <p:cNvPr id="148" name="Picture Placeholder 2" descr="Picture Placeholder 2"/>
           <p:cNvPicPr>
             <a:picLocks noChangeAspect="1"/>
           </p:cNvPicPr>
-          <p:nvPr/>
+          <p:nvPr>
+            <p:ph type="pic" idx="13"/>
+          </p:nvPr>
         </p:nvPicPr>
         <p:blipFill>
-          <a:blip r:embed="rId3">
+          <a:blip r:embed="rId2">
             <a:extLst/>
           </a:blip>
+          <a:srcRect l="8611" t="0" r="8611" b="0"/>
           <a:stretch>
             <a:fillRect/>
           </a:stretch>
         </p:blipFill>
         <p:spPr>
-          <a:xfrm>
-            <a:off x="2070100" y="1391730"/>
-            <a:ext cx="5003800" cy="1993901"/>
-          </a:xfrm>
           <a:prstGeom prst="rect">
             <a:avLst/>
           </a:prstGeom>
-          <a:ln w="12700">
-            <a:miter lim="400000"/>
-          </a:ln>
         </p:spPr>
       </p:pic>
       <p:sp>
         <p:nvSpPr>
-          <p:cNvPr id="151" name="“This is an interesting collection of data provided by Karl Ulrich. It covers an extremely non-linear phenomenon - predicting the rise time of a servomechanism in terms of two (continuous) gain settings and two (discrete) choices of mechanical linkages.”"/>
+          <p:cNvPr id="149" name="Body"/>
           <p:cNvSpPr txBox="1"/>
-          <p:nvPr/>
+          <p:nvPr>
+            <p:ph type="body" sz="quarter" idx="1"/>
+          </p:nvPr>
         </p:nvSpPr>
         <p:spPr>
-          <a:xfrm>
-            <a:off x="736915" y="3868757"/>
-            <a:ext cx="7670170" cy="1615441"/>
-          </a:xfrm>
           <a:prstGeom prst="rect">
             <a:avLst/>
           </a:prstGeom>
-          <a:ln w="12700">
-            <a:miter lim="400000"/>
-          </a:ln>
-          <a:extLst>
-            <a:ext uri="{C572A759-6A51-4108-AA02-DFA0A04FC94B}">
-              <ma14:wrappingTextBoxFlag xmlns:ma14="http://schemas.microsoft.com/office/mac/drawingml/2011/main" val="1"/>
-            </a:ext>
-          </a:extLst>
         </p:spPr>
         <p:txBody>
-          <a:bodyPr lIns="45719" rIns="45719">
-            <a:spAutoFit/>
-          </a:bodyPr>
-          <a:lstStyle>
-            <a:lvl1pPr defTabSz="457200">
-              <a:defRPr sz="2000">
-                <a:latin typeface="Times"/>
-                <a:ea typeface="Times"/>
-                <a:cs typeface="Times"/>
-                <a:sym typeface="Times"/>
-              </a:defRPr>
-            </a:lvl1pPr>
-          </a:lstStyle>
-          <a:p>
-            <a:pPr/>
-            <a:r>
-              <a:t>“This is an interesting collection of data provided by Karl Ulrich. It covers an extremely non-linear phenomenon - predicting the rise time of a servomechanism in terms of two (continuous) gain settings and two (discrete) choices of mechanical linkages.”</a:t>
-            </a:r>
+          <a:bodyPr/>
+          <a:lstStyle/>
+          <a:p>
+            <a:pPr/>
           </a:p>
         </p:txBody>
       </p:sp>

--- a/powerpoints/ITU Academy Slides AM4-09.pptx
+++ b/powerpoints/ITU Academy Slides AM4-09.pptx
@@ -94,7 +94,7 @@
         <a:latin typeface="+mn-lt"/>
         <a:ea typeface="+mn-ea"/>
         <a:cs typeface="+mn-cs"/>
-        <a:sym typeface="Calibri"/>
+        <a:sym typeface="Arial"/>
       </a:defRPr>
     </a:lvl1pPr>
     <a:lvl2pPr marL="0" marR="0" indent="457200" algn="l" defTabSz="914400" rtl="0" fontAlgn="auto" latinLnBrk="0" hangingPunct="0">
@@ -124,7 +124,7 @@
         <a:latin typeface="+mn-lt"/>
         <a:ea typeface="+mn-ea"/>
         <a:cs typeface="+mn-cs"/>
-        <a:sym typeface="Calibri"/>
+        <a:sym typeface="Arial"/>
       </a:defRPr>
     </a:lvl2pPr>
     <a:lvl3pPr marL="0" marR="0" indent="914400" algn="l" defTabSz="914400" rtl="0" fontAlgn="auto" latinLnBrk="0" hangingPunct="0">
@@ -154,7 +154,7 @@
         <a:latin typeface="+mn-lt"/>
         <a:ea typeface="+mn-ea"/>
         <a:cs typeface="+mn-cs"/>
-        <a:sym typeface="Calibri"/>
+        <a:sym typeface="Arial"/>
       </a:defRPr>
     </a:lvl3pPr>
     <a:lvl4pPr marL="0" marR="0" indent="1371600" algn="l" defTabSz="914400" rtl="0" fontAlgn="auto" latinLnBrk="0" hangingPunct="0">
@@ -184,7 +184,7 @@
         <a:latin typeface="+mn-lt"/>
         <a:ea typeface="+mn-ea"/>
         <a:cs typeface="+mn-cs"/>
-        <a:sym typeface="Calibri"/>
+        <a:sym typeface="Arial"/>
       </a:defRPr>
     </a:lvl4pPr>
     <a:lvl5pPr marL="0" marR="0" indent="1828800" algn="l" defTabSz="914400" rtl="0" fontAlgn="auto" latinLnBrk="0" hangingPunct="0">
@@ -214,7 +214,7 @@
         <a:latin typeface="+mn-lt"/>
         <a:ea typeface="+mn-ea"/>
         <a:cs typeface="+mn-cs"/>
-        <a:sym typeface="Calibri"/>
+        <a:sym typeface="Arial"/>
       </a:defRPr>
     </a:lvl5pPr>
     <a:lvl6pPr marL="0" marR="0" indent="2286000" algn="l" defTabSz="914400" rtl="0" fontAlgn="auto" latinLnBrk="0" hangingPunct="0">
@@ -244,7 +244,7 @@
         <a:latin typeface="+mn-lt"/>
         <a:ea typeface="+mn-ea"/>
         <a:cs typeface="+mn-cs"/>
-        <a:sym typeface="Calibri"/>
+        <a:sym typeface="Arial"/>
       </a:defRPr>
     </a:lvl6pPr>
     <a:lvl7pPr marL="0" marR="0" indent="2743200" algn="l" defTabSz="914400" rtl="0" fontAlgn="auto" latinLnBrk="0" hangingPunct="0">
@@ -274,7 +274,7 @@
         <a:latin typeface="+mn-lt"/>
         <a:ea typeface="+mn-ea"/>
         <a:cs typeface="+mn-cs"/>
-        <a:sym typeface="Calibri"/>
+        <a:sym typeface="Arial"/>
       </a:defRPr>
     </a:lvl7pPr>
     <a:lvl8pPr marL="0" marR="0" indent="3200400" algn="l" defTabSz="914400" rtl="0" fontAlgn="auto" latinLnBrk="0" hangingPunct="0">
@@ -304,7 +304,7 @@
         <a:latin typeface="+mn-lt"/>
         <a:ea typeface="+mn-ea"/>
         <a:cs typeface="+mn-cs"/>
-        <a:sym typeface="Calibri"/>
+        <a:sym typeface="Arial"/>
       </a:defRPr>
     </a:lvl8pPr>
     <a:lvl9pPr marL="0" marR="0" indent="3657600" algn="l" defTabSz="914400" rtl="0" fontAlgn="auto" latinLnBrk="0" hangingPunct="0">
@@ -334,7 +334,7 @@
         <a:latin typeface="+mn-lt"/>
         <a:ea typeface="+mn-ea"/>
         <a:cs typeface="+mn-cs"/>
-        <a:sym typeface="Calibri"/>
+        <a:sym typeface="Arial"/>
       </a:defRPr>
     </a:lvl9pPr>
   </p:defaultTextStyle>
@@ -421,7 +421,7 @@
         <a:latin typeface="+mn-lt"/>
         <a:ea typeface="+mn-ea"/>
         <a:cs typeface="+mn-cs"/>
-        <a:sym typeface="Calibri"/>
+        <a:sym typeface="Arial"/>
       </a:defRPr>
     </a:lvl1pPr>
     <a:lvl2pPr indent="228600" latinLnBrk="0">
@@ -429,7 +429,7 @@
         <a:latin typeface="+mn-lt"/>
         <a:ea typeface="+mn-ea"/>
         <a:cs typeface="+mn-cs"/>
-        <a:sym typeface="Calibri"/>
+        <a:sym typeface="Arial"/>
       </a:defRPr>
     </a:lvl2pPr>
     <a:lvl3pPr indent="457200" latinLnBrk="0">
@@ -437,7 +437,7 @@
         <a:latin typeface="+mn-lt"/>
         <a:ea typeface="+mn-ea"/>
         <a:cs typeface="+mn-cs"/>
-        <a:sym typeface="Calibri"/>
+        <a:sym typeface="Arial"/>
       </a:defRPr>
     </a:lvl3pPr>
     <a:lvl4pPr indent="685800" latinLnBrk="0">
@@ -445,7 +445,7 @@
         <a:latin typeface="+mn-lt"/>
         <a:ea typeface="+mn-ea"/>
         <a:cs typeface="+mn-cs"/>
-        <a:sym typeface="Calibri"/>
+        <a:sym typeface="Arial"/>
       </a:defRPr>
     </a:lvl4pPr>
     <a:lvl5pPr indent="914400" latinLnBrk="0">
@@ -453,7 +453,7 @@
         <a:latin typeface="+mn-lt"/>
         <a:ea typeface="+mn-ea"/>
         <a:cs typeface="+mn-cs"/>
-        <a:sym typeface="Calibri"/>
+        <a:sym typeface="Arial"/>
       </a:defRPr>
     </a:lvl5pPr>
     <a:lvl6pPr indent="1143000" latinLnBrk="0">
@@ -461,7 +461,7 @@
         <a:latin typeface="+mn-lt"/>
         <a:ea typeface="+mn-ea"/>
         <a:cs typeface="+mn-cs"/>
-        <a:sym typeface="Calibri"/>
+        <a:sym typeface="Arial"/>
       </a:defRPr>
     </a:lvl6pPr>
     <a:lvl7pPr indent="1371600" latinLnBrk="0">
@@ -469,7 +469,7 @@
         <a:latin typeface="+mn-lt"/>
         <a:ea typeface="+mn-ea"/>
         <a:cs typeface="+mn-cs"/>
-        <a:sym typeface="Calibri"/>
+        <a:sym typeface="Arial"/>
       </a:defRPr>
     </a:lvl7pPr>
     <a:lvl8pPr indent="1600200" latinLnBrk="0">
@@ -477,7 +477,7 @@
         <a:latin typeface="+mn-lt"/>
         <a:ea typeface="+mn-ea"/>
         <a:cs typeface="+mn-cs"/>
-        <a:sym typeface="Calibri"/>
+        <a:sym typeface="Arial"/>
       </a:defRPr>
     </a:lvl8pPr>
     <a:lvl9pPr indent="1828800" latinLnBrk="0">
@@ -485,7 +485,7 @@
         <a:latin typeface="+mn-lt"/>
         <a:ea typeface="+mn-ea"/>
         <a:cs typeface="+mn-cs"/>
-        <a:sym typeface="Calibri"/>
+        <a:sym typeface="Arial"/>
       </a:defRPr>
     </a:lvl9pPr>
   </p:notesStyle>
@@ -511,7 +511,7 @@
       </p:grpSpPr>
       <p:sp>
         <p:nvSpPr>
-          <p:cNvPr id="155" name="Shape 155"/>
+          <p:cNvPr id="143" name="Shape 143"/>
           <p:cNvSpPr/>
           <p:nvPr>
             <p:ph type="sldImg"/>
@@ -532,7 +532,7 @@
       </p:sp>
       <p:sp>
         <p:nvSpPr>
-          <p:cNvPr id="156" name="Shape 156"/>
+          <p:cNvPr id="144" name="Shape 144"/>
           <p:cNvSpPr/>
           <p:nvPr>
             <p:ph type="body" sz="quarter" idx="1"/>
@@ -549,7 +549,658 @@
           <a:p>
             <a:pPr/>
             <a:r>
-              <a:t>Refer to the “servo.ipynb” Jupyter notebook</a:t>
+              <a:t>Expand on the “not necessarily temporal” part: we call it prediction even if it is an already existing parameter.</a:t>
+            </a:r>
+          </a:p>
+          <a:p>
+            <a:pPr/>
+            <a:r>
+              <a:t>We “predict” what we will see, it is new to us even if not new in an absolute sense.</a:t>
+            </a:r>
+          </a:p>
+        </p:txBody>
+      </p:sp>
+    </p:spTree>
+  </p:cSld>
+  <p:clrMapOvr>
+    <a:masterClrMapping/>
+  </p:clrMapOvr>
+</p:notes>
+</file>
+
+<file path=ppt/notesSlides/notesSlide10.xml><?xml version="1.0" encoding="utf-8"?>
+<p:notes xmlns:a="http://schemas.openxmlformats.org/drawingml/2006/main" xmlns:r="http://schemas.openxmlformats.org/officeDocument/2006/relationships" xmlns:p="http://schemas.openxmlformats.org/presentationml/2006/main" showMasterSp="1" showMasterPhAnim="1">
+  <p:cSld>
+    <p:spTree>
+      <p:nvGrpSpPr>
+        <p:cNvPr id="1" name=""/>
+        <p:cNvGrpSpPr/>
+        <p:nvPr/>
+      </p:nvGrpSpPr>
+      <p:grpSpPr>
+        <a:xfrm>
+          <a:off x="0" y="0"/>
+          <a:ext cx="0" cy="0"/>
+          <a:chOff x="0" y="0"/>
+          <a:chExt cx="0" cy="0"/>
+        </a:xfrm>
+      </p:grpSpPr>
+      <p:sp>
+        <p:nvSpPr>
+          <p:cNvPr id="196" name="Shape 196"/>
+          <p:cNvSpPr/>
+          <p:nvPr>
+            <p:ph type="sldImg"/>
+          </p:nvPr>
+        </p:nvSpPr>
+        <p:spPr>
+          <a:prstGeom prst="rect">
+            <a:avLst/>
+          </a:prstGeom>
+        </p:spPr>
+        <p:txBody>
+          <a:bodyPr/>
+          <a:lstStyle/>
+          <a:p>
+            <a:pPr/>
+          </a:p>
+        </p:txBody>
+      </p:sp>
+      <p:sp>
+        <p:nvSpPr>
+          <p:cNvPr id="197" name="Shape 197"/>
+          <p:cNvSpPr/>
+          <p:nvPr>
+            <p:ph type="body" sz="quarter" idx="1"/>
+          </p:nvPr>
+        </p:nvSpPr>
+        <p:spPr>
+          <a:prstGeom prst="rect">
+            <a:avLst/>
+          </a:prstGeom>
+        </p:spPr>
+        <p:txBody>
+          <a:bodyPr/>
+          <a:lstStyle/>
+          <a:p>
+            <a:pPr/>
+            <a:r>
+              <a:t>Why does this method help in case of small data size?</a:t>
+            </a:r>
+          </a:p>
+        </p:txBody>
+      </p:sp>
+    </p:spTree>
+  </p:cSld>
+  <p:clrMapOvr>
+    <a:masterClrMapping/>
+  </p:clrMapOvr>
+</p:notes>
+</file>
+
+<file path=ppt/notesSlides/notesSlide11.xml><?xml version="1.0" encoding="utf-8"?>
+<p:notes xmlns:a="http://schemas.openxmlformats.org/drawingml/2006/main" xmlns:r="http://schemas.openxmlformats.org/officeDocument/2006/relationships" xmlns:p="http://schemas.openxmlformats.org/presentationml/2006/main" showMasterSp="1" showMasterPhAnim="1">
+  <p:cSld>
+    <p:spTree>
+      <p:nvGrpSpPr>
+        <p:cNvPr id="1" name=""/>
+        <p:cNvGrpSpPr/>
+        <p:nvPr/>
+      </p:nvGrpSpPr>
+      <p:grpSpPr>
+        <a:xfrm>
+          <a:off x="0" y="0"/>
+          <a:ext cx="0" cy="0"/>
+          <a:chOff x="0" y="0"/>
+          <a:chExt cx="0" cy="0"/>
+        </a:xfrm>
+      </p:grpSpPr>
+      <p:sp>
+        <p:nvSpPr>
+          <p:cNvPr id="207" name="Shape 207"/>
+          <p:cNvSpPr/>
+          <p:nvPr>
+            <p:ph type="sldImg"/>
+          </p:nvPr>
+        </p:nvSpPr>
+        <p:spPr>
+          <a:prstGeom prst="rect">
+            <a:avLst/>
+          </a:prstGeom>
+        </p:spPr>
+        <p:txBody>
+          <a:bodyPr/>
+          <a:lstStyle/>
+          <a:p>
+            <a:pPr/>
+          </a:p>
+        </p:txBody>
+      </p:sp>
+      <p:sp>
+        <p:nvSpPr>
+          <p:cNvPr id="208" name="Shape 208"/>
+          <p:cNvSpPr/>
+          <p:nvPr>
+            <p:ph type="body" sz="quarter" idx="1"/>
+          </p:nvPr>
+        </p:nvSpPr>
+        <p:spPr>
+          <a:prstGeom prst="rect">
+            <a:avLst/>
+          </a:prstGeom>
+        </p:spPr>
+        <p:txBody>
+          <a:bodyPr/>
+          <a:lstStyle/>
+          <a:p>
+            <a:pPr/>
+            <a:r>
+              <a:t>Review Chapter 4 of the AAS book.</a:t>
+            </a:r>
+          </a:p>
+        </p:txBody>
+      </p:sp>
+    </p:spTree>
+  </p:cSld>
+  <p:clrMapOvr>
+    <a:masterClrMapping/>
+  </p:clrMapOvr>
+</p:notes>
+</file>
+
+<file path=ppt/notesSlides/notesSlide12.xml><?xml version="1.0" encoding="utf-8"?>
+<p:notes xmlns:a="http://schemas.openxmlformats.org/drawingml/2006/main" xmlns:r="http://schemas.openxmlformats.org/officeDocument/2006/relationships" xmlns:p="http://schemas.openxmlformats.org/presentationml/2006/main" showMasterSp="1" showMasterPhAnim="1">
+  <p:cSld>
+    <p:spTree>
+      <p:nvGrpSpPr>
+        <p:cNvPr id="1" name=""/>
+        <p:cNvGrpSpPr/>
+        <p:nvPr/>
+      </p:nvGrpSpPr>
+      <p:grpSpPr>
+        <a:xfrm>
+          <a:off x="0" y="0"/>
+          <a:ext cx="0" cy="0"/>
+          <a:chOff x="0" y="0"/>
+          <a:chExt cx="0" cy="0"/>
+        </a:xfrm>
+      </p:grpSpPr>
+      <p:sp>
+        <p:nvSpPr>
+          <p:cNvPr id="215" name="Shape 215"/>
+          <p:cNvSpPr/>
+          <p:nvPr>
+            <p:ph type="sldImg"/>
+          </p:nvPr>
+        </p:nvSpPr>
+        <p:spPr>
+          <a:prstGeom prst="rect">
+            <a:avLst/>
+          </a:prstGeom>
+        </p:spPr>
+        <p:txBody>
+          <a:bodyPr/>
+          <a:lstStyle/>
+          <a:p>
+            <a:pPr/>
+          </a:p>
+        </p:txBody>
+      </p:sp>
+      <p:sp>
+        <p:nvSpPr>
+          <p:cNvPr id="216" name="Shape 216"/>
+          <p:cNvSpPr/>
+          <p:nvPr>
+            <p:ph type="body" sz="quarter" idx="1"/>
+          </p:nvPr>
+        </p:nvSpPr>
+        <p:spPr>
+          <a:prstGeom prst="rect">
+            <a:avLst/>
+          </a:prstGeom>
+        </p:spPr>
+        <p:txBody>
+          <a:bodyPr/>
+          <a:lstStyle/>
+          <a:p>
+            <a:pPr/>
+            <a:r>
+              <a:t>Review the meaning of each instruction (val … = … etc.)</a:t>
+            </a:r>
+          </a:p>
+        </p:txBody>
+      </p:sp>
+    </p:spTree>
+  </p:cSld>
+  <p:clrMapOvr>
+    <a:masterClrMapping/>
+  </p:clrMapOvr>
+</p:notes>
+</file>
+
+<file path=ppt/notesSlides/notesSlide13.xml><?xml version="1.0" encoding="utf-8"?>
+<p:notes xmlns:a="http://schemas.openxmlformats.org/drawingml/2006/main" xmlns:r="http://schemas.openxmlformats.org/officeDocument/2006/relationships" xmlns:p="http://schemas.openxmlformats.org/presentationml/2006/main" showMasterSp="1" showMasterPhAnim="1">
+  <p:cSld>
+    <p:spTree>
+      <p:nvGrpSpPr>
+        <p:cNvPr id="1" name=""/>
+        <p:cNvGrpSpPr/>
+        <p:nvPr/>
+      </p:nvGrpSpPr>
+      <p:grpSpPr>
+        <a:xfrm>
+          <a:off x="0" y="0"/>
+          <a:ext cx="0" cy="0"/>
+          <a:chOff x="0" y="0"/>
+          <a:chExt cx="0" cy="0"/>
+        </a:xfrm>
+      </p:grpSpPr>
+      <p:sp>
+        <p:nvSpPr>
+          <p:cNvPr id="220" name="Shape 220"/>
+          <p:cNvSpPr/>
+          <p:nvPr>
+            <p:ph type="sldImg"/>
+          </p:nvPr>
+        </p:nvSpPr>
+        <p:spPr>
+          <a:prstGeom prst="rect">
+            <a:avLst/>
+          </a:prstGeom>
+        </p:spPr>
+        <p:txBody>
+          <a:bodyPr/>
+          <a:lstStyle/>
+          <a:p>
+            <a:pPr/>
+          </a:p>
+        </p:txBody>
+      </p:sp>
+      <p:sp>
+        <p:nvSpPr>
+          <p:cNvPr id="221" name="Shape 221"/>
+          <p:cNvSpPr/>
+          <p:nvPr>
+            <p:ph type="body" sz="quarter" idx="1"/>
+          </p:nvPr>
+        </p:nvSpPr>
+        <p:spPr>
+          <a:prstGeom prst="rect">
+            <a:avLst/>
+          </a:prstGeom>
+        </p:spPr>
+        <p:txBody>
+          <a:bodyPr/>
+          <a:lstStyle/>
+          <a:p>
+            <a:pPr/>
+            <a:r>
+              <a:t>The rest of the lecture should be used as a preview of the interactive exercise.</a:t>
+            </a:r>
+          </a:p>
+        </p:txBody>
+      </p:sp>
+    </p:spTree>
+  </p:cSld>
+  <p:clrMapOvr>
+    <a:masterClrMapping/>
+  </p:clrMapOvr>
+</p:notes>
+</file>
+
+<file path=ppt/notesSlides/notesSlide14.xml><?xml version="1.0" encoding="utf-8"?>
+<p:notes xmlns:a="http://schemas.openxmlformats.org/drawingml/2006/main" xmlns:r="http://schemas.openxmlformats.org/officeDocument/2006/relationships" xmlns:p="http://schemas.openxmlformats.org/presentationml/2006/main" showMasterSp="1" showMasterPhAnim="1">
+  <p:cSld>
+    <p:spTree>
+      <p:nvGrpSpPr>
+        <p:cNvPr id="1" name=""/>
+        <p:cNvGrpSpPr/>
+        <p:nvPr/>
+      </p:nvGrpSpPr>
+      <p:grpSpPr>
+        <a:xfrm>
+          <a:off x="0" y="0"/>
+          <a:ext cx="0" cy="0"/>
+          <a:chOff x="0" y="0"/>
+          <a:chExt cx="0" cy="0"/>
+        </a:xfrm>
+      </p:grpSpPr>
+      <p:sp>
+        <p:nvSpPr>
+          <p:cNvPr id="226" name="Shape 226"/>
+          <p:cNvSpPr/>
+          <p:nvPr>
+            <p:ph type="sldImg"/>
+          </p:nvPr>
+        </p:nvSpPr>
+        <p:spPr>
+          <a:prstGeom prst="rect">
+            <a:avLst/>
+          </a:prstGeom>
+        </p:spPr>
+        <p:txBody>
+          <a:bodyPr/>
+          <a:lstStyle/>
+          <a:p>
+            <a:pPr/>
+          </a:p>
+        </p:txBody>
+      </p:sp>
+      <p:sp>
+        <p:nvSpPr>
+          <p:cNvPr id="227" name="Shape 227"/>
+          <p:cNvSpPr/>
+          <p:nvPr>
+            <p:ph type="body" sz="quarter" idx="1"/>
+          </p:nvPr>
+        </p:nvSpPr>
+        <p:spPr>
+          <a:prstGeom prst="rect">
+            <a:avLst/>
+          </a:prstGeom>
+        </p:spPr>
+        <p:txBody>
+          <a:bodyPr/>
+          <a:lstStyle/>
+          <a:p>
+            <a:pPr/>
+            <a:r>
+              <a:t>The rest of the lecture should be used as a preview of the interactive exercise.</a:t>
+            </a:r>
+          </a:p>
+        </p:txBody>
+      </p:sp>
+    </p:spTree>
+  </p:cSld>
+  <p:clrMapOvr>
+    <a:masterClrMapping/>
+  </p:clrMapOvr>
+</p:notes>
+</file>
+
+<file path=ppt/notesSlides/notesSlide15.xml><?xml version="1.0" encoding="utf-8"?>
+<p:notes xmlns:a="http://schemas.openxmlformats.org/drawingml/2006/main" xmlns:r="http://schemas.openxmlformats.org/officeDocument/2006/relationships" xmlns:p="http://schemas.openxmlformats.org/presentationml/2006/main" showMasterSp="1" showMasterPhAnim="1">
+  <p:cSld>
+    <p:spTree>
+      <p:nvGrpSpPr>
+        <p:cNvPr id="1" name=""/>
+        <p:cNvGrpSpPr/>
+        <p:nvPr/>
+      </p:nvGrpSpPr>
+      <p:grpSpPr>
+        <a:xfrm>
+          <a:off x="0" y="0"/>
+          <a:ext cx="0" cy="0"/>
+          <a:chOff x="0" y="0"/>
+          <a:chExt cx="0" cy="0"/>
+        </a:xfrm>
+      </p:grpSpPr>
+      <p:sp>
+        <p:nvSpPr>
+          <p:cNvPr id="232" name="Shape 232"/>
+          <p:cNvSpPr/>
+          <p:nvPr>
+            <p:ph type="sldImg"/>
+          </p:nvPr>
+        </p:nvSpPr>
+        <p:spPr>
+          <a:prstGeom prst="rect">
+            <a:avLst/>
+          </a:prstGeom>
+        </p:spPr>
+        <p:txBody>
+          <a:bodyPr/>
+          <a:lstStyle/>
+          <a:p>
+            <a:pPr/>
+          </a:p>
+        </p:txBody>
+      </p:sp>
+      <p:sp>
+        <p:nvSpPr>
+          <p:cNvPr id="233" name="Shape 233"/>
+          <p:cNvSpPr/>
+          <p:nvPr>
+            <p:ph type="body" sz="quarter" idx="1"/>
+          </p:nvPr>
+        </p:nvSpPr>
+        <p:spPr>
+          <a:prstGeom prst="rect">
+            <a:avLst/>
+          </a:prstGeom>
+        </p:spPr>
+        <p:txBody>
+          <a:bodyPr/>
+          <a:lstStyle/>
+          <a:p>
+            <a:pPr/>
+            <a:r>
+              <a:t>The rest of the lecture should be used as a preview of the interactive exercise.</a:t>
+            </a:r>
+          </a:p>
+        </p:txBody>
+      </p:sp>
+    </p:spTree>
+  </p:cSld>
+  <p:clrMapOvr>
+    <a:masterClrMapping/>
+  </p:clrMapOvr>
+</p:notes>
+</file>
+
+<file path=ppt/notesSlides/notesSlide16.xml><?xml version="1.0" encoding="utf-8"?>
+<p:notes xmlns:a="http://schemas.openxmlformats.org/drawingml/2006/main" xmlns:r="http://schemas.openxmlformats.org/officeDocument/2006/relationships" xmlns:p="http://schemas.openxmlformats.org/presentationml/2006/main" showMasterSp="1" showMasterPhAnim="1">
+  <p:cSld>
+    <p:spTree>
+      <p:nvGrpSpPr>
+        <p:cNvPr id="1" name=""/>
+        <p:cNvGrpSpPr/>
+        <p:nvPr/>
+      </p:nvGrpSpPr>
+      <p:grpSpPr>
+        <a:xfrm>
+          <a:off x="0" y="0"/>
+          <a:ext cx="0" cy="0"/>
+          <a:chOff x="0" y="0"/>
+          <a:chExt cx="0" cy="0"/>
+        </a:xfrm>
+      </p:grpSpPr>
+      <p:sp>
+        <p:nvSpPr>
+          <p:cNvPr id="238" name="Shape 238"/>
+          <p:cNvSpPr/>
+          <p:nvPr>
+            <p:ph type="sldImg"/>
+          </p:nvPr>
+        </p:nvSpPr>
+        <p:spPr>
+          <a:prstGeom prst="rect">
+            <a:avLst/>
+          </a:prstGeom>
+        </p:spPr>
+        <p:txBody>
+          <a:bodyPr/>
+          <a:lstStyle/>
+          <a:p>
+            <a:pPr/>
+          </a:p>
+        </p:txBody>
+      </p:sp>
+      <p:sp>
+        <p:nvSpPr>
+          <p:cNvPr id="239" name="Shape 239"/>
+          <p:cNvSpPr/>
+          <p:nvPr>
+            <p:ph type="body" sz="quarter" idx="1"/>
+          </p:nvPr>
+        </p:nvSpPr>
+        <p:spPr>
+          <a:prstGeom prst="rect">
+            <a:avLst/>
+          </a:prstGeom>
+        </p:spPr>
+        <p:txBody>
+          <a:bodyPr/>
+          <a:lstStyle/>
+          <a:p>
+            <a:pPr/>
+            <a:r>
+              <a:t>The rest of the lecture should be used as a preview of the interactive exercise.</a:t>
+            </a:r>
+          </a:p>
+          <a:p>
+            <a:pPr/>
+          </a:p>
+          <a:p>
+            <a:pPr/>
+            <a:r>
+              <a:t>Discuss the concept of “contribution”</a:t>
+            </a:r>
+          </a:p>
+        </p:txBody>
+      </p:sp>
+    </p:spTree>
+  </p:cSld>
+  <p:clrMapOvr>
+    <a:masterClrMapping/>
+  </p:clrMapOvr>
+</p:notes>
+</file>
+
+<file path=ppt/notesSlides/notesSlide17.xml><?xml version="1.0" encoding="utf-8"?>
+<p:notes xmlns:a="http://schemas.openxmlformats.org/drawingml/2006/main" xmlns:r="http://schemas.openxmlformats.org/officeDocument/2006/relationships" xmlns:p="http://schemas.openxmlformats.org/presentationml/2006/main" showMasterSp="1" showMasterPhAnim="1">
+  <p:cSld>
+    <p:spTree>
+      <p:nvGrpSpPr>
+        <p:cNvPr id="1" name=""/>
+        <p:cNvGrpSpPr/>
+        <p:nvPr/>
+      </p:nvGrpSpPr>
+      <p:grpSpPr>
+        <a:xfrm>
+          <a:off x="0" y="0"/>
+          <a:ext cx="0" cy="0"/>
+          <a:chOff x="0" y="0"/>
+          <a:chExt cx="0" cy="0"/>
+        </a:xfrm>
+      </p:grpSpPr>
+      <p:sp>
+        <p:nvSpPr>
+          <p:cNvPr id="247" name="Shape 247"/>
+          <p:cNvSpPr/>
+          <p:nvPr>
+            <p:ph type="sldImg"/>
+          </p:nvPr>
+        </p:nvSpPr>
+        <p:spPr>
+          <a:prstGeom prst="rect">
+            <a:avLst/>
+          </a:prstGeom>
+        </p:spPr>
+        <p:txBody>
+          <a:bodyPr/>
+          <a:lstStyle/>
+          <a:p>
+            <a:pPr/>
+          </a:p>
+        </p:txBody>
+      </p:sp>
+      <p:sp>
+        <p:nvSpPr>
+          <p:cNvPr id="248" name="Shape 248"/>
+          <p:cNvSpPr/>
+          <p:nvPr>
+            <p:ph type="body" sz="quarter" idx="1"/>
+          </p:nvPr>
+        </p:nvSpPr>
+        <p:spPr>
+          <a:prstGeom prst="rect">
+            <a:avLst/>
+          </a:prstGeom>
+        </p:spPr>
+        <p:txBody>
+          <a:bodyPr/>
+          <a:lstStyle/>
+          <a:p>
+            <a:pPr/>
+            <a:r>
+              <a:t>The unevaluated RDD can work on much bigger datasets too. Discuss the significance!</a:t>
+            </a:r>
+          </a:p>
+        </p:txBody>
+      </p:sp>
+    </p:spTree>
+  </p:cSld>
+  <p:clrMapOvr>
+    <a:masterClrMapping/>
+  </p:clrMapOvr>
+</p:notes>
+</file>
+
+<file path=ppt/notesSlides/notesSlide18.xml><?xml version="1.0" encoding="utf-8"?>
+<p:notes xmlns:a="http://schemas.openxmlformats.org/drawingml/2006/main" xmlns:r="http://schemas.openxmlformats.org/officeDocument/2006/relationships" xmlns:p="http://schemas.openxmlformats.org/presentationml/2006/main" showMasterSp="1" showMasterPhAnim="1">
+  <p:cSld>
+    <p:spTree>
+      <p:nvGrpSpPr>
+        <p:cNvPr id="1" name=""/>
+        <p:cNvGrpSpPr/>
+        <p:nvPr/>
+      </p:nvGrpSpPr>
+      <p:grpSpPr>
+        <a:xfrm>
+          <a:off x="0" y="0"/>
+          <a:ext cx="0" cy="0"/>
+          <a:chOff x="0" y="0"/>
+          <a:chExt cx="0" cy="0"/>
+        </a:xfrm>
+      </p:grpSpPr>
+      <p:sp>
+        <p:nvSpPr>
+          <p:cNvPr id="253" name="Shape 253"/>
+          <p:cNvSpPr/>
+          <p:nvPr>
+            <p:ph type="sldImg"/>
+          </p:nvPr>
+        </p:nvSpPr>
+        <p:spPr>
+          <a:prstGeom prst="rect">
+            <a:avLst/>
+          </a:prstGeom>
+        </p:spPr>
+        <p:txBody>
+          <a:bodyPr/>
+          <a:lstStyle/>
+          <a:p>
+            <a:pPr/>
+          </a:p>
+        </p:txBody>
+      </p:sp>
+      <p:sp>
+        <p:nvSpPr>
+          <p:cNvPr id="254" name="Shape 254"/>
+          <p:cNvSpPr/>
+          <p:nvPr>
+            <p:ph type="body" sz="quarter" idx="1"/>
+          </p:nvPr>
+        </p:nvSpPr>
+        <p:spPr>
+          <a:prstGeom prst="rect">
+            <a:avLst/>
+          </a:prstGeom>
+        </p:spPr>
+        <p:txBody>
+          <a:bodyPr/>
+          <a:lstStyle/>
+          <a:p>
+            <a:pPr/>
+            <a:r>
+              <a:t>Using the dataset description, discuss why there is a poor recognition of types 4,5,6?</a:t>
+            </a:r>
+          </a:p>
+          <a:p>
+            <a:pPr/>
+            <a:r>
+              <a:t>How it can be improved?</a:t>
             </a:r>
           </a:p>
         </p:txBody>
@@ -581,7 +1232,7 @@
       </p:grpSpPr>
       <p:sp>
         <p:nvSpPr>
-          <p:cNvPr id="221" name="Shape 221"/>
+          <p:cNvPr id="148" name="Shape 148"/>
           <p:cNvSpPr/>
           <p:nvPr>
             <p:ph type="sldImg"/>
@@ -602,7 +1253,7 @@
       </p:sp>
       <p:sp>
         <p:nvSpPr>
-          <p:cNvPr id="222" name="Shape 222"/>
+          <p:cNvPr id="149" name="Shape 149"/>
           <p:cNvSpPr/>
           <p:nvPr>
             <p:ph type="body" sz="quarter" idx="1"/>
@@ -619,13 +1270,509 @@
           <a:p>
             <a:pPr/>
             <a:r>
-              <a:t>Using the dataset description, discuss why there is a poor recognition of types 4,5,6?</a:t>
-            </a:r>
-          </a:p>
-          <a:p>
-            <a:pPr/>
-            <a:r>
-              <a:t>How it can be improved?</a:t>
+              <a:t>Invite students to propose examples of discrete and continuous outputs and inputs.</a:t>
+            </a:r>
+          </a:p>
+        </p:txBody>
+      </p:sp>
+    </p:spTree>
+  </p:cSld>
+  <p:clrMapOvr>
+    <a:masterClrMapping/>
+  </p:clrMapOvr>
+</p:notes>
+</file>
+
+<file path=ppt/notesSlides/notesSlide3.xml><?xml version="1.0" encoding="utf-8"?>
+<p:notes xmlns:a="http://schemas.openxmlformats.org/drawingml/2006/main" xmlns:r="http://schemas.openxmlformats.org/officeDocument/2006/relationships" xmlns:p="http://schemas.openxmlformats.org/presentationml/2006/main" showMasterSp="1" showMasterPhAnim="1">
+  <p:cSld>
+    <p:spTree>
+      <p:nvGrpSpPr>
+        <p:cNvPr id="1" name=""/>
+        <p:cNvGrpSpPr/>
+        <p:nvPr/>
+      </p:nvGrpSpPr>
+      <p:grpSpPr>
+        <a:xfrm>
+          <a:off x="0" y="0"/>
+          <a:ext cx="0" cy="0"/>
+          <a:chOff x="0" y="0"/>
+          <a:chExt cx="0" cy="0"/>
+        </a:xfrm>
+      </p:grpSpPr>
+      <p:sp>
+        <p:nvSpPr>
+          <p:cNvPr id="154" name="Shape 154"/>
+          <p:cNvSpPr/>
+          <p:nvPr>
+            <p:ph type="sldImg"/>
+          </p:nvPr>
+        </p:nvSpPr>
+        <p:spPr>
+          <a:prstGeom prst="rect">
+            <a:avLst/>
+          </a:prstGeom>
+        </p:spPr>
+        <p:txBody>
+          <a:bodyPr/>
+          <a:lstStyle/>
+          <a:p>
+            <a:pPr/>
+          </a:p>
+        </p:txBody>
+      </p:sp>
+      <p:sp>
+        <p:nvSpPr>
+          <p:cNvPr id="155" name="Shape 155"/>
+          <p:cNvSpPr/>
+          <p:nvPr>
+            <p:ph type="body" sz="quarter" idx="1"/>
+          </p:nvPr>
+        </p:nvSpPr>
+        <p:spPr>
+          <a:prstGeom prst="rect">
+            <a:avLst/>
+          </a:prstGeom>
+        </p:spPr>
+        <p:txBody>
+          <a:bodyPr/>
+          <a:lstStyle/>
+          <a:p>
+            <a:pPr/>
+            <a:r>
+              <a:t>Recall earlier discussions on regression.</a:t>
+            </a:r>
+          </a:p>
+        </p:txBody>
+      </p:sp>
+    </p:spTree>
+  </p:cSld>
+  <p:clrMapOvr>
+    <a:masterClrMapping/>
+  </p:clrMapOvr>
+</p:notes>
+</file>
+
+<file path=ppt/notesSlides/notesSlide4.xml><?xml version="1.0" encoding="utf-8"?>
+<p:notes xmlns:a="http://schemas.openxmlformats.org/drawingml/2006/main" xmlns:r="http://schemas.openxmlformats.org/officeDocument/2006/relationships" xmlns:p="http://schemas.openxmlformats.org/presentationml/2006/main" showMasterSp="1" showMasterPhAnim="1">
+  <p:cSld>
+    <p:spTree>
+      <p:nvGrpSpPr>
+        <p:cNvPr id="1" name=""/>
+        <p:cNvGrpSpPr/>
+        <p:nvPr/>
+      </p:nvGrpSpPr>
+      <p:grpSpPr>
+        <a:xfrm>
+          <a:off x="0" y="0"/>
+          <a:ext cx="0" cy="0"/>
+          <a:chOff x="0" y="0"/>
+          <a:chExt cx="0" cy="0"/>
+        </a:xfrm>
+      </p:grpSpPr>
+      <p:sp>
+        <p:nvSpPr>
+          <p:cNvPr id="161" name="Shape 161"/>
+          <p:cNvSpPr/>
+          <p:nvPr>
+            <p:ph type="sldImg"/>
+          </p:nvPr>
+        </p:nvSpPr>
+        <p:spPr>
+          <a:prstGeom prst="rect">
+            <a:avLst/>
+          </a:prstGeom>
+        </p:spPr>
+        <p:txBody>
+          <a:bodyPr/>
+          <a:lstStyle/>
+          <a:p>
+            <a:pPr/>
+          </a:p>
+        </p:txBody>
+      </p:sp>
+      <p:sp>
+        <p:nvSpPr>
+          <p:cNvPr id="162" name="Shape 162"/>
+          <p:cNvSpPr/>
+          <p:nvPr>
+            <p:ph type="body" sz="quarter" idx="1"/>
+          </p:nvPr>
+        </p:nvSpPr>
+        <p:spPr>
+          <a:prstGeom prst="rect">
+            <a:avLst/>
+          </a:prstGeom>
+        </p:spPr>
+        <p:txBody>
+          <a:bodyPr/>
+          <a:lstStyle/>
+          <a:p>
+            <a:pPr/>
+            <a:r>
+              <a:t>Refer to the “servo.ipynb” Jupyter notebook</a:t>
+            </a:r>
+          </a:p>
+        </p:txBody>
+      </p:sp>
+    </p:spTree>
+  </p:cSld>
+  <p:clrMapOvr>
+    <a:masterClrMapping/>
+  </p:clrMapOvr>
+</p:notes>
+</file>
+
+<file path=ppt/notesSlides/notesSlide5.xml><?xml version="1.0" encoding="utf-8"?>
+<p:notes xmlns:a="http://schemas.openxmlformats.org/drawingml/2006/main" xmlns:r="http://schemas.openxmlformats.org/officeDocument/2006/relationships" xmlns:p="http://schemas.openxmlformats.org/presentationml/2006/main" showMasterSp="1" showMasterPhAnim="1">
+  <p:cSld>
+    <p:spTree>
+      <p:nvGrpSpPr>
+        <p:cNvPr id="1" name=""/>
+        <p:cNvGrpSpPr/>
+        <p:nvPr/>
+      </p:nvGrpSpPr>
+      <p:grpSpPr>
+        <a:xfrm>
+          <a:off x="0" y="0"/>
+          <a:ext cx="0" cy="0"/>
+          <a:chOff x="0" y="0"/>
+          <a:chExt cx="0" cy="0"/>
+        </a:xfrm>
+      </p:grpSpPr>
+      <p:sp>
+        <p:nvSpPr>
+          <p:cNvPr id="166" name="Shape 166"/>
+          <p:cNvSpPr/>
+          <p:nvPr>
+            <p:ph type="sldImg"/>
+          </p:nvPr>
+        </p:nvSpPr>
+        <p:spPr>
+          <a:prstGeom prst="rect">
+            <a:avLst/>
+          </a:prstGeom>
+        </p:spPr>
+        <p:txBody>
+          <a:bodyPr/>
+          <a:lstStyle/>
+          <a:p>
+            <a:pPr/>
+          </a:p>
+        </p:txBody>
+      </p:sp>
+      <p:sp>
+        <p:nvSpPr>
+          <p:cNvPr id="167" name="Shape 167"/>
+          <p:cNvSpPr/>
+          <p:nvPr>
+            <p:ph type="body" sz="quarter" idx="1"/>
+          </p:nvPr>
+        </p:nvSpPr>
+        <p:spPr>
+          <a:prstGeom prst="rect">
+            <a:avLst/>
+          </a:prstGeom>
+        </p:spPr>
+        <p:txBody>
+          <a:bodyPr/>
+          <a:lstStyle/>
+          <a:p>
+            <a:pPr/>
+            <a:r>
+              <a:t>Explain for students without engineering backgrounds the basic concepts:</a:t>
+            </a:r>
+          </a:p>
+          <a:p>
+            <a:pPr/>
+            <a:r>
+              <a:t>a servo is a device that you give a target value (setpoint) and it will try to match it with a physical output value (e.g. shaft angle).</a:t>
+            </a:r>
+          </a:p>
+          <a:p>
+            <a:pPr/>
+            <a:r>
+              <a:t>servos have many parameters regarding their performance in the time or frequency domain.</a:t>
+            </a:r>
+          </a:p>
+        </p:txBody>
+      </p:sp>
+    </p:spTree>
+  </p:cSld>
+  <p:clrMapOvr>
+    <a:masterClrMapping/>
+  </p:clrMapOvr>
+</p:notes>
+</file>
+
+<file path=ppt/notesSlides/notesSlide6.xml><?xml version="1.0" encoding="utf-8"?>
+<p:notes xmlns:a="http://schemas.openxmlformats.org/drawingml/2006/main" xmlns:r="http://schemas.openxmlformats.org/officeDocument/2006/relationships" xmlns:p="http://schemas.openxmlformats.org/presentationml/2006/main" showMasterSp="1" showMasterPhAnim="1">
+  <p:cSld>
+    <p:spTree>
+      <p:nvGrpSpPr>
+        <p:cNvPr id="1" name=""/>
+        <p:cNvGrpSpPr/>
+        <p:nvPr/>
+      </p:nvGrpSpPr>
+      <p:grpSpPr>
+        <a:xfrm>
+          <a:off x="0" y="0"/>
+          <a:ext cx="0" cy="0"/>
+          <a:chOff x="0" y="0"/>
+          <a:chExt cx="0" cy="0"/>
+        </a:xfrm>
+      </p:grpSpPr>
+      <p:sp>
+        <p:nvSpPr>
+          <p:cNvPr id="172" name="Shape 172"/>
+          <p:cNvSpPr/>
+          <p:nvPr>
+            <p:ph type="sldImg"/>
+          </p:nvPr>
+        </p:nvSpPr>
+        <p:spPr>
+          <a:prstGeom prst="rect">
+            <a:avLst/>
+          </a:prstGeom>
+        </p:spPr>
+        <p:txBody>
+          <a:bodyPr/>
+          <a:lstStyle/>
+          <a:p>
+            <a:pPr/>
+          </a:p>
+        </p:txBody>
+      </p:sp>
+      <p:sp>
+        <p:nvSpPr>
+          <p:cNvPr id="173" name="Shape 173"/>
+          <p:cNvSpPr/>
+          <p:nvPr>
+            <p:ph type="body" sz="quarter" idx="1"/>
+          </p:nvPr>
+        </p:nvSpPr>
+        <p:spPr>
+          <a:prstGeom prst="rect">
+            <a:avLst/>
+          </a:prstGeom>
+        </p:spPr>
+        <p:txBody>
+          <a:bodyPr/>
+          <a:lstStyle/>
+          <a:p>
+            <a:pPr/>
+            <a:r>
+              <a:t>This mechanism has some discrete choices; use the example of shift change in an automobile.</a:t>
+            </a:r>
+          </a:p>
+        </p:txBody>
+      </p:sp>
+    </p:spTree>
+  </p:cSld>
+  <p:clrMapOvr>
+    <a:masterClrMapping/>
+  </p:clrMapOvr>
+</p:notes>
+</file>
+
+<file path=ppt/notesSlides/notesSlide7.xml><?xml version="1.0" encoding="utf-8"?>
+<p:notes xmlns:a="http://schemas.openxmlformats.org/drawingml/2006/main" xmlns:r="http://schemas.openxmlformats.org/officeDocument/2006/relationships" xmlns:p="http://schemas.openxmlformats.org/presentationml/2006/main" showMasterSp="1" showMasterPhAnim="1">
+  <p:cSld>
+    <p:spTree>
+      <p:nvGrpSpPr>
+        <p:cNvPr id="1" name=""/>
+        <p:cNvGrpSpPr/>
+        <p:nvPr/>
+      </p:nvGrpSpPr>
+      <p:grpSpPr>
+        <a:xfrm>
+          <a:off x="0" y="0"/>
+          <a:ext cx="0" cy="0"/>
+          <a:chOff x="0" y="0"/>
+          <a:chExt cx="0" cy="0"/>
+        </a:xfrm>
+      </p:grpSpPr>
+      <p:sp>
+        <p:nvSpPr>
+          <p:cNvPr id="178" name="Shape 178"/>
+          <p:cNvSpPr/>
+          <p:nvPr>
+            <p:ph type="sldImg"/>
+          </p:nvPr>
+        </p:nvSpPr>
+        <p:spPr>
+          <a:prstGeom prst="rect">
+            <a:avLst/>
+          </a:prstGeom>
+        </p:spPr>
+        <p:txBody>
+          <a:bodyPr/>
+          <a:lstStyle/>
+          <a:p>
+            <a:pPr/>
+          </a:p>
+        </p:txBody>
+      </p:sp>
+      <p:sp>
+        <p:nvSpPr>
+          <p:cNvPr id="179" name="Shape 179"/>
+          <p:cNvSpPr/>
+          <p:nvPr>
+            <p:ph type="body" sz="quarter" idx="1"/>
+          </p:nvPr>
+        </p:nvSpPr>
+        <p:spPr>
+          <a:prstGeom prst="rect">
+            <a:avLst/>
+          </a:prstGeom>
+        </p:spPr>
+        <p:txBody>
+          <a:bodyPr/>
+          <a:lstStyle/>
+          <a:p>
+            <a:pPr/>
+            <a:r>
+              <a:t>Why a categorical value is not suitable as direct input to a neural network?</a:t>
+            </a:r>
+          </a:p>
+        </p:txBody>
+      </p:sp>
+    </p:spTree>
+  </p:cSld>
+  <p:clrMapOvr>
+    <a:masterClrMapping/>
+  </p:clrMapOvr>
+</p:notes>
+</file>
+
+<file path=ppt/notesSlides/notesSlide8.xml><?xml version="1.0" encoding="utf-8"?>
+<p:notes xmlns:a="http://schemas.openxmlformats.org/drawingml/2006/main" xmlns:r="http://schemas.openxmlformats.org/officeDocument/2006/relationships" xmlns:p="http://schemas.openxmlformats.org/presentationml/2006/main" showMasterSp="1" showMasterPhAnim="1">
+  <p:cSld>
+    <p:spTree>
+      <p:nvGrpSpPr>
+        <p:cNvPr id="1" name=""/>
+        <p:cNvGrpSpPr/>
+        <p:nvPr/>
+      </p:nvGrpSpPr>
+      <p:grpSpPr>
+        <a:xfrm>
+          <a:off x="0" y="0"/>
+          <a:ext cx="0" cy="0"/>
+          <a:chOff x="0" y="0"/>
+          <a:chExt cx="0" cy="0"/>
+        </a:xfrm>
+      </p:grpSpPr>
+      <p:sp>
+        <p:nvSpPr>
+          <p:cNvPr id="183" name="Shape 183"/>
+          <p:cNvSpPr/>
+          <p:nvPr>
+            <p:ph type="sldImg"/>
+          </p:nvPr>
+        </p:nvSpPr>
+        <p:spPr>
+          <a:prstGeom prst="rect">
+            <a:avLst/>
+          </a:prstGeom>
+        </p:spPr>
+        <p:txBody>
+          <a:bodyPr/>
+          <a:lstStyle/>
+          <a:p>
+            <a:pPr/>
+          </a:p>
+        </p:txBody>
+      </p:sp>
+      <p:sp>
+        <p:nvSpPr>
+          <p:cNvPr id="184" name="Shape 184"/>
+          <p:cNvSpPr/>
+          <p:nvPr>
+            <p:ph type="body" sz="quarter" idx="1"/>
+          </p:nvPr>
+        </p:nvSpPr>
+        <p:spPr>
+          <a:prstGeom prst="rect">
+            <a:avLst/>
+          </a:prstGeom>
+        </p:spPr>
+        <p:txBody>
+          <a:bodyPr/>
+          <a:lstStyle/>
+          <a:p>
+            <a:pPr/>
+            <a:r>
+              <a:t>Discuss one-hot coding</a:t>
+            </a:r>
+          </a:p>
+        </p:txBody>
+      </p:sp>
+    </p:spTree>
+  </p:cSld>
+  <p:clrMapOvr>
+    <a:masterClrMapping/>
+  </p:clrMapOvr>
+</p:notes>
+</file>
+
+<file path=ppt/notesSlides/notesSlide9.xml><?xml version="1.0" encoding="utf-8"?>
+<p:notes xmlns:a="http://schemas.openxmlformats.org/drawingml/2006/main" xmlns:r="http://schemas.openxmlformats.org/officeDocument/2006/relationships" xmlns:p="http://schemas.openxmlformats.org/presentationml/2006/main" showMasterSp="1" showMasterPhAnim="1">
+  <p:cSld>
+    <p:spTree>
+      <p:nvGrpSpPr>
+        <p:cNvPr id="1" name=""/>
+        <p:cNvGrpSpPr/>
+        <p:nvPr/>
+      </p:nvGrpSpPr>
+      <p:grpSpPr>
+        <a:xfrm>
+          <a:off x="0" y="0"/>
+          <a:ext cx="0" cy="0"/>
+          <a:chOff x="0" y="0"/>
+          <a:chExt cx="0" cy="0"/>
+        </a:xfrm>
+      </p:grpSpPr>
+      <p:sp>
+        <p:nvSpPr>
+          <p:cNvPr id="189" name="Shape 189"/>
+          <p:cNvSpPr/>
+          <p:nvPr>
+            <p:ph type="sldImg"/>
+          </p:nvPr>
+        </p:nvSpPr>
+        <p:spPr>
+          <a:prstGeom prst="rect">
+            <a:avLst/>
+          </a:prstGeom>
+        </p:spPr>
+        <p:txBody>
+          <a:bodyPr/>
+          <a:lstStyle/>
+          <a:p>
+            <a:pPr/>
+          </a:p>
+        </p:txBody>
+      </p:sp>
+      <p:sp>
+        <p:nvSpPr>
+          <p:cNvPr id="190" name="Shape 190"/>
+          <p:cNvSpPr/>
+          <p:nvPr>
+            <p:ph type="body" sz="quarter" idx="1"/>
+          </p:nvPr>
+        </p:nvSpPr>
+        <p:spPr>
+          <a:prstGeom prst="rect">
+            <a:avLst/>
+          </a:prstGeom>
+        </p:spPr>
+        <p:txBody>
+          <a:bodyPr/>
+          <a:lstStyle/>
+          <a:p>
+            <a:pPr/>
+            <a:r>
+              <a:t>Review the data size, why is it too small?</a:t>
             </a:r>
           </a:p>
         </p:txBody>
@@ -2612,8 +3759,8 @@
         </p:nvSpPr>
         <p:spPr>
           <a:xfrm>
-            <a:off x="8428176" y="6404292"/>
-            <a:ext cx="258624" cy="269241"/>
+            <a:off x="8413144" y="6406785"/>
+            <a:ext cx="273657" cy="264255"/>
           </a:xfrm>
           <a:prstGeom prst="rect">
             <a:avLst/>
@@ -2687,7 +3834,7 @@
           <a:latin typeface="+mn-lt"/>
           <a:ea typeface="+mn-ea"/>
           <a:cs typeface="+mn-cs"/>
-          <a:sym typeface="Calibri"/>
+          <a:sym typeface="Arial"/>
         </a:defRPr>
       </a:lvl1pPr>
       <a:lvl2pPr marL="0" marR="0" indent="0" algn="ctr" defTabSz="914400" rtl="0" latinLnBrk="0">
@@ -2716,7 +3863,7 @@
           <a:latin typeface="+mn-lt"/>
           <a:ea typeface="+mn-ea"/>
           <a:cs typeface="+mn-cs"/>
-          <a:sym typeface="Calibri"/>
+          <a:sym typeface="Arial"/>
         </a:defRPr>
       </a:lvl2pPr>
       <a:lvl3pPr marL="0" marR="0" indent="0" algn="ctr" defTabSz="914400" rtl="0" latinLnBrk="0">
@@ -2745,7 +3892,7 @@
           <a:latin typeface="+mn-lt"/>
           <a:ea typeface="+mn-ea"/>
           <a:cs typeface="+mn-cs"/>
-          <a:sym typeface="Calibri"/>
+          <a:sym typeface="Arial"/>
         </a:defRPr>
       </a:lvl3pPr>
       <a:lvl4pPr marL="0" marR="0" indent="0" algn="ctr" defTabSz="914400" rtl="0" latinLnBrk="0">
@@ -2774,7 +3921,7 @@
           <a:latin typeface="+mn-lt"/>
           <a:ea typeface="+mn-ea"/>
           <a:cs typeface="+mn-cs"/>
-          <a:sym typeface="Calibri"/>
+          <a:sym typeface="Arial"/>
         </a:defRPr>
       </a:lvl4pPr>
       <a:lvl5pPr marL="0" marR="0" indent="0" algn="ctr" defTabSz="914400" rtl="0" latinLnBrk="0">
@@ -2803,7 +3950,7 @@
           <a:latin typeface="+mn-lt"/>
           <a:ea typeface="+mn-ea"/>
           <a:cs typeface="+mn-cs"/>
-          <a:sym typeface="Calibri"/>
+          <a:sym typeface="Arial"/>
         </a:defRPr>
       </a:lvl5pPr>
       <a:lvl6pPr marL="0" marR="0" indent="0" algn="ctr" defTabSz="914400" rtl="0" latinLnBrk="0">
@@ -2832,7 +3979,7 @@
           <a:latin typeface="+mn-lt"/>
           <a:ea typeface="+mn-ea"/>
           <a:cs typeface="+mn-cs"/>
-          <a:sym typeface="Calibri"/>
+          <a:sym typeface="Arial"/>
         </a:defRPr>
       </a:lvl6pPr>
       <a:lvl7pPr marL="0" marR="0" indent="0" algn="ctr" defTabSz="914400" rtl="0" latinLnBrk="0">
@@ -2861,7 +4008,7 @@
           <a:latin typeface="+mn-lt"/>
           <a:ea typeface="+mn-ea"/>
           <a:cs typeface="+mn-cs"/>
-          <a:sym typeface="Calibri"/>
+          <a:sym typeface="Arial"/>
         </a:defRPr>
       </a:lvl7pPr>
       <a:lvl8pPr marL="0" marR="0" indent="0" algn="ctr" defTabSz="914400" rtl="0" latinLnBrk="0">
@@ -2890,7 +4037,7 @@
           <a:latin typeface="+mn-lt"/>
           <a:ea typeface="+mn-ea"/>
           <a:cs typeface="+mn-cs"/>
-          <a:sym typeface="Calibri"/>
+          <a:sym typeface="Arial"/>
         </a:defRPr>
       </a:lvl8pPr>
       <a:lvl9pPr marL="0" marR="0" indent="0" algn="ctr" defTabSz="914400" rtl="0" latinLnBrk="0">
@@ -2919,7 +4066,7 @@
           <a:latin typeface="+mn-lt"/>
           <a:ea typeface="+mn-ea"/>
           <a:cs typeface="+mn-cs"/>
-          <a:sym typeface="Calibri"/>
+          <a:sym typeface="Arial"/>
         </a:defRPr>
       </a:lvl9pPr>
     </p:titleStyle>
@@ -2950,7 +4097,7 @@
           <a:latin typeface="+mn-lt"/>
           <a:ea typeface="+mn-ea"/>
           <a:cs typeface="+mn-cs"/>
-          <a:sym typeface="Calibri"/>
+          <a:sym typeface="Arial"/>
         </a:defRPr>
       </a:lvl1pPr>
       <a:lvl2pPr marL="783771" marR="0" indent="-326571" algn="l" defTabSz="914400" rtl="0" latinLnBrk="0">
@@ -2979,7 +4126,7 @@
           <a:latin typeface="+mn-lt"/>
           <a:ea typeface="+mn-ea"/>
           <a:cs typeface="+mn-cs"/>
-          <a:sym typeface="Calibri"/>
+          <a:sym typeface="Arial"/>
         </a:defRPr>
       </a:lvl2pPr>
       <a:lvl3pPr marL="1219200" marR="0" indent="-304800" algn="l" defTabSz="914400" rtl="0" latinLnBrk="0">
@@ -3008,7 +4155,7 @@
           <a:latin typeface="+mn-lt"/>
           <a:ea typeface="+mn-ea"/>
           <a:cs typeface="+mn-cs"/>
-          <a:sym typeface="Calibri"/>
+          <a:sym typeface="Arial"/>
         </a:defRPr>
       </a:lvl3pPr>
       <a:lvl4pPr marL="1737360" marR="0" indent="-365760" algn="l" defTabSz="914400" rtl="0" latinLnBrk="0">
@@ -3037,7 +4184,7 @@
           <a:latin typeface="+mn-lt"/>
           <a:ea typeface="+mn-ea"/>
           <a:cs typeface="+mn-cs"/>
-          <a:sym typeface="Calibri"/>
+          <a:sym typeface="Arial"/>
         </a:defRPr>
       </a:lvl4pPr>
       <a:lvl5pPr marL="2194560" marR="0" indent="-365760" algn="l" defTabSz="914400" rtl="0" latinLnBrk="0">
@@ -3066,7 +4213,7 @@
           <a:latin typeface="+mn-lt"/>
           <a:ea typeface="+mn-ea"/>
           <a:cs typeface="+mn-cs"/>
-          <a:sym typeface="Calibri"/>
+          <a:sym typeface="Arial"/>
         </a:defRPr>
       </a:lvl5pPr>
       <a:lvl6pPr marL="2651760" marR="0" indent="-365760" algn="l" defTabSz="914400" rtl="0" latinLnBrk="0">
@@ -3095,7 +4242,7 @@
           <a:latin typeface="+mn-lt"/>
           <a:ea typeface="+mn-ea"/>
           <a:cs typeface="+mn-cs"/>
-          <a:sym typeface="Calibri"/>
+          <a:sym typeface="Arial"/>
         </a:defRPr>
       </a:lvl6pPr>
       <a:lvl7pPr marL="3108960" marR="0" indent="-365760" algn="l" defTabSz="914400" rtl="0" latinLnBrk="0">
@@ -3124,7 +4271,7 @@
           <a:latin typeface="+mn-lt"/>
           <a:ea typeface="+mn-ea"/>
           <a:cs typeface="+mn-cs"/>
-          <a:sym typeface="Calibri"/>
+          <a:sym typeface="Arial"/>
         </a:defRPr>
       </a:lvl7pPr>
       <a:lvl8pPr marL="3566159" marR="0" indent="-365759" algn="l" defTabSz="914400" rtl="0" latinLnBrk="0">
@@ -3153,7 +4300,7 @@
           <a:latin typeface="+mn-lt"/>
           <a:ea typeface="+mn-ea"/>
           <a:cs typeface="+mn-cs"/>
-          <a:sym typeface="Calibri"/>
+          <a:sym typeface="Arial"/>
         </a:defRPr>
       </a:lvl8pPr>
       <a:lvl9pPr marL="4023359" marR="0" indent="-365759" algn="l" defTabSz="914400" rtl="0" latinLnBrk="0">
@@ -3182,7 +4329,7 @@
           <a:latin typeface="+mn-lt"/>
           <a:ea typeface="+mn-ea"/>
           <a:cs typeface="+mn-cs"/>
-          <a:sym typeface="Calibri"/>
+          <a:sym typeface="Arial"/>
         </a:defRPr>
       </a:lvl9pPr>
     </p:bodyStyle>
@@ -3213,7 +4360,7 @@
           <a:latin typeface="+mn-lt"/>
           <a:ea typeface="+mn-ea"/>
           <a:cs typeface="+mn-cs"/>
-          <a:sym typeface="Calibri"/>
+          <a:sym typeface="Arial"/>
         </a:defRPr>
       </a:lvl1pPr>
       <a:lvl2pPr marL="0" marR="0" indent="457200" algn="r" defTabSz="914400" rtl="0" latinLnBrk="0">
@@ -3242,7 +4389,7 @@
           <a:latin typeface="+mn-lt"/>
           <a:ea typeface="+mn-ea"/>
           <a:cs typeface="+mn-cs"/>
-          <a:sym typeface="Calibri"/>
+          <a:sym typeface="Arial"/>
         </a:defRPr>
       </a:lvl2pPr>
       <a:lvl3pPr marL="0" marR="0" indent="914400" algn="r" defTabSz="914400" rtl="0" latinLnBrk="0">
@@ -3271,7 +4418,7 @@
           <a:latin typeface="+mn-lt"/>
           <a:ea typeface="+mn-ea"/>
           <a:cs typeface="+mn-cs"/>
-          <a:sym typeface="Calibri"/>
+          <a:sym typeface="Arial"/>
         </a:defRPr>
       </a:lvl3pPr>
       <a:lvl4pPr marL="0" marR="0" indent="1371600" algn="r" defTabSz="914400" rtl="0" latinLnBrk="0">
@@ -3300,7 +4447,7 @@
           <a:latin typeface="+mn-lt"/>
           <a:ea typeface="+mn-ea"/>
           <a:cs typeface="+mn-cs"/>
-          <a:sym typeface="Calibri"/>
+          <a:sym typeface="Arial"/>
         </a:defRPr>
       </a:lvl4pPr>
       <a:lvl5pPr marL="0" marR="0" indent="1828800" algn="r" defTabSz="914400" rtl="0" latinLnBrk="0">
@@ -3329,7 +4476,7 @@
           <a:latin typeface="+mn-lt"/>
           <a:ea typeface="+mn-ea"/>
           <a:cs typeface="+mn-cs"/>
-          <a:sym typeface="Calibri"/>
+          <a:sym typeface="Arial"/>
         </a:defRPr>
       </a:lvl5pPr>
       <a:lvl6pPr marL="0" marR="0" indent="2286000" algn="r" defTabSz="914400" rtl="0" latinLnBrk="0">
@@ -3358,7 +4505,7 @@
           <a:latin typeface="+mn-lt"/>
           <a:ea typeface="+mn-ea"/>
           <a:cs typeface="+mn-cs"/>
-          <a:sym typeface="Calibri"/>
+          <a:sym typeface="Arial"/>
         </a:defRPr>
       </a:lvl6pPr>
       <a:lvl7pPr marL="0" marR="0" indent="2743200" algn="r" defTabSz="914400" rtl="0" latinLnBrk="0">
@@ -3387,7 +4534,7 @@
           <a:latin typeface="+mn-lt"/>
           <a:ea typeface="+mn-ea"/>
           <a:cs typeface="+mn-cs"/>
-          <a:sym typeface="Calibri"/>
+          <a:sym typeface="Arial"/>
         </a:defRPr>
       </a:lvl7pPr>
       <a:lvl8pPr marL="0" marR="0" indent="3200400" algn="r" defTabSz="914400" rtl="0" latinLnBrk="0">
@@ -3416,7 +4563,7 @@
           <a:latin typeface="+mn-lt"/>
           <a:ea typeface="+mn-ea"/>
           <a:cs typeface="+mn-cs"/>
-          <a:sym typeface="Calibri"/>
+          <a:sym typeface="Arial"/>
         </a:defRPr>
       </a:lvl8pPr>
       <a:lvl9pPr marL="0" marR="0" indent="3657600" algn="r" defTabSz="914400" rtl="0" latinLnBrk="0">
@@ -3445,7 +4592,7 @@
           <a:latin typeface="+mn-lt"/>
           <a:ea typeface="+mn-ea"/>
           <a:cs typeface="+mn-cs"/>
-          <a:sym typeface="Calibri"/>
+          <a:sym typeface="Arial"/>
         </a:defRPr>
       </a:lvl9pPr>
     </p:otherStyle>
@@ -3502,12 +4649,7 @@
           <a:bodyPr/>
           <a:lstStyle>
             <a:lvl1pPr defTabSz="493776">
-              <a:defRPr sz="3240">
-                <a:latin typeface="BankGothic Lt BT"/>
-                <a:ea typeface="BankGothic Lt BT"/>
-                <a:cs typeface="BankGothic Lt BT"/>
-                <a:sym typeface="BankGothic Lt BT"/>
-              </a:defRPr>
+              <a:defRPr sz="3240"/>
             </a:lvl1pPr>
           </a:lstStyle>
           <a:p>
@@ -3546,7 +4688,7 @@
       </p:grpSpPr>
       <p:sp>
         <p:nvSpPr>
-          <p:cNvPr id="151" name="An example of regression"/>
+          <p:cNvPr id="157" name="An example of regression"/>
           <p:cNvSpPr txBox="1"/>
           <p:nvPr>
             <p:ph type="title"/>
@@ -3570,14 +4712,14 @@
       </p:sp>
       <p:sp>
         <p:nvSpPr>
-          <p:cNvPr id="152" name="http://www.dcc.fc.up.pt/~ltorgo/Regression/DataSets.html"/>
+          <p:cNvPr id="158" name="http://www.dcc.fc.up.pt/~ltorgo/Regression/DataSets.html"/>
           <p:cNvSpPr txBox="1"/>
           <p:nvPr/>
         </p:nvSpPr>
         <p:spPr>
           <a:xfrm>
             <a:off x="1295816" y="5643069"/>
-            <a:ext cx="5579602" cy="370841"/>
+            <a:ext cx="5878970" cy="350662"/>
           </a:xfrm>
           <a:prstGeom prst="rect">
             <a:avLst/>
@@ -3606,7 +4748,7 @@
       </p:sp>
       <p:pic>
         <p:nvPicPr>
-          <p:cNvPr id="153" name="Image" descr="Image"/>
+          <p:cNvPr id="159" name="Image" descr="Image"/>
           <p:cNvPicPr>
             <a:picLocks noChangeAspect="1"/>
           </p:cNvPicPr>
@@ -3635,14 +4777,14 @@
       </p:pic>
       <p:sp>
         <p:nvSpPr>
-          <p:cNvPr id="154" name="“This is an interesting collection of data provided by Karl Ulrich. It covers an extremely non-linear phenomenon - predicting the rise time of a servomechanism in terms of two (continuous) gain settings and two (discrete) choices of mechanical linkages.”"/>
+          <p:cNvPr id="160" name="“This is an interesting collection of data provided by Karl Ulrich. It covers an extremely non-linear phenomenon - predicting the rise time of a servomechanism in terms of two (continuous) gain settings and two (discrete) choices of mechanical linkages.”"/>
           <p:cNvSpPr txBox="1"/>
           <p:nvPr/>
         </p:nvSpPr>
         <p:spPr>
           <a:xfrm>
             <a:off x="736915" y="3868757"/>
-            <a:ext cx="7670170" cy="1615441"/>
+            <a:ext cx="7670170" cy="1543632"/>
           </a:xfrm>
           <a:prstGeom prst="rect">
             <a:avLst/>
@@ -3662,12 +4804,7 @@
           </a:bodyPr>
           <a:lstStyle>
             <a:lvl1pPr defTabSz="457200">
-              <a:defRPr sz="2000">
-                <a:latin typeface="Times"/>
-                <a:ea typeface="Times"/>
-                <a:cs typeface="Times"/>
-                <a:sym typeface="Times"/>
-              </a:defRPr>
+              <a:defRPr sz="2000"/>
             </a:lvl1pPr>
           </a:lstStyle>
           <a:p>
@@ -3706,7 +4843,7 @@
       </p:grpSpPr>
       <p:sp>
         <p:nvSpPr>
-          <p:cNvPr id="158" name="The data and the task"/>
+          <p:cNvPr id="164" name="The data and the task"/>
           <p:cNvSpPr txBox="1"/>
           <p:nvPr>
             <p:ph type="title"/>
@@ -3730,7 +4867,7 @@
       </p:sp>
       <p:sp>
         <p:nvSpPr>
-          <p:cNvPr id="159" name="We have samples from a servo control experiment: input parameters and output results (a timing, continuous value)…"/>
+          <p:cNvPr id="165" name="We have samples from a servo control experiment: input parameters and output results (a timing, continuous value)…"/>
           <p:cNvSpPr txBox="1"/>
           <p:nvPr>
             <p:ph type="body" idx="1"/>
@@ -3792,7 +4929,7 @@
       </p:grpSpPr>
       <p:sp>
         <p:nvSpPr>
-          <p:cNvPr id="161" name="Input data"/>
+          <p:cNvPr id="169" name="Input data"/>
           <p:cNvSpPr txBox="1"/>
           <p:nvPr>
             <p:ph type="title"/>
@@ -3816,7 +4953,7 @@
       </p:sp>
       <p:sp>
         <p:nvSpPr>
-          <p:cNvPr id="162" name="Original form:       First two columns are categorical"/>
+          <p:cNvPr id="170" name="Original form:       First two columns are categorical"/>
           <p:cNvSpPr txBox="1"/>
           <p:nvPr>
             <p:ph type="body" idx="1"/>
@@ -3850,7 +4987,7 @@
       </p:sp>
       <p:graphicFrame>
         <p:nvGraphicFramePr>
-          <p:cNvPr id="163" name="Table"/>
+          <p:cNvPr id="171" name="Table"/>
           <p:cNvGraphicFramePr/>
           <p:nvPr/>
         </p:nvGraphicFramePr>
@@ -3894,12 +5031,7 @@
                         <a:defRPr sz="1800"/>
                       </a:pPr>
                       <a:r>
-                        <a:rPr b="1" sz="1200">
-                          <a:latin typeface="Helvetica Neue"/>
-                          <a:ea typeface="Helvetica Neue"/>
-                          <a:cs typeface="Helvetica Neue"/>
-                          <a:sym typeface="Helvetica Neue"/>
-                        </a:rPr>
+                        <a:rPr b="1" sz="1200"/>
                         <a:t>motor</a:t>
                       </a:r>
                     </a:p>
@@ -3915,12 +5047,7 @@
                         <a:defRPr sz="1800"/>
                       </a:pPr>
                       <a:r>
-                        <a:rPr b="1" sz="1200">
-                          <a:latin typeface="Helvetica Neue"/>
-                          <a:ea typeface="Helvetica Neue"/>
-                          <a:cs typeface="Helvetica Neue"/>
-                          <a:sym typeface="Helvetica Neue"/>
-                        </a:rPr>
+                        <a:rPr b="1" sz="1200"/>
                         <a:t>screw</a:t>
                       </a:r>
                     </a:p>
@@ -3936,12 +5063,7 @@
                         <a:defRPr sz="1800"/>
                       </a:pPr>
                       <a:r>
-                        <a:rPr b="1" sz="1200">
-                          <a:latin typeface="Helvetica Neue"/>
-                          <a:ea typeface="Helvetica Neue"/>
-                          <a:cs typeface="Helvetica Neue"/>
-                          <a:sym typeface="Helvetica Neue"/>
-                        </a:rPr>
+                        <a:rPr b="1" sz="1200"/>
                         <a:t>pgain</a:t>
                       </a:r>
                     </a:p>
@@ -3957,12 +5079,7 @@
                         <a:defRPr sz="1800"/>
                       </a:pPr>
                       <a:r>
-                        <a:rPr b="1" sz="1200">
-                          <a:latin typeface="Helvetica Neue"/>
-                          <a:ea typeface="Helvetica Neue"/>
-                          <a:cs typeface="Helvetica Neue"/>
-                          <a:sym typeface="Helvetica Neue"/>
-                        </a:rPr>
+                        <a:rPr b="1" sz="1200"/>
                         <a:t>vgain</a:t>
                       </a:r>
                     </a:p>
@@ -3978,12 +5095,7 @@
                         <a:defRPr sz="1800"/>
                       </a:pPr>
                       <a:r>
-                        <a:rPr b="1" sz="1200">
-                          <a:latin typeface="Helvetica Neue"/>
-                          <a:ea typeface="Helvetica Neue"/>
-                          <a:cs typeface="Helvetica Neue"/>
-                          <a:sym typeface="Helvetica Neue"/>
-                        </a:rPr>
+                        <a:rPr b="1" sz="1200"/>
                         <a:t>class</a:t>
                       </a:r>
                     </a:p>
@@ -4001,12 +5113,7 @@
                         <a:defRPr sz="1800"/>
                       </a:pPr>
                       <a:r>
-                        <a:rPr b="1" sz="1200">
-                          <a:latin typeface="Helvetica Neue"/>
-                          <a:ea typeface="Helvetica Neue"/>
-                          <a:cs typeface="Helvetica Neue"/>
-                          <a:sym typeface="Helvetica Neue"/>
-                        </a:rPr>
+                        <a:rPr b="1" sz="1200"/>
                         <a:t>0</a:t>
                       </a:r>
                     </a:p>
@@ -4026,12 +5133,7 @@
                         <a:defRPr sz="1800"/>
                       </a:pPr>
                       <a:r>
-                        <a:rPr sz="1200">
-                          <a:latin typeface="Helvetica Neue"/>
-                          <a:ea typeface="Helvetica Neue"/>
-                          <a:cs typeface="Helvetica Neue"/>
-                          <a:sym typeface="Helvetica Neue"/>
-                        </a:rPr>
+                        <a:rPr sz="1200"/>
                         <a:t>E</a:t>
                       </a:r>
                     </a:p>
@@ -4051,12 +5153,7 @@
                         <a:defRPr sz="1800"/>
                       </a:pPr>
                       <a:r>
-                        <a:rPr sz="1200">
-                          <a:latin typeface="Helvetica Neue"/>
-                          <a:ea typeface="Helvetica Neue"/>
-                          <a:cs typeface="Helvetica Neue"/>
-                          <a:sym typeface="Helvetica Neue"/>
-                        </a:rPr>
+                        <a:rPr sz="1200"/>
                         <a:t>E</a:t>
                       </a:r>
                     </a:p>
@@ -4076,12 +5173,7 @@
                         <a:defRPr sz="1800"/>
                       </a:pPr>
                       <a:r>
-                        <a:rPr sz="1200">
-                          <a:latin typeface="Helvetica Neue"/>
-                          <a:ea typeface="Helvetica Neue"/>
-                          <a:cs typeface="Helvetica Neue"/>
-                          <a:sym typeface="Helvetica Neue"/>
-                        </a:rPr>
+                        <a:rPr sz="1200"/>
                         <a:t>5</a:t>
                       </a:r>
                     </a:p>
@@ -4101,12 +5193,7 @@
                         <a:defRPr sz="1800"/>
                       </a:pPr>
                       <a:r>
-                        <a:rPr sz="1200">
-                          <a:latin typeface="Helvetica Neue"/>
-                          <a:ea typeface="Helvetica Neue"/>
-                          <a:cs typeface="Helvetica Neue"/>
-                          <a:sym typeface="Helvetica Neue"/>
-                        </a:rPr>
+                        <a:rPr sz="1200"/>
                         <a:t>4</a:t>
                       </a:r>
                     </a:p>
@@ -4126,12 +5213,7 @@
                         <a:defRPr sz="1800"/>
                       </a:pPr>
                       <a:r>
-                        <a:rPr sz="1200">
-                          <a:latin typeface="Helvetica Neue"/>
-                          <a:ea typeface="Helvetica Neue"/>
-                          <a:cs typeface="Helvetica Neue"/>
-                          <a:sym typeface="Helvetica Neue"/>
-                        </a:rPr>
+                        <a:rPr sz="1200"/>
                         <a:t>0.281251</a:t>
                       </a:r>
                     </a:p>
@@ -4153,12 +5235,7 @@
                         <a:defRPr sz="1800"/>
                       </a:pPr>
                       <a:r>
-                        <a:rPr b="1" sz="1200">
-                          <a:latin typeface="Helvetica Neue"/>
-                          <a:ea typeface="Helvetica Neue"/>
-                          <a:cs typeface="Helvetica Neue"/>
-                          <a:sym typeface="Helvetica Neue"/>
-                        </a:rPr>
+                        <a:rPr b="1" sz="1200"/>
                         <a:t>1</a:t>
                       </a:r>
                     </a:p>
@@ -4174,12 +5251,7 @@
                         <a:defRPr sz="1800"/>
                       </a:pPr>
                       <a:r>
-                        <a:rPr sz="1200">
-                          <a:latin typeface="Helvetica Neue"/>
-                          <a:ea typeface="Helvetica Neue"/>
-                          <a:cs typeface="Helvetica Neue"/>
-                          <a:sym typeface="Helvetica Neue"/>
-                        </a:rPr>
+                        <a:rPr sz="1200"/>
                         <a:t>B</a:t>
                       </a:r>
                     </a:p>
@@ -4195,12 +5267,7 @@
                         <a:defRPr sz="1800"/>
                       </a:pPr>
                       <a:r>
-                        <a:rPr sz="1200">
-                          <a:latin typeface="Helvetica Neue"/>
-                          <a:ea typeface="Helvetica Neue"/>
-                          <a:cs typeface="Helvetica Neue"/>
-                          <a:sym typeface="Helvetica Neue"/>
-                        </a:rPr>
+                        <a:rPr sz="1200"/>
                         <a:t>D</a:t>
                       </a:r>
                     </a:p>
@@ -4216,12 +5283,7 @@
                         <a:defRPr sz="1800"/>
                       </a:pPr>
                       <a:r>
-                        <a:rPr sz="1200">
-                          <a:latin typeface="Helvetica Neue"/>
-                          <a:ea typeface="Helvetica Neue"/>
-                          <a:cs typeface="Helvetica Neue"/>
-                          <a:sym typeface="Helvetica Neue"/>
-                        </a:rPr>
+                        <a:rPr sz="1200"/>
                         <a:t>6</a:t>
                       </a:r>
                     </a:p>
@@ -4237,12 +5299,7 @@
                         <a:defRPr sz="1800"/>
                       </a:pPr>
                       <a:r>
-                        <a:rPr sz="1200">
-                          <a:latin typeface="Helvetica Neue"/>
-                          <a:ea typeface="Helvetica Neue"/>
-                          <a:cs typeface="Helvetica Neue"/>
-                          <a:sym typeface="Helvetica Neue"/>
-                        </a:rPr>
+                        <a:rPr sz="1200"/>
                         <a:t>5</a:t>
                       </a:r>
                     </a:p>
@@ -4258,12 +5315,7 @@
                         <a:defRPr sz="1800"/>
                       </a:pPr>
                       <a:r>
-                        <a:rPr sz="1200">
-                          <a:latin typeface="Helvetica Neue"/>
-                          <a:ea typeface="Helvetica Neue"/>
-                          <a:cs typeface="Helvetica Neue"/>
-                          <a:sym typeface="Helvetica Neue"/>
-                        </a:rPr>
+                        <a:rPr sz="1200"/>
                         <a:t>0.506252</a:t>
                       </a:r>
                     </a:p>
@@ -4281,12 +5333,7 @@
                         <a:defRPr sz="1800"/>
                       </a:pPr>
                       <a:r>
-                        <a:rPr b="1" sz="1200">
-                          <a:latin typeface="Helvetica Neue"/>
-                          <a:ea typeface="Helvetica Neue"/>
-                          <a:cs typeface="Helvetica Neue"/>
-                          <a:sym typeface="Helvetica Neue"/>
-                        </a:rPr>
+                        <a:rPr b="1" sz="1200"/>
                         <a:t>2</a:t>
                       </a:r>
                     </a:p>
@@ -4306,12 +5353,7 @@
                         <a:defRPr sz="1800"/>
                       </a:pPr>
                       <a:r>
-                        <a:rPr sz="1200">
-                          <a:latin typeface="Helvetica Neue"/>
-                          <a:ea typeface="Helvetica Neue"/>
-                          <a:cs typeface="Helvetica Neue"/>
-                          <a:sym typeface="Helvetica Neue"/>
-                        </a:rPr>
+                        <a:rPr sz="1200"/>
                         <a:t>D</a:t>
                       </a:r>
                     </a:p>
@@ -4331,12 +5373,7 @@
                         <a:defRPr sz="1800"/>
                       </a:pPr>
                       <a:r>
-                        <a:rPr sz="1200">
-                          <a:latin typeface="Helvetica Neue"/>
-                          <a:ea typeface="Helvetica Neue"/>
-                          <a:cs typeface="Helvetica Neue"/>
-                          <a:sym typeface="Helvetica Neue"/>
-                        </a:rPr>
+                        <a:rPr sz="1200"/>
                         <a:t>D</a:t>
                       </a:r>
                     </a:p>
@@ -4356,12 +5393,7 @@
                         <a:defRPr sz="1800"/>
                       </a:pPr>
                       <a:r>
-                        <a:rPr sz="1200">
-                          <a:latin typeface="Helvetica Neue"/>
-                          <a:ea typeface="Helvetica Neue"/>
-                          <a:cs typeface="Helvetica Neue"/>
-                          <a:sym typeface="Helvetica Neue"/>
-                        </a:rPr>
+                        <a:rPr sz="1200"/>
                         <a:t>4</a:t>
                       </a:r>
                     </a:p>
@@ -4381,12 +5413,7 @@
                         <a:defRPr sz="1800"/>
                       </a:pPr>
                       <a:r>
-                        <a:rPr sz="1200">
-                          <a:latin typeface="Helvetica Neue"/>
-                          <a:ea typeface="Helvetica Neue"/>
-                          <a:cs typeface="Helvetica Neue"/>
-                          <a:sym typeface="Helvetica Neue"/>
-                        </a:rPr>
+                        <a:rPr sz="1200"/>
                         <a:t>3</a:t>
                       </a:r>
                     </a:p>
@@ -4406,12 +5433,7 @@
                         <a:defRPr sz="1800"/>
                       </a:pPr>
                       <a:r>
-                        <a:rPr sz="1200">
-                          <a:latin typeface="Helvetica Neue"/>
-                          <a:ea typeface="Helvetica Neue"/>
-                          <a:cs typeface="Helvetica Neue"/>
-                          <a:sym typeface="Helvetica Neue"/>
-                        </a:rPr>
+                        <a:rPr sz="1200"/>
                         <a:t>0.356251</a:t>
                       </a:r>
                     </a:p>
@@ -4433,12 +5455,7 @@
                         <a:defRPr sz="1800"/>
                       </a:pPr>
                       <a:r>
-                        <a:rPr b="1" sz="1200">
-                          <a:latin typeface="Helvetica Neue"/>
-                          <a:ea typeface="Helvetica Neue"/>
-                          <a:cs typeface="Helvetica Neue"/>
-                          <a:sym typeface="Helvetica Neue"/>
-                        </a:rPr>
+                        <a:rPr b="1" sz="1200"/>
                         <a:t>3</a:t>
                       </a:r>
                     </a:p>
@@ -4454,12 +5471,7 @@
                         <a:defRPr sz="1800"/>
                       </a:pPr>
                       <a:r>
-                        <a:rPr sz="1200">
-                          <a:latin typeface="Helvetica Neue"/>
-                          <a:ea typeface="Helvetica Neue"/>
-                          <a:cs typeface="Helvetica Neue"/>
-                          <a:sym typeface="Helvetica Neue"/>
-                        </a:rPr>
+                        <a:rPr sz="1200"/>
                         <a:t>B</a:t>
                       </a:r>
                     </a:p>
@@ -4475,12 +5487,7 @@
                         <a:defRPr sz="1800"/>
                       </a:pPr>
                       <a:r>
-                        <a:rPr sz="1200">
-                          <a:latin typeface="Helvetica Neue"/>
-                          <a:ea typeface="Helvetica Neue"/>
-                          <a:cs typeface="Helvetica Neue"/>
-                          <a:sym typeface="Helvetica Neue"/>
-                        </a:rPr>
+                        <a:rPr sz="1200"/>
                         <a:t>A</a:t>
                       </a:r>
                     </a:p>
@@ -4496,12 +5503,7 @@
                         <a:defRPr sz="1800"/>
                       </a:pPr>
                       <a:r>
-                        <a:rPr sz="1200">
-                          <a:latin typeface="Helvetica Neue"/>
-                          <a:ea typeface="Helvetica Neue"/>
-                          <a:cs typeface="Helvetica Neue"/>
-                          <a:sym typeface="Helvetica Neue"/>
-                        </a:rPr>
+                        <a:rPr sz="1200"/>
                         <a:t>3</a:t>
                       </a:r>
                     </a:p>
@@ -4517,12 +5519,7 @@
                         <a:defRPr sz="1800"/>
                       </a:pPr>
                       <a:r>
-                        <a:rPr sz="1200">
-                          <a:latin typeface="Helvetica Neue"/>
-                          <a:ea typeface="Helvetica Neue"/>
-                          <a:cs typeface="Helvetica Neue"/>
-                          <a:sym typeface="Helvetica Neue"/>
-                        </a:rPr>
+                        <a:rPr sz="1200"/>
                         <a:t>2</a:t>
                       </a:r>
                     </a:p>
@@ -4538,12 +5535,7 @@
                         <a:defRPr sz="1800"/>
                       </a:pPr>
                       <a:r>
-                        <a:rPr sz="1200">
-                          <a:latin typeface="Helvetica Neue"/>
-                          <a:ea typeface="Helvetica Neue"/>
-                          <a:cs typeface="Helvetica Neue"/>
-                          <a:sym typeface="Helvetica Neue"/>
-                        </a:rPr>
+                        <a:rPr sz="1200"/>
                         <a:t>5.500033</a:t>
                       </a:r>
                     </a:p>
@@ -4561,12 +5553,7 @@
                         <a:defRPr sz="1800"/>
                       </a:pPr>
                       <a:r>
-                        <a:rPr b="1" sz="1200">
-                          <a:latin typeface="Helvetica Neue"/>
-                          <a:ea typeface="Helvetica Neue"/>
-                          <a:cs typeface="Helvetica Neue"/>
-                          <a:sym typeface="Helvetica Neue"/>
-                        </a:rPr>
+                        <a:rPr b="1" sz="1200"/>
                         <a:t>4</a:t>
                       </a:r>
                     </a:p>
@@ -4586,12 +5573,7 @@
                         <a:defRPr sz="1800"/>
                       </a:pPr>
                       <a:r>
-                        <a:rPr sz="1200">
-                          <a:latin typeface="Helvetica Neue"/>
-                          <a:ea typeface="Helvetica Neue"/>
-                          <a:cs typeface="Helvetica Neue"/>
-                          <a:sym typeface="Helvetica Neue"/>
-                        </a:rPr>
+                        <a:rPr sz="1200"/>
                         <a:t>D</a:t>
                       </a:r>
                     </a:p>
@@ -4611,12 +5593,7 @@
                         <a:defRPr sz="1800"/>
                       </a:pPr>
                       <a:r>
-                        <a:rPr sz="1200">
-                          <a:latin typeface="Helvetica Neue"/>
-                          <a:ea typeface="Helvetica Neue"/>
-                          <a:cs typeface="Helvetica Neue"/>
-                          <a:sym typeface="Helvetica Neue"/>
-                        </a:rPr>
+                        <a:rPr sz="1200"/>
                         <a:t>B</a:t>
                       </a:r>
                     </a:p>
@@ -4636,12 +5613,7 @@
                         <a:defRPr sz="1800"/>
                       </a:pPr>
                       <a:r>
-                        <a:rPr sz="1200">
-                          <a:latin typeface="Helvetica Neue"/>
-                          <a:ea typeface="Helvetica Neue"/>
-                          <a:cs typeface="Helvetica Neue"/>
-                          <a:sym typeface="Helvetica Neue"/>
-                        </a:rPr>
+                        <a:rPr sz="1200"/>
                         <a:t>6</a:t>
                       </a:r>
                     </a:p>
@@ -4661,12 +5633,7 @@
                         <a:defRPr sz="1800"/>
                       </a:pPr>
                       <a:r>
-                        <a:rPr sz="1200">
-                          <a:latin typeface="Helvetica Neue"/>
-                          <a:ea typeface="Helvetica Neue"/>
-                          <a:cs typeface="Helvetica Neue"/>
-                          <a:sym typeface="Helvetica Neue"/>
-                        </a:rPr>
+                        <a:rPr sz="1200"/>
                         <a:t>5</a:t>
                       </a:r>
                     </a:p>
@@ -4686,12 +5653,7 @@
                         <a:defRPr sz="1800"/>
                       </a:pPr>
                       <a:r>
-                        <a:rPr sz="1200">
-                          <a:latin typeface="Helvetica Neue"/>
-                          <a:ea typeface="Helvetica Neue"/>
-                          <a:cs typeface="Helvetica Neue"/>
-                          <a:sym typeface="Helvetica Neue"/>
-                        </a:rPr>
+                        <a:rPr sz="1200"/>
                         <a:t>0.356251</a:t>
                       </a:r>
                     </a:p>
@@ -4735,7 +5697,7 @@
       </p:grpSpPr>
       <p:sp>
         <p:nvSpPr>
-          <p:cNvPr id="165" name="Data ready for Machine Learning"/>
+          <p:cNvPr id="175" name="Data ready for Machine Learning"/>
           <p:cNvSpPr txBox="1"/>
           <p:nvPr>
             <p:ph type="title"/>
@@ -4748,7 +5710,11 @@
         </p:spPr>
         <p:txBody>
           <a:bodyPr/>
-          <a:lstStyle/>
+          <a:lstStyle>
+            <a:lvl1pPr defTabSz="905255">
+              <a:defRPr sz="4356"/>
+            </a:lvl1pPr>
+          </a:lstStyle>
           <a:p>
             <a:pPr/>
             <a:r>
@@ -4759,7 +5725,7 @@
       </p:sp>
       <p:sp>
         <p:nvSpPr>
-          <p:cNvPr id="166" name="Categorical columns converted to one-hot form (others left in original numerical form):"/>
+          <p:cNvPr id="176" name="Categorical columns converted to one-hot form (others left in original numerical form):"/>
           <p:cNvSpPr txBox="1"/>
           <p:nvPr>
             <p:ph type="body" idx="1"/>
@@ -4783,7 +5749,7 @@
       </p:sp>
       <p:graphicFrame>
         <p:nvGraphicFramePr>
-          <p:cNvPr id="167" name="Table 1"/>
+          <p:cNvPr id="177" name="Table 1"/>
           <p:cNvGraphicFramePr/>
           <p:nvPr/>
         </p:nvGraphicFramePr>
@@ -4813,7 +5779,7 @@
                 <a:gridCol w="876300"/>
                 <a:gridCol w="850900"/>
               </a:tblGrid>
-              <a:tr h="279400">
+              <a:tr h="259221">
                 <a:tc gridSpan="14">
                   <a:txBody>
                     <a:bodyPr/>
@@ -6822,7 +7788,7 @@
       </p:grpSpPr>
       <p:sp>
         <p:nvSpPr>
-          <p:cNvPr id="169" name="Our approach"/>
+          <p:cNvPr id="181" name="Our approach"/>
           <p:cNvSpPr txBox="1"/>
           <p:nvPr>
             <p:ph type="title"/>
@@ -6846,7 +7812,7 @@
       </p:sp>
       <p:sp>
         <p:nvSpPr>
-          <p:cNvPr id="170" name="Create one-hot representation for the categorical input data…"/>
+          <p:cNvPr id="182" name="Create one-hot representation for the categorical input data…"/>
           <p:cNvSpPr txBox="1"/>
           <p:nvPr>
             <p:ph type="body" idx="1"/>
@@ -6908,7 +7874,7 @@
       </p:grpSpPr>
       <p:sp>
         <p:nvSpPr>
-          <p:cNvPr id="172" name="Result"/>
+          <p:cNvPr id="186" name="Result"/>
           <p:cNvSpPr txBox="1"/>
           <p:nvPr>
             <p:ph type="title"/>
@@ -6932,7 +7898,7 @@
       </p:sp>
       <p:sp>
         <p:nvSpPr>
-          <p:cNvPr id="173" name="We were expecting a straight line……"/>
+          <p:cNvPr id="187" name="We were expecting a straight line……"/>
           <p:cNvSpPr txBox="1"/>
           <p:nvPr>
             <p:ph type="body" idx="1"/>
@@ -6947,42 +7913,28 @@
           <a:bodyPr/>
           <a:lstStyle/>
           <a:p>
-            <a:pPr marL="336042" indent="-336042" defTabSz="896111">
-              <a:defRPr sz="3136"/>
-            </a:pPr>
-          </a:p>
-          <a:p>
-            <a:pPr marL="336042" indent="-336042" defTabSz="896111">
-              <a:defRPr sz="3136"/>
-            </a:pPr>
-          </a:p>
-          <a:p>
-            <a:pPr marL="336042" indent="-336042" defTabSz="896111">
-              <a:defRPr sz="3136"/>
-            </a:pPr>
-          </a:p>
-          <a:p>
-            <a:pPr marL="336042" indent="-336042" defTabSz="896111">
-              <a:defRPr sz="3136"/>
-            </a:pPr>
-          </a:p>
-          <a:p>
-            <a:pPr marL="336042" indent="-336042" defTabSz="896111">
-              <a:defRPr sz="3136"/>
-            </a:pPr>
-          </a:p>
-          <a:p>
-            <a:pPr marL="336042" indent="-336042" defTabSz="896111">
-              <a:defRPr sz="3136"/>
-            </a:pPr>
+            <a:pPr/>
+          </a:p>
+          <a:p>
+            <a:pPr/>
+          </a:p>
+          <a:p>
+            <a:pPr/>
+          </a:p>
+          <a:p>
+            <a:pPr/>
+          </a:p>
+          <a:p>
+            <a:pPr/>
+          </a:p>
+          <a:p>
+            <a:pPr/>
             <a:r>
               <a:t>We were expecting a straight line…</a:t>
             </a:r>
           </a:p>
           <a:p>
-            <a:pPr marL="336042" indent="-336042" defTabSz="896111">
-              <a:defRPr sz="3136"/>
-            </a:pPr>
+            <a:pPr/>
             <a:r>
               <a:t>The fit of the predicted and actual values is not good, but neither is it totally wrong</a:t>
             </a:r>
@@ -6991,14 +7943,14 @@
       </p:sp>
       <p:pic>
         <p:nvPicPr>
-          <p:cNvPr id="174" name="Image" descr="Image"/>
+          <p:cNvPr id="188" name="Image" descr="Image"/>
           <p:cNvPicPr>
             <a:picLocks noChangeAspect="1"/>
           </p:cNvPicPr>
           <p:nvPr/>
         </p:nvPicPr>
         <p:blipFill>
-          <a:blip r:embed="rId2">
+          <a:blip r:embed="rId3">
             <a:extLst/>
           </a:blip>
           <a:stretch>
@@ -7046,7 +7998,7 @@
       </p:grpSpPr>
       <p:sp>
         <p:nvSpPr>
-          <p:cNvPr id="176" name="A better result"/>
+          <p:cNvPr id="192" name="A better result"/>
           <p:cNvSpPr txBox="1"/>
           <p:nvPr>
             <p:ph type="title"/>
@@ -7070,7 +8022,7 @@
       </p:sp>
       <p:sp>
         <p:nvSpPr>
-          <p:cNvPr id="177" name="We try a 16-fold cross validation: divide the dataset into 16 sets of 10 samples each; train with 15 of them and test with the left-out one…"/>
+          <p:cNvPr id="193" name="We try a 16-fold cross validation: divide the dataset into 16 sets of 10 samples each; train with 15 of them and test with the left-out one…"/>
           <p:cNvSpPr txBox="1"/>
           <p:nvPr>
             <p:ph type="body" idx="1"/>
@@ -7089,62 +8041,62 @@
           <a:bodyPr/>
           <a:lstStyle/>
           <a:p>
-            <a:pPr marL="298322" indent="-298322" defTabSz="795527">
+            <a:pPr marL="288035" indent="-288035" defTabSz="768095">
               <a:spcBef>
                 <a:spcPts val="600"/>
               </a:spcBef>
-              <a:defRPr sz="2784"/>
+              <a:defRPr sz="2688"/>
             </a:pPr>
           </a:p>
           <a:p>
-            <a:pPr marL="298322" indent="-298322" defTabSz="795527">
+            <a:pPr marL="288035" indent="-288035" defTabSz="768095">
               <a:spcBef>
                 <a:spcPts val="600"/>
               </a:spcBef>
-              <a:defRPr sz="2784"/>
+              <a:defRPr sz="2688"/>
             </a:pPr>
           </a:p>
           <a:p>
-            <a:pPr marL="298322" indent="-298322" defTabSz="795527">
+            <a:pPr marL="288035" indent="-288035" defTabSz="768095">
               <a:spcBef>
                 <a:spcPts val="600"/>
               </a:spcBef>
-              <a:defRPr sz="2784"/>
+              <a:defRPr sz="2688"/>
             </a:pPr>
           </a:p>
           <a:p>
-            <a:pPr marL="298322" indent="-298322" defTabSz="795527">
+            <a:pPr marL="288035" indent="-288035" defTabSz="768095">
               <a:spcBef>
                 <a:spcPts val="600"/>
               </a:spcBef>
-              <a:defRPr sz="2784"/>
+              <a:defRPr sz="2688"/>
             </a:pPr>
           </a:p>
           <a:p>
-            <a:pPr marL="298322" indent="-298322" defTabSz="795527">
+            <a:pPr marL="288035" indent="-288035" defTabSz="768095">
               <a:spcBef>
                 <a:spcPts val="600"/>
               </a:spcBef>
-              <a:defRPr sz="2784"/>
+              <a:defRPr sz="2688"/>
             </a:pPr>
           </a:p>
           <a:p>
-            <a:pPr marL="298322" indent="-298322" defTabSz="795527">
+            <a:pPr marL="288035" indent="-288035" defTabSz="768095">
               <a:spcBef>
                 <a:spcPts val="600"/>
               </a:spcBef>
-              <a:defRPr sz="2784"/>
+              <a:defRPr sz="2688"/>
             </a:pPr>
             <a:r>
               <a:t>We try a 16-fold cross validation: divide the dataset into 16 sets of 10 samples each; train with 15 of them and test with the left-out one</a:t>
             </a:r>
           </a:p>
           <a:p>
-            <a:pPr marL="298322" indent="-298322" defTabSz="795527">
+            <a:pPr marL="288035" indent="-288035" defTabSz="768095">
               <a:spcBef>
                 <a:spcPts val="600"/>
               </a:spcBef>
-              <a:defRPr sz="2784"/>
+              <a:defRPr sz="2688"/>
             </a:pPr>
             <a:r>
               <a:t>The improvement shows that we need more samples!</a:t>
@@ -7154,14 +8106,14 @@
       </p:sp>
       <p:sp>
         <p:nvSpPr>
-          <p:cNvPr id="178" name="Rectangle"/>
+          <p:cNvPr id="194" name="Rectangle"/>
           <p:cNvSpPr/>
           <p:nvPr/>
         </p:nvSpPr>
         <p:spPr>
           <a:xfrm>
-            <a:off x="2571011" y="1336465"/>
-            <a:ext cx="4234847" cy="3081905"/>
+            <a:off x="2571011" y="1336466"/>
+            <a:ext cx="4234847" cy="3081904"/>
           </a:xfrm>
           <a:prstGeom prst="rect">
             <a:avLst/>
@@ -7192,14 +8144,14 @@
       </p:sp>
       <p:pic>
         <p:nvPicPr>
-          <p:cNvPr id="179" name="servo.pdf" descr="servo.pdf"/>
+          <p:cNvPr id="195" name="servo.pdf" descr="servo.pdf"/>
           <p:cNvPicPr>
             <a:picLocks noChangeAspect="1"/>
           </p:cNvPicPr>
           <p:nvPr/>
         </p:nvPicPr>
         <p:blipFill>
-          <a:blip r:embed="rId2">
+          <a:blip r:embed="rId3">
             <a:extLst/>
           </a:blip>
           <a:stretch>
@@ -7247,7 +8199,7 @@
       </p:grpSpPr>
       <p:sp>
         <p:nvSpPr>
-          <p:cNvPr id="181" name="Discussion"/>
+          <p:cNvPr id="199" name="Discussion"/>
           <p:cNvSpPr txBox="1"/>
           <p:nvPr>
             <p:ph type="title"/>
@@ -7271,7 +8223,7 @@
       </p:sp>
       <p:sp>
         <p:nvSpPr>
-          <p:cNvPr id="182" name="This example is considered a tough challenge, why?…"/>
+          <p:cNvPr id="200" name="This example is considered a tough challenge, why?…"/>
           <p:cNvSpPr txBox="1"/>
           <p:nvPr>
             <p:ph type="body" idx="1"/>
@@ -7286,31 +8238,41 @@
           <a:bodyPr/>
           <a:lstStyle/>
           <a:p>
-            <a:pPr/>
+            <a:pPr marL="325754" indent="-325754" defTabSz="868680">
+              <a:defRPr sz="3040"/>
+            </a:pPr>
             <a:r>
               <a:t>This example is considered a tough challenge, why?</a:t>
             </a:r>
           </a:p>
           <a:p>
-            <a:pPr/>
+            <a:pPr marL="325754" indent="-325754" defTabSz="868680">
+              <a:defRPr sz="3040"/>
+            </a:pPr>
             <a:r>
               <a:t>Look more closely at the data. Is it consistent? Does it have enough information for learning?</a:t>
             </a:r>
           </a:p>
           <a:p>
-            <a:pPr/>
+            <a:pPr marL="325754" indent="-325754" defTabSz="868680">
+              <a:defRPr sz="3040"/>
+            </a:pPr>
             <a:r>
               <a:t>How would you step forward with working out a better regression method?</a:t>
             </a:r>
           </a:p>
           <a:p>
-            <a:pPr lvl="2" marL="1257300" indent="-342900"/>
+            <a:pPr lvl="2" marL="1194434" indent="-325754" defTabSz="868680">
+              <a:defRPr sz="3040"/>
+            </a:pPr>
             <a:r>
               <a:t>More hidden layers?</a:t>
             </a:r>
           </a:p>
           <a:p>
-            <a:pPr lvl="2" marL="1257300" indent="-342900"/>
+            <a:pPr lvl="2" marL="1194434" indent="-325754" defTabSz="868680">
+              <a:defRPr sz="3040"/>
+            </a:pPr>
             <a:r>
               <a:t>Different optimization?</a:t>
             </a:r>
@@ -7345,7 +8307,7 @@
       </p:grpSpPr>
       <p:sp>
         <p:nvSpPr>
-          <p:cNvPr id="184" name="Example: forest covers in different environments"/>
+          <p:cNvPr id="202" name="Example: forest covers in different environments"/>
           <p:cNvSpPr txBox="1"/>
           <p:nvPr>
             <p:ph type="title"/>
@@ -7358,7 +8320,11 @@
         </p:spPr>
         <p:txBody>
           <a:bodyPr/>
-          <a:lstStyle/>
+          <a:lstStyle>
+            <a:lvl1pPr defTabSz="832104">
+              <a:defRPr sz="1820"/>
+            </a:lvl1pPr>
+          </a:lstStyle>
           <a:p>
             <a:pPr/>
             <a:r>
@@ -7369,7 +8335,7 @@
       </p:sp>
       <p:pic>
         <p:nvPicPr>
-          <p:cNvPr id="185" name="Picture Placeholder 2" descr="Picture Placeholder 2"/>
+          <p:cNvPr id="203" name="Picture Placeholder 2" descr="Picture Placeholder 2"/>
           <p:cNvPicPr>
             <a:picLocks noChangeAspect="1"/>
           </p:cNvPicPr>
@@ -7378,7 +8344,7 @@
           </p:nvPr>
         </p:nvPicPr>
         <p:blipFill>
-          <a:blip r:embed="rId2">
+          <a:blip r:embed="rId3">
             <a:extLst/>
           </a:blip>
           <a:srcRect l="0" t="0" r="0" b="0"/>
@@ -7398,7 +8364,7 @@
       </p:pic>
       <p:sp>
         <p:nvSpPr>
-          <p:cNvPr id="186" name="How does the forest depend on: altitude, climate, soil type etc.?…"/>
+          <p:cNvPr id="204" name="How does the forest depend on: altitude, climate, soil type etc.?…"/>
           <p:cNvSpPr txBox="1"/>
           <p:nvPr>
             <p:ph type="body" sz="quarter" idx="1"/>
@@ -7428,14 +8394,14 @@
       </p:sp>
       <p:sp>
         <p:nvSpPr>
-          <p:cNvPr id="187" name="https://archive.ics.uci.edu/ml/datasets/covertype"/>
+          <p:cNvPr id="205" name="https://archive.ics.uci.edu/ml/datasets/covertype"/>
           <p:cNvSpPr txBox="1"/>
           <p:nvPr/>
         </p:nvSpPr>
         <p:spPr>
           <a:xfrm>
             <a:off x="905961" y="6240779"/>
-            <a:ext cx="3434840" cy="281941"/>
+            <a:ext cx="3609533" cy="276540"/>
           </a:xfrm>
           <a:prstGeom prst="rect">
             <a:avLst/>
@@ -7468,7 +8434,7 @@
       </p:sp>
       <p:sp>
         <p:nvSpPr>
-          <p:cNvPr id="188" name="An example of classification"/>
+          <p:cNvPr id="206" name="An example of classification"/>
           <p:cNvSpPr txBox="1"/>
           <p:nvPr/>
         </p:nvSpPr>
@@ -7534,7 +8500,7 @@
       </p:grpSpPr>
       <p:sp>
         <p:nvSpPr>
-          <p:cNvPr id="190" name="Imports for Spark Machine Learning"/>
+          <p:cNvPr id="210" name="Imports for Spark Machine Learning"/>
           <p:cNvSpPr txBox="1"/>
           <p:nvPr>
             <p:ph type="title"/>
@@ -7547,7 +8513,11 @@
         </p:spPr>
         <p:txBody>
           <a:bodyPr/>
-          <a:lstStyle/>
+          <a:lstStyle>
+            <a:lvl1pPr defTabSz="832104">
+              <a:defRPr sz="4004"/>
+            </a:lvl1pPr>
+          </a:lstStyle>
           <a:p>
             <a:pPr/>
             <a:r>
@@ -7558,14 +8528,14 @@
       </p:sp>
       <p:sp>
         <p:nvSpPr>
-          <p:cNvPr id="191" name="import org.apache.spark.ml.{PipelineModel, Pipeline}…"/>
+          <p:cNvPr id="211" name="import org.apache.spark.ml.{PipelineModel, Pipeline}…"/>
           <p:cNvSpPr txBox="1"/>
           <p:nvPr/>
         </p:nvSpPr>
         <p:spPr>
           <a:xfrm>
             <a:off x="1020162" y="2291079"/>
-            <a:ext cx="7103676" cy="3444241"/>
+            <a:ext cx="7711118" cy="3284363"/>
           </a:xfrm>
           <a:prstGeom prst="rect">
             <a:avLst/>
@@ -7710,12 +8680,7 @@
           <a:bodyPr/>
           <a:lstStyle>
             <a:lvl1pPr defTabSz="603504">
-              <a:defRPr sz="3960">
-                <a:latin typeface="BankGothic Lt BT"/>
-                <a:ea typeface="BankGothic Lt BT"/>
-                <a:cs typeface="BankGothic Lt BT"/>
-                <a:sym typeface="BankGothic Lt BT"/>
-              </a:defRPr>
+              <a:defRPr sz="3960"/>
             </a:lvl1pPr>
           </a:lstStyle>
           <a:p>
@@ -7754,7 +8719,7 @@
       </p:grpSpPr>
       <p:sp>
         <p:nvSpPr>
-          <p:cNvPr id="193" name="Open CSV, give name to columns"/>
+          <p:cNvPr id="213" name="Open CSV, give name to columns"/>
           <p:cNvSpPr txBox="1"/>
           <p:nvPr>
             <p:ph type="title"/>
@@ -7767,7 +8732,11 @@
         </p:spPr>
         <p:txBody>
           <a:bodyPr/>
-          <a:lstStyle/>
+          <a:lstStyle>
+            <a:lvl1pPr defTabSz="886968">
+              <a:defRPr sz="4268"/>
+            </a:lvl1pPr>
+          </a:lstStyle>
           <a:p>
             <a:pPr/>
             <a:r>
@@ -7778,14 +8747,14 @@
       </p:sp>
       <p:sp>
         <p:nvSpPr>
-          <p:cNvPr id="194" name="import spark.implicits._…"/>
+          <p:cNvPr id="214" name="import spark.implicits._…"/>
           <p:cNvSpPr txBox="1"/>
           <p:nvPr/>
         </p:nvSpPr>
         <p:spPr>
           <a:xfrm>
             <a:off x="821340" y="1440179"/>
-            <a:ext cx="7501320" cy="5069841"/>
+            <a:ext cx="7501320" cy="5064856"/>
           </a:xfrm>
           <a:prstGeom prst="rect">
             <a:avLst/>
@@ -8035,7 +9004,7 @@
       </p:grpSpPr>
       <p:sp>
         <p:nvSpPr>
-          <p:cNvPr id="196" name="Head of the resulting table"/>
+          <p:cNvPr id="218" name="Head of the resulting table"/>
           <p:cNvSpPr txBox="1"/>
           <p:nvPr>
             <p:ph type="title"/>
@@ -8059,14 +9028,14 @@
       </p:sp>
       <p:pic>
         <p:nvPicPr>
-          <p:cNvPr id="197" name="Image" descr="Image"/>
+          <p:cNvPr id="219" name="Image" descr="Image"/>
           <p:cNvPicPr>
             <a:picLocks noChangeAspect="1"/>
           </p:cNvPicPr>
           <p:nvPr/>
         </p:nvPicPr>
         <p:blipFill>
-          <a:blip r:embed="rId2">
+          <a:blip r:embed="rId3">
             <a:extLst/>
           </a:blip>
           <a:stretch>
@@ -8114,7 +9083,7 @@
       </p:grpSpPr>
       <p:sp>
         <p:nvSpPr>
-          <p:cNvPr id="199" name="Create a feature vector"/>
+          <p:cNvPr id="223" name="Create a feature vector"/>
           <p:cNvSpPr txBox="1"/>
           <p:nvPr>
             <p:ph type="title"/>
@@ -8138,14 +9107,14 @@
       </p:sp>
       <p:sp>
         <p:nvSpPr>
-          <p:cNvPr id="200" name="val inputCols = trainData.columns.filter(_ != &quot;Cover_Type&quot;)…"/>
+          <p:cNvPr id="224" name="val inputCols = trainData.columns.filter(_ != &quot;Cover_Type&quot;)…"/>
           <p:cNvSpPr txBox="1"/>
           <p:nvPr/>
         </p:nvSpPr>
         <p:spPr>
           <a:xfrm>
             <a:off x="1360904" y="1592580"/>
-            <a:ext cx="5842755" cy="2021841"/>
+            <a:ext cx="6390442" cy="1913593"/>
           </a:xfrm>
           <a:prstGeom prst="rect">
             <a:avLst/>
@@ -8221,14 +9190,14 @@
       </p:sp>
       <p:pic>
         <p:nvPicPr>
-          <p:cNvPr id="201" name="Image" descr="Image"/>
+          <p:cNvPr id="225" name="Image" descr="Image"/>
           <p:cNvPicPr>
             <a:picLocks noChangeAspect="1"/>
           </p:cNvPicPr>
           <p:nvPr/>
         </p:nvPicPr>
         <p:blipFill>
-          <a:blip r:embed="rId2">
+          <a:blip r:embed="rId3">
             <a:extLst/>
           </a:blip>
           <a:stretch>
@@ -8276,7 +9245,7 @@
       </p:grpSpPr>
       <p:sp>
         <p:nvSpPr>
-          <p:cNvPr id="203" name="Create a Classifier and train it"/>
+          <p:cNvPr id="229" name="Create a Classifier and train it"/>
           <p:cNvSpPr txBox="1"/>
           <p:nvPr>
             <p:ph type="title"/>
@@ -8300,14 +9269,14 @@
       </p:sp>
       <p:sp>
         <p:nvSpPr>
-          <p:cNvPr id="204" name="val classifier = new DecisionTreeClassifier().…"/>
+          <p:cNvPr id="230" name="val classifier = new DecisionTreeClassifier().…"/>
           <p:cNvSpPr txBox="1"/>
           <p:nvPr/>
         </p:nvSpPr>
         <p:spPr>
           <a:xfrm>
             <a:off x="2305646" y="1275080"/>
-            <a:ext cx="4532708" cy="2885441"/>
+            <a:ext cx="5031431" cy="2750962"/>
           </a:xfrm>
           <a:prstGeom prst="rect">
             <a:avLst/>
@@ -8378,14 +9347,14 @@
       </p:sp>
       <p:pic>
         <p:nvPicPr>
-          <p:cNvPr id="205" name="Image" descr="Image"/>
+          <p:cNvPr id="231" name="Image" descr="Image"/>
           <p:cNvPicPr>
             <a:picLocks noChangeAspect="1"/>
           </p:cNvPicPr>
           <p:nvPr/>
         </p:nvPicPr>
         <p:blipFill>
-          <a:blip r:embed="rId2">
+          <a:blip r:embed="rId3">
             <a:extLst/>
           </a:blip>
           <a:stretch>
@@ -8433,7 +9402,7 @@
       </p:grpSpPr>
       <p:sp>
         <p:nvSpPr>
-          <p:cNvPr id="207" name="What are the contributions?"/>
+          <p:cNvPr id="235" name="What are the contributions?"/>
           <p:cNvSpPr txBox="1"/>
           <p:nvPr>
             <p:ph type="title"/>
@@ -8457,14 +9426,14 @@
       </p:sp>
       <p:sp>
         <p:nvSpPr>
-          <p:cNvPr id="208" name="model.featureImportances.toArray.zip(inputCols).…"/>
+          <p:cNvPr id="236" name="model.featureImportances.toArray.zip(inputCols).…"/>
           <p:cNvSpPr txBox="1"/>
           <p:nvPr/>
         </p:nvSpPr>
         <p:spPr>
           <a:xfrm>
             <a:off x="2361177" y="1643379"/>
-            <a:ext cx="4421645" cy="574041"/>
+            <a:ext cx="4798478" cy="541994"/>
           </a:xfrm>
           <a:prstGeom prst="rect">
             <a:avLst/>
@@ -8503,14 +9472,14 @@
       </p:sp>
       <p:pic>
         <p:nvPicPr>
-          <p:cNvPr id="209" name="Image" descr="Image"/>
+          <p:cNvPr id="237" name="Image" descr="Image"/>
           <p:cNvPicPr>
             <a:picLocks noChangeAspect="1"/>
           </p:cNvPicPr>
           <p:nvPr/>
         </p:nvPicPr>
         <p:blipFill>
-          <a:blip r:embed="rId2">
+          <a:blip r:embed="rId3">
             <a:extLst/>
           </a:blip>
           <a:stretch>
@@ -8558,7 +9527,7 @@
       </p:grpSpPr>
       <p:sp>
         <p:nvSpPr>
-          <p:cNvPr id="211" name="Evaluate the classifier on data"/>
+          <p:cNvPr id="241" name="Evaluate the classifier on data"/>
           <p:cNvSpPr txBox="1"/>
           <p:nvPr>
             <p:ph type="title"/>
@@ -8582,14 +9551,14 @@
       </p:sp>
       <p:sp>
         <p:nvSpPr>
-          <p:cNvPr id="212" name="val predictions = model.transform(assembledTrainData)…"/>
+          <p:cNvPr id="242" name="val predictions = model.transform(assembledTrainData)…"/>
           <p:cNvSpPr txBox="1"/>
           <p:nvPr/>
         </p:nvSpPr>
         <p:spPr>
           <a:xfrm>
             <a:off x="1896586" y="1579880"/>
-            <a:ext cx="5350828" cy="1056641"/>
+            <a:ext cx="5709603" cy="999193"/>
           </a:xfrm>
           <a:prstGeom prst="rect">
             <a:avLst/>
@@ -8641,7 +9610,7 @@
       </p:sp>
       <p:pic>
         <p:nvPicPr>
-          <p:cNvPr id="213" name="Image" descr="Image"/>
+          <p:cNvPr id="243" name="Image" descr="Image"/>
           <p:cNvPicPr>
             <a:picLocks noChangeAspect="1"/>
           </p:cNvPicPr>
@@ -8696,7 +9665,7 @@
       </p:grpSpPr>
       <p:sp>
         <p:nvSpPr>
-          <p:cNvPr id="215" name="Transfer the classifier to RDD"/>
+          <p:cNvPr id="245" name="Transfer the classifier to RDD"/>
           <p:cNvSpPr txBox="1"/>
           <p:nvPr>
             <p:ph type="title"/>
@@ -8720,14 +9689,14 @@
       </p:sp>
       <p:sp>
         <p:nvSpPr>
-          <p:cNvPr id="216" name="val evaluator = new MulticlassClassificationEvaluator().…"/>
+          <p:cNvPr id="246" name="val evaluator = new MulticlassClassificationEvaluator().…"/>
           <p:cNvSpPr txBox="1"/>
           <p:nvPr/>
         </p:nvSpPr>
         <p:spPr>
           <a:xfrm>
             <a:off x="1360904" y="1592580"/>
-            <a:ext cx="6422192" cy="3710941"/>
+            <a:ext cx="7030106" cy="3513793"/>
           </a:xfrm>
           <a:prstGeom prst="rect">
             <a:avLst/>
@@ -8882,7 +9851,7 @@
       </p:grpSpPr>
       <p:sp>
         <p:nvSpPr>
-          <p:cNvPr id="218" name="Get the confusion matrix from RDD"/>
+          <p:cNvPr id="250" name="Get the confusion matrix from RDD"/>
           <p:cNvSpPr txBox="1"/>
           <p:nvPr>
             <p:ph type="title"/>
@@ -8895,7 +9864,11 @@
         </p:spPr>
         <p:txBody>
           <a:bodyPr/>
-          <a:lstStyle/>
+          <a:lstStyle>
+            <a:lvl1pPr defTabSz="850391">
+              <a:defRPr sz="4092"/>
+            </a:lvl1pPr>
+          </a:lstStyle>
           <a:p>
             <a:pPr/>
             <a:r>
@@ -8906,14 +9879,14 @@
       </p:sp>
       <p:sp>
         <p:nvSpPr>
-          <p:cNvPr id="219" name="val confusionMatrix = predictions.…"/>
+          <p:cNvPr id="251" name="val confusionMatrix = predictions.…"/>
           <p:cNvSpPr txBox="1"/>
           <p:nvPr/>
         </p:nvSpPr>
         <p:spPr>
           <a:xfrm>
             <a:off x="1360904" y="1592580"/>
-            <a:ext cx="3036948" cy="2263141"/>
+            <a:ext cx="3283407" cy="2142193"/>
           </a:xfrm>
           <a:prstGeom prst="rect">
             <a:avLst/>
@@ -8997,7 +9970,7 @@
       </p:sp>
       <p:pic>
         <p:nvPicPr>
-          <p:cNvPr id="220" name="Image" descr="Image"/>
+          <p:cNvPr id="252" name="Image" descr="Image"/>
           <p:cNvPicPr>
             <a:picLocks noChangeAspect="1"/>
           </p:cNvPicPr>
@@ -9052,7 +10025,7 @@
       </p:grpSpPr>
       <p:sp>
         <p:nvSpPr>
-          <p:cNvPr id="224" name="Assignment"/>
+          <p:cNvPr id="256" name="Assignment"/>
           <p:cNvSpPr txBox="1"/>
           <p:nvPr>
             <p:ph type="title"/>
@@ -9076,7 +10049,7 @@
       </p:sp>
       <p:sp>
         <p:nvSpPr>
-          <p:cNvPr id="225" name="Select a sensory dataset with clearly dependent channels (e.g. soil moisture vs. air temperature, sunshine, and rainfall)…"/>
+          <p:cNvPr id="257" name="Select a sensory dataset with clearly dependent channels (e.g. soil moisture vs. air temperature, sunshine, and rainfall)…"/>
           <p:cNvSpPr txBox="1"/>
           <p:nvPr>
             <p:ph type="body" idx="1"/>
@@ -9091,25 +10064,33 @@
           <a:bodyPr/>
           <a:lstStyle/>
           <a:p>
-            <a:pPr/>
+            <a:pPr marL="336042" indent="-336042" defTabSz="896111">
+              <a:defRPr sz="3136"/>
+            </a:pPr>
             <a:r>
               <a:t>Select a sensory dataset with clearly dependent channels (e.g. soil moisture vs. air temperature, sunshine, and rainfall)</a:t>
             </a:r>
           </a:p>
           <a:p>
-            <a:pPr/>
+            <a:pPr marL="336042" indent="-336042" defTabSz="896111">
+              <a:defRPr sz="3136"/>
+            </a:pPr>
             <a:r>
               <a:t>Divide the data into segments with low variance within segments</a:t>
             </a:r>
           </a:p>
           <a:p>
-            <a:pPr/>
+            <a:pPr marL="336042" indent="-336042" defTabSz="896111">
+              <a:defRPr sz="3136"/>
+            </a:pPr>
             <a:r>
               <a:t>Create a regression analysis with Scala or PySpark</a:t>
             </a:r>
           </a:p>
           <a:p>
-            <a:pPr/>
+            <a:pPr marL="336042" indent="-336042" defTabSz="896111">
+              <a:defRPr sz="3136"/>
+            </a:pPr>
             <a:r>
               <a:t>Discuss the results, consider temporal effects </a:t>
             </a:r>
@@ -9144,7 +10125,7 @@
       </p:grpSpPr>
       <p:sp>
         <p:nvSpPr>
-          <p:cNvPr id="227" name="Summary of the lecture"/>
+          <p:cNvPr id="259" name="Summary of the lecture"/>
           <p:cNvSpPr txBox="1"/>
           <p:nvPr>
             <p:ph type="title"/>
@@ -9168,7 +10149,7 @@
       </p:sp>
       <p:sp>
         <p:nvSpPr>
-          <p:cNvPr id="228" name="We have learned about using the Spark framework with Scala and its Machine Learning library, to analyze the connection between observed causes (environmental data) and effects (forest cover). We have found that by training a classifier and studying the confusion matrix, we can start learning more about the underlying processes. The techniques of the lecture can be extended to many other cases."/>
+          <p:cNvPr id="260" name="We have learned about using the Spark framework with Scala and its Machine Learning library, to analyze the connection between observed causes (environmental data) and effects (forest cover). We have found that by training a classifier and studying the confusion matrix, we can start learning more about the underlying processes. The techniques of the lecture can be extended to many other cases."/>
           <p:cNvSpPr txBox="1"/>
           <p:nvPr>
             <p:ph type="body" idx="1"/>
@@ -9271,30 +10252,33 @@
           <a:bodyPr/>
           <a:lstStyle/>
           <a:p>
-            <a:pPr marL="0" indent="0">
+            <a:pPr marL="0" indent="0" defTabSz="905255">
               <a:buSzTx/>
               <a:buFontTx/>
               <a:buNone/>
+              <a:defRPr sz="3168"/>
             </a:pPr>
             <a:r>
               <a:t>We learn about using AI technologies for regression and classification in a BD framework.</a:t>
             </a:r>
           </a:p>
           <a:p>
-            <a:pPr marL="0" indent="0">
+            <a:pPr marL="0" indent="0" defTabSz="905255">
               <a:buSzTx/>
               <a:buFontTx/>
               <a:buNone/>
+              <a:defRPr sz="3168"/>
             </a:pPr>
             <a:r>
               <a:t>The specific example is finding the connection between geological, geographical and climate parameters of different regions, and the actual forest observed in the location.</a:t>
             </a:r>
           </a:p>
           <a:p>
-            <a:pPr marL="0" indent="0">
+            <a:pPr marL="0" indent="0" defTabSz="905255">
               <a:buSzTx/>
               <a:buFontTx/>
               <a:buNone/>
+              <a:defRPr sz="3168"/>
             </a:pPr>
             <a:r>
               <a:t>It is important to follow up the lecture with working through the attached notebook.</a:t>
@@ -9373,30 +10357,33 @@
           <a:bodyPr/>
           <a:lstStyle/>
           <a:p>
-            <a:pPr marL="0" indent="0">
+            <a:pPr marL="0" indent="0" defTabSz="905255">
               <a:buSzTx/>
               <a:buFontTx/>
               <a:buNone/>
+              <a:defRPr sz="3168"/>
             </a:pPr>
             <a:r>
               <a:t>We learn about using AI technologies for regression and classification in a BD framework.</a:t>
             </a:r>
           </a:p>
           <a:p>
-            <a:pPr marL="0" indent="0">
+            <a:pPr marL="0" indent="0" defTabSz="905255">
               <a:buSzTx/>
               <a:buFontTx/>
               <a:buNone/>
+              <a:defRPr sz="3168"/>
             </a:pPr>
             <a:r>
               <a:t>The specific example is finding the connection between geological, geographical and climate parameters of different regions, and the actual forest observed in the location.</a:t>
             </a:r>
           </a:p>
           <a:p>
-            <a:pPr marL="0" indent="0">
+            <a:pPr marL="0" indent="0" defTabSz="905255">
               <a:buSzTx/>
               <a:buFontTx/>
               <a:buNone/>
+              <a:defRPr sz="3168"/>
             </a:pPr>
             <a:r>
               <a:t>It is important to follow up the lecture with working through the attached notebook.</a:t>
@@ -9471,45 +10458,57 @@
           <a:bodyPr/>
           <a:lstStyle/>
           <a:p>
-            <a:pPr/>
+            <a:pPr marL="325754" indent="-325754" defTabSz="868680">
+              <a:defRPr sz="3040"/>
+            </a:pPr>
             <a:r>
               <a:t>Introduction: Background of IoT, Big Data, AI</a:t>
             </a:r>
           </a:p>
           <a:p>
-            <a:pPr/>
+            <a:pPr marL="325754" indent="-325754" defTabSz="868680">
+              <a:defRPr sz="3040"/>
+            </a:pPr>
             <a:r>
               <a:t>Collect, analyze data from IoT on a large scale</a:t>
             </a:r>
           </a:p>
           <a:p>
-            <a:pPr/>
+            <a:pPr marL="325754" indent="-325754" defTabSz="868680">
+              <a:defRPr sz="3040"/>
+            </a:pPr>
             <a:r>
               <a:t>Elements and practice of statistics</a:t>
             </a:r>
           </a:p>
           <a:p>
-            <a:pPr/>
+            <a:pPr marL="325754" indent="-325754" defTabSz="868680">
+              <a:defRPr sz="3040"/>
+            </a:pPr>
             <a:r>
               <a:t>AI methods for data science</a:t>
             </a:r>
           </a:p>
           <a:p>
-            <a:pPr>
-              <a:defRPr b="1"/>
+            <a:pPr marL="325754" indent="-325754" defTabSz="868680">
+              <a:defRPr sz="3040"/>
             </a:pPr>
             <a:r>
+              <a:t>Getting further with AI: internal workings</a:t>
+            </a:r>
+          </a:p>
+          <a:p>
+            <a:pPr marL="325754" indent="-325754" defTabSz="868680">
+              <a:defRPr b="1" sz="3040"/>
+            </a:pPr>
+            <a:r>
               <a:t>Practical usage of AI for Big Data from IoT</a:t>
             </a:r>
           </a:p>
           <a:p>
-            <a:pPr/>
-            <a:r>
-              <a:t>Getting further with AI: internal workings</a:t>
-            </a:r>
-          </a:p>
-          <a:p>
-            <a:pPr/>
+            <a:pPr marL="325754" indent="-325754" defTabSz="868680">
+              <a:defRPr sz="3040"/>
+            </a:pPr>
             <a:r>
               <a:t>Moving into the real world</a:t>
             </a:r>
@@ -9559,7 +10558,9 @@
           <a:bodyPr/>
           <a:lstStyle/>
           <a:p>
-            <a:pPr lvl="1"/>
+            <a:pPr lvl="1" defTabSz="868680">
+              <a:defRPr sz="4180"/>
+            </a:pPr>
             <a:r>
               <a:t>AI for regression and classification</a:t>
             </a:r>
@@ -9748,7 +10749,7 @@
       </p:grpSpPr>
       <p:sp>
         <p:nvSpPr>
-          <p:cNvPr id="144" name="Regression vs. classification"/>
+          <p:cNvPr id="146" name="Regression vs. classification"/>
           <p:cNvSpPr txBox="1"/>
           <p:nvPr>
             <p:ph type="title"/>
@@ -9772,7 +10773,7 @@
       </p:sp>
       <p:sp>
         <p:nvSpPr>
-          <p:cNvPr id="145" name="If we have continuous outputs, or at least outputs with a range of values, we talk about regression…"/>
+          <p:cNvPr id="147" name="If we have continuous outputs, or at least outputs with a range of values, we talk about regression…"/>
           <p:cNvSpPr txBox="1"/>
           <p:nvPr>
             <p:ph type="body" idx="1"/>
@@ -9838,7 +10839,7 @@
       </p:grpSpPr>
       <p:sp>
         <p:nvSpPr>
-          <p:cNvPr id="147" name="Recall: “Linear Regression”"/>
+          <p:cNvPr id="151" name="Recall: “Linear Regression”"/>
           <p:cNvSpPr txBox="1"/>
           <p:nvPr>
             <p:ph type="title"/>
@@ -9862,7 +10863,7 @@
       </p:sp>
       <p:pic>
         <p:nvPicPr>
-          <p:cNvPr id="148" name="Picture Placeholder 2" descr="Picture Placeholder 2"/>
+          <p:cNvPr id="152" name="Picture Placeholder 2" descr="Picture Placeholder 2"/>
           <p:cNvPicPr>
             <a:picLocks noChangeAspect="1"/>
           </p:cNvPicPr>
@@ -9871,7 +10872,7 @@
           </p:nvPr>
         </p:nvPicPr>
         <p:blipFill>
-          <a:blip r:embed="rId2">
+          <a:blip r:embed="rId3">
             <a:extLst/>
           </a:blip>
           <a:srcRect l="8611" t="0" r="8611" b="0"/>
@@ -9887,7 +10888,7 @@
       </p:pic>
       <p:sp>
         <p:nvSpPr>
-          <p:cNvPr id="149" name="Body"/>
+          <p:cNvPr id="153" name="Body"/>
           <p:cNvSpPr txBox="1"/>
           <p:nvPr>
             <p:ph type="body" sz="quarter" idx="1"/>
@@ -9958,14 +10959,14 @@
     </a:clrScheme>
     <a:fontScheme name="Office Theme">
       <a:majorFont>
-        <a:latin typeface="Helvetica"/>
-        <a:ea typeface="Helvetica"/>
-        <a:cs typeface="Helvetica"/>
+        <a:latin typeface="Arial"/>
+        <a:ea typeface="Arial"/>
+        <a:cs typeface="Arial"/>
       </a:majorFont>
       <a:minorFont>
-        <a:latin typeface="Calibri"/>
-        <a:ea typeface="Calibri"/>
-        <a:cs typeface="Calibri"/>
+        <a:latin typeface="Arial"/>
+        <a:ea typeface="Arial"/>
+        <a:cs typeface="Arial"/>
       </a:minorFont>
     </a:fontScheme>
     <a:fmtScheme name="Office Theme">
@@ -10173,7 +11174,7 @@
             <a:latin typeface="+mn-lt"/>
             <a:ea typeface="+mn-ea"/>
             <a:cs typeface="+mn-cs"/>
-            <a:sym typeface="Calibri"/>
+            <a:sym typeface="Arial"/>
           </a:defRPr>
         </a:defPPr>
         <a:lvl1pPr marL="0" marR="0" indent="0" algn="l" defTabSz="914400" rtl="0" fontAlgn="auto" latinLnBrk="1" hangingPunct="0">
@@ -10750,7 +11751,7 @@
             <a:latin typeface="+mn-lt"/>
             <a:ea typeface="+mn-ea"/>
             <a:cs typeface="+mn-cs"/>
-            <a:sym typeface="Calibri"/>
+            <a:sym typeface="Arial"/>
           </a:defRPr>
         </a:defPPr>
         <a:lvl1pPr marL="0" marR="0" indent="0" algn="l" defTabSz="914400" rtl="0" fontAlgn="auto" latinLnBrk="1" hangingPunct="0">
@@ -11042,14 +12043,14 @@
     </a:clrScheme>
     <a:fontScheme name="Office Theme">
       <a:majorFont>
-        <a:latin typeface="Helvetica"/>
-        <a:ea typeface="Helvetica"/>
-        <a:cs typeface="Helvetica"/>
+        <a:latin typeface="Arial"/>
+        <a:ea typeface="Arial"/>
+        <a:cs typeface="Arial"/>
       </a:majorFont>
       <a:minorFont>
-        <a:latin typeface="Calibri"/>
-        <a:ea typeface="Calibri"/>
-        <a:cs typeface="Calibri"/>
+        <a:latin typeface="Arial"/>
+        <a:ea typeface="Arial"/>
+        <a:cs typeface="Arial"/>
       </a:minorFont>
     </a:fontScheme>
     <a:fmtScheme name="Office Theme">
@@ -11257,7 +12258,7 @@
             <a:latin typeface="+mn-lt"/>
             <a:ea typeface="+mn-ea"/>
             <a:cs typeface="+mn-cs"/>
-            <a:sym typeface="Calibri"/>
+            <a:sym typeface="Arial"/>
           </a:defRPr>
         </a:defPPr>
         <a:lvl1pPr marL="0" marR="0" indent="0" algn="l" defTabSz="914400" rtl="0" fontAlgn="auto" latinLnBrk="1" hangingPunct="0">
@@ -11834,7 +12835,7 @@
             <a:latin typeface="+mn-lt"/>
             <a:ea typeface="+mn-ea"/>
             <a:cs typeface="+mn-cs"/>
-            <a:sym typeface="Calibri"/>
+            <a:sym typeface="Arial"/>
           </a:defRPr>
         </a:defPPr>
         <a:lvl1pPr marL="0" marR="0" indent="0" algn="l" defTabSz="914400" rtl="0" fontAlgn="auto" latinLnBrk="1" hangingPunct="0">
